--- a/Artificial Intelligence and Machine Learning - 1st Study.pptx
+++ b/Artificial Intelligence and Machine Learning - 1st Study.pptx
@@ -5,73 +5,81 @@
     <p:sldMasterId id="2147483672" r:id="rId1"/>
   </p:sldMasterIdLst>
   <p:notesMasterIdLst>
-    <p:notesMasterId r:id="rId32"/>
+    <p:notesMasterId r:id="rId39"/>
   </p:notesMasterIdLst>
   <p:sldIdLst>
     <p:sldId id="329" r:id="rId2"/>
     <p:sldId id="330" r:id="rId3"/>
     <p:sldId id="362" r:id="rId4"/>
-    <p:sldId id="363" r:id="rId5"/>
-    <p:sldId id="386" r:id="rId6"/>
-    <p:sldId id="393" r:id="rId7"/>
-    <p:sldId id="394" r:id="rId8"/>
-    <p:sldId id="364" r:id="rId9"/>
-    <p:sldId id="392" r:id="rId10"/>
-    <p:sldId id="365" r:id="rId11"/>
-    <p:sldId id="391" r:id="rId12"/>
-    <p:sldId id="390" r:id="rId13"/>
-    <p:sldId id="366" r:id="rId14"/>
-    <p:sldId id="384" r:id="rId15"/>
-    <p:sldId id="389" r:id="rId16"/>
-    <p:sldId id="387" r:id="rId17"/>
-    <p:sldId id="388" r:id="rId18"/>
-    <p:sldId id="367" r:id="rId19"/>
-    <p:sldId id="368" r:id="rId20"/>
-    <p:sldId id="374" r:id="rId21"/>
-    <p:sldId id="376" r:id="rId22"/>
-    <p:sldId id="377" r:id="rId23"/>
-    <p:sldId id="379" r:id="rId24"/>
-    <p:sldId id="381" r:id="rId25"/>
-    <p:sldId id="382" r:id="rId26"/>
-    <p:sldId id="383" r:id="rId27"/>
-    <p:sldId id="385" r:id="rId28"/>
-    <p:sldId id="373" r:id="rId29"/>
-    <p:sldId id="370" r:id="rId30"/>
-    <p:sldId id="372" r:id="rId31"/>
+    <p:sldId id="386" r:id="rId5"/>
+    <p:sldId id="400" r:id="rId6"/>
+    <p:sldId id="391" r:id="rId7"/>
+    <p:sldId id="363" r:id="rId8"/>
+    <p:sldId id="399" r:id="rId9"/>
+    <p:sldId id="393" r:id="rId10"/>
+    <p:sldId id="394" r:id="rId11"/>
+    <p:sldId id="395" r:id="rId12"/>
+    <p:sldId id="396" r:id="rId13"/>
+    <p:sldId id="397" r:id="rId14"/>
+    <p:sldId id="398" r:id="rId15"/>
+    <p:sldId id="364" r:id="rId16"/>
+    <p:sldId id="392" r:id="rId17"/>
+    <p:sldId id="365" r:id="rId18"/>
+    <p:sldId id="401" r:id="rId19"/>
+    <p:sldId id="390" r:id="rId20"/>
+    <p:sldId id="366" r:id="rId21"/>
+    <p:sldId id="384" r:id="rId22"/>
+    <p:sldId id="389" r:id="rId23"/>
+    <p:sldId id="387" r:id="rId24"/>
+    <p:sldId id="388" r:id="rId25"/>
+    <p:sldId id="367" r:id="rId26"/>
+    <p:sldId id="368" r:id="rId27"/>
+    <p:sldId id="374" r:id="rId28"/>
+    <p:sldId id="376" r:id="rId29"/>
+    <p:sldId id="377" r:id="rId30"/>
+    <p:sldId id="379" r:id="rId31"/>
+    <p:sldId id="381" r:id="rId32"/>
+    <p:sldId id="382" r:id="rId33"/>
+    <p:sldId id="383" r:id="rId34"/>
+    <p:sldId id="385" r:id="rId35"/>
+    <p:sldId id="373" r:id="rId36"/>
+    <p:sldId id="370" r:id="rId37"/>
+    <p:sldId id="372" r:id="rId38"/>
   </p:sldIdLst>
   <p:sldSz cx="12192000" cy="6858000"/>
   <p:notesSz cx="6858000" cy="9144000"/>
   <p:embeddedFontLst>
     <p:embeddedFont>
-      <p:font typeface="Segoe UI Light" panose="020B0502040204020203" pitchFamily="34" charset="0"/>
-      <p:regular r:id="rId33"/>
+      <p:font typeface="Cambria Math" panose="02040503050406030204" pitchFamily="18" charset="0"/>
+      <p:regular r:id="rId40"/>
     </p:embeddedFont>
     <p:embeddedFont>
-      <p:font typeface="Cambria Math" panose="02040503050406030204" pitchFamily="18" charset="0"/>
-      <p:regular r:id="rId34"/>
+      <p:font typeface="Segoe UI Light" panose="020B0502040204020203" pitchFamily="34" charset="0"/>
+      <p:regular r:id="rId41"/>
+      <p:italic r:id="rId42"/>
     </p:embeddedFont>
     <p:embeddedFont>
       <p:font typeface="Segoe UI" panose="020B0502040204020203" pitchFamily="34" charset="0"/>
-      <p:regular r:id="rId35"/>
-      <p:bold r:id="rId36"/>
-      <p:italic r:id="rId37"/>
-      <p:boldItalic r:id="rId38"/>
+      <p:regular r:id="rId43"/>
+      <p:bold r:id="rId44"/>
+      <p:italic r:id="rId45"/>
+      <p:boldItalic r:id="rId46"/>
     </p:embeddedFont>
     <p:embeddedFont>
       <p:font typeface="맑은 고딕" panose="020B0503020000020004" pitchFamily="50" charset="-127"/>
-      <p:regular r:id="rId39"/>
-      <p:bold r:id="rId40"/>
+      <p:regular r:id="rId47"/>
+      <p:bold r:id="rId48"/>
     </p:embeddedFont>
     <p:embeddedFont>
       <p:font typeface="서울남산체 M" panose="02020603020101020101" pitchFamily="18" charset="-127"/>
-      <p:regular r:id="rId41"/>
+      <p:regular r:id="rId49"/>
     </p:embeddedFont>
     <p:embeddedFont>
       <p:font typeface="Calibri" panose="020F0502020204030204" pitchFamily="34" charset="0"/>
-      <p:regular r:id="rId42"/>
-      <p:bold r:id="rId43"/>
-      <p:italic r:id="rId44"/>
-      <p:boldItalic r:id="rId45"/>
+      <p:regular r:id="rId50"/>
+      <p:bold r:id="rId51"/>
+      <p:italic r:id="rId52"/>
+      <p:boldItalic r:id="rId53"/>
     </p:embeddedFont>
   </p:embeddedFontLst>
   <p:defaultTextStyle>
@@ -644,7 +652,7 @@
     </p:spTree>
     <p:extLst>
       <p:ext uri="{BB962C8B-B14F-4D97-AF65-F5344CB8AC3E}">
-        <p14:creationId xmlns:p14="http://schemas.microsoft.com/office/powerpoint/2010/main" val="3596943627"/>
+        <p14:creationId xmlns:p14="http://schemas.microsoft.com/office/powerpoint/2010/main" val="2030505937"/>
       </p:ext>
     </p:extLst>
   </p:cSld>
@@ -674,6 +682,216 @@
     </p:spTree>
     <p:extLst>
       <p:ext uri="{BB962C8B-B14F-4D97-AF65-F5344CB8AC3E}">
+        <p14:creationId xmlns:p14="http://schemas.microsoft.com/office/powerpoint/2010/main" val="301088027"/>
+      </p:ext>
+    </p:extLst>
+  </p:cSld>
+  <p:clrMapOvr>
+    <a:masterClrMapping/>
+  </p:clrMapOvr>
+</p:notes>
+</file>
+
+<file path=ppt/notesSlides/notesSlide12.xml><?xml version="1.0" encoding="utf-8"?>
+<p:notes xmlns:a="http://schemas.openxmlformats.org/drawingml/2006/main" xmlns:r="http://schemas.openxmlformats.org/officeDocument/2006/relationships" xmlns:p="http://schemas.openxmlformats.org/presentationml/2006/main">
+  <p:cSld>
+    <p:spTree>
+      <p:nvGrpSpPr>
+        <p:cNvPr id="1" name=""/>
+        <p:cNvGrpSpPr/>
+        <p:nvPr/>
+      </p:nvGrpSpPr>
+      <p:grpSpPr>
+        <a:xfrm>
+          <a:off x="0" y="0"/>
+          <a:ext cx="0" cy="0"/>
+          <a:chOff x="0" y="0"/>
+          <a:chExt cx="0" cy="0"/>
+        </a:xfrm>
+      </p:grpSpPr>
+    </p:spTree>
+    <p:extLst>
+      <p:ext uri="{BB962C8B-B14F-4D97-AF65-F5344CB8AC3E}">
+        <p14:creationId xmlns:p14="http://schemas.microsoft.com/office/powerpoint/2010/main" val="1042329589"/>
+      </p:ext>
+    </p:extLst>
+  </p:cSld>
+  <p:clrMapOvr>
+    <a:masterClrMapping/>
+  </p:clrMapOvr>
+</p:notes>
+</file>
+
+<file path=ppt/notesSlides/notesSlide13.xml><?xml version="1.0" encoding="utf-8"?>
+<p:notes xmlns:a="http://schemas.openxmlformats.org/drawingml/2006/main" xmlns:r="http://schemas.openxmlformats.org/officeDocument/2006/relationships" xmlns:p="http://schemas.openxmlformats.org/presentationml/2006/main">
+  <p:cSld>
+    <p:spTree>
+      <p:nvGrpSpPr>
+        <p:cNvPr id="1" name=""/>
+        <p:cNvGrpSpPr/>
+        <p:nvPr/>
+      </p:nvGrpSpPr>
+      <p:grpSpPr>
+        <a:xfrm>
+          <a:off x="0" y="0"/>
+          <a:ext cx="0" cy="0"/>
+          <a:chOff x="0" y="0"/>
+          <a:chExt cx="0" cy="0"/>
+        </a:xfrm>
+      </p:grpSpPr>
+    </p:spTree>
+    <p:extLst>
+      <p:ext uri="{BB962C8B-B14F-4D97-AF65-F5344CB8AC3E}">
+        <p14:creationId xmlns:p14="http://schemas.microsoft.com/office/powerpoint/2010/main" val="1165054542"/>
+      </p:ext>
+    </p:extLst>
+  </p:cSld>
+  <p:clrMapOvr>
+    <a:masterClrMapping/>
+  </p:clrMapOvr>
+</p:notes>
+</file>
+
+<file path=ppt/notesSlides/notesSlide14.xml><?xml version="1.0" encoding="utf-8"?>
+<p:notes xmlns:a="http://schemas.openxmlformats.org/drawingml/2006/main" xmlns:r="http://schemas.openxmlformats.org/officeDocument/2006/relationships" xmlns:p="http://schemas.openxmlformats.org/presentationml/2006/main">
+  <p:cSld>
+    <p:spTree>
+      <p:nvGrpSpPr>
+        <p:cNvPr id="1" name=""/>
+        <p:cNvGrpSpPr/>
+        <p:nvPr/>
+      </p:nvGrpSpPr>
+      <p:grpSpPr>
+        <a:xfrm>
+          <a:off x="0" y="0"/>
+          <a:ext cx="0" cy="0"/>
+          <a:chOff x="0" y="0"/>
+          <a:chExt cx="0" cy="0"/>
+        </a:xfrm>
+      </p:grpSpPr>
+    </p:spTree>
+    <p:extLst>
+      <p:ext uri="{BB962C8B-B14F-4D97-AF65-F5344CB8AC3E}">
+        <p14:creationId xmlns:p14="http://schemas.microsoft.com/office/powerpoint/2010/main" val="778053957"/>
+      </p:ext>
+    </p:extLst>
+  </p:cSld>
+  <p:clrMapOvr>
+    <a:masterClrMapping/>
+  </p:clrMapOvr>
+</p:notes>
+</file>
+
+<file path=ppt/notesSlides/notesSlide15.xml><?xml version="1.0" encoding="utf-8"?>
+<p:notes xmlns:a="http://schemas.openxmlformats.org/drawingml/2006/main" xmlns:r="http://schemas.openxmlformats.org/officeDocument/2006/relationships" xmlns:p="http://schemas.openxmlformats.org/presentationml/2006/main">
+  <p:cSld>
+    <p:spTree>
+      <p:nvGrpSpPr>
+        <p:cNvPr id="1" name=""/>
+        <p:cNvGrpSpPr/>
+        <p:nvPr/>
+      </p:nvGrpSpPr>
+      <p:grpSpPr>
+        <a:xfrm>
+          <a:off x="0" y="0"/>
+          <a:ext cx="0" cy="0"/>
+          <a:chOff x="0" y="0"/>
+          <a:chExt cx="0" cy="0"/>
+        </a:xfrm>
+      </p:grpSpPr>
+    </p:spTree>
+    <p:extLst>
+      <p:ext uri="{BB962C8B-B14F-4D97-AF65-F5344CB8AC3E}">
+        <p14:creationId xmlns:p14="http://schemas.microsoft.com/office/powerpoint/2010/main" val="3480466771"/>
+      </p:ext>
+    </p:extLst>
+  </p:cSld>
+  <p:clrMapOvr>
+    <a:masterClrMapping/>
+  </p:clrMapOvr>
+</p:notes>
+</file>
+
+<file path=ppt/notesSlides/notesSlide16.xml><?xml version="1.0" encoding="utf-8"?>
+<p:notes xmlns:a="http://schemas.openxmlformats.org/drawingml/2006/main" xmlns:r="http://schemas.openxmlformats.org/officeDocument/2006/relationships" xmlns:p="http://schemas.openxmlformats.org/presentationml/2006/main">
+  <p:cSld>
+    <p:spTree>
+      <p:nvGrpSpPr>
+        <p:cNvPr id="1" name=""/>
+        <p:cNvGrpSpPr/>
+        <p:nvPr/>
+      </p:nvGrpSpPr>
+      <p:grpSpPr>
+        <a:xfrm>
+          <a:off x="0" y="0"/>
+          <a:ext cx="0" cy="0"/>
+          <a:chOff x="0" y="0"/>
+          <a:chExt cx="0" cy="0"/>
+        </a:xfrm>
+      </p:grpSpPr>
+    </p:spTree>
+    <p:extLst>
+      <p:ext uri="{BB962C8B-B14F-4D97-AF65-F5344CB8AC3E}">
+        <p14:creationId xmlns:p14="http://schemas.microsoft.com/office/powerpoint/2010/main" val="3820161573"/>
+      </p:ext>
+    </p:extLst>
+  </p:cSld>
+  <p:clrMapOvr>
+    <a:masterClrMapping/>
+  </p:clrMapOvr>
+</p:notes>
+</file>
+
+<file path=ppt/notesSlides/notesSlide17.xml><?xml version="1.0" encoding="utf-8"?>
+<p:notes xmlns:a="http://schemas.openxmlformats.org/drawingml/2006/main" xmlns:r="http://schemas.openxmlformats.org/officeDocument/2006/relationships" xmlns:p="http://schemas.openxmlformats.org/presentationml/2006/main">
+  <p:cSld>
+    <p:spTree>
+      <p:nvGrpSpPr>
+        <p:cNvPr id="1" name=""/>
+        <p:cNvGrpSpPr/>
+        <p:nvPr/>
+      </p:nvGrpSpPr>
+      <p:grpSpPr>
+        <a:xfrm>
+          <a:off x="0" y="0"/>
+          <a:ext cx="0" cy="0"/>
+          <a:chOff x="0" y="0"/>
+          <a:chExt cx="0" cy="0"/>
+        </a:xfrm>
+      </p:grpSpPr>
+    </p:spTree>
+    <p:extLst>
+      <p:ext uri="{BB962C8B-B14F-4D97-AF65-F5344CB8AC3E}">
+        <p14:creationId xmlns:p14="http://schemas.microsoft.com/office/powerpoint/2010/main" val="3596943627"/>
+      </p:ext>
+    </p:extLst>
+  </p:cSld>
+  <p:clrMapOvr>
+    <a:masterClrMapping/>
+  </p:clrMapOvr>
+</p:notes>
+</file>
+
+<file path=ppt/notesSlides/notesSlide18.xml><?xml version="1.0" encoding="utf-8"?>
+<p:notes xmlns:a="http://schemas.openxmlformats.org/drawingml/2006/main" xmlns:r="http://schemas.openxmlformats.org/officeDocument/2006/relationships" xmlns:p="http://schemas.openxmlformats.org/presentationml/2006/main">
+  <p:cSld>
+    <p:spTree>
+      <p:nvGrpSpPr>
+        <p:cNvPr id="1" name=""/>
+        <p:cNvGrpSpPr/>
+        <p:nvPr/>
+      </p:nvGrpSpPr>
+      <p:grpSpPr>
+        <a:xfrm>
+          <a:off x="0" y="0"/>
+          <a:ext cx="0" cy="0"/>
+          <a:chOff x="0" y="0"/>
+          <a:chExt cx="0" cy="0"/>
+        </a:xfrm>
+      </p:grpSpPr>
+    </p:spTree>
+    <p:extLst>
+      <p:ext uri="{BB962C8B-B14F-4D97-AF65-F5344CB8AC3E}">
         <p14:creationId xmlns:p14="http://schemas.microsoft.com/office/powerpoint/2010/main" val="3358931999"/>
       </p:ext>
     </p:extLst>
@@ -684,7 +902,7 @@
 </p:notes>
 </file>
 
-<file path=ppt/notesSlides/notesSlide12.xml><?xml version="1.0" encoding="utf-8"?>
+<file path=ppt/notesSlides/notesSlide19.xml><?xml version="1.0" encoding="utf-8"?>
 <p:notes xmlns:a="http://schemas.openxmlformats.org/drawingml/2006/main" xmlns:r="http://schemas.openxmlformats.org/officeDocument/2006/relationships" xmlns:p="http://schemas.openxmlformats.org/presentationml/2006/main">
   <p:cSld>
     <p:spTree>
@@ -749,7 +967,7 @@
           <a:p>
             <a:fld id="{80E5F7B1-A22B-4383-89B4-FA12AEED286C}" type="slidenum">
               <a:rPr lang="en-US" smtClean="0"/>
-              <a:t>19</a:t>
+              <a:t>26</a:t>
             </a:fld>
             <a:endParaRPr lang="en-US"/>
           </a:p>
@@ -768,7 +986,37 @@
 </p:notes>
 </file>
 
-<file path=ppt/notesSlides/notesSlide13.xml><?xml version="1.0" encoding="utf-8"?>
+<file path=ppt/notesSlides/notesSlide2.xml><?xml version="1.0" encoding="utf-8"?>
+<p:notes xmlns:a="http://schemas.openxmlformats.org/drawingml/2006/main" xmlns:r="http://schemas.openxmlformats.org/officeDocument/2006/relationships" xmlns:p="http://schemas.openxmlformats.org/presentationml/2006/main">
+  <p:cSld>
+    <p:spTree>
+      <p:nvGrpSpPr>
+        <p:cNvPr id="1" name=""/>
+        <p:cNvGrpSpPr/>
+        <p:nvPr/>
+      </p:nvGrpSpPr>
+      <p:grpSpPr>
+        <a:xfrm>
+          <a:off x="0" y="0"/>
+          <a:ext cx="0" cy="0"/>
+          <a:chOff x="0" y="0"/>
+          <a:chExt cx="0" cy="0"/>
+        </a:xfrm>
+      </p:grpSpPr>
+    </p:spTree>
+    <p:extLst>
+      <p:ext uri="{BB962C8B-B14F-4D97-AF65-F5344CB8AC3E}">
+        <p14:creationId xmlns:p14="http://schemas.microsoft.com/office/powerpoint/2010/main" val="269766695"/>
+      </p:ext>
+    </p:extLst>
+  </p:cSld>
+  <p:clrMapOvr>
+    <a:masterClrMapping/>
+  </p:clrMapOvr>
+</p:notes>
+</file>
+
+<file path=ppt/notesSlides/notesSlide20.xml><?xml version="1.0" encoding="utf-8"?>
 <p:notes xmlns:a="http://schemas.openxmlformats.org/drawingml/2006/main" xmlns:r="http://schemas.openxmlformats.org/officeDocument/2006/relationships" xmlns:p="http://schemas.openxmlformats.org/presentationml/2006/main">
   <p:cSld>
     <p:spTree>
@@ -833,7 +1081,7 @@
           <a:p>
             <a:fld id="{80E5F7B1-A22B-4383-89B4-FA12AEED286C}" type="slidenum">
               <a:rPr lang="en-US" smtClean="0"/>
-              <a:t>20</a:t>
+              <a:t>27</a:t>
             </a:fld>
             <a:endParaRPr lang="en-US"/>
           </a:p>
@@ -843,516 +1091,6 @@
     <p:extLst>
       <p:ext uri="{BB962C8B-B14F-4D97-AF65-F5344CB8AC3E}">
         <p14:creationId xmlns:p14="http://schemas.microsoft.com/office/powerpoint/2010/main" val="2187180939"/>
-      </p:ext>
-    </p:extLst>
-  </p:cSld>
-  <p:clrMapOvr>
-    <a:masterClrMapping/>
-  </p:clrMapOvr>
-</p:notes>
-</file>
-
-<file path=ppt/notesSlides/notesSlide14.xml><?xml version="1.0" encoding="utf-8"?>
-<p:notes xmlns:a="http://schemas.openxmlformats.org/drawingml/2006/main" xmlns:r="http://schemas.openxmlformats.org/officeDocument/2006/relationships" xmlns:p="http://schemas.openxmlformats.org/presentationml/2006/main">
-  <p:cSld>
-    <p:spTree>
-      <p:nvGrpSpPr>
-        <p:cNvPr id="1" name=""/>
-        <p:cNvGrpSpPr/>
-        <p:nvPr/>
-      </p:nvGrpSpPr>
-      <p:grpSpPr>
-        <a:xfrm>
-          <a:off x="0" y="0"/>
-          <a:ext cx="0" cy="0"/>
-          <a:chOff x="0" y="0"/>
-          <a:chExt cx="0" cy="0"/>
-        </a:xfrm>
-      </p:grpSpPr>
-      <p:sp>
-        <p:nvSpPr>
-          <p:cNvPr id="2" name="Slide Image Placeholder 1"/>
-          <p:cNvSpPr>
-            <a:spLocks noGrp="1" noRot="1" noChangeAspect="1"/>
-          </p:cNvSpPr>
-          <p:nvPr>
-            <p:ph type="sldImg"/>
-          </p:nvPr>
-        </p:nvSpPr>
-        <p:spPr/>
-      </p:sp>
-      <p:sp>
-        <p:nvSpPr>
-          <p:cNvPr id="3" name="Notes Placeholder 2"/>
-          <p:cNvSpPr>
-            <a:spLocks noGrp="1"/>
-          </p:cNvSpPr>
-          <p:nvPr>
-            <p:ph type="body" idx="1"/>
-          </p:nvPr>
-        </p:nvSpPr>
-        <p:spPr/>
-        <p:txBody>
-          <a:bodyPr/>
-          <a:lstStyle/>
-          <a:p>
-            <a:endParaRPr lang="en-US" dirty="0"/>
-          </a:p>
-        </p:txBody>
-      </p:sp>
-      <p:sp>
-        <p:nvSpPr>
-          <p:cNvPr id="4" name="Slide Number Placeholder 3"/>
-          <p:cNvSpPr>
-            <a:spLocks noGrp="1"/>
-          </p:cNvSpPr>
-          <p:nvPr>
-            <p:ph type="sldNum" sz="quarter" idx="10"/>
-          </p:nvPr>
-        </p:nvSpPr>
-        <p:spPr/>
-        <p:txBody>
-          <a:bodyPr/>
-          <a:lstStyle/>
-          <a:p>
-            <a:fld id="{80E5F7B1-A22B-4383-89B4-FA12AEED286C}" type="slidenum">
-              <a:rPr lang="en-US" smtClean="0"/>
-              <a:t>21</a:t>
-            </a:fld>
-            <a:endParaRPr lang="en-US"/>
-          </a:p>
-        </p:txBody>
-      </p:sp>
-    </p:spTree>
-    <p:extLst>
-      <p:ext uri="{BB962C8B-B14F-4D97-AF65-F5344CB8AC3E}">
-        <p14:creationId xmlns:p14="http://schemas.microsoft.com/office/powerpoint/2010/main" val="3914948915"/>
-      </p:ext>
-    </p:extLst>
-  </p:cSld>
-  <p:clrMapOvr>
-    <a:masterClrMapping/>
-  </p:clrMapOvr>
-</p:notes>
-</file>
-
-<file path=ppt/notesSlides/notesSlide15.xml><?xml version="1.0" encoding="utf-8"?>
-<p:notes xmlns:a="http://schemas.openxmlformats.org/drawingml/2006/main" xmlns:r="http://schemas.openxmlformats.org/officeDocument/2006/relationships" xmlns:p="http://schemas.openxmlformats.org/presentationml/2006/main">
-  <p:cSld>
-    <p:spTree>
-      <p:nvGrpSpPr>
-        <p:cNvPr id="1" name=""/>
-        <p:cNvGrpSpPr/>
-        <p:nvPr/>
-      </p:nvGrpSpPr>
-      <p:grpSpPr>
-        <a:xfrm>
-          <a:off x="0" y="0"/>
-          <a:ext cx="0" cy="0"/>
-          <a:chOff x="0" y="0"/>
-          <a:chExt cx="0" cy="0"/>
-        </a:xfrm>
-      </p:grpSpPr>
-      <p:sp>
-        <p:nvSpPr>
-          <p:cNvPr id="2" name="Slide Image Placeholder 1"/>
-          <p:cNvSpPr>
-            <a:spLocks noGrp="1" noRot="1" noChangeAspect="1"/>
-          </p:cNvSpPr>
-          <p:nvPr>
-            <p:ph type="sldImg"/>
-          </p:nvPr>
-        </p:nvSpPr>
-        <p:spPr/>
-      </p:sp>
-      <p:sp>
-        <p:nvSpPr>
-          <p:cNvPr id="3" name="Notes Placeholder 2"/>
-          <p:cNvSpPr>
-            <a:spLocks noGrp="1"/>
-          </p:cNvSpPr>
-          <p:nvPr>
-            <p:ph type="body" idx="1"/>
-          </p:nvPr>
-        </p:nvSpPr>
-        <p:spPr/>
-        <p:txBody>
-          <a:bodyPr/>
-          <a:lstStyle/>
-          <a:p>
-            <a:endParaRPr lang="en-US" dirty="0"/>
-          </a:p>
-        </p:txBody>
-      </p:sp>
-      <p:sp>
-        <p:nvSpPr>
-          <p:cNvPr id="4" name="Slide Number Placeholder 3"/>
-          <p:cNvSpPr>
-            <a:spLocks noGrp="1"/>
-          </p:cNvSpPr>
-          <p:nvPr>
-            <p:ph type="sldNum" sz="quarter" idx="10"/>
-          </p:nvPr>
-        </p:nvSpPr>
-        <p:spPr/>
-        <p:txBody>
-          <a:bodyPr/>
-          <a:lstStyle/>
-          <a:p>
-            <a:fld id="{80E5F7B1-A22B-4383-89B4-FA12AEED286C}" type="slidenum">
-              <a:rPr lang="en-US" smtClean="0"/>
-              <a:t>22</a:t>
-            </a:fld>
-            <a:endParaRPr lang="en-US"/>
-          </a:p>
-        </p:txBody>
-      </p:sp>
-    </p:spTree>
-    <p:extLst>
-      <p:ext uri="{BB962C8B-B14F-4D97-AF65-F5344CB8AC3E}">
-        <p14:creationId xmlns:p14="http://schemas.microsoft.com/office/powerpoint/2010/main" val="3594742486"/>
-      </p:ext>
-    </p:extLst>
-  </p:cSld>
-  <p:clrMapOvr>
-    <a:masterClrMapping/>
-  </p:clrMapOvr>
-</p:notes>
-</file>
-
-<file path=ppt/notesSlides/notesSlide16.xml><?xml version="1.0" encoding="utf-8"?>
-<p:notes xmlns:a="http://schemas.openxmlformats.org/drawingml/2006/main" xmlns:r="http://schemas.openxmlformats.org/officeDocument/2006/relationships" xmlns:p="http://schemas.openxmlformats.org/presentationml/2006/main">
-  <p:cSld>
-    <p:spTree>
-      <p:nvGrpSpPr>
-        <p:cNvPr id="1" name=""/>
-        <p:cNvGrpSpPr/>
-        <p:nvPr/>
-      </p:nvGrpSpPr>
-      <p:grpSpPr>
-        <a:xfrm>
-          <a:off x="0" y="0"/>
-          <a:ext cx="0" cy="0"/>
-          <a:chOff x="0" y="0"/>
-          <a:chExt cx="0" cy="0"/>
-        </a:xfrm>
-      </p:grpSpPr>
-      <p:sp>
-        <p:nvSpPr>
-          <p:cNvPr id="2" name="Slide Image Placeholder 1"/>
-          <p:cNvSpPr>
-            <a:spLocks noGrp="1" noRot="1" noChangeAspect="1"/>
-          </p:cNvSpPr>
-          <p:nvPr>
-            <p:ph type="sldImg"/>
-          </p:nvPr>
-        </p:nvSpPr>
-        <p:spPr/>
-      </p:sp>
-      <p:sp>
-        <p:nvSpPr>
-          <p:cNvPr id="3" name="Notes Placeholder 2"/>
-          <p:cNvSpPr>
-            <a:spLocks noGrp="1"/>
-          </p:cNvSpPr>
-          <p:nvPr>
-            <p:ph type="body" idx="1"/>
-          </p:nvPr>
-        </p:nvSpPr>
-        <p:spPr/>
-        <p:txBody>
-          <a:bodyPr/>
-          <a:lstStyle/>
-          <a:p>
-            <a:endParaRPr lang="en-US" dirty="0"/>
-          </a:p>
-        </p:txBody>
-      </p:sp>
-      <p:sp>
-        <p:nvSpPr>
-          <p:cNvPr id="4" name="Slide Number Placeholder 3"/>
-          <p:cNvSpPr>
-            <a:spLocks noGrp="1"/>
-          </p:cNvSpPr>
-          <p:nvPr>
-            <p:ph type="sldNum" sz="quarter" idx="10"/>
-          </p:nvPr>
-        </p:nvSpPr>
-        <p:spPr/>
-        <p:txBody>
-          <a:bodyPr/>
-          <a:lstStyle/>
-          <a:p>
-            <a:fld id="{80E5F7B1-A22B-4383-89B4-FA12AEED286C}" type="slidenum">
-              <a:rPr lang="en-US" smtClean="0"/>
-              <a:t>23</a:t>
-            </a:fld>
-            <a:endParaRPr lang="en-US"/>
-          </a:p>
-        </p:txBody>
-      </p:sp>
-    </p:spTree>
-    <p:extLst>
-      <p:ext uri="{BB962C8B-B14F-4D97-AF65-F5344CB8AC3E}">
-        <p14:creationId xmlns:p14="http://schemas.microsoft.com/office/powerpoint/2010/main" val="579290908"/>
-      </p:ext>
-    </p:extLst>
-  </p:cSld>
-  <p:clrMapOvr>
-    <a:masterClrMapping/>
-  </p:clrMapOvr>
-</p:notes>
-</file>
-
-<file path=ppt/notesSlides/notesSlide17.xml><?xml version="1.0" encoding="utf-8"?>
-<p:notes xmlns:a="http://schemas.openxmlformats.org/drawingml/2006/main" xmlns:r="http://schemas.openxmlformats.org/officeDocument/2006/relationships" xmlns:p="http://schemas.openxmlformats.org/presentationml/2006/main">
-  <p:cSld>
-    <p:spTree>
-      <p:nvGrpSpPr>
-        <p:cNvPr id="1" name=""/>
-        <p:cNvGrpSpPr/>
-        <p:nvPr/>
-      </p:nvGrpSpPr>
-      <p:grpSpPr>
-        <a:xfrm>
-          <a:off x="0" y="0"/>
-          <a:ext cx="0" cy="0"/>
-          <a:chOff x="0" y="0"/>
-          <a:chExt cx="0" cy="0"/>
-        </a:xfrm>
-      </p:grpSpPr>
-      <p:sp>
-        <p:nvSpPr>
-          <p:cNvPr id="2" name="Slide Image Placeholder 1"/>
-          <p:cNvSpPr>
-            <a:spLocks noGrp="1" noRot="1" noChangeAspect="1"/>
-          </p:cNvSpPr>
-          <p:nvPr>
-            <p:ph type="sldImg"/>
-          </p:nvPr>
-        </p:nvSpPr>
-        <p:spPr/>
-      </p:sp>
-      <p:sp>
-        <p:nvSpPr>
-          <p:cNvPr id="3" name="Notes Placeholder 2"/>
-          <p:cNvSpPr>
-            <a:spLocks noGrp="1"/>
-          </p:cNvSpPr>
-          <p:nvPr>
-            <p:ph type="body" idx="1"/>
-          </p:nvPr>
-        </p:nvSpPr>
-        <p:spPr/>
-        <p:txBody>
-          <a:bodyPr/>
-          <a:lstStyle/>
-          <a:p>
-            <a:endParaRPr lang="en-US" dirty="0"/>
-          </a:p>
-        </p:txBody>
-      </p:sp>
-      <p:sp>
-        <p:nvSpPr>
-          <p:cNvPr id="4" name="Slide Number Placeholder 3"/>
-          <p:cNvSpPr>
-            <a:spLocks noGrp="1"/>
-          </p:cNvSpPr>
-          <p:nvPr>
-            <p:ph type="sldNum" sz="quarter" idx="10"/>
-          </p:nvPr>
-        </p:nvSpPr>
-        <p:spPr/>
-        <p:txBody>
-          <a:bodyPr/>
-          <a:lstStyle/>
-          <a:p>
-            <a:fld id="{80E5F7B1-A22B-4383-89B4-FA12AEED286C}" type="slidenum">
-              <a:rPr lang="en-US" smtClean="0"/>
-              <a:t>24</a:t>
-            </a:fld>
-            <a:endParaRPr lang="en-US"/>
-          </a:p>
-        </p:txBody>
-      </p:sp>
-    </p:spTree>
-    <p:extLst>
-      <p:ext uri="{BB962C8B-B14F-4D97-AF65-F5344CB8AC3E}">
-        <p14:creationId xmlns:p14="http://schemas.microsoft.com/office/powerpoint/2010/main" val="448219396"/>
-      </p:ext>
-    </p:extLst>
-  </p:cSld>
-  <p:clrMapOvr>
-    <a:masterClrMapping/>
-  </p:clrMapOvr>
-</p:notes>
-</file>
-
-<file path=ppt/notesSlides/notesSlide18.xml><?xml version="1.0" encoding="utf-8"?>
-<p:notes xmlns:a="http://schemas.openxmlformats.org/drawingml/2006/main" xmlns:r="http://schemas.openxmlformats.org/officeDocument/2006/relationships" xmlns:p="http://schemas.openxmlformats.org/presentationml/2006/main">
-  <p:cSld>
-    <p:spTree>
-      <p:nvGrpSpPr>
-        <p:cNvPr id="1" name=""/>
-        <p:cNvGrpSpPr/>
-        <p:nvPr/>
-      </p:nvGrpSpPr>
-      <p:grpSpPr>
-        <a:xfrm>
-          <a:off x="0" y="0"/>
-          <a:ext cx="0" cy="0"/>
-          <a:chOff x="0" y="0"/>
-          <a:chExt cx="0" cy="0"/>
-        </a:xfrm>
-      </p:grpSpPr>
-      <p:sp>
-        <p:nvSpPr>
-          <p:cNvPr id="2" name="Slide Image Placeholder 1"/>
-          <p:cNvSpPr>
-            <a:spLocks noGrp="1" noRot="1" noChangeAspect="1"/>
-          </p:cNvSpPr>
-          <p:nvPr>
-            <p:ph type="sldImg"/>
-          </p:nvPr>
-        </p:nvSpPr>
-        <p:spPr/>
-      </p:sp>
-      <p:sp>
-        <p:nvSpPr>
-          <p:cNvPr id="3" name="Notes Placeholder 2"/>
-          <p:cNvSpPr>
-            <a:spLocks noGrp="1"/>
-          </p:cNvSpPr>
-          <p:nvPr>
-            <p:ph type="body" idx="1"/>
-          </p:nvPr>
-        </p:nvSpPr>
-        <p:spPr/>
-        <p:txBody>
-          <a:bodyPr/>
-          <a:lstStyle/>
-          <a:p>
-            <a:endParaRPr lang="en-US" dirty="0"/>
-          </a:p>
-        </p:txBody>
-      </p:sp>
-      <p:sp>
-        <p:nvSpPr>
-          <p:cNvPr id="4" name="Slide Number Placeholder 3"/>
-          <p:cNvSpPr>
-            <a:spLocks noGrp="1"/>
-          </p:cNvSpPr>
-          <p:nvPr>
-            <p:ph type="sldNum" sz="quarter" idx="10"/>
-          </p:nvPr>
-        </p:nvSpPr>
-        <p:spPr/>
-        <p:txBody>
-          <a:bodyPr/>
-          <a:lstStyle/>
-          <a:p>
-            <a:fld id="{80E5F7B1-A22B-4383-89B4-FA12AEED286C}" type="slidenum">
-              <a:rPr lang="en-US" smtClean="0"/>
-              <a:t>25</a:t>
-            </a:fld>
-            <a:endParaRPr lang="en-US"/>
-          </a:p>
-        </p:txBody>
-      </p:sp>
-    </p:spTree>
-    <p:extLst>
-      <p:ext uri="{BB962C8B-B14F-4D97-AF65-F5344CB8AC3E}">
-        <p14:creationId xmlns:p14="http://schemas.microsoft.com/office/powerpoint/2010/main" val="3099165771"/>
-      </p:ext>
-    </p:extLst>
-  </p:cSld>
-  <p:clrMapOvr>
-    <a:masterClrMapping/>
-  </p:clrMapOvr>
-</p:notes>
-</file>
-
-<file path=ppt/notesSlides/notesSlide19.xml><?xml version="1.0" encoding="utf-8"?>
-<p:notes xmlns:a="http://schemas.openxmlformats.org/drawingml/2006/main" xmlns:r="http://schemas.openxmlformats.org/officeDocument/2006/relationships" xmlns:p="http://schemas.openxmlformats.org/presentationml/2006/main">
-  <p:cSld>
-    <p:spTree>
-      <p:nvGrpSpPr>
-        <p:cNvPr id="1" name=""/>
-        <p:cNvGrpSpPr/>
-        <p:nvPr/>
-      </p:nvGrpSpPr>
-      <p:grpSpPr>
-        <a:xfrm>
-          <a:off x="0" y="0"/>
-          <a:ext cx="0" cy="0"/>
-          <a:chOff x="0" y="0"/>
-          <a:chExt cx="0" cy="0"/>
-        </a:xfrm>
-      </p:grpSpPr>
-    </p:spTree>
-    <p:extLst>
-      <p:ext uri="{BB962C8B-B14F-4D97-AF65-F5344CB8AC3E}">
-        <p14:creationId xmlns:p14="http://schemas.microsoft.com/office/powerpoint/2010/main" val="938980384"/>
-      </p:ext>
-    </p:extLst>
-  </p:cSld>
-  <p:clrMapOvr>
-    <a:masterClrMapping/>
-  </p:clrMapOvr>
-</p:notes>
-</file>
-
-<file path=ppt/notesSlides/notesSlide2.xml><?xml version="1.0" encoding="utf-8"?>
-<p:notes xmlns:a="http://schemas.openxmlformats.org/drawingml/2006/main" xmlns:r="http://schemas.openxmlformats.org/officeDocument/2006/relationships" xmlns:p="http://schemas.openxmlformats.org/presentationml/2006/main">
-  <p:cSld>
-    <p:spTree>
-      <p:nvGrpSpPr>
-        <p:cNvPr id="1" name=""/>
-        <p:cNvGrpSpPr/>
-        <p:nvPr/>
-      </p:nvGrpSpPr>
-      <p:grpSpPr>
-        <a:xfrm>
-          <a:off x="0" y="0"/>
-          <a:ext cx="0" cy="0"/>
-          <a:chOff x="0" y="0"/>
-          <a:chExt cx="0" cy="0"/>
-        </a:xfrm>
-      </p:grpSpPr>
-    </p:spTree>
-    <p:extLst>
-      <p:ext uri="{BB962C8B-B14F-4D97-AF65-F5344CB8AC3E}">
-        <p14:creationId xmlns:p14="http://schemas.microsoft.com/office/powerpoint/2010/main" val="269766695"/>
-      </p:ext>
-    </p:extLst>
-  </p:cSld>
-  <p:clrMapOvr>
-    <a:masterClrMapping/>
-  </p:clrMapOvr>
-</p:notes>
-</file>
-
-<file path=ppt/notesSlides/notesSlide20.xml><?xml version="1.0" encoding="utf-8"?>
-<p:notes xmlns:a="http://schemas.openxmlformats.org/drawingml/2006/main" xmlns:r="http://schemas.openxmlformats.org/officeDocument/2006/relationships" xmlns:p="http://schemas.openxmlformats.org/presentationml/2006/main">
-  <p:cSld>
-    <p:spTree>
-      <p:nvGrpSpPr>
-        <p:cNvPr id="1" name=""/>
-        <p:cNvGrpSpPr/>
-        <p:nvPr/>
-      </p:nvGrpSpPr>
-      <p:grpSpPr>
-        <a:xfrm>
-          <a:off x="0" y="0"/>
-          <a:ext cx="0" cy="0"/>
-          <a:chOff x="0" y="0"/>
-          <a:chExt cx="0" cy="0"/>
-        </a:xfrm>
-      </p:grpSpPr>
-    </p:spTree>
-    <p:extLst>
-      <p:ext uri="{BB962C8B-B14F-4D97-AF65-F5344CB8AC3E}">
-        <p14:creationId xmlns:p14="http://schemas.microsoft.com/office/powerpoint/2010/main" val="872148834"/>
       </p:ext>
     </p:extLst>
   </p:cSld>
@@ -1436,7 +1174,7 @@
     </p:spTree>
     <p:extLst>
       <p:ext uri="{BB962C8B-B14F-4D97-AF65-F5344CB8AC3E}">
-        <p14:creationId xmlns:p14="http://schemas.microsoft.com/office/powerpoint/2010/main" val="1823287220"/>
+        <p14:creationId xmlns:p14="http://schemas.microsoft.com/office/powerpoint/2010/main" val="3914948915"/>
       </p:ext>
     </p:extLst>
   </p:cSld>
@@ -1520,7 +1258,7 @@
     </p:spTree>
     <p:extLst>
       <p:ext uri="{BB962C8B-B14F-4D97-AF65-F5344CB8AC3E}">
-        <p14:creationId xmlns:p14="http://schemas.microsoft.com/office/powerpoint/2010/main" val="1867236342"/>
+        <p14:creationId xmlns:p14="http://schemas.microsoft.com/office/powerpoint/2010/main" val="3594742486"/>
       </p:ext>
     </p:extLst>
   </p:cSld>
@@ -1604,7 +1342,403 @@
     </p:spTree>
     <p:extLst>
       <p:ext uri="{BB962C8B-B14F-4D97-AF65-F5344CB8AC3E}">
-        <p14:creationId xmlns:p14="http://schemas.microsoft.com/office/powerpoint/2010/main" val="3505385442"/>
+        <p14:creationId xmlns:p14="http://schemas.microsoft.com/office/powerpoint/2010/main" val="579290908"/>
+      </p:ext>
+    </p:extLst>
+  </p:cSld>
+  <p:clrMapOvr>
+    <a:masterClrMapping/>
+  </p:clrMapOvr>
+</p:notes>
+</file>
+
+<file path=ppt/notesSlides/notesSlide24.xml><?xml version="1.0" encoding="utf-8"?>
+<p:notes xmlns:a="http://schemas.openxmlformats.org/drawingml/2006/main" xmlns:r="http://schemas.openxmlformats.org/officeDocument/2006/relationships" xmlns:p="http://schemas.openxmlformats.org/presentationml/2006/main">
+  <p:cSld>
+    <p:spTree>
+      <p:nvGrpSpPr>
+        <p:cNvPr id="1" name=""/>
+        <p:cNvGrpSpPr/>
+        <p:nvPr/>
+      </p:nvGrpSpPr>
+      <p:grpSpPr>
+        <a:xfrm>
+          <a:off x="0" y="0"/>
+          <a:ext cx="0" cy="0"/>
+          <a:chOff x="0" y="0"/>
+          <a:chExt cx="0" cy="0"/>
+        </a:xfrm>
+      </p:grpSpPr>
+      <p:sp>
+        <p:nvSpPr>
+          <p:cNvPr id="2" name="Slide Image Placeholder 1"/>
+          <p:cNvSpPr>
+            <a:spLocks noGrp="1" noRot="1" noChangeAspect="1"/>
+          </p:cNvSpPr>
+          <p:nvPr>
+            <p:ph type="sldImg"/>
+          </p:nvPr>
+        </p:nvSpPr>
+        <p:spPr/>
+      </p:sp>
+      <p:sp>
+        <p:nvSpPr>
+          <p:cNvPr id="3" name="Notes Placeholder 2"/>
+          <p:cNvSpPr>
+            <a:spLocks noGrp="1"/>
+          </p:cNvSpPr>
+          <p:nvPr>
+            <p:ph type="body" idx="1"/>
+          </p:nvPr>
+        </p:nvSpPr>
+        <p:spPr/>
+        <p:txBody>
+          <a:bodyPr/>
+          <a:lstStyle/>
+          <a:p>
+            <a:endParaRPr lang="en-US" dirty="0"/>
+          </a:p>
+        </p:txBody>
+      </p:sp>
+      <p:sp>
+        <p:nvSpPr>
+          <p:cNvPr id="4" name="Slide Number Placeholder 3"/>
+          <p:cNvSpPr>
+            <a:spLocks noGrp="1"/>
+          </p:cNvSpPr>
+          <p:nvPr>
+            <p:ph type="sldNum" sz="quarter" idx="10"/>
+          </p:nvPr>
+        </p:nvSpPr>
+        <p:spPr/>
+        <p:txBody>
+          <a:bodyPr/>
+          <a:lstStyle/>
+          <a:p>
+            <a:fld id="{80E5F7B1-A22B-4383-89B4-FA12AEED286C}" type="slidenum">
+              <a:rPr lang="en-US" smtClean="0"/>
+              <a:t>31</a:t>
+            </a:fld>
+            <a:endParaRPr lang="en-US"/>
+          </a:p>
+        </p:txBody>
+      </p:sp>
+    </p:spTree>
+    <p:extLst>
+      <p:ext uri="{BB962C8B-B14F-4D97-AF65-F5344CB8AC3E}">
+        <p14:creationId xmlns:p14="http://schemas.microsoft.com/office/powerpoint/2010/main" val="448219396"/>
+      </p:ext>
+    </p:extLst>
+  </p:cSld>
+  <p:clrMapOvr>
+    <a:masterClrMapping/>
+  </p:clrMapOvr>
+</p:notes>
+</file>
+
+<file path=ppt/notesSlides/notesSlide25.xml><?xml version="1.0" encoding="utf-8"?>
+<p:notes xmlns:a="http://schemas.openxmlformats.org/drawingml/2006/main" xmlns:r="http://schemas.openxmlformats.org/officeDocument/2006/relationships" xmlns:p="http://schemas.openxmlformats.org/presentationml/2006/main">
+  <p:cSld>
+    <p:spTree>
+      <p:nvGrpSpPr>
+        <p:cNvPr id="1" name=""/>
+        <p:cNvGrpSpPr/>
+        <p:nvPr/>
+      </p:nvGrpSpPr>
+      <p:grpSpPr>
+        <a:xfrm>
+          <a:off x="0" y="0"/>
+          <a:ext cx="0" cy="0"/>
+          <a:chOff x="0" y="0"/>
+          <a:chExt cx="0" cy="0"/>
+        </a:xfrm>
+      </p:grpSpPr>
+      <p:sp>
+        <p:nvSpPr>
+          <p:cNvPr id="2" name="Slide Image Placeholder 1"/>
+          <p:cNvSpPr>
+            <a:spLocks noGrp="1" noRot="1" noChangeAspect="1"/>
+          </p:cNvSpPr>
+          <p:nvPr>
+            <p:ph type="sldImg"/>
+          </p:nvPr>
+        </p:nvSpPr>
+        <p:spPr/>
+      </p:sp>
+      <p:sp>
+        <p:nvSpPr>
+          <p:cNvPr id="3" name="Notes Placeholder 2"/>
+          <p:cNvSpPr>
+            <a:spLocks noGrp="1"/>
+          </p:cNvSpPr>
+          <p:nvPr>
+            <p:ph type="body" idx="1"/>
+          </p:nvPr>
+        </p:nvSpPr>
+        <p:spPr/>
+        <p:txBody>
+          <a:bodyPr/>
+          <a:lstStyle/>
+          <a:p>
+            <a:endParaRPr lang="en-US" dirty="0"/>
+          </a:p>
+        </p:txBody>
+      </p:sp>
+      <p:sp>
+        <p:nvSpPr>
+          <p:cNvPr id="4" name="Slide Number Placeholder 3"/>
+          <p:cNvSpPr>
+            <a:spLocks noGrp="1"/>
+          </p:cNvSpPr>
+          <p:nvPr>
+            <p:ph type="sldNum" sz="quarter" idx="10"/>
+          </p:nvPr>
+        </p:nvSpPr>
+        <p:spPr/>
+        <p:txBody>
+          <a:bodyPr/>
+          <a:lstStyle/>
+          <a:p>
+            <a:fld id="{80E5F7B1-A22B-4383-89B4-FA12AEED286C}" type="slidenum">
+              <a:rPr lang="en-US" smtClean="0"/>
+              <a:t>32</a:t>
+            </a:fld>
+            <a:endParaRPr lang="en-US"/>
+          </a:p>
+        </p:txBody>
+      </p:sp>
+    </p:spTree>
+    <p:extLst>
+      <p:ext uri="{BB962C8B-B14F-4D97-AF65-F5344CB8AC3E}">
+        <p14:creationId xmlns:p14="http://schemas.microsoft.com/office/powerpoint/2010/main" val="3099165771"/>
+      </p:ext>
+    </p:extLst>
+  </p:cSld>
+  <p:clrMapOvr>
+    <a:masterClrMapping/>
+  </p:clrMapOvr>
+</p:notes>
+</file>
+
+<file path=ppt/notesSlides/notesSlide26.xml><?xml version="1.0" encoding="utf-8"?>
+<p:notes xmlns:a="http://schemas.openxmlformats.org/drawingml/2006/main" xmlns:r="http://schemas.openxmlformats.org/officeDocument/2006/relationships" xmlns:p="http://schemas.openxmlformats.org/presentationml/2006/main">
+  <p:cSld>
+    <p:spTree>
+      <p:nvGrpSpPr>
+        <p:cNvPr id="1" name=""/>
+        <p:cNvGrpSpPr/>
+        <p:nvPr/>
+      </p:nvGrpSpPr>
+      <p:grpSpPr>
+        <a:xfrm>
+          <a:off x="0" y="0"/>
+          <a:ext cx="0" cy="0"/>
+          <a:chOff x="0" y="0"/>
+          <a:chExt cx="0" cy="0"/>
+        </a:xfrm>
+      </p:grpSpPr>
+    </p:spTree>
+    <p:extLst>
+      <p:ext uri="{BB962C8B-B14F-4D97-AF65-F5344CB8AC3E}">
+        <p14:creationId xmlns:p14="http://schemas.microsoft.com/office/powerpoint/2010/main" val="938980384"/>
+      </p:ext>
+    </p:extLst>
+  </p:cSld>
+  <p:clrMapOvr>
+    <a:masterClrMapping/>
+  </p:clrMapOvr>
+</p:notes>
+</file>
+
+<file path=ppt/notesSlides/notesSlide27.xml><?xml version="1.0" encoding="utf-8"?>
+<p:notes xmlns:a="http://schemas.openxmlformats.org/drawingml/2006/main" xmlns:r="http://schemas.openxmlformats.org/officeDocument/2006/relationships" xmlns:p="http://schemas.openxmlformats.org/presentationml/2006/main">
+  <p:cSld>
+    <p:spTree>
+      <p:nvGrpSpPr>
+        <p:cNvPr id="1" name=""/>
+        <p:cNvGrpSpPr/>
+        <p:nvPr/>
+      </p:nvGrpSpPr>
+      <p:grpSpPr>
+        <a:xfrm>
+          <a:off x="0" y="0"/>
+          <a:ext cx="0" cy="0"/>
+          <a:chOff x="0" y="0"/>
+          <a:chExt cx="0" cy="0"/>
+        </a:xfrm>
+      </p:grpSpPr>
+    </p:spTree>
+    <p:extLst>
+      <p:ext uri="{BB962C8B-B14F-4D97-AF65-F5344CB8AC3E}">
+        <p14:creationId xmlns:p14="http://schemas.microsoft.com/office/powerpoint/2010/main" val="872148834"/>
+      </p:ext>
+    </p:extLst>
+  </p:cSld>
+  <p:clrMapOvr>
+    <a:masterClrMapping/>
+  </p:clrMapOvr>
+</p:notes>
+</file>
+
+<file path=ppt/notesSlides/notesSlide28.xml><?xml version="1.0" encoding="utf-8"?>
+<p:notes xmlns:a="http://schemas.openxmlformats.org/drawingml/2006/main" xmlns:r="http://schemas.openxmlformats.org/officeDocument/2006/relationships" xmlns:p="http://schemas.openxmlformats.org/presentationml/2006/main">
+  <p:cSld>
+    <p:spTree>
+      <p:nvGrpSpPr>
+        <p:cNvPr id="1" name=""/>
+        <p:cNvGrpSpPr/>
+        <p:nvPr/>
+      </p:nvGrpSpPr>
+      <p:grpSpPr>
+        <a:xfrm>
+          <a:off x="0" y="0"/>
+          <a:ext cx="0" cy="0"/>
+          <a:chOff x="0" y="0"/>
+          <a:chExt cx="0" cy="0"/>
+        </a:xfrm>
+      </p:grpSpPr>
+      <p:sp>
+        <p:nvSpPr>
+          <p:cNvPr id="2" name="Slide Image Placeholder 1"/>
+          <p:cNvSpPr>
+            <a:spLocks noGrp="1" noRot="1" noChangeAspect="1"/>
+          </p:cNvSpPr>
+          <p:nvPr>
+            <p:ph type="sldImg"/>
+          </p:nvPr>
+        </p:nvSpPr>
+        <p:spPr/>
+      </p:sp>
+      <p:sp>
+        <p:nvSpPr>
+          <p:cNvPr id="3" name="Notes Placeholder 2"/>
+          <p:cNvSpPr>
+            <a:spLocks noGrp="1"/>
+          </p:cNvSpPr>
+          <p:nvPr>
+            <p:ph type="body" idx="1"/>
+          </p:nvPr>
+        </p:nvSpPr>
+        <p:spPr/>
+        <p:txBody>
+          <a:bodyPr/>
+          <a:lstStyle/>
+          <a:p>
+            <a:endParaRPr lang="en-US" dirty="0"/>
+          </a:p>
+        </p:txBody>
+      </p:sp>
+      <p:sp>
+        <p:nvSpPr>
+          <p:cNvPr id="4" name="Slide Number Placeholder 3"/>
+          <p:cNvSpPr>
+            <a:spLocks noGrp="1"/>
+          </p:cNvSpPr>
+          <p:nvPr>
+            <p:ph type="sldNum" sz="quarter" idx="10"/>
+          </p:nvPr>
+        </p:nvSpPr>
+        <p:spPr/>
+        <p:txBody>
+          <a:bodyPr/>
+          <a:lstStyle/>
+          <a:p>
+            <a:fld id="{80E5F7B1-A22B-4383-89B4-FA12AEED286C}" type="slidenum">
+              <a:rPr lang="en-US" smtClean="0"/>
+              <a:t>35</a:t>
+            </a:fld>
+            <a:endParaRPr lang="en-US"/>
+          </a:p>
+        </p:txBody>
+      </p:sp>
+    </p:spTree>
+    <p:extLst>
+      <p:ext uri="{BB962C8B-B14F-4D97-AF65-F5344CB8AC3E}">
+        <p14:creationId xmlns:p14="http://schemas.microsoft.com/office/powerpoint/2010/main" val="1823287220"/>
+      </p:ext>
+    </p:extLst>
+  </p:cSld>
+  <p:clrMapOvr>
+    <a:masterClrMapping/>
+  </p:clrMapOvr>
+</p:notes>
+</file>
+
+<file path=ppt/notesSlides/notesSlide29.xml><?xml version="1.0" encoding="utf-8"?>
+<p:notes xmlns:a="http://schemas.openxmlformats.org/drawingml/2006/main" xmlns:r="http://schemas.openxmlformats.org/officeDocument/2006/relationships" xmlns:p="http://schemas.openxmlformats.org/presentationml/2006/main">
+  <p:cSld>
+    <p:spTree>
+      <p:nvGrpSpPr>
+        <p:cNvPr id="1" name=""/>
+        <p:cNvGrpSpPr/>
+        <p:nvPr/>
+      </p:nvGrpSpPr>
+      <p:grpSpPr>
+        <a:xfrm>
+          <a:off x="0" y="0"/>
+          <a:ext cx="0" cy="0"/>
+          <a:chOff x="0" y="0"/>
+          <a:chExt cx="0" cy="0"/>
+        </a:xfrm>
+      </p:grpSpPr>
+      <p:sp>
+        <p:nvSpPr>
+          <p:cNvPr id="2" name="Slide Image Placeholder 1"/>
+          <p:cNvSpPr>
+            <a:spLocks noGrp="1" noRot="1" noChangeAspect="1"/>
+          </p:cNvSpPr>
+          <p:nvPr>
+            <p:ph type="sldImg"/>
+          </p:nvPr>
+        </p:nvSpPr>
+        <p:spPr/>
+      </p:sp>
+      <p:sp>
+        <p:nvSpPr>
+          <p:cNvPr id="3" name="Notes Placeholder 2"/>
+          <p:cNvSpPr>
+            <a:spLocks noGrp="1"/>
+          </p:cNvSpPr>
+          <p:nvPr>
+            <p:ph type="body" idx="1"/>
+          </p:nvPr>
+        </p:nvSpPr>
+        <p:spPr/>
+        <p:txBody>
+          <a:bodyPr/>
+          <a:lstStyle/>
+          <a:p>
+            <a:endParaRPr lang="en-US" dirty="0"/>
+          </a:p>
+        </p:txBody>
+      </p:sp>
+      <p:sp>
+        <p:nvSpPr>
+          <p:cNvPr id="4" name="Slide Number Placeholder 3"/>
+          <p:cNvSpPr>
+            <a:spLocks noGrp="1"/>
+          </p:cNvSpPr>
+          <p:nvPr>
+            <p:ph type="sldNum" sz="quarter" idx="10"/>
+          </p:nvPr>
+        </p:nvSpPr>
+        <p:spPr/>
+        <p:txBody>
+          <a:bodyPr/>
+          <a:lstStyle/>
+          <a:p>
+            <a:fld id="{80E5F7B1-A22B-4383-89B4-FA12AEED286C}" type="slidenum">
+              <a:rPr lang="en-US" smtClean="0"/>
+              <a:t>36</a:t>
+            </a:fld>
+            <a:endParaRPr lang="en-US"/>
+          </a:p>
+        </p:txBody>
+      </p:sp>
+    </p:spTree>
+    <p:extLst>
+      <p:ext uri="{BB962C8B-B14F-4D97-AF65-F5344CB8AC3E}">
+        <p14:creationId xmlns:p14="http://schemas.microsoft.com/office/powerpoint/2010/main" val="1867236342"/>
       </p:ext>
     </p:extLst>
   </p:cSld>
@@ -1634,7 +1768,91 @@
     </p:spTree>
     <p:extLst>
       <p:ext uri="{BB962C8B-B14F-4D97-AF65-F5344CB8AC3E}">
-        <p14:creationId xmlns:p14="http://schemas.microsoft.com/office/powerpoint/2010/main" val="2544014711"/>
+        <p14:creationId xmlns:p14="http://schemas.microsoft.com/office/powerpoint/2010/main" val="2697175133"/>
+      </p:ext>
+    </p:extLst>
+  </p:cSld>
+  <p:clrMapOvr>
+    <a:masterClrMapping/>
+  </p:clrMapOvr>
+</p:notes>
+</file>
+
+<file path=ppt/notesSlides/notesSlide30.xml><?xml version="1.0" encoding="utf-8"?>
+<p:notes xmlns:a="http://schemas.openxmlformats.org/drawingml/2006/main" xmlns:r="http://schemas.openxmlformats.org/officeDocument/2006/relationships" xmlns:p="http://schemas.openxmlformats.org/presentationml/2006/main">
+  <p:cSld>
+    <p:spTree>
+      <p:nvGrpSpPr>
+        <p:cNvPr id="1" name=""/>
+        <p:cNvGrpSpPr/>
+        <p:nvPr/>
+      </p:nvGrpSpPr>
+      <p:grpSpPr>
+        <a:xfrm>
+          <a:off x="0" y="0"/>
+          <a:ext cx="0" cy="0"/>
+          <a:chOff x="0" y="0"/>
+          <a:chExt cx="0" cy="0"/>
+        </a:xfrm>
+      </p:grpSpPr>
+      <p:sp>
+        <p:nvSpPr>
+          <p:cNvPr id="2" name="Slide Image Placeholder 1"/>
+          <p:cNvSpPr>
+            <a:spLocks noGrp="1" noRot="1" noChangeAspect="1"/>
+          </p:cNvSpPr>
+          <p:nvPr>
+            <p:ph type="sldImg"/>
+          </p:nvPr>
+        </p:nvSpPr>
+        <p:spPr/>
+      </p:sp>
+      <p:sp>
+        <p:nvSpPr>
+          <p:cNvPr id="3" name="Notes Placeholder 2"/>
+          <p:cNvSpPr>
+            <a:spLocks noGrp="1"/>
+          </p:cNvSpPr>
+          <p:nvPr>
+            <p:ph type="body" idx="1"/>
+          </p:nvPr>
+        </p:nvSpPr>
+        <p:spPr/>
+        <p:txBody>
+          <a:bodyPr/>
+          <a:lstStyle/>
+          <a:p>
+            <a:endParaRPr lang="en-US" dirty="0"/>
+          </a:p>
+        </p:txBody>
+      </p:sp>
+      <p:sp>
+        <p:nvSpPr>
+          <p:cNvPr id="4" name="Slide Number Placeholder 3"/>
+          <p:cNvSpPr>
+            <a:spLocks noGrp="1"/>
+          </p:cNvSpPr>
+          <p:nvPr>
+            <p:ph type="sldNum" sz="quarter" idx="10"/>
+          </p:nvPr>
+        </p:nvSpPr>
+        <p:spPr/>
+        <p:txBody>
+          <a:bodyPr/>
+          <a:lstStyle/>
+          <a:p>
+            <a:fld id="{80E5F7B1-A22B-4383-89B4-FA12AEED286C}" type="slidenum">
+              <a:rPr lang="en-US" smtClean="0"/>
+              <a:t>37</a:t>
+            </a:fld>
+            <a:endParaRPr lang="en-US"/>
+          </a:p>
+        </p:txBody>
+      </p:sp>
+    </p:spTree>
+    <p:extLst>
+      <p:ext uri="{BB962C8B-B14F-4D97-AF65-F5344CB8AC3E}">
+        <p14:creationId xmlns:p14="http://schemas.microsoft.com/office/powerpoint/2010/main" val="3505385442"/>
       </p:ext>
     </p:extLst>
   </p:cSld>
@@ -1664,7 +1882,7 @@
     </p:spTree>
     <p:extLst>
       <p:ext uri="{BB962C8B-B14F-4D97-AF65-F5344CB8AC3E}">
-        <p14:creationId xmlns:p14="http://schemas.microsoft.com/office/powerpoint/2010/main" val="1746547102"/>
+        <p14:creationId xmlns:p14="http://schemas.microsoft.com/office/powerpoint/2010/main" val="2111390698"/>
       </p:ext>
     </p:extLst>
   </p:cSld>
@@ -1694,7 +1912,7 @@
     </p:spTree>
     <p:extLst>
       <p:ext uri="{BB962C8B-B14F-4D97-AF65-F5344CB8AC3E}">
-        <p14:creationId xmlns:p14="http://schemas.microsoft.com/office/powerpoint/2010/main" val="1042329589"/>
+        <p14:creationId xmlns:p14="http://schemas.microsoft.com/office/powerpoint/2010/main" val="1756497188"/>
       </p:ext>
     </p:extLst>
   </p:cSld>
@@ -1724,7 +1942,7 @@
     </p:spTree>
     <p:extLst>
       <p:ext uri="{BB962C8B-B14F-4D97-AF65-F5344CB8AC3E}">
-        <p14:creationId xmlns:p14="http://schemas.microsoft.com/office/powerpoint/2010/main" val="2111390698"/>
+        <p14:creationId xmlns:p14="http://schemas.microsoft.com/office/powerpoint/2010/main" val="2544014711"/>
       </p:ext>
     </p:extLst>
   </p:cSld>
@@ -1754,7 +1972,7 @@
     </p:spTree>
     <p:extLst>
       <p:ext uri="{BB962C8B-B14F-4D97-AF65-F5344CB8AC3E}">
-        <p14:creationId xmlns:p14="http://schemas.microsoft.com/office/powerpoint/2010/main" val="778053957"/>
+        <p14:creationId xmlns:p14="http://schemas.microsoft.com/office/powerpoint/2010/main" val="1746547102"/>
       </p:ext>
     </p:extLst>
   </p:cSld>
@@ -1784,7 +2002,7 @@
     </p:spTree>
     <p:extLst>
       <p:ext uri="{BB962C8B-B14F-4D97-AF65-F5344CB8AC3E}">
-        <p14:creationId xmlns:p14="http://schemas.microsoft.com/office/powerpoint/2010/main" val="3480466771"/>
+        <p14:creationId xmlns:p14="http://schemas.microsoft.com/office/powerpoint/2010/main" val="1094268964"/>
       </p:ext>
     </p:extLst>
   </p:cSld>
@@ -1814,7 +2032,7 @@
     </p:spTree>
     <p:extLst>
       <p:ext uri="{BB962C8B-B14F-4D97-AF65-F5344CB8AC3E}">
-        <p14:creationId xmlns:p14="http://schemas.microsoft.com/office/powerpoint/2010/main" val="3820161573"/>
+        <p14:creationId xmlns:p14="http://schemas.microsoft.com/office/powerpoint/2010/main" val="2729405526"/>
       </p:ext>
     </p:extLst>
   </p:cSld>
@@ -10122,6 +10340,4203 @@
           <a:chExt cx="0" cy="0"/>
         </a:xfrm>
       </p:grpSpPr>
+      <p:pic>
+        <p:nvPicPr>
+          <p:cNvPr id="3" name="Picture 2"/>
+          <p:cNvPicPr>
+            <a:picLocks noChangeAspect="1"/>
+          </p:cNvPicPr>
+          <p:nvPr/>
+        </p:nvPicPr>
+        <p:blipFill>
+          <a:blip r:embed="rId3"/>
+          <a:stretch>
+            <a:fillRect/>
+          </a:stretch>
+        </p:blipFill>
+        <p:spPr>
+          <a:xfrm>
+            <a:off x="3547544" y="4582583"/>
+            <a:ext cx="5029200" cy="1809750"/>
+          </a:xfrm>
+          <a:prstGeom prst="rect">
+            <a:avLst/>
+          </a:prstGeom>
+        </p:spPr>
+      </p:pic>
+      <mc:AlternateContent xmlns:mc="http://schemas.openxmlformats.org/markup-compatibility/2006">
+        <mc:Choice xmlns:a14="http://schemas.microsoft.com/office/drawing/2010/main" Requires="a14">
+          <p:sp>
+            <p:nvSpPr>
+              <p:cNvPr id="6" name="Text Placeholder 5"/>
+              <p:cNvSpPr>
+                <a:spLocks noGrp="1"/>
+              </p:cNvSpPr>
+              <p:nvPr>
+                <p:ph type="body" sz="quarter" idx="10"/>
+              </p:nvPr>
+            </p:nvSpPr>
+            <p:spPr>
+              <a:xfrm>
+                <a:off x="519248" y="1447801"/>
+                <a:ext cx="11151917" cy="4944532"/>
+              </a:xfrm>
+            </p:spPr>
+            <p:txBody>
+              <a:bodyPr/>
+              <a:lstStyle/>
+              <a:p>
+                <a:pPr>
+                  <a:lnSpc>
+                    <a:spcPct val="100000"/>
+                  </a:lnSpc>
+                </a:pPr>
+                <a:r>
+                  <a:rPr lang="ko-KR" altLang="en-US" sz="3000" dirty="0"/>
+                  <a:t>없앨 수 있는 불연속성</a:t>
+                </a:r>
+                <a:r>
+                  <a:rPr lang="en-US" altLang="ko-KR" sz="3000" dirty="0"/>
+                  <a:t> : </a:t>
+                </a:r>
+                <a:r>
+                  <a:rPr lang="ko-KR" altLang="en-US" sz="3000" dirty="0"/>
+                  <a:t>한 점을 제외하고 모든 곳에서 연속인 함수</a:t>
+                </a:r>
+                <a:endParaRPr lang="en-US" altLang="ko-KR" sz="3000" dirty="0"/>
+              </a:p>
+              <a:p>
+                <a:pPr lvl="1">
+                  <a:lnSpc>
+                    <a:spcPct val="100000"/>
+                  </a:lnSpc>
+                </a:pPr>
+                <a:r>
+                  <a:rPr lang="ko-KR" altLang="en-US" dirty="0"/>
+                  <a:t>좌극한</a:t>
+                </a:r>
+                <a:r>
+                  <a:rPr lang="en-US" altLang="ko-KR" dirty="0"/>
+                  <a:t>(Left-Hand Limit)</a:t>
+                </a:r>
+                <a:r>
+                  <a:rPr lang="ko-KR" altLang="en-US" dirty="0"/>
+                  <a:t> </a:t>
+                </a:r>
+                <a:r>
+                  <a:rPr lang="en-US" altLang="ko-KR" dirty="0"/>
+                  <a:t>: </a:t>
+                </a:r>
+                <a14:m>
+                  <m:oMath xmlns:m="http://schemas.openxmlformats.org/officeDocument/2006/math">
+                    <m:func>
+                      <m:funcPr>
+                        <m:ctrlPr>
+                          <a:rPr lang="en-US" altLang="ko-KR" i="1">
+                            <a:latin typeface="Cambria Math" panose="02040503050406030204" pitchFamily="18" charset="0"/>
+                          </a:rPr>
+                        </m:ctrlPr>
+                      </m:funcPr>
+                      <m:fName>
+                        <m:limLow>
+                          <m:limLowPr>
+                            <m:ctrlPr>
+                              <a:rPr lang="en-US" altLang="ko-KR" i="1">
+                                <a:latin typeface="Cambria Math" panose="02040503050406030204" pitchFamily="18" charset="0"/>
+                              </a:rPr>
+                            </m:ctrlPr>
+                          </m:limLowPr>
+                          <m:e>
+                            <m:r>
+                              <m:rPr>
+                                <m:sty m:val="p"/>
+                              </m:rPr>
+                              <a:rPr lang="en-US" altLang="ko-KR">
+                                <a:latin typeface="Cambria Math" panose="02040503050406030204" pitchFamily="18" charset="0"/>
+                              </a:rPr>
+                              <m:t>lim</m:t>
+                            </m:r>
+                          </m:e>
+                          <m:lim>
+                            <m:r>
+                              <a:rPr lang="en-US" altLang="ko-KR" i="1">
+                                <a:latin typeface="Cambria Math" panose="02040503050406030204" pitchFamily="18" charset="0"/>
+                              </a:rPr>
+                              <m:t>𝑥</m:t>
+                            </m:r>
+                            <m:r>
+                              <a:rPr lang="en-US" altLang="ko-KR" i="1">
+                                <a:latin typeface="Cambria Math" panose="02040503050406030204" pitchFamily="18" charset="0"/>
+                              </a:rPr>
+                              <m:t>→</m:t>
+                            </m:r>
+                            <m:sSubSup>
+                              <m:sSubSupPr>
+                                <m:ctrlPr>
+                                  <a:rPr lang="en-US" altLang="ko-KR" i="1">
+                                    <a:latin typeface="Cambria Math" panose="02040503050406030204" pitchFamily="18" charset="0"/>
+                                  </a:rPr>
+                                </m:ctrlPr>
+                              </m:sSubSupPr>
+                              <m:e>
+                                <m:r>
+                                  <a:rPr lang="en-US" altLang="ko-KR" i="1">
+                                    <a:latin typeface="Cambria Math" panose="02040503050406030204" pitchFamily="18" charset="0"/>
+                                  </a:rPr>
+                                  <m:t>𝑥</m:t>
+                                </m:r>
+                              </m:e>
+                              <m:sub>
+                                <m:r>
+                                  <a:rPr lang="en-US" altLang="ko-KR" i="1">
+                                    <a:latin typeface="Cambria Math" panose="02040503050406030204" pitchFamily="18" charset="0"/>
+                                  </a:rPr>
+                                  <m:t>0</m:t>
+                                </m:r>
+                              </m:sub>
+                              <m:sup>
+                                <m:r>
+                                  <a:rPr lang="en-US" altLang="ko-KR" b="0" i="1" smtClean="0">
+                                    <a:latin typeface="Cambria Math" panose="02040503050406030204" pitchFamily="18" charset="0"/>
+                                  </a:rPr>
+                                  <m:t>−</m:t>
+                                </m:r>
+                              </m:sup>
+                            </m:sSubSup>
+                          </m:lim>
+                        </m:limLow>
+                      </m:fName>
+                      <m:e>
+                        <m:r>
+                          <a:rPr lang="en-US" altLang="ko-KR" i="1">
+                            <a:latin typeface="Cambria Math" panose="02040503050406030204" pitchFamily="18" charset="0"/>
+                          </a:rPr>
+                          <m:t>𝑓</m:t>
+                        </m:r>
+                        <m:r>
+                          <a:rPr lang="en-US" altLang="ko-KR" i="1">
+                            <a:latin typeface="Cambria Math" panose="02040503050406030204" pitchFamily="18" charset="0"/>
+                          </a:rPr>
+                          <m:t>(</m:t>
+                        </m:r>
+                        <m:r>
+                          <a:rPr lang="en-US" altLang="ko-KR" i="1">
+                            <a:latin typeface="Cambria Math" panose="02040503050406030204" pitchFamily="18" charset="0"/>
+                          </a:rPr>
+                          <m:t>𝑥</m:t>
+                        </m:r>
+                        <m:r>
+                          <a:rPr lang="en-US" altLang="ko-KR" i="1">
+                            <a:latin typeface="Cambria Math" panose="02040503050406030204" pitchFamily="18" charset="0"/>
+                          </a:rPr>
+                          <m:t>)</m:t>
+                        </m:r>
+                      </m:e>
+                    </m:func>
+                  </m:oMath>
+                </a14:m>
+                <a:r>
+                  <a:rPr lang="ko-KR" altLang="en-US" dirty="0"/>
+                  <a:t>는 </a:t>
+                </a:r>
+                <a14:m>
+                  <m:oMath xmlns:m="http://schemas.openxmlformats.org/officeDocument/2006/math">
+                    <m:r>
+                      <a:rPr lang="en-US" altLang="ko-KR" b="0" i="1" dirty="0" smtClean="0">
+                        <a:latin typeface="Cambria Math" panose="02040503050406030204" pitchFamily="18" charset="0"/>
+                      </a:rPr>
+                      <m:t>𝑥</m:t>
+                    </m:r>
+                    <m:r>
+                      <a:rPr lang="en-US" altLang="ko-KR" b="0" i="1" dirty="0" smtClean="0">
+                        <a:latin typeface="Cambria Math" panose="02040503050406030204" pitchFamily="18" charset="0"/>
+                      </a:rPr>
+                      <m:t>&lt;</m:t>
+                    </m:r>
+                    <m:sSub>
+                      <m:sSubPr>
+                        <m:ctrlPr>
+                          <a:rPr lang="en-US" altLang="ko-KR" b="0" i="1" dirty="0" smtClean="0">
+                            <a:latin typeface="Cambria Math" panose="02040503050406030204" pitchFamily="18" charset="0"/>
+                          </a:rPr>
+                        </m:ctrlPr>
+                      </m:sSubPr>
+                      <m:e>
+                        <m:r>
+                          <a:rPr lang="en-US" altLang="ko-KR" b="0" i="1" dirty="0" smtClean="0">
+                            <a:latin typeface="Cambria Math" panose="02040503050406030204" pitchFamily="18" charset="0"/>
+                          </a:rPr>
+                          <m:t>𝑥</m:t>
+                        </m:r>
+                      </m:e>
+                      <m:sub>
+                        <m:r>
+                          <a:rPr lang="en-US" altLang="ko-KR" b="0" i="1" dirty="0" smtClean="0">
+                            <a:latin typeface="Cambria Math" panose="02040503050406030204" pitchFamily="18" charset="0"/>
+                          </a:rPr>
+                          <m:t>0</m:t>
+                        </m:r>
+                      </m:sub>
+                    </m:sSub>
+                  </m:oMath>
+                </a14:m>
+                <a:r>
+                  <a:rPr lang="ko-KR" altLang="en-US" dirty="0"/>
+                  <a:t>일 때의 </a:t>
+                </a:r>
+                <a14:m>
+                  <m:oMath xmlns:m="http://schemas.openxmlformats.org/officeDocument/2006/math">
+                    <m:func>
+                      <m:funcPr>
+                        <m:ctrlPr>
+                          <a:rPr lang="en-US" altLang="ko-KR" i="1">
+                            <a:latin typeface="Cambria Math" panose="02040503050406030204" pitchFamily="18" charset="0"/>
+                          </a:rPr>
+                        </m:ctrlPr>
+                      </m:funcPr>
+                      <m:fName>
+                        <m:limLow>
+                          <m:limLowPr>
+                            <m:ctrlPr>
+                              <a:rPr lang="en-US" altLang="ko-KR" i="1">
+                                <a:latin typeface="Cambria Math" panose="02040503050406030204" pitchFamily="18" charset="0"/>
+                              </a:rPr>
+                            </m:ctrlPr>
+                          </m:limLowPr>
+                          <m:e>
+                            <m:r>
+                              <m:rPr>
+                                <m:sty m:val="p"/>
+                              </m:rPr>
+                              <a:rPr lang="en-US" altLang="ko-KR">
+                                <a:latin typeface="Cambria Math" panose="02040503050406030204" pitchFamily="18" charset="0"/>
+                              </a:rPr>
+                              <m:t>lim</m:t>
+                            </m:r>
+                          </m:e>
+                          <m:lim>
+                            <m:r>
+                              <a:rPr lang="en-US" altLang="ko-KR" i="1">
+                                <a:latin typeface="Cambria Math" panose="02040503050406030204" pitchFamily="18" charset="0"/>
+                              </a:rPr>
+                              <m:t>𝑥</m:t>
+                            </m:r>
+                            <m:r>
+                              <a:rPr lang="en-US" altLang="ko-KR" i="1">
+                                <a:latin typeface="Cambria Math" panose="02040503050406030204" pitchFamily="18" charset="0"/>
+                              </a:rPr>
+                              <m:t>→</m:t>
+                            </m:r>
+                            <m:sSub>
+                              <m:sSubPr>
+                                <m:ctrlPr>
+                                  <a:rPr lang="en-US" altLang="ko-KR" b="0" i="1" smtClean="0">
+                                    <a:latin typeface="Cambria Math" panose="02040503050406030204" pitchFamily="18" charset="0"/>
+                                  </a:rPr>
+                                </m:ctrlPr>
+                              </m:sSubPr>
+                              <m:e>
+                                <m:r>
+                                  <a:rPr lang="en-US" altLang="ko-KR" b="0" i="1" smtClean="0">
+                                    <a:latin typeface="Cambria Math" panose="02040503050406030204" pitchFamily="18" charset="0"/>
+                                  </a:rPr>
+                                  <m:t>𝑥</m:t>
+                                </m:r>
+                              </m:e>
+                              <m:sub>
+                                <m:r>
+                                  <a:rPr lang="en-US" altLang="ko-KR" b="0" i="1" smtClean="0">
+                                    <a:latin typeface="Cambria Math" panose="02040503050406030204" pitchFamily="18" charset="0"/>
+                                  </a:rPr>
+                                  <m:t>0</m:t>
+                                </m:r>
+                              </m:sub>
+                            </m:sSub>
+                          </m:lim>
+                        </m:limLow>
+                      </m:fName>
+                      <m:e>
+                        <m:r>
+                          <a:rPr lang="en-US" altLang="ko-KR" i="1">
+                            <a:latin typeface="Cambria Math" panose="02040503050406030204" pitchFamily="18" charset="0"/>
+                          </a:rPr>
+                          <m:t>𝑓</m:t>
+                        </m:r>
+                        <m:r>
+                          <a:rPr lang="en-US" altLang="ko-KR" i="1">
+                            <a:latin typeface="Cambria Math" panose="02040503050406030204" pitchFamily="18" charset="0"/>
+                          </a:rPr>
+                          <m:t>(</m:t>
+                        </m:r>
+                        <m:r>
+                          <a:rPr lang="en-US" altLang="ko-KR" i="1">
+                            <a:latin typeface="Cambria Math" panose="02040503050406030204" pitchFamily="18" charset="0"/>
+                          </a:rPr>
+                          <m:t>𝑥</m:t>
+                        </m:r>
+                        <m:r>
+                          <a:rPr lang="en-US" altLang="ko-KR" i="1">
+                            <a:latin typeface="Cambria Math" panose="02040503050406030204" pitchFamily="18" charset="0"/>
+                          </a:rPr>
+                          <m:t>)</m:t>
+                        </m:r>
+                      </m:e>
+                    </m:func>
+                  </m:oMath>
+                </a14:m>
+                <a:r>
+                  <a:rPr lang="ko-KR" altLang="en-US" dirty="0"/>
+                  <a:t>다</a:t>
+                </a:r>
+                <a:r>
+                  <a:rPr lang="en-US" altLang="ko-KR" dirty="0"/>
+                  <a:t>.</a:t>
+                </a:r>
+              </a:p>
+              <a:p>
+                <a:pPr lvl="1">
+                  <a:lnSpc>
+                    <a:spcPct val="100000"/>
+                  </a:lnSpc>
+                </a:pPr>
+                <a:r>
+                  <a:rPr lang="ko-KR" altLang="en-US" dirty="0"/>
+                  <a:t>우극한</a:t>
+                </a:r>
+                <a:r>
+                  <a:rPr lang="en-US" altLang="ko-KR" dirty="0"/>
+                  <a:t>(Right-Hand Limit)</a:t>
+                </a:r>
+                <a:r>
+                  <a:rPr lang="ko-KR" altLang="en-US" dirty="0"/>
+                  <a:t> </a:t>
+                </a:r>
+                <a:r>
+                  <a:rPr lang="en-US" altLang="ko-KR" dirty="0"/>
+                  <a:t>: </a:t>
+                </a:r>
+                <a14:m>
+                  <m:oMath xmlns:m="http://schemas.openxmlformats.org/officeDocument/2006/math">
+                    <m:func>
+                      <m:funcPr>
+                        <m:ctrlPr>
+                          <a:rPr lang="en-US" altLang="ko-KR" i="1">
+                            <a:latin typeface="Cambria Math" panose="02040503050406030204" pitchFamily="18" charset="0"/>
+                          </a:rPr>
+                        </m:ctrlPr>
+                      </m:funcPr>
+                      <m:fName>
+                        <m:limLow>
+                          <m:limLowPr>
+                            <m:ctrlPr>
+                              <a:rPr lang="en-US" altLang="ko-KR" i="1">
+                                <a:latin typeface="Cambria Math" panose="02040503050406030204" pitchFamily="18" charset="0"/>
+                              </a:rPr>
+                            </m:ctrlPr>
+                          </m:limLowPr>
+                          <m:e>
+                            <m:r>
+                              <m:rPr>
+                                <m:sty m:val="p"/>
+                              </m:rPr>
+                              <a:rPr lang="en-US" altLang="ko-KR">
+                                <a:latin typeface="Cambria Math" panose="02040503050406030204" pitchFamily="18" charset="0"/>
+                              </a:rPr>
+                              <m:t>lim</m:t>
+                            </m:r>
+                          </m:e>
+                          <m:lim>
+                            <m:r>
+                              <a:rPr lang="en-US" altLang="ko-KR" i="1">
+                                <a:latin typeface="Cambria Math" panose="02040503050406030204" pitchFamily="18" charset="0"/>
+                              </a:rPr>
+                              <m:t>𝑥</m:t>
+                            </m:r>
+                            <m:r>
+                              <a:rPr lang="en-US" altLang="ko-KR" i="1">
+                                <a:latin typeface="Cambria Math" panose="02040503050406030204" pitchFamily="18" charset="0"/>
+                              </a:rPr>
+                              <m:t>→</m:t>
+                            </m:r>
+                            <m:sSubSup>
+                              <m:sSubSupPr>
+                                <m:ctrlPr>
+                                  <a:rPr lang="en-US" altLang="ko-KR" i="1">
+                                    <a:latin typeface="Cambria Math" panose="02040503050406030204" pitchFamily="18" charset="0"/>
+                                  </a:rPr>
+                                </m:ctrlPr>
+                              </m:sSubSupPr>
+                              <m:e>
+                                <m:r>
+                                  <a:rPr lang="en-US" altLang="ko-KR" i="1">
+                                    <a:latin typeface="Cambria Math" panose="02040503050406030204" pitchFamily="18" charset="0"/>
+                                  </a:rPr>
+                                  <m:t>𝑥</m:t>
+                                </m:r>
+                              </m:e>
+                              <m:sub>
+                                <m:r>
+                                  <a:rPr lang="en-US" altLang="ko-KR" i="1">
+                                    <a:latin typeface="Cambria Math" panose="02040503050406030204" pitchFamily="18" charset="0"/>
+                                  </a:rPr>
+                                  <m:t>0</m:t>
+                                </m:r>
+                              </m:sub>
+                              <m:sup>
+                                <m:r>
+                                  <a:rPr lang="en-US" altLang="ko-KR" b="0" i="1" smtClean="0">
+                                    <a:latin typeface="Cambria Math" panose="02040503050406030204" pitchFamily="18" charset="0"/>
+                                  </a:rPr>
+                                  <m:t>+</m:t>
+                                </m:r>
+                              </m:sup>
+                            </m:sSubSup>
+                          </m:lim>
+                        </m:limLow>
+                      </m:fName>
+                      <m:e>
+                        <m:r>
+                          <a:rPr lang="en-US" altLang="ko-KR" i="1">
+                            <a:latin typeface="Cambria Math" panose="02040503050406030204" pitchFamily="18" charset="0"/>
+                          </a:rPr>
+                          <m:t>𝑓</m:t>
+                        </m:r>
+                        <m:r>
+                          <a:rPr lang="en-US" altLang="ko-KR" i="1">
+                            <a:latin typeface="Cambria Math" panose="02040503050406030204" pitchFamily="18" charset="0"/>
+                          </a:rPr>
+                          <m:t>(</m:t>
+                        </m:r>
+                        <m:r>
+                          <a:rPr lang="en-US" altLang="ko-KR" i="1">
+                            <a:latin typeface="Cambria Math" panose="02040503050406030204" pitchFamily="18" charset="0"/>
+                          </a:rPr>
+                          <m:t>𝑥</m:t>
+                        </m:r>
+                        <m:r>
+                          <a:rPr lang="en-US" altLang="ko-KR" i="1">
+                            <a:latin typeface="Cambria Math" panose="02040503050406030204" pitchFamily="18" charset="0"/>
+                          </a:rPr>
+                          <m:t>)</m:t>
+                        </m:r>
+                      </m:e>
+                    </m:func>
+                  </m:oMath>
+                </a14:m>
+                <a:r>
+                  <a:rPr lang="ko-KR" altLang="en-US" dirty="0"/>
+                  <a:t>는 </a:t>
+                </a:r>
+                <a14:m>
+                  <m:oMath xmlns:m="http://schemas.openxmlformats.org/officeDocument/2006/math">
+                    <m:r>
+                      <a:rPr lang="en-US" altLang="ko-KR" i="1" dirty="0">
+                        <a:latin typeface="Cambria Math" panose="02040503050406030204" pitchFamily="18" charset="0"/>
+                      </a:rPr>
+                      <m:t>𝑥</m:t>
+                    </m:r>
+                    <m:r>
+                      <a:rPr lang="en-US" altLang="ko-KR" i="1" dirty="0">
+                        <a:latin typeface="Cambria Math" panose="02040503050406030204" pitchFamily="18" charset="0"/>
+                      </a:rPr>
+                      <m:t>&gt;</m:t>
+                    </m:r>
+                    <m:sSub>
+                      <m:sSubPr>
+                        <m:ctrlPr>
+                          <a:rPr lang="en-US" altLang="ko-KR" i="1" dirty="0">
+                            <a:latin typeface="Cambria Math" panose="02040503050406030204" pitchFamily="18" charset="0"/>
+                          </a:rPr>
+                        </m:ctrlPr>
+                      </m:sSubPr>
+                      <m:e>
+                        <m:r>
+                          <a:rPr lang="en-US" altLang="ko-KR" i="1" dirty="0">
+                            <a:latin typeface="Cambria Math" panose="02040503050406030204" pitchFamily="18" charset="0"/>
+                          </a:rPr>
+                          <m:t>𝑥</m:t>
+                        </m:r>
+                      </m:e>
+                      <m:sub>
+                        <m:r>
+                          <a:rPr lang="en-US" altLang="ko-KR" i="1" dirty="0">
+                            <a:latin typeface="Cambria Math" panose="02040503050406030204" pitchFamily="18" charset="0"/>
+                          </a:rPr>
+                          <m:t>0</m:t>
+                        </m:r>
+                      </m:sub>
+                    </m:sSub>
+                  </m:oMath>
+                </a14:m>
+                <a:r>
+                  <a:rPr lang="ko-KR" altLang="en-US" dirty="0"/>
+                  <a:t>일 때의 </a:t>
+                </a:r>
+                <a14:m>
+                  <m:oMath xmlns:m="http://schemas.openxmlformats.org/officeDocument/2006/math">
+                    <m:func>
+                      <m:funcPr>
+                        <m:ctrlPr>
+                          <a:rPr lang="en-US" altLang="ko-KR" i="1">
+                            <a:latin typeface="Cambria Math" panose="02040503050406030204" pitchFamily="18" charset="0"/>
+                          </a:rPr>
+                        </m:ctrlPr>
+                      </m:funcPr>
+                      <m:fName>
+                        <m:limLow>
+                          <m:limLowPr>
+                            <m:ctrlPr>
+                              <a:rPr lang="en-US" altLang="ko-KR" i="1">
+                                <a:latin typeface="Cambria Math" panose="02040503050406030204" pitchFamily="18" charset="0"/>
+                              </a:rPr>
+                            </m:ctrlPr>
+                          </m:limLowPr>
+                          <m:e>
+                            <m:r>
+                              <m:rPr>
+                                <m:sty m:val="p"/>
+                              </m:rPr>
+                              <a:rPr lang="en-US" altLang="ko-KR">
+                                <a:latin typeface="Cambria Math" panose="02040503050406030204" pitchFamily="18" charset="0"/>
+                              </a:rPr>
+                              <m:t>lim</m:t>
+                            </m:r>
+                          </m:e>
+                          <m:lim>
+                            <m:r>
+                              <a:rPr lang="en-US" altLang="ko-KR" i="1">
+                                <a:latin typeface="Cambria Math" panose="02040503050406030204" pitchFamily="18" charset="0"/>
+                              </a:rPr>
+                              <m:t>𝑥</m:t>
+                            </m:r>
+                            <m:r>
+                              <a:rPr lang="en-US" altLang="ko-KR" i="1">
+                                <a:latin typeface="Cambria Math" panose="02040503050406030204" pitchFamily="18" charset="0"/>
+                              </a:rPr>
+                              <m:t>→</m:t>
+                            </m:r>
+                            <m:sSub>
+                              <m:sSubPr>
+                                <m:ctrlPr>
+                                  <a:rPr lang="en-US" altLang="ko-KR" i="1">
+                                    <a:latin typeface="Cambria Math" panose="02040503050406030204" pitchFamily="18" charset="0"/>
+                                  </a:rPr>
+                                </m:ctrlPr>
+                              </m:sSubPr>
+                              <m:e>
+                                <m:r>
+                                  <a:rPr lang="en-US" altLang="ko-KR" i="1">
+                                    <a:latin typeface="Cambria Math" panose="02040503050406030204" pitchFamily="18" charset="0"/>
+                                  </a:rPr>
+                                  <m:t>𝑥</m:t>
+                                </m:r>
+                              </m:e>
+                              <m:sub>
+                                <m:r>
+                                  <a:rPr lang="en-US" altLang="ko-KR" i="1">
+                                    <a:latin typeface="Cambria Math" panose="02040503050406030204" pitchFamily="18" charset="0"/>
+                                  </a:rPr>
+                                  <m:t>0</m:t>
+                                </m:r>
+                              </m:sub>
+                            </m:sSub>
+                          </m:lim>
+                        </m:limLow>
+                      </m:fName>
+                      <m:e>
+                        <m:r>
+                          <a:rPr lang="en-US" altLang="ko-KR" i="1">
+                            <a:latin typeface="Cambria Math" panose="02040503050406030204" pitchFamily="18" charset="0"/>
+                          </a:rPr>
+                          <m:t>𝑓</m:t>
+                        </m:r>
+                        <m:r>
+                          <a:rPr lang="en-US" altLang="ko-KR" i="1">
+                            <a:latin typeface="Cambria Math" panose="02040503050406030204" pitchFamily="18" charset="0"/>
+                          </a:rPr>
+                          <m:t>(</m:t>
+                        </m:r>
+                        <m:r>
+                          <a:rPr lang="en-US" altLang="ko-KR" i="1">
+                            <a:latin typeface="Cambria Math" panose="02040503050406030204" pitchFamily="18" charset="0"/>
+                          </a:rPr>
+                          <m:t>𝑥</m:t>
+                        </m:r>
+                        <m:r>
+                          <a:rPr lang="en-US" altLang="ko-KR" i="1">
+                            <a:latin typeface="Cambria Math" panose="02040503050406030204" pitchFamily="18" charset="0"/>
+                          </a:rPr>
+                          <m:t>)</m:t>
+                        </m:r>
+                      </m:e>
+                    </m:func>
+                  </m:oMath>
+                </a14:m>
+                <a:r>
+                  <a:rPr lang="ko-KR" altLang="en-US" dirty="0"/>
+                  <a:t>다</a:t>
+                </a:r>
+                <a:r>
+                  <a:rPr lang="en-US" altLang="ko-KR" dirty="0"/>
+                  <a:t>.</a:t>
+                </a:r>
+              </a:p>
+              <a:p>
+                <a:pPr>
+                  <a:lnSpc>
+                    <a:spcPct val="100000"/>
+                  </a:lnSpc>
+                </a:pPr>
+                <a:r>
+                  <a:rPr lang="ko-KR" altLang="en-US" sz="3000" dirty="0"/>
+                  <a:t>만약</a:t>
+                </a:r>
+                <a14:m>
+                  <m:oMath xmlns:m="http://schemas.openxmlformats.org/officeDocument/2006/math">
+                    <m:func>
+                      <m:funcPr>
+                        <m:ctrlPr>
+                          <a:rPr lang="en-US" altLang="ko-KR" sz="3000" i="1">
+                            <a:latin typeface="Cambria Math" panose="02040503050406030204" pitchFamily="18" charset="0"/>
+                          </a:rPr>
+                        </m:ctrlPr>
+                      </m:funcPr>
+                      <m:fName>
+                        <m:limLow>
+                          <m:limLowPr>
+                            <m:ctrlPr>
+                              <a:rPr lang="en-US" altLang="ko-KR" sz="3000" i="1">
+                                <a:latin typeface="Cambria Math" panose="02040503050406030204" pitchFamily="18" charset="0"/>
+                              </a:rPr>
+                            </m:ctrlPr>
+                          </m:limLowPr>
+                          <m:e>
+                            <m:r>
+                              <m:rPr>
+                                <m:sty m:val="p"/>
+                              </m:rPr>
+                              <a:rPr lang="en-US" altLang="ko-KR" sz="3000">
+                                <a:latin typeface="Cambria Math" panose="02040503050406030204" pitchFamily="18" charset="0"/>
+                              </a:rPr>
+                              <m:t>lim</m:t>
+                            </m:r>
+                          </m:e>
+                          <m:lim>
+                            <m:r>
+                              <a:rPr lang="en-US" altLang="ko-KR" sz="3000" i="1">
+                                <a:latin typeface="Cambria Math" panose="02040503050406030204" pitchFamily="18" charset="0"/>
+                              </a:rPr>
+                              <m:t>𝑥</m:t>
+                            </m:r>
+                            <m:r>
+                              <a:rPr lang="en-US" altLang="ko-KR" sz="3000" i="1">
+                                <a:latin typeface="Cambria Math" panose="02040503050406030204" pitchFamily="18" charset="0"/>
+                              </a:rPr>
+                              <m:t>→</m:t>
+                            </m:r>
+                            <m:sSubSup>
+                              <m:sSubSupPr>
+                                <m:ctrlPr>
+                                  <a:rPr lang="en-US" altLang="ko-KR" sz="3000" i="1">
+                                    <a:latin typeface="Cambria Math" panose="02040503050406030204" pitchFamily="18" charset="0"/>
+                                  </a:rPr>
+                                </m:ctrlPr>
+                              </m:sSubSupPr>
+                              <m:e>
+                                <m:r>
+                                  <a:rPr lang="en-US" altLang="ko-KR" sz="3000" i="1">
+                                    <a:latin typeface="Cambria Math" panose="02040503050406030204" pitchFamily="18" charset="0"/>
+                                  </a:rPr>
+                                  <m:t>𝑥</m:t>
+                                </m:r>
+                              </m:e>
+                              <m:sub>
+                                <m:r>
+                                  <a:rPr lang="en-US" altLang="ko-KR" sz="3000" i="1">
+                                    <a:latin typeface="Cambria Math" panose="02040503050406030204" pitchFamily="18" charset="0"/>
+                                  </a:rPr>
+                                  <m:t>0</m:t>
+                                </m:r>
+                              </m:sub>
+                              <m:sup>
+                                <m:r>
+                                  <a:rPr lang="en-US" altLang="ko-KR" sz="3000" i="1">
+                                    <a:latin typeface="Cambria Math" panose="02040503050406030204" pitchFamily="18" charset="0"/>
+                                  </a:rPr>
+                                  <m:t>−</m:t>
+                                </m:r>
+                              </m:sup>
+                            </m:sSubSup>
+                          </m:lim>
+                        </m:limLow>
+                      </m:fName>
+                      <m:e>
+                        <m:r>
+                          <a:rPr lang="en-US" altLang="ko-KR" sz="3000" i="1">
+                            <a:latin typeface="Cambria Math" panose="02040503050406030204" pitchFamily="18" charset="0"/>
+                          </a:rPr>
+                          <m:t>𝑓</m:t>
+                        </m:r>
+                        <m:r>
+                          <a:rPr lang="en-US" altLang="ko-KR" sz="3000" i="1">
+                            <a:latin typeface="Cambria Math" panose="02040503050406030204" pitchFamily="18" charset="0"/>
+                          </a:rPr>
+                          <m:t>(</m:t>
+                        </m:r>
+                        <m:r>
+                          <a:rPr lang="en-US" altLang="ko-KR" sz="3000" i="1">
+                            <a:latin typeface="Cambria Math" panose="02040503050406030204" pitchFamily="18" charset="0"/>
+                          </a:rPr>
+                          <m:t>𝑥</m:t>
+                        </m:r>
+                        <m:r>
+                          <a:rPr lang="en-US" altLang="ko-KR" sz="3000" i="1">
+                            <a:latin typeface="Cambria Math" panose="02040503050406030204" pitchFamily="18" charset="0"/>
+                          </a:rPr>
+                          <m:t>)</m:t>
+                        </m:r>
+                      </m:e>
+                    </m:func>
+                    <m:r>
+                      <a:rPr lang="en-US" altLang="ko-KR" sz="3000" b="0" i="1" smtClean="0">
+                        <a:latin typeface="Cambria Math" panose="02040503050406030204" pitchFamily="18" charset="0"/>
+                      </a:rPr>
+                      <m:t>=</m:t>
+                    </m:r>
+                    <m:func>
+                      <m:funcPr>
+                        <m:ctrlPr>
+                          <a:rPr lang="en-US" altLang="ko-KR" sz="3000" i="1">
+                            <a:latin typeface="Cambria Math" panose="02040503050406030204" pitchFamily="18" charset="0"/>
+                          </a:rPr>
+                        </m:ctrlPr>
+                      </m:funcPr>
+                      <m:fName>
+                        <m:limLow>
+                          <m:limLowPr>
+                            <m:ctrlPr>
+                              <a:rPr lang="en-US" altLang="ko-KR" sz="3000" i="1">
+                                <a:latin typeface="Cambria Math" panose="02040503050406030204" pitchFamily="18" charset="0"/>
+                              </a:rPr>
+                            </m:ctrlPr>
+                          </m:limLowPr>
+                          <m:e>
+                            <m:r>
+                              <m:rPr>
+                                <m:sty m:val="p"/>
+                              </m:rPr>
+                              <a:rPr lang="en-US" altLang="ko-KR" sz="3000">
+                                <a:latin typeface="Cambria Math" panose="02040503050406030204" pitchFamily="18" charset="0"/>
+                              </a:rPr>
+                              <m:t>lim</m:t>
+                            </m:r>
+                          </m:e>
+                          <m:lim>
+                            <m:r>
+                              <a:rPr lang="en-US" altLang="ko-KR" sz="3000" i="1">
+                                <a:latin typeface="Cambria Math" panose="02040503050406030204" pitchFamily="18" charset="0"/>
+                              </a:rPr>
+                              <m:t>𝑥</m:t>
+                            </m:r>
+                            <m:r>
+                              <a:rPr lang="en-US" altLang="ko-KR" sz="3000" i="1">
+                                <a:latin typeface="Cambria Math" panose="02040503050406030204" pitchFamily="18" charset="0"/>
+                              </a:rPr>
+                              <m:t>→</m:t>
+                            </m:r>
+                            <m:sSubSup>
+                              <m:sSubSupPr>
+                                <m:ctrlPr>
+                                  <a:rPr lang="en-US" altLang="ko-KR" sz="3000" i="1">
+                                    <a:latin typeface="Cambria Math" panose="02040503050406030204" pitchFamily="18" charset="0"/>
+                                  </a:rPr>
+                                </m:ctrlPr>
+                              </m:sSubSupPr>
+                              <m:e>
+                                <m:r>
+                                  <a:rPr lang="en-US" altLang="ko-KR" sz="3000" i="1">
+                                    <a:latin typeface="Cambria Math" panose="02040503050406030204" pitchFamily="18" charset="0"/>
+                                  </a:rPr>
+                                  <m:t>𝑥</m:t>
+                                </m:r>
+                              </m:e>
+                              <m:sub>
+                                <m:r>
+                                  <a:rPr lang="en-US" altLang="ko-KR" sz="3000" i="1">
+                                    <a:latin typeface="Cambria Math" panose="02040503050406030204" pitchFamily="18" charset="0"/>
+                                  </a:rPr>
+                                  <m:t>0</m:t>
+                                </m:r>
+                              </m:sub>
+                              <m:sup>
+                                <m:r>
+                                  <a:rPr lang="en-US" altLang="ko-KR" sz="3000" i="1">
+                                    <a:latin typeface="Cambria Math" panose="02040503050406030204" pitchFamily="18" charset="0"/>
+                                  </a:rPr>
+                                  <m:t>+</m:t>
+                                </m:r>
+                              </m:sup>
+                            </m:sSubSup>
+                          </m:lim>
+                        </m:limLow>
+                      </m:fName>
+                      <m:e>
+                        <m:r>
+                          <a:rPr lang="en-US" altLang="ko-KR" sz="3000" i="1">
+                            <a:latin typeface="Cambria Math" panose="02040503050406030204" pitchFamily="18" charset="0"/>
+                          </a:rPr>
+                          <m:t>𝑓</m:t>
+                        </m:r>
+                        <m:r>
+                          <a:rPr lang="en-US" altLang="ko-KR" sz="3000" i="1">
+                            <a:latin typeface="Cambria Math" panose="02040503050406030204" pitchFamily="18" charset="0"/>
+                          </a:rPr>
+                          <m:t>(</m:t>
+                        </m:r>
+                        <m:r>
+                          <a:rPr lang="en-US" altLang="ko-KR" sz="3000" i="1">
+                            <a:latin typeface="Cambria Math" panose="02040503050406030204" pitchFamily="18" charset="0"/>
+                          </a:rPr>
+                          <m:t>𝑥</m:t>
+                        </m:r>
+                        <m:r>
+                          <a:rPr lang="en-US" altLang="ko-KR" sz="3000" i="1">
+                            <a:latin typeface="Cambria Math" panose="02040503050406030204" pitchFamily="18" charset="0"/>
+                          </a:rPr>
+                          <m:t>)</m:t>
+                        </m:r>
+                      </m:e>
+                    </m:func>
+                  </m:oMath>
+                </a14:m>
+                <a:r>
+                  <a:rPr lang="ko-KR" altLang="en-US" sz="3000" dirty="0"/>
+                  <a:t>인데 </a:t>
+                </a:r>
+                <a14:m>
+                  <m:oMath xmlns:m="http://schemas.openxmlformats.org/officeDocument/2006/math">
+                    <m:r>
+                      <a:rPr lang="en-US" altLang="ko-KR" sz="3200" i="1">
+                        <a:latin typeface="Cambria Math" panose="02040503050406030204" pitchFamily="18" charset="0"/>
+                      </a:rPr>
+                      <m:t>𝑓</m:t>
+                    </m:r>
+                    <m:r>
+                      <a:rPr lang="en-US" altLang="ko-KR" sz="3200" i="1">
+                        <a:latin typeface="Cambria Math" panose="02040503050406030204" pitchFamily="18" charset="0"/>
+                      </a:rPr>
+                      <m:t>(</m:t>
+                    </m:r>
+                    <m:sSub>
+                      <m:sSubPr>
+                        <m:ctrlPr>
+                          <a:rPr lang="en-US" altLang="ko-KR" sz="3200" b="0" i="1" smtClean="0">
+                            <a:latin typeface="Cambria Math" panose="02040503050406030204" pitchFamily="18" charset="0"/>
+                          </a:rPr>
+                        </m:ctrlPr>
+                      </m:sSubPr>
+                      <m:e>
+                        <m:r>
+                          <a:rPr lang="en-US" altLang="ko-KR" sz="3200" i="1">
+                            <a:latin typeface="Cambria Math" panose="02040503050406030204" pitchFamily="18" charset="0"/>
+                          </a:rPr>
+                          <m:t>𝑥</m:t>
+                        </m:r>
+                      </m:e>
+                      <m:sub>
+                        <m:r>
+                          <a:rPr lang="en-US" altLang="ko-KR" sz="3200" b="0" i="1" smtClean="0">
+                            <a:latin typeface="Cambria Math" panose="02040503050406030204" pitchFamily="18" charset="0"/>
+                          </a:rPr>
+                          <m:t>0</m:t>
+                        </m:r>
+                      </m:sub>
+                    </m:sSub>
+                    <m:r>
+                      <a:rPr lang="en-US" altLang="ko-KR" sz="3200" i="1">
+                        <a:latin typeface="Cambria Math" panose="02040503050406030204" pitchFamily="18" charset="0"/>
+                      </a:rPr>
+                      <m:t>)</m:t>
+                    </m:r>
+                  </m:oMath>
+                </a14:m>
+                <a:r>
+                  <a:rPr lang="ko-KR" altLang="en-US" sz="3000" dirty="0"/>
+                  <a:t>이 아니거나</a:t>
+                </a:r>
+                <a:br>
+                  <a:rPr lang="en-US" altLang="ko-KR" sz="3200" i="1" dirty="0">
+                    <a:latin typeface="Cambria Math" panose="02040503050406030204" pitchFamily="18" charset="0"/>
+                  </a:rPr>
+                </a:br>
+                <a14:m>
+                  <m:oMath xmlns:m="http://schemas.openxmlformats.org/officeDocument/2006/math">
+                    <m:r>
+                      <a:rPr lang="en-US" altLang="ko-KR" sz="3200" i="1">
+                        <a:latin typeface="Cambria Math" panose="02040503050406030204" pitchFamily="18" charset="0"/>
+                      </a:rPr>
+                      <m:t>𝑓</m:t>
+                    </m:r>
+                    <m:r>
+                      <a:rPr lang="en-US" altLang="ko-KR" sz="3200" i="1">
+                        <a:latin typeface="Cambria Math" panose="02040503050406030204" pitchFamily="18" charset="0"/>
+                      </a:rPr>
+                      <m:t>(</m:t>
+                    </m:r>
+                    <m:sSub>
+                      <m:sSubPr>
+                        <m:ctrlPr>
+                          <a:rPr lang="en-US" altLang="ko-KR" sz="3200" b="0" i="1" smtClean="0">
+                            <a:latin typeface="Cambria Math" panose="02040503050406030204" pitchFamily="18" charset="0"/>
+                          </a:rPr>
+                        </m:ctrlPr>
+                      </m:sSubPr>
+                      <m:e>
+                        <m:r>
+                          <a:rPr lang="en-US" altLang="ko-KR" sz="3200" i="1">
+                            <a:latin typeface="Cambria Math" panose="02040503050406030204" pitchFamily="18" charset="0"/>
+                          </a:rPr>
+                          <m:t>𝑥</m:t>
+                        </m:r>
+                      </m:e>
+                      <m:sub>
+                        <m:r>
+                          <a:rPr lang="en-US" altLang="ko-KR" sz="3200" b="0" i="1" smtClean="0">
+                            <a:latin typeface="Cambria Math" panose="02040503050406030204" pitchFamily="18" charset="0"/>
+                          </a:rPr>
+                          <m:t>0</m:t>
+                        </m:r>
+                      </m:sub>
+                    </m:sSub>
+                    <m:r>
+                      <a:rPr lang="en-US" altLang="ko-KR" sz="3200" i="1">
+                        <a:latin typeface="Cambria Math" panose="02040503050406030204" pitchFamily="18" charset="0"/>
+                      </a:rPr>
+                      <m:t>)</m:t>
+                    </m:r>
+                  </m:oMath>
+                </a14:m>
+                <a:r>
+                  <a:rPr lang="ko-KR" altLang="en-US" sz="3000" dirty="0"/>
+                  <a:t>이 정의되지 않았다면</a:t>
+                </a:r>
+                <a:r>
+                  <a:rPr lang="en-US" altLang="ko-KR" sz="3000" dirty="0"/>
+                  <a:t>, </a:t>
+                </a:r>
+                <a:r>
+                  <a:rPr lang="ko-KR" altLang="en-US" sz="3000" dirty="0"/>
+                  <a:t>불연속성을 없앨 수 있다</a:t>
+                </a:r>
+                <a:r>
+                  <a:rPr lang="en-US" altLang="ko-KR" sz="3000" dirty="0"/>
+                  <a:t>.</a:t>
+                </a:r>
+              </a:p>
+              <a:p>
+                <a:pPr lvl="1">
+                  <a:lnSpc>
+                    <a:spcPct val="100000"/>
+                  </a:lnSpc>
+                </a:pPr>
+                <a:endParaRPr lang="en-US" altLang="ko-KR" dirty="0"/>
+              </a:p>
+            </p:txBody>
+          </p:sp>
+        </mc:Choice>
+        <mc:Fallback>
+          <p:sp>
+            <p:nvSpPr>
+              <p:cNvPr id="6" name="Text Placeholder 5"/>
+              <p:cNvSpPr>
+                <a:spLocks noGrp="1" noRot="1" noChangeAspect="1" noMove="1" noResize="1" noEditPoints="1" noAdjustHandles="1" noChangeArrowheads="1" noChangeShapeType="1" noTextEdit="1"/>
+              </p:cNvSpPr>
+              <p:nvPr>
+                <p:ph type="body" sz="quarter" idx="10"/>
+              </p:nvPr>
+            </p:nvSpPr>
+            <p:spPr>
+              <a:xfrm>
+                <a:off x="519248" y="1447801"/>
+                <a:ext cx="11151917" cy="4944532"/>
+              </a:xfrm>
+              <a:blipFill>
+                <a:blip r:embed="rId4"/>
+                <a:stretch>
+                  <a:fillRect l="-1694" t="-2589" r="-1639"/>
+                </a:stretch>
+              </a:blipFill>
+            </p:spPr>
+            <p:txBody>
+              <a:bodyPr/>
+              <a:lstStyle/>
+              <a:p>
+                <a:r>
+                  <a:rPr lang="ko-KR" altLang="en-US">
+                    <a:noFill/>
+                  </a:rPr>
+                  <a:t> </a:t>
+                </a:r>
+              </a:p>
+            </p:txBody>
+          </p:sp>
+        </mc:Fallback>
+      </mc:AlternateContent>
+      <p:sp>
+        <p:nvSpPr>
+          <p:cNvPr id="2" name="Title 1"/>
+          <p:cNvSpPr>
+            <a:spLocks noGrp="1"/>
+          </p:cNvSpPr>
+          <p:nvPr>
+            <p:ph type="title"/>
+          </p:nvPr>
+        </p:nvSpPr>
+        <p:spPr>
+          <a:xfrm>
+            <a:off x="519248" y="543951"/>
+            <a:ext cx="11151917" cy="747897"/>
+          </a:xfrm>
+        </p:spPr>
+        <p:txBody>
+          <a:bodyPr/>
+          <a:lstStyle/>
+          <a:p>
+            <a:r>
+              <a:rPr lang="en-US" dirty="0">
+                <a:ea typeface="맑은 고딕" panose="020B0503020000020004" pitchFamily="50" charset="-127"/>
+              </a:rPr>
+              <a:t>Continuity: Removable Discontinuity</a:t>
+            </a:r>
+          </a:p>
+        </p:txBody>
+      </p:sp>
+      <p:sp>
+        <p:nvSpPr>
+          <p:cNvPr id="4" name="Slide Number Placeholder 3"/>
+          <p:cNvSpPr>
+            <a:spLocks noGrp="1"/>
+          </p:cNvSpPr>
+          <p:nvPr>
+            <p:ph type="sldNum" sz="quarter" idx="4"/>
+          </p:nvPr>
+        </p:nvSpPr>
+        <p:spPr/>
+        <p:txBody>
+          <a:bodyPr/>
+          <a:lstStyle/>
+          <a:p>
+            <a:fld id="{6B5C536E-FA7B-40DC-A296-D7EC18490057}" type="slidenum">
+              <a:rPr lang="ko-KR" altLang="en-US" smtClean="0"/>
+              <a:pPr/>
+              <a:t>10</a:t>
+            </a:fld>
+            <a:endParaRPr lang="ko-KR" altLang="en-US"/>
+          </a:p>
+        </p:txBody>
+      </p:sp>
+    </p:spTree>
+    <p:extLst>
+      <p:ext uri="{BB962C8B-B14F-4D97-AF65-F5344CB8AC3E}">
+        <p14:creationId xmlns:p14="http://schemas.microsoft.com/office/powerpoint/2010/main" val="1615320615"/>
+      </p:ext>
+    </p:extLst>
+  </p:cSld>
+  <p:clrMapOvr>
+    <a:masterClrMapping/>
+  </p:clrMapOvr>
+  <mc:AlternateContent xmlns:mc="http://schemas.openxmlformats.org/markup-compatibility/2006" xmlns:p14="http://schemas.microsoft.com/office/powerpoint/2010/main">
+    <mc:Choice Requires="p14">
+      <p:transition p14:dur="10"/>
+    </mc:Choice>
+    <mc:Fallback xmlns="">
+      <p:transition/>
+    </mc:Fallback>
+  </mc:AlternateContent>
+</p:sld>
+</file>
+
+<file path=ppt/slides/slide11.xml><?xml version="1.0" encoding="utf-8"?>
+<p:sld xmlns:a="http://schemas.openxmlformats.org/drawingml/2006/main" xmlns:r="http://schemas.openxmlformats.org/officeDocument/2006/relationships" xmlns:p="http://schemas.openxmlformats.org/presentationml/2006/main">
+  <p:cSld>
+    <p:spTree>
+      <p:nvGrpSpPr>
+        <p:cNvPr id="1" name=""/>
+        <p:cNvGrpSpPr/>
+        <p:nvPr/>
+      </p:nvGrpSpPr>
+      <p:grpSpPr>
+        <a:xfrm>
+          <a:off x="0" y="0"/>
+          <a:ext cx="0" cy="0"/>
+          <a:chOff x="0" y="0"/>
+          <a:chExt cx="0" cy="0"/>
+        </a:xfrm>
+      </p:grpSpPr>
+      <mc:AlternateContent xmlns:mc="http://schemas.openxmlformats.org/markup-compatibility/2006">
+        <mc:Choice xmlns:a14="http://schemas.microsoft.com/office/drawing/2010/main" Requires="a14">
+          <p:sp>
+            <p:nvSpPr>
+              <p:cNvPr id="6" name="Text Placeholder 5"/>
+              <p:cNvSpPr>
+                <a:spLocks noGrp="1"/>
+              </p:cNvSpPr>
+              <p:nvPr>
+                <p:ph type="body" sz="quarter" idx="10"/>
+              </p:nvPr>
+            </p:nvSpPr>
+            <p:spPr>
+              <a:xfrm>
+                <a:off x="519248" y="1447801"/>
+                <a:ext cx="11151917" cy="4944532"/>
+              </a:xfrm>
+            </p:spPr>
+            <p:txBody>
+              <a:bodyPr/>
+              <a:lstStyle/>
+              <a:p>
+                <a:pPr>
+                  <a:lnSpc>
+                    <a:spcPct val="100000"/>
+                  </a:lnSpc>
+                </a:pPr>
+                <a:r>
+                  <a:rPr lang="ko-KR" altLang="en-US" sz="3000" dirty="0"/>
+                  <a:t>비약 불연속성 또는 뜀 불연속성 </a:t>
+                </a:r>
+                <a:r>
+                  <a:rPr lang="en-US" altLang="ko-KR" sz="3000" dirty="0"/>
+                  <a:t>: </a:t>
+                </a:r>
+                <a14:m>
+                  <m:oMath xmlns:m="http://schemas.openxmlformats.org/officeDocument/2006/math">
+                    <m:func>
+                      <m:funcPr>
+                        <m:ctrlPr>
+                          <a:rPr lang="en-US" altLang="ko-KR" sz="3000" i="1">
+                            <a:latin typeface="Cambria Math" panose="02040503050406030204" pitchFamily="18" charset="0"/>
+                          </a:rPr>
+                        </m:ctrlPr>
+                      </m:funcPr>
+                      <m:fName>
+                        <m:limLow>
+                          <m:limLowPr>
+                            <m:ctrlPr>
+                              <a:rPr lang="en-US" altLang="ko-KR" sz="3000" i="1">
+                                <a:latin typeface="Cambria Math" panose="02040503050406030204" pitchFamily="18" charset="0"/>
+                              </a:rPr>
+                            </m:ctrlPr>
+                          </m:limLowPr>
+                          <m:e>
+                            <m:r>
+                              <m:rPr>
+                                <m:sty m:val="p"/>
+                              </m:rPr>
+                              <a:rPr lang="en-US" altLang="ko-KR" sz="3000">
+                                <a:latin typeface="Cambria Math" panose="02040503050406030204" pitchFamily="18" charset="0"/>
+                              </a:rPr>
+                              <m:t>lim</m:t>
+                            </m:r>
+                          </m:e>
+                          <m:lim>
+                            <m:r>
+                              <a:rPr lang="en-US" altLang="ko-KR" sz="3000" i="1">
+                                <a:latin typeface="Cambria Math" panose="02040503050406030204" pitchFamily="18" charset="0"/>
+                              </a:rPr>
+                              <m:t>𝑥</m:t>
+                            </m:r>
+                            <m:r>
+                              <a:rPr lang="en-US" altLang="ko-KR" sz="3000" i="1">
+                                <a:latin typeface="Cambria Math" panose="02040503050406030204" pitchFamily="18" charset="0"/>
+                              </a:rPr>
+                              <m:t>→</m:t>
+                            </m:r>
+                            <m:sSubSup>
+                              <m:sSubSupPr>
+                                <m:ctrlPr>
+                                  <a:rPr lang="en-US" altLang="ko-KR" sz="3000" i="1">
+                                    <a:latin typeface="Cambria Math" panose="02040503050406030204" pitchFamily="18" charset="0"/>
+                                  </a:rPr>
+                                </m:ctrlPr>
+                              </m:sSubSupPr>
+                              <m:e>
+                                <m:r>
+                                  <a:rPr lang="en-US" altLang="ko-KR" sz="3000" i="1">
+                                    <a:latin typeface="Cambria Math" panose="02040503050406030204" pitchFamily="18" charset="0"/>
+                                  </a:rPr>
+                                  <m:t>𝑥</m:t>
+                                </m:r>
+                              </m:e>
+                              <m:sub>
+                                <m:r>
+                                  <a:rPr lang="en-US" altLang="ko-KR" sz="3000" i="1">
+                                    <a:latin typeface="Cambria Math" panose="02040503050406030204" pitchFamily="18" charset="0"/>
+                                  </a:rPr>
+                                  <m:t>0</m:t>
+                                </m:r>
+                              </m:sub>
+                              <m:sup>
+                                <m:r>
+                                  <a:rPr lang="en-US" altLang="ko-KR" sz="3000" i="1">
+                                    <a:latin typeface="Cambria Math" panose="02040503050406030204" pitchFamily="18" charset="0"/>
+                                  </a:rPr>
+                                  <m:t>−</m:t>
+                                </m:r>
+                              </m:sup>
+                            </m:sSubSup>
+                          </m:lim>
+                        </m:limLow>
+                      </m:fName>
+                      <m:e>
+                        <m:r>
+                          <a:rPr lang="en-US" altLang="ko-KR" sz="3000" i="1">
+                            <a:latin typeface="Cambria Math" panose="02040503050406030204" pitchFamily="18" charset="0"/>
+                          </a:rPr>
+                          <m:t>𝑓</m:t>
+                        </m:r>
+                        <m:r>
+                          <a:rPr lang="en-US" altLang="ko-KR" sz="3000" i="1">
+                            <a:latin typeface="Cambria Math" panose="02040503050406030204" pitchFamily="18" charset="0"/>
+                          </a:rPr>
+                          <m:t>(</m:t>
+                        </m:r>
+                        <m:r>
+                          <a:rPr lang="en-US" altLang="ko-KR" sz="3000" i="1">
+                            <a:latin typeface="Cambria Math" panose="02040503050406030204" pitchFamily="18" charset="0"/>
+                          </a:rPr>
+                          <m:t>𝑥</m:t>
+                        </m:r>
+                        <m:r>
+                          <a:rPr lang="en-US" altLang="ko-KR" sz="3000" i="1">
+                            <a:latin typeface="Cambria Math" panose="02040503050406030204" pitchFamily="18" charset="0"/>
+                          </a:rPr>
+                          <m:t>)</m:t>
+                        </m:r>
+                      </m:e>
+                    </m:func>
+                  </m:oMath>
+                </a14:m>
+                <a:r>
+                  <a:rPr lang="ko-KR" altLang="en-US" sz="3000" dirty="0"/>
+                  <a:t>이 존재하고</a:t>
+                </a:r>
+                <a:br>
+                  <a:rPr lang="en-US" altLang="ko-KR" sz="3000" dirty="0"/>
+                </a:br>
+                <a14:m>
+                  <m:oMath xmlns:m="http://schemas.openxmlformats.org/officeDocument/2006/math">
+                    <m:func>
+                      <m:funcPr>
+                        <m:ctrlPr>
+                          <a:rPr lang="en-US" altLang="ko-KR" sz="3000" i="1">
+                            <a:latin typeface="Cambria Math" panose="02040503050406030204" pitchFamily="18" charset="0"/>
+                          </a:rPr>
+                        </m:ctrlPr>
+                      </m:funcPr>
+                      <m:fName>
+                        <m:limLow>
+                          <m:limLowPr>
+                            <m:ctrlPr>
+                              <a:rPr lang="en-US" altLang="ko-KR" sz="3000" i="1">
+                                <a:latin typeface="Cambria Math" panose="02040503050406030204" pitchFamily="18" charset="0"/>
+                              </a:rPr>
+                            </m:ctrlPr>
+                          </m:limLowPr>
+                          <m:e>
+                            <m:r>
+                              <m:rPr>
+                                <m:sty m:val="p"/>
+                              </m:rPr>
+                              <a:rPr lang="en-US" altLang="ko-KR" sz="3000">
+                                <a:latin typeface="Cambria Math" panose="02040503050406030204" pitchFamily="18" charset="0"/>
+                              </a:rPr>
+                              <m:t>lim</m:t>
+                            </m:r>
+                          </m:e>
+                          <m:lim>
+                            <m:r>
+                              <a:rPr lang="en-US" altLang="ko-KR" sz="3000" i="1">
+                                <a:latin typeface="Cambria Math" panose="02040503050406030204" pitchFamily="18" charset="0"/>
+                              </a:rPr>
+                              <m:t>𝑥</m:t>
+                            </m:r>
+                            <m:r>
+                              <a:rPr lang="en-US" altLang="ko-KR" sz="3000" i="1">
+                                <a:latin typeface="Cambria Math" panose="02040503050406030204" pitchFamily="18" charset="0"/>
+                              </a:rPr>
+                              <m:t>→</m:t>
+                            </m:r>
+                            <m:sSubSup>
+                              <m:sSubSupPr>
+                                <m:ctrlPr>
+                                  <a:rPr lang="en-US" altLang="ko-KR" sz="3000" i="1">
+                                    <a:latin typeface="Cambria Math" panose="02040503050406030204" pitchFamily="18" charset="0"/>
+                                  </a:rPr>
+                                </m:ctrlPr>
+                              </m:sSubSupPr>
+                              <m:e>
+                                <m:r>
+                                  <a:rPr lang="en-US" altLang="ko-KR" sz="3000" i="1">
+                                    <a:latin typeface="Cambria Math" panose="02040503050406030204" pitchFamily="18" charset="0"/>
+                                  </a:rPr>
+                                  <m:t>𝑥</m:t>
+                                </m:r>
+                              </m:e>
+                              <m:sub>
+                                <m:r>
+                                  <a:rPr lang="en-US" altLang="ko-KR" sz="3000" i="1">
+                                    <a:latin typeface="Cambria Math" panose="02040503050406030204" pitchFamily="18" charset="0"/>
+                                  </a:rPr>
+                                  <m:t>0</m:t>
+                                </m:r>
+                              </m:sub>
+                              <m:sup>
+                                <m:r>
+                                  <a:rPr lang="en-US" altLang="ko-KR" sz="3000" i="1">
+                                    <a:latin typeface="Cambria Math" panose="02040503050406030204" pitchFamily="18" charset="0"/>
+                                  </a:rPr>
+                                  <m:t>+</m:t>
+                                </m:r>
+                              </m:sup>
+                            </m:sSubSup>
+                          </m:lim>
+                        </m:limLow>
+                      </m:fName>
+                      <m:e>
+                        <m:r>
+                          <a:rPr lang="en-US" altLang="ko-KR" sz="3000" i="1">
+                            <a:latin typeface="Cambria Math" panose="02040503050406030204" pitchFamily="18" charset="0"/>
+                          </a:rPr>
+                          <m:t>𝑓</m:t>
+                        </m:r>
+                        <m:r>
+                          <a:rPr lang="en-US" altLang="ko-KR" sz="3000" i="1">
+                            <a:latin typeface="Cambria Math" panose="02040503050406030204" pitchFamily="18" charset="0"/>
+                          </a:rPr>
+                          <m:t>(</m:t>
+                        </m:r>
+                        <m:r>
+                          <a:rPr lang="en-US" altLang="ko-KR" sz="3000" i="1">
+                            <a:latin typeface="Cambria Math" panose="02040503050406030204" pitchFamily="18" charset="0"/>
+                          </a:rPr>
+                          <m:t>𝑥</m:t>
+                        </m:r>
+                        <m:r>
+                          <a:rPr lang="en-US" altLang="ko-KR" sz="3000" i="1">
+                            <a:latin typeface="Cambria Math" panose="02040503050406030204" pitchFamily="18" charset="0"/>
+                          </a:rPr>
+                          <m:t>)</m:t>
+                        </m:r>
+                      </m:e>
+                    </m:func>
+                  </m:oMath>
+                </a14:m>
+                <a:r>
+                  <a:rPr lang="ko-KR" altLang="en-US" sz="3000" dirty="0"/>
+                  <a:t>도 존재하지만</a:t>
+                </a:r>
+                <a:r>
+                  <a:rPr lang="en-US" altLang="ko-KR" sz="3000" dirty="0"/>
+                  <a:t>, </a:t>
+                </a:r>
+                <a:r>
+                  <a:rPr lang="ko-KR" altLang="en-US" sz="3000" dirty="0"/>
+                  <a:t>두 값이 서로 같지 않은 함수</a:t>
+                </a:r>
+                <a:endParaRPr lang="en-US" altLang="ko-KR" sz="3000" dirty="0"/>
+              </a:p>
+              <a:p>
+                <a:pPr>
+                  <a:lnSpc>
+                    <a:spcPct val="100000"/>
+                  </a:lnSpc>
+                </a:pPr>
+                <a:endParaRPr lang="en-US" altLang="ko-KR" dirty="0"/>
+              </a:p>
+            </p:txBody>
+          </p:sp>
+        </mc:Choice>
+        <mc:Fallback>
+          <p:sp>
+            <p:nvSpPr>
+              <p:cNvPr id="6" name="Text Placeholder 5"/>
+              <p:cNvSpPr>
+                <a:spLocks noGrp="1" noRot="1" noChangeAspect="1" noMove="1" noResize="1" noEditPoints="1" noAdjustHandles="1" noChangeArrowheads="1" noChangeShapeType="1" noTextEdit="1"/>
+              </p:cNvSpPr>
+              <p:nvPr>
+                <p:ph type="body" sz="quarter" idx="10"/>
+              </p:nvPr>
+            </p:nvSpPr>
+            <p:spPr>
+              <a:xfrm>
+                <a:off x="519248" y="1447801"/>
+                <a:ext cx="11151917" cy="4944532"/>
+              </a:xfrm>
+              <a:blipFill>
+                <a:blip r:embed="rId3"/>
+                <a:stretch>
+                  <a:fillRect l="-1694" t="-2713"/>
+                </a:stretch>
+              </a:blipFill>
+            </p:spPr>
+            <p:txBody>
+              <a:bodyPr/>
+              <a:lstStyle/>
+              <a:p>
+                <a:r>
+                  <a:rPr lang="ko-KR" altLang="en-US">
+                    <a:noFill/>
+                  </a:rPr>
+                  <a:t> </a:t>
+                </a:r>
+              </a:p>
+            </p:txBody>
+          </p:sp>
+        </mc:Fallback>
+      </mc:AlternateContent>
+      <p:sp>
+        <p:nvSpPr>
+          <p:cNvPr id="2" name="Title 1"/>
+          <p:cNvSpPr>
+            <a:spLocks noGrp="1"/>
+          </p:cNvSpPr>
+          <p:nvPr>
+            <p:ph type="title"/>
+          </p:nvPr>
+        </p:nvSpPr>
+        <p:spPr>
+          <a:xfrm>
+            <a:off x="519248" y="543951"/>
+            <a:ext cx="11151917" cy="747897"/>
+          </a:xfrm>
+        </p:spPr>
+        <p:txBody>
+          <a:bodyPr/>
+          <a:lstStyle/>
+          <a:p>
+            <a:r>
+              <a:rPr lang="en-US" dirty="0">
+                <a:ea typeface="맑은 고딕" panose="020B0503020000020004" pitchFamily="50" charset="-127"/>
+              </a:rPr>
+              <a:t>Continuity: Jump Discontinuity</a:t>
+            </a:r>
+          </a:p>
+        </p:txBody>
+      </p:sp>
+      <p:sp>
+        <p:nvSpPr>
+          <p:cNvPr id="4" name="Slide Number Placeholder 3"/>
+          <p:cNvSpPr>
+            <a:spLocks noGrp="1"/>
+          </p:cNvSpPr>
+          <p:nvPr>
+            <p:ph type="sldNum" sz="quarter" idx="4"/>
+          </p:nvPr>
+        </p:nvSpPr>
+        <p:spPr/>
+        <p:txBody>
+          <a:bodyPr/>
+          <a:lstStyle/>
+          <a:p>
+            <a:fld id="{6B5C536E-FA7B-40DC-A296-D7EC18490057}" type="slidenum">
+              <a:rPr lang="ko-KR" altLang="en-US" smtClean="0"/>
+              <a:pPr/>
+              <a:t>11</a:t>
+            </a:fld>
+            <a:endParaRPr lang="ko-KR" altLang="en-US"/>
+          </a:p>
+        </p:txBody>
+      </p:sp>
+      <p:pic>
+        <p:nvPicPr>
+          <p:cNvPr id="5" name="Picture 4"/>
+          <p:cNvPicPr>
+            <a:picLocks noChangeAspect="1"/>
+          </p:cNvPicPr>
+          <p:nvPr/>
+        </p:nvPicPr>
+        <p:blipFill>
+          <a:blip r:embed="rId4"/>
+          <a:stretch>
+            <a:fillRect/>
+          </a:stretch>
+        </p:blipFill>
+        <p:spPr>
+          <a:xfrm>
+            <a:off x="4143633" y="2926079"/>
+            <a:ext cx="3837021" cy="3466253"/>
+          </a:xfrm>
+          <a:prstGeom prst="rect">
+            <a:avLst/>
+          </a:prstGeom>
+        </p:spPr>
+      </p:pic>
+    </p:spTree>
+    <p:extLst>
+      <p:ext uri="{BB962C8B-B14F-4D97-AF65-F5344CB8AC3E}">
+        <p14:creationId xmlns:p14="http://schemas.microsoft.com/office/powerpoint/2010/main" val="175523562"/>
+      </p:ext>
+    </p:extLst>
+  </p:cSld>
+  <p:clrMapOvr>
+    <a:masterClrMapping/>
+  </p:clrMapOvr>
+  <mc:AlternateContent xmlns:mc="http://schemas.openxmlformats.org/markup-compatibility/2006" xmlns:p14="http://schemas.microsoft.com/office/powerpoint/2010/main">
+    <mc:Choice Requires="p14">
+      <p:transition p14:dur="10"/>
+    </mc:Choice>
+    <mc:Fallback xmlns="">
+      <p:transition/>
+    </mc:Fallback>
+  </mc:AlternateContent>
+</p:sld>
+</file>
+
+<file path=ppt/slides/slide12.xml><?xml version="1.0" encoding="utf-8"?>
+<p:sld xmlns:a="http://schemas.openxmlformats.org/drawingml/2006/main" xmlns:r="http://schemas.openxmlformats.org/officeDocument/2006/relationships" xmlns:p="http://schemas.openxmlformats.org/presentationml/2006/main">
+  <p:cSld>
+    <p:spTree>
+      <p:nvGrpSpPr>
+        <p:cNvPr id="1" name=""/>
+        <p:cNvGrpSpPr/>
+        <p:nvPr/>
+      </p:nvGrpSpPr>
+      <p:grpSpPr>
+        <a:xfrm>
+          <a:off x="0" y="0"/>
+          <a:ext cx="0" cy="0"/>
+          <a:chOff x="0" y="0"/>
+          <a:chExt cx="0" cy="0"/>
+        </a:xfrm>
+      </p:grpSpPr>
+      <mc:AlternateContent xmlns:mc="http://schemas.openxmlformats.org/markup-compatibility/2006">
+        <mc:Choice xmlns:a14="http://schemas.microsoft.com/office/drawing/2010/main" Requires="a14">
+          <p:sp>
+            <p:nvSpPr>
+              <p:cNvPr id="6" name="Text Placeholder 5"/>
+              <p:cNvSpPr>
+                <a:spLocks noGrp="1"/>
+              </p:cNvSpPr>
+              <p:nvPr>
+                <p:ph type="body" sz="quarter" idx="10"/>
+              </p:nvPr>
+            </p:nvSpPr>
+            <p:spPr>
+              <a:xfrm>
+                <a:off x="519248" y="1447801"/>
+                <a:ext cx="11151917" cy="4944532"/>
+              </a:xfrm>
+            </p:spPr>
+            <p:txBody>
+              <a:bodyPr/>
+              <a:lstStyle/>
+              <a:p>
+                <a:pPr>
+                  <a:lnSpc>
+                    <a:spcPct val="100000"/>
+                  </a:lnSpc>
+                </a:pPr>
+                <a:r>
+                  <a:rPr lang="ko-KR" altLang="en-US" sz="3000" dirty="0"/>
+                  <a:t>무한 불연속성</a:t>
+                </a:r>
+                <a:endParaRPr lang="en-US" altLang="ko-KR" sz="3000" dirty="0"/>
+              </a:p>
+              <a:p>
+                <a:pPr lvl="1">
+                  <a:lnSpc>
+                    <a:spcPct val="100000"/>
+                  </a:lnSpc>
+                </a:pPr>
+                <a:r>
+                  <a:rPr lang="ko-KR" altLang="en-US" dirty="0"/>
+                  <a:t>좌극한 </a:t>
+                </a:r>
+                <a:r>
+                  <a:rPr lang="en-US" altLang="ko-KR" dirty="0"/>
+                  <a:t>: </a:t>
+                </a:r>
+                <a14:m>
+                  <m:oMath xmlns:m="http://schemas.openxmlformats.org/officeDocument/2006/math">
+                    <m:func>
+                      <m:funcPr>
+                        <m:ctrlPr>
+                          <a:rPr lang="en-US" altLang="ko-KR" i="1">
+                            <a:latin typeface="Cambria Math" panose="02040503050406030204" pitchFamily="18" charset="0"/>
+                          </a:rPr>
+                        </m:ctrlPr>
+                      </m:funcPr>
+                      <m:fName>
+                        <m:limLow>
+                          <m:limLowPr>
+                            <m:ctrlPr>
+                              <a:rPr lang="en-US" altLang="ko-KR" i="1">
+                                <a:latin typeface="Cambria Math" panose="02040503050406030204" pitchFamily="18" charset="0"/>
+                              </a:rPr>
+                            </m:ctrlPr>
+                          </m:limLowPr>
+                          <m:e>
+                            <m:r>
+                              <m:rPr>
+                                <m:sty m:val="p"/>
+                              </m:rPr>
+                              <a:rPr lang="en-US" altLang="ko-KR">
+                                <a:latin typeface="Cambria Math" panose="02040503050406030204" pitchFamily="18" charset="0"/>
+                              </a:rPr>
+                              <m:t>lim</m:t>
+                            </m:r>
+                          </m:e>
+                          <m:lim>
+                            <m:r>
+                              <a:rPr lang="en-US" altLang="ko-KR" i="1">
+                                <a:latin typeface="Cambria Math" panose="02040503050406030204" pitchFamily="18" charset="0"/>
+                              </a:rPr>
+                              <m:t>𝑥</m:t>
+                            </m:r>
+                            <m:r>
+                              <a:rPr lang="en-US" altLang="ko-KR" i="1">
+                                <a:latin typeface="Cambria Math" panose="02040503050406030204" pitchFamily="18" charset="0"/>
+                              </a:rPr>
+                              <m:t>→</m:t>
+                            </m:r>
+                            <m:sSubSup>
+                              <m:sSubSupPr>
+                                <m:ctrlPr>
+                                  <a:rPr lang="en-US" altLang="ko-KR" i="1">
+                                    <a:latin typeface="Cambria Math" panose="02040503050406030204" pitchFamily="18" charset="0"/>
+                                  </a:rPr>
+                                </m:ctrlPr>
+                              </m:sSubSupPr>
+                              <m:e>
+                                <m:r>
+                                  <a:rPr lang="en-US" altLang="ko-KR" i="1">
+                                    <a:latin typeface="Cambria Math" panose="02040503050406030204" pitchFamily="18" charset="0"/>
+                                  </a:rPr>
+                                  <m:t>𝑥</m:t>
+                                </m:r>
+                              </m:e>
+                              <m:sub>
+                                <m:r>
+                                  <a:rPr lang="en-US" altLang="ko-KR" i="1">
+                                    <a:latin typeface="Cambria Math" panose="02040503050406030204" pitchFamily="18" charset="0"/>
+                                  </a:rPr>
+                                  <m:t>0</m:t>
+                                </m:r>
+                              </m:sub>
+                              <m:sup>
+                                <m:r>
+                                  <a:rPr lang="en-US" altLang="ko-KR" i="1">
+                                    <a:latin typeface="Cambria Math" panose="02040503050406030204" pitchFamily="18" charset="0"/>
+                                  </a:rPr>
+                                  <m:t>−</m:t>
+                                </m:r>
+                              </m:sup>
+                            </m:sSubSup>
+                          </m:lim>
+                        </m:limLow>
+                      </m:fName>
+                      <m:e>
+                        <m:f>
+                          <m:fPr>
+                            <m:ctrlPr>
+                              <a:rPr lang="en-US" altLang="ko-KR" b="0" i="1" smtClean="0">
+                                <a:latin typeface="Cambria Math" panose="02040503050406030204" pitchFamily="18" charset="0"/>
+                              </a:rPr>
+                            </m:ctrlPr>
+                          </m:fPr>
+                          <m:num>
+                            <m:r>
+                              <a:rPr lang="en-US" altLang="ko-KR" b="0" i="1" smtClean="0">
+                                <a:latin typeface="Cambria Math" panose="02040503050406030204" pitchFamily="18" charset="0"/>
+                              </a:rPr>
+                              <m:t>1</m:t>
+                            </m:r>
+                          </m:num>
+                          <m:den>
+                            <m:r>
+                              <a:rPr lang="en-US" altLang="ko-KR" b="0" i="1" smtClean="0">
+                                <a:latin typeface="Cambria Math" panose="02040503050406030204" pitchFamily="18" charset="0"/>
+                              </a:rPr>
+                              <m:t>𝑥</m:t>
+                            </m:r>
+                          </m:den>
+                        </m:f>
+                      </m:e>
+                    </m:func>
+                    <m:r>
+                      <a:rPr lang="en-US" altLang="ko-KR" b="0" i="1" smtClean="0">
+                        <a:latin typeface="Cambria Math" panose="02040503050406030204" pitchFamily="18" charset="0"/>
+                      </a:rPr>
+                      <m:t>=−</m:t>
+                    </m:r>
+                    <m:r>
+                      <a:rPr lang="en-US" altLang="ko-KR" b="0" i="1" smtClean="0">
+                        <a:latin typeface="Cambria Math" panose="02040503050406030204" pitchFamily="18" charset="0"/>
+                        <a:ea typeface="Cambria Math" panose="02040503050406030204" pitchFamily="18" charset="0"/>
+                      </a:rPr>
+                      <m:t>∞</m:t>
+                    </m:r>
+                  </m:oMath>
+                </a14:m>
+                <a:endParaRPr lang="en-US" altLang="ko-KR" dirty="0"/>
+              </a:p>
+              <a:p>
+                <a:pPr lvl="1">
+                  <a:lnSpc>
+                    <a:spcPct val="100000"/>
+                  </a:lnSpc>
+                </a:pPr>
+                <a:r>
+                  <a:rPr lang="ko-KR" altLang="en-US" dirty="0"/>
+                  <a:t>우극한 </a:t>
+                </a:r>
+                <a:r>
+                  <a:rPr lang="en-US" altLang="ko-KR" dirty="0"/>
+                  <a:t>: </a:t>
+                </a:r>
+                <a14:m>
+                  <m:oMath xmlns:m="http://schemas.openxmlformats.org/officeDocument/2006/math">
+                    <m:func>
+                      <m:funcPr>
+                        <m:ctrlPr>
+                          <a:rPr lang="en-US" altLang="ko-KR" i="1">
+                            <a:latin typeface="Cambria Math" panose="02040503050406030204" pitchFamily="18" charset="0"/>
+                          </a:rPr>
+                        </m:ctrlPr>
+                      </m:funcPr>
+                      <m:fName>
+                        <m:limLow>
+                          <m:limLowPr>
+                            <m:ctrlPr>
+                              <a:rPr lang="en-US" altLang="ko-KR" i="1">
+                                <a:latin typeface="Cambria Math" panose="02040503050406030204" pitchFamily="18" charset="0"/>
+                              </a:rPr>
+                            </m:ctrlPr>
+                          </m:limLowPr>
+                          <m:e>
+                            <m:r>
+                              <m:rPr>
+                                <m:sty m:val="p"/>
+                              </m:rPr>
+                              <a:rPr lang="en-US" altLang="ko-KR">
+                                <a:latin typeface="Cambria Math" panose="02040503050406030204" pitchFamily="18" charset="0"/>
+                              </a:rPr>
+                              <m:t>lim</m:t>
+                            </m:r>
+                          </m:e>
+                          <m:lim>
+                            <m:r>
+                              <a:rPr lang="en-US" altLang="ko-KR" i="1">
+                                <a:latin typeface="Cambria Math" panose="02040503050406030204" pitchFamily="18" charset="0"/>
+                              </a:rPr>
+                              <m:t>𝑥</m:t>
+                            </m:r>
+                            <m:r>
+                              <a:rPr lang="en-US" altLang="ko-KR" i="1">
+                                <a:latin typeface="Cambria Math" panose="02040503050406030204" pitchFamily="18" charset="0"/>
+                              </a:rPr>
+                              <m:t>→</m:t>
+                            </m:r>
+                            <m:sSubSup>
+                              <m:sSubSupPr>
+                                <m:ctrlPr>
+                                  <a:rPr lang="en-US" altLang="ko-KR" i="1">
+                                    <a:latin typeface="Cambria Math" panose="02040503050406030204" pitchFamily="18" charset="0"/>
+                                  </a:rPr>
+                                </m:ctrlPr>
+                              </m:sSubSupPr>
+                              <m:e>
+                                <m:r>
+                                  <a:rPr lang="en-US" altLang="ko-KR" i="1">
+                                    <a:latin typeface="Cambria Math" panose="02040503050406030204" pitchFamily="18" charset="0"/>
+                                  </a:rPr>
+                                  <m:t>𝑥</m:t>
+                                </m:r>
+                              </m:e>
+                              <m:sub>
+                                <m:r>
+                                  <a:rPr lang="en-US" altLang="ko-KR" i="1">
+                                    <a:latin typeface="Cambria Math" panose="02040503050406030204" pitchFamily="18" charset="0"/>
+                                  </a:rPr>
+                                  <m:t>0</m:t>
+                                </m:r>
+                              </m:sub>
+                              <m:sup>
+                                <m:r>
+                                  <a:rPr lang="en-US" altLang="ko-KR" b="0" i="1" smtClean="0">
+                                    <a:latin typeface="Cambria Math" panose="02040503050406030204" pitchFamily="18" charset="0"/>
+                                  </a:rPr>
+                                  <m:t>+</m:t>
+                                </m:r>
+                              </m:sup>
+                            </m:sSubSup>
+                          </m:lim>
+                        </m:limLow>
+                      </m:fName>
+                      <m:e>
+                        <m:f>
+                          <m:fPr>
+                            <m:ctrlPr>
+                              <a:rPr lang="en-US" altLang="ko-KR" i="1">
+                                <a:latin typeface="Cambria Math" panose="02040503050406030204" pitchFamily="18" charset="0"/>
+                              </a:rPr>
+                            </m:ctrlPr>
+                          </m:fPr>
+                          <m:num>
+                            <m:r>
+                              <a:rPr lang="en-US" altLang="ko-KR" i="1">
+                                <a:latin typeface="Cambria Math" panose="02040503050406030204" pitchFamily="18" charset="0"/>
+                              </a:rPr>
+                              <m:t>1</m:t>
+                            </m:r>
+                          </m:num>
+                          <m:den>
+                            <m:r>
+                              <a:rPr lang="en-US" altLang="ko-KR" i="1">
+                                <a:latin typeface="Cambria Math" panose="02040503050406030204" pitchFamily="18" charset="0"/>
+                              </a:rPr>
+                              <m:t>𝑥</m:t>
+                            </m:r>
+                          </m:den>
+                        </m:f>
+                      </m:e>
+                    </m:func>
+                    <m:r>
+                      <a:rPr lang="en-US" altLang="ko-KR" i="1">
+                        <a:latin typeface="Cambria Math" panose="02040503050406030204" pitchFamily="18" charset="0"/>
+                      </a:rPr>
+                      <m:t>=</m:t>
+                    </m:r>
+                    <m:r>
+                      <a:rPr lang="en-US" altLang="ko-KR" i="1">
+                        <a:latin typeface="Cambria Math" panose="02040503050406030204" pitchFamily="18" charset="0"/>
+                        <a:ea typeface="Cambria Math" panose="02040503050406030204" pitchFamily="18" charset="0"/>
+                      </a:rPr>
+                      <m:t>∞</m:t>
+                    </m:r>
+                  </m:oMath>
+                </a14:m>
+                <a:endParaRPr lang="en-US" altLang="ko-KR" dirty="0"/>
+              </a:p>
+            </p:txBody>
+          </p:sp>
+        </mc:Choice>
+        <mc:Fallback>
+          <p:sp>
+            <p:nvSpPr>
+              <p:cNvPr id="6" name="Text Placeholder 5"/>
+              <p:cNvSpPr>
+                <a:spLocks noGrp="1" noRot="1" noChangeAspect="1" noMove="1" noResize="1" noEditPoints="1" noAdjustHandles="1" noChangeArrowheads="1" noChangeShapeType="1" noTextEdit="1"/>
+              </p:cNvSpPr>
+              <p:nvPr>
+                <p:ph type="body" sz="quarter" idx="10"/>
+              </p:nvPr>
+            </p:nvSpPr>
+            <p:spPr>
+              <a:xfrm>
+                <a:off x="519248" y="1447801"/>
+                <a:ext cx="11151917" cy="4944532"/>
+              </a:xfrm>
+              <a:blipFill>
+                <a:blip r:embed="rId3"/>
+                <a:stretch>
+                  <a:fillRect l="-1694" t="-2589"/>
+                </a:stretch>
+              </a:blipFill>
+            </p:spPr>
+            <p:txBody>
+              <a:bodyPr/>
+              <a:lstStyle/>
+              <a:p>
+                <a:r>
+                  <a:rPr lang="ko-KR" altLang="en-US">
+                    <a:noFill/>
+                  </a:rPr>
+                  <a:t> </a:t>
+                </a:r>
+              </a:p>
+            </p:txBody>
+          </p:sp>
+        </mc:Fallback>
+      </mc:AlternateContent>
+      <p:sp>
+        <p:nvSpPr>
+          <p:cNvPr id="2" name="Title 1"/>
+          <p:cNvSpPr>
+            <a:spLocks noGrp="1"/>
+          </p:cNvSpPr>
+          <p:nvPr>
+            <p:ph type="title"/>
+          </p:nvPr>
+        </p:nvSpPr>
+        <p:spPr>
+          <a:xfrm>
+            <a:off x="519248" y="543951"/>
+            <a:ext cx="11151917" cy="747897"/>
+          </a:xfrm>
+        </p:spPr>
+        <p:txBody>
+          <a:bodyPr/>
+          <a:lstStyle/>
+          <a:p>
+            <a:r>
+              <a:rPr lang="en-US" dirty="0">
+                <a:ea typeface="맑은 고딕" panose="020B0503020000020004" pitchFamily="50" charset="-127"/>
+              </a:rPr>
+              <a:t>Continuity: Infinite Discontinuity</a:t>
+            </a:r>
+          </a:p>
+        </p:txBody>
+      </p:sp>
+      <p:sp>
+        <p:nvSpPr>
+          <p:cNvPr id="4" name="Slide Number Placeholder 3"/>
+          <p:cNvSpPr>
+            <a:spLocks noGrp="1"/>
+          </p:cNvSpPr>
+          <p:nvPr>
+            <p:ph type="sldNum" sz="quarter" idx="4"/>
+          </p:nvPr>
+        </p:nvSpPr>
+        <p:spPr/>
+        <p:txBody>
+          <a:bodyPr/>
+          <a:lstStyle/>
+          <a:p>
+            <a:fld id="{6B5C536E-FA7B-40DC-A296-D7EC18490057}" type="slidenum">
+              <a:rPr lang="ko-KR" altLang="en-US" smtClean="0"/>
+              <a:pPr/>
+              <a:t>12</a:t>
+            </a:fld>
+            <a:endParaRPr lang="ko-KR" altLang="en-US"/>
+          </a:p>
+        </p:txBody>
+      </p:sp>
+      <p:pic>
+        <p:nvPicPr>
+          <p:cNvPr id="3" name="Picture 2"/>
+          <p:cNvPicPr>
+            <a:picLocks noChangeAspect="1"/>
+          </p:cNvPicPr>
+          <p:nvPr/>
+        </p:nvPicPr>
+        <p:blipFill>
+          <a:blip r:embed="rId4"/>
+          <a:stretch>
+            <a:fillRect/>
+          </a:stretch>
+        </p:blipFill>
+        <p:spPr>
+          <a:xfrm>
+            <a:off x="4509569" y="3420533"/>
+            <a:ext cx="3105150" cy="2971800"/>
+          </a:xfrm>
+          <a:prstGeom prst="rect">
+            <a:avLst/>
+          </a:prstGeom>
+        </p:spPr>
+      </p:pic>
+    </p:spTree>
+    <p:extLst>
+      <p:ext uri="{BB962C8B-B14F-4D97-AF65-F5344CB8AC3E}">
+        <p14:creationId xmlns:p14="http://schemas.microsoft.com/office/powerpoint/2010/main" val="3538315132"/>
+      </p:ext>
+    </p:extLst>
+  </p:cSld>
+  <p:clrMapOvr>
+    <a:masterClrMapping/>
+  </p:clrMapOvr>
+  <mc:AlternateContent xmlns:mc="http://schemas.openxmlformats.org/markup-compatibility/2006" xmlns:p14="http://schemas.microsoft.com/office/powerpoint/2010/main">
+    <mc:Choice Requires="p14">
+      <p:transition p14:dur="10"/>
+    </mc:Choice>
+    <mc:Fallback xmlns="">
+      <p:transition/>
+    </mc:Fallback>
+  </mc:AlternateContent>
+</p:sld>
+</file>
+
+<file path=ppt/slides/slide13.xml><?xml version="1.0" encoding="utf-8"?>
+<p:sld xmlns:a="http://schemas.openxmlformats.org/drawingml/2006/main" xmlns:r="http://schemas.openxmlformats.org/officeDocument/2006/relationships" xmlns:p="http://schemas.openxmlformats.org/presentationml/2006/main">
+  <p:cSld>
+    <p:spTree>
+      <p:nvGrpSpPr>
+        <p:cNvPr id="1" name=""/>
+        <p:cNvGrpSpPr/>
+        <p:nvPr/>
+      </p:nvGrpSpPr>
+      <p:grpSpPr>
+        <a:xfrm>
+          <a:off x="0" y="0"/>
+          <a:ext cx="0" cy="0"/>
+          <a:chOff x="0" y="0"/>
+          <a:chExt cx="0" cy="0"/>
+        </a:xfrm>
+      </p:grpSpPr>
+      <p:sp>
+        <p:nvSpPr>
+          <p:cNvPr id="2" name="Title 1"/>
+          <p:cNvSpPr>
+            <a:spLocks noGrp="1"/>
+          </p:cNvSpPr>
+          <p:nvPr>
+            <p:ph type="title"/>
+          </p:nvPr>
+        </p:nvSpPr>
+        <p:spPr>
+          <a:xfrm>
+            <a:off x="519248" y="543951"/>
+            <a:ext cx="11151917" cy="747897"/>
+          </a:xfrm>
+        </p:spPr>
+        <p:txBody>
+          <a:bodyPr/>
+          <a:lstStyle/>
+          <a:p>
+            <a:r>
+              <a:rPr lang="en-US" dirty="0">
+                <a:ea typeface="맑은 고딕" panose="020B0503020000020004" pitchFamily="50" charset="-127"/>
+              </a:rPr>
+              <a:t>Continuity: Other Discontinuity</a:t>
+            </a:r>
+          </a:p>
+        </p:txBody>
+      </p:sp>
+      <p:sp>
+        <p:nvSpPr>
+          <p:cNvPr id="4" name="Slide Number Placeholder 3"/>
+          <p:cNvSpPr>
+            <a:spLocks noGrp="1"/>
+          </p:cNvSpPr>
+          <p:nvPr>
+            <p:ph type="sldNum" sz="quarter" idx="4"/>
+          </p:nvPr>
+        </p:nvSpPr>
+        <p:spPr/>
+        <p:txBody>
+          <a:bodyPr/>
+          <a:lstStyle/>
+          <a:p>
+            <a:fld id="{6B5C536E-FA7B-40DC-A296-D7EC18490057}" type="slidenum">
+              <a:rPr lang="ko-KR" altLang="en-US" smtClean="0"/>
+              <a:pPr/>
+              <a:t>13</a:t>
+            </a:fld>
+            <a:endParaRPr lang="ko-KR" altLang="en-US"/>
+          </a:p>
+        </p:txBody>
+      </p:sp>
+      <p:pic>
+        <p:nvPicPr>
+          <p:cNvPr id="8" name="Picture 7"/>
+          <p:cNvPicPr>
+            <a:picLocks noChangeAspect="1"/>
+          </p:cNvPicPr>
+          <p:nvPr/>
+        </p:nvPicPr>
+        <p:blipFill>
+          <a:blip r:embed="rId3"/>
+          <a:stretch>
+            <a:fillRect/>
+          </a:stretch>
+        </p:blipFill>
+        <p:spPr>
+          <a:xfrm>
+            <a:off x="3713259" y="2069449"/>
+            <a:ext cx="4699572" cy="3598381"/>
+          </a:xfrm>
+          <a:prstGeom prst="rect">
+            <a:avLst/>
+          </a:prstGeom>
+        </p:spPr>
+      </p:pic>
+    </p:spTree>
+    <p:extLst>
+      <p:ext uri="{BB962C8B-B14F-4D97-AF65-F5344CB8AC3E}">
+        <p14:creationId xmlns:p14="http://schemas.microsoft.com/office/powerpoint/2010/main" val="3229771045"/>
+      </p:ext>
+    </p:extLst>
+  </p:cSld>
+  <p:clrMapOvr>
+    <a:masterClrMapping/>
+  </p:clrMapOvr>
+  <mc:AlternateContent xmlns:mc="http://schemas.openxmlformats.org/markup-compatibility/2006" xmlns:p14="http://schemas.microsoft.com/office/powerpoint/2010/main">
+    <mc:Choice Requires="p14">
+      <p:transition p14:dur="10"/>
+    </mc:Choice>
+    <mc:Fallback xmlns="">
+      <p:transition/>
+    </mc:Fallback>
+  </mc:AlternateContent>
+</p:sld>
+</file>
+
+<file path=ppt/slides/slide14.xml><?xml version="1.0" encoding="utf-8"?>
+<p:sld xmlns:a="http://schemas.openxmlformats.org/drawingml/2006/main" xmlns:r="http://schemas.openxmlformats.org/officeDocument/2006/relationships" xmlns:p="http://schemas.openxmlformats.org/presentationml/2006/main">
+  <p:cSld>
+    <p:spTree>
+      <p:nvGrpSpPr>
+        <p:cNvPr id="1" name=""/>
+        <p:cNvGrpSpPr/>
+        <p:nvPr/>
+      </p:nvGrpSpPr>
+      <p:grpSpPr>
+        <a:xfrm>
+          <a:off x="0" y="0"/>
+          <a:ext cx="0" cy="0"/>
+          <a:chOff x="0" y="0"/>
+          <a:chExt cx="0" cy="0"/>
+        </a:xfrm>
+      </p:grpSpPr>
+      <mc:AlternateContent xmlns:mc="http://schemas.openxmlformats.org/markup-compatibility/2006">
+        <mc:Choice xmlns:a14="http://schemas.microsoft.com/office/drawing/2010/main" Requires="a14">
+          <p:sp>
+            <p:nvSpPr>
+              <p:cNvPr id="6" name="Text Placeholder 5"/>
+              <p:cNvSpPr>
+                <a:spLocks noGrp="1"/>
+              </p:cNvSpPr>
+              <p:nvPr>
+                <p:ph type="body" sz="quarter" idx="10"/>
+              </p:nvPr>
+            </p:nvSpPr>
+            <p:spPr>
+              <a:xfrm>
+                <a:off x="519248" y="1447801"/>
+                <a:ext cx="11151917" cy="4944532"/>
+              </a:xfrm>
+            </p:spPr>
+            <p:txBody>
+              <a:bodyPr/>
+              <a:lstStyle/>
+              <a:p>
+                <a:pPr>
+                  <a:lnSpc>
+                    <a:spcPct val="100000"/>
+                  </a:lnSpc>
+                </a:pPr>
+                <a:r>
+                  <a:rPr lang="ko-KR" altLang="en-US" sz="3000" dirty="0"/>
+                  <a:t>함수 </a:t>
+                </a:r>
+                <a14:m>
+                  <m:oMath xmlns:m="http://schemas.openxmlformats.org/officeDocument/2006/math">
+                    <m:r>
+                      <a:rPr lang="en-US" altLang="ko-KR" sz="3000" b="0" i="1" smtClean="0">
+                        <a:latin typeface="Cambria Math" panose="02040503050406030204" pitchFamily="18" charset="0"/>
+                      </a:rPr>
+                      <m:t>𝑓</m:t>
+                    </m:r>
+                  </m:oMath>
+                </a14:m>
+                <a:r>
+                  <a:rPr lang="ko-KR" altLang="en-US" sz="3000" dirty="0"/>
+                  <a:t>가 </a:t>
+                </a:r>
+                <a14:m>
+                  <m:oMath xmlns:m="http://schemas.openxmlformats.org/officeDocument/2006/math">
+                    <m:sSub>
+                      <m:sSubPr>
+                        <m:ctrlPr>
+                          <a:rPr lang="en-US" altLang="ko-KR" sz="3000" b="0" i="1" smtClean="0">
+                            <a:latin typeface="Cambria Math" panose="02040503050406030204" pitchFamily="18" charset="0"/>
+                          </a:rPr>
+                        </m:ctrlPr>
+                      </m:sSubPr>
+                      <m:e>
+                        <m:r>
+                          <a:rPr lang="en-US" altLang="ko-KR" sz="3000" b="0" i="1" smtClean="0">
+                            <a:latin typeface="Cambria Math" panose="02040503050406030204" pitchFamily="18" charset="0"/>
+                          </a:rPr>
+                          <m:t>𝑥</m:t>
+                        </m:r>
+                      </m:e>
+                      <m:sub>
+                        <m:r>
+                          <a:rPr lang="en-US" altLang="ko-KR" sz="3000" b="0" i="1" smtClean="0">
+                            <a:latin typeface="Cambria Math" panose="02040503050406030204" pitchFamily="18" charset="0"/>
+                          </a:rPr>
+                          <m:t>0</m:t>
+                        </m:r>
+                      </m:sub>
+                    </m:sSub>
+                  </m:oMath>
+                </a14:m>
+                <a:r>
+                  <a:rPr lang="ko-KR" altLang="en-US" sz="3000" dirty="0"/>
+                  <a:t>에서 미분 가능하면</a:t>
+                </a:r>
+                <a:r>
+                  <a:rPr lang="en-US" altLang="ko-KR" sz="3000" dirty="0"/>
+                  <a:t>, </a:t>
+                </a:r>
+                <a14:m>
+                  <m:oMath xmlns:m="http://schemas.openxmlformats.org/officeDocument/2006/math">
+                    <m:r>
+                      <a:rPr lang="en-US" altLang="ko-KR" sz="3000" i="1">
+                        <a:latin typeface="Cambria Math" panose="02040503050406030204" pitchFamily="18" charset="0"/>
+                      </a:rPr>
+                      <m:t>𝑓</m:t>
+                    </m:r>
+                  </m:oMath>
+                </a14:m>
+                <a:r>
+                  <a:rPr lang="ko-KR" altLang="en-US" sz="3000" dirty="0"/>
+                  <a:t>는 </a:t>
+                </a:r>
+                <a14:m>
+                  <m:oMath xmlns:m="http://schemas.openxmlformats.org/officeDocument/2006/math">
+                    <m:sSub>
+                      <m:sSubPr>
+                        <m:ctrlPr>
+                          <a:rPr lang="en-US" altLang="ko-KR" sz="3000" i="1">
+                            <a:latin typeface="Cambria Math" panose="02040503050406030204" pitchFamily="18" charset="0"/>
+                          </a:rPr>
+                        </m:ctrlPr>
+                      </m:sSubPr>
+                      <m:e>
+                        <m:r>
+                          <a:rPr lang="en-US" altLang="ko-KR" sz="3000" i="1">
+                            <a:latin typeface="Cambria Math" panose="02040503050406030204" pitchFamily="18" charset="0"/>
+                          </a:rPr>
+                          <m:t>𝑥</m:t>
+                        </m:r>
+                      </m:e>
+                      <m:sub>
+                        <m:r>
+                          <a:rPr lang="en-US" altLang="ko-KR" sz="3000" i="1">
+                            <a:latin typeface="Cambria Math" panose="02040503050406030204" pitchFamily="18" charset="0"/>
+                          </a:rPr>
+                          <m:t>0</m:t>
+                        </m:r>
+                      </m:sub>
+                    </m:sSub>
+                  </m:oMath>
+                </a14:m>
+                <a:r>
+                  <a:rPr lang="ko-KR" altLang="en-US" sz="3000" dirty="0"/>
+                  <a:t>에서 연속이다</a:t>
+                </a:r>
+                <a:r>
+                  <a:rPr lang="en-US" altLang="ko-KR" sz="3000" dirty="0"/>
+                  <a:t>.</a:t>
+                </a:r>
+              </a:p>
+              <a:p>
+                <a:pPr>
+                  <a:lnSpc>
+                    <a:spcPct val="100000"/>
+                  </a:lnSpc>
+                </a:pPr>
+                <a:r>
+                  <a:rPr lang="ko-KR" altLang="en-US" sz="3000" dirty="0"/>
+                  <a:t>증명</a:t>
+                </a:r>
+                <a:endParaRPr lang="en-US" altLang="ko-KR" sz="3000" dirty="0"/>
+              </a:p>
+              <a:p>
+                <a:pPr marL="0" indent="0">
+                  <a:lnSpc>
+                    <a:spcPct val="100000"/>
+                  </a:lnSpc>
+                  <a:buNone/>
+                </a:pPr>
+                <a14:m>
+                  <m:oMathPara xmlns:m="http://schemas.openxmlformats.org/officeDocument/2006/math">
+                    <m:oMathParaPr>
+                      <m:jc m:val="centerGroup"/>
+                    </m:oMathParaPr>
+                    <m:oMath xmlns:m="http://schemas.openxmlformats.org/officeDocument/2006/math">
+                      <m:limLow>
+                        <m:limLowPr>
+                          <m:ctrlPr>
+                            <a:rPr lang="en-US" altLang="ko-KR" sz="2400" i="1">
+                              <a:latin typeface="Cambria Math" panose="02040503050406030204" pitchFamily="18" charset="0"/>
+                            </a:rPr>
+                          </m:ctrlPr>
+                        </m:limLowPr>
+                        <m:e>
+                          <m:r>
+                            <m:rPr>
+                              <m:sty m:val="p"/>
+                            </m:rPr>
+                            <a:rPr lang="en-US" altLang="ko-KR" sz="2400">
+                              <a:latin typeface="Cambria Math" panose="02040503050406030204" pitchFamily="18" charset="0"/>
+                            </a:rPr>
+                            <m:t>lim</m:t>
+                          </m:r>
+                        </m:e>
+                        <m:lim>
+                          <m:r>
+                            <a:rPr lang="en-US" altLang="ko-KR" sz="2400" i="1">
+                              <a:latin typeface="Cambria Math" panose="02040503050406030204" pitchFamily="18" charset="0"/>
+                            </a:rPr>
+                            <m:t>𝑥</m:t>
+                          </m:r>
+                          <m:r>
+                            <a:rPr lang="en-US" altLang="ko-KR" sz="2400" i="1">
+                              <a:latin typeface="Cambria Math" panose="02040503050406030204" pitchFamily="18" charset="0"/>
+                            </a:rPr>
+                            <m:t>→</m:t>
+                          </m:r>
+                          <m:sSub>
+                            <m:sSubPr>
+                              <m:ctrlPr>
+                                <a:rPr lang="en-US" altLang="ko-KR" sz="2400" b="0" i="1" smtClean="0">
+                                  <a:latin typeface="Cambria Math" panose="02040503050406030204" pitchFamily="18" charset="0"/>
+                                </a:rPr>
+                              </m:ctrlPr>
+                            </m:sSubPr>
+                            <m:e>
+                              <m:r>
+                                <a:rPr lang="en-US" altLang="ko-KR" sz="2400" b="0" i="1" smtClean="0">
+                                  <a:latin typeface="Cambria Math" panose="02040503050406030204" pitchFamily="18" charset="0"/>
+                                </a:rPr>
+                                <m:t>𝑥</m:t>
+                              </m:r>
+                            </m:e>
+                            <m:sub>
+                              <m:r>
+                                <a:rPr lang="en-US" altLang="ko-KR" sz="2400" b="0" i="1" smtClean="0">
+                                  <a:latin typeface="Cambria Math" panose="02040503050406030204" pitchFamily="18" charset="0"/>
+                                </a:rPr>
+                                <m:t>0</m:t>
+                              </m:r>
+                            </m:sub>
+                          </m:sSub>
+                        </m:lim>
+                      </m:limLow>
+                      <m:d>
+                        <m:dPr>
+                          <m:ctrlPr>
+                            <a:rPr lang="en-US" altLang="ko-KR" sz="2400" b="0" i="1" smtClean="0">
+                              <a:latin typeface="Cambria Math" panose="02040503050406030204" pitchFamily="18" charset="0"/>
+                            </a:rPr>
+                          </m:ctrlPr>
+                        </m:dPr>
+                        <m:e>
+                          <m:r>
+                            <a:rPr lang="en-US" altLang="ko-KR" sz="2400" b="0" i="1" smtClean="0">
+                              <a:latin typeface="Cambria Math" panose="02040503050406030204" pitchFamily="18" charset="0"/>
+                            </a:rPr>
+                            <m:t>𝑓</m:t>
+                          </m:r>
+                          <m:d>
+                            <m:dPr>
+                              <m:ctrlPr>
+                                <a:rPr lang="en-US" altLang="ko-KR" sz="2400" b="0" i="1" smtClean="0">
+                                  <a:latin typeface="Cambria Math" panose="02040503050406030204" pitchFamily="18" charset="0"/>
+                                </a:rPr>
+                              </m:ctrlPr>
+                            </m:dPr>
+                            <m:e>
+                              <m:r>
+                                <a:rPr lang="en-US" altLang="ko-KR" sz="2400" b="0" i="1" smtClean="0">
+                                  <a:latin typeface="Cambria Math" panose="02040503050406030204" pitchFamily="18" charset="0"/>
+                                </a:rPr>
+                                <m:t>𝑥</m:t>
+                              </m:r>
+                            </m:e>
+                          </m:d>
+                          <m:r>
+                            <a:rPr lang="en-US" altLang="ko-KR" sz="2400" b="0" i="1" smtClean="0">
+                              <a:latin typeface="Cambria Math" panose="02040503050406030204" pitchFamily="18" charset="0"/>
+                            </a:rPr>
+                            <m:t>−</m:t>
+                          </m:r>
+                          <m:r>
+                            <a:rPr lang="en-US" altLang="ko-KR" sz="2400" b="0" i="1" smtClean="0">
+                              <a:latin typeface="Cambria Math" panose="02040503050406030204" pitchFamily="18" charset="0"/>
+                            </a:rPr>
+                            <m:t>𝑓</m:t>
+                          </m:r>
+                          <m:d>
+                            <m:dPr>
+                              <m:ctrlPr>
+                                <a:rPr lang="en-US" altLang="ko-KR" sz="2400" b="0" i="1" smtClean="0">
+                                  <a:latin typeface="Cambria Math" panose="02040503050406030204" pitchFamily="18" charset="0"/>
+                                </a:rPr>
+                              </m:ctrlPr>
+                            </m:dPr>
+                            <m:e>
+                              <m:sSub>
+                                <m:sSubPr>
+                                  <m:ctrlPr>
+                                    <a:rPr lang="en-US" altLang="ko-KR" sz="2400" b="0" i="1" smtClean="0">
+                                      <a:latin typeface="Cambria Math" panose="02040503050406030204" pitchFamily="18" charset="0"/>
+                                    </a:rPr>
+                                  </m:ctrlPr>
+                                </m:sSubPr>
+                                <m:e>
+                                  <m:r>
+                                    <a:rPr lang="en-US" altLang="ko-KR" sz="2400" b="0" i="1" smtClean="0">
+                                      <a:latin typeface="Cambria Math" panose="02040503050406030204" pitchFamily="18" charset="0"/>
+                                    </a:rPr>
+                                    <m:t>𝑥</m:t>
+                                  </m:r>
+                                </m:e>
+                                <m:sub>
+                                  <m:r>
+                                    <a:rPr lang="en-US" altLang="ko-KR" sz="2400" b="0" i="1" smtClean="0">
+                                      <a:latin typeface="Cambria Math" panose="02040503050406030204" pitchFamily="18" charset="0"/>
+                                    </a:rPr>
+                                    <m:t>0</m:t>
+                                  </m:r>
+                                </m:sub>
+                              </m:sSub>
+                            </m:e>
+                          </m:d>
+                        </m:e>
+                      </m:d>
+                      <m:r>
+                        <a:rPr lang="en-US" altLang="ko-KR" sz="2400" b="0" i="1" smtClean="0">
+                          <a:latin typeface="Cambria Math" panose="02040503050406030204" pitchFamily="18" charset="0"/>
+                        </a:rPr>
+                        <m:t>=</m:t>
+                      </m:r>
+                      <m:limLow>
+                        <m:limLowPr>
+                          <m:ctrlPr>
+                            <a:rPr lang="en-US" altLang="ko-KR" sz="2400" i="1">
+                              <a:latin typeface="Cambria Math" panose="02040503050406030204" pitchFamily="18" charset="0"/>
+                            </a:rPr>
+                          </m:ctrlPr>
+                        </m:limLowPr>
+                        <m:e>
+                          <m:r>
+                            <m:rPr>
+                              <m:sty m:val="p"/>
+                            </m:rPr>
+                            <a:rPr lang="en-US" altLang="ko-KR" sz="2400">
+                              <a:latin typeface="Cambria Math" panose="02040503050406030204" pitchFamily="18" charset="0"/>
+                            </a:rPr>
+                            <m:t>lim</m:t>
+                          </m:r>
+                        </m:e>
+                        <m:lim>
+                          <m:r>
+                            <a:rPr lang="en-US" altLang="ko-KR" sz="2400" i="1">
+                              <a:latin typeface="Cambria Math" panose="02040503050406030204" pitchFamily="18" charset="0"/>
+                            </a:rPr>
+                            <m:t>𝑥</m:t>
+                          </m:r>
+                          <m:r>
+                            <a:rPr lang="en-US" altLang="ko-KR" sz="2400" i="1">
+                              <a:latin typeface="Cambria Math" panose="02040503050406030204" pitchFamily="18" charset="0"/>
+                            </a:rPr>
+                            <m:t>→</m:t>
+                          </m:r>
+                          <m:sSub>
+                            <m:sSubPr>
+                              <m:ctrlPr>
+                                <a:rPr lang="en-US" altLang="ko-KR" sz="2400" i="1">
+                                  <a:latin typeface="Cambria Math" panose="02040503050406030204" pitchFamily="18" charset="0"/>
+                                </a:rPr>
+                              </m:ctrlPr>
+                            </m:sSubPr>
+                            <m:e>
+                              <m:r>
+                                <a:rPr lang="en-US" altLang="ko-KR" sz="2400" i="1">
+                                  <a:latin typeface="Cambria Math" panose="02040503050406030204" pitchFamily="18" charset="0"/>
+                                </a:rPr>
+                                <m:t>𝑥</m:t>
+                              </m:r>
+                            </m:e>
+                            <m:sub>
+                              <m:r>
+                                <a:rPr lang="en-US" altLang="ko-KR" sz="2400" i="1">
+                                  <a:latin typeface="Cambria Math" panose="02040503050406030204" pitchFamily="18" charset="0"/>
+                                </a:rPr>
+                                <m:t>0</m:t>
+                              </m:r>
+                            </m:sub>
+                          </m:sSub>
+                        </m:lim>
+                      </m:limLow>
+                      <m:d>
+                        <m:dPr>
+                          <m:begChr m:val="["/>
+                          <m:endChr m:val="]"/>
+                          <m:ctrlPr>
+                            <a:rPr lang="en-US" altLang="ko-KR" sz="2400" b="0" i="1" smtClean="0">
+                              <a:latin typeface="Cambria Math" panose="02040503050406030204" pitchFamily="18" charset="0"/>
+                            </a:rPr>
+                          </m:ctrlPr>
+                        </m:dPr>
+                        <m:e>
+                          <m:f>
+                            <m:fPr>
+                              <m:ctrlPr>
+                                <a:rPr lang="en-US" altLang="ko-KR" sz="2400" b="0" i="1" smtClean="0">
+                                  <a:latin typeface="Cambria Math" panose="02040503050406030204" pitchFamily="18" charset="0"/>
+                                </a:rPr>
+                              </m:ctrlPr>
+                            </m:fPr>
+                            <m:num>
+                              <m:r>
+                                <a:rPr lang="en-US" altLang="ko-KR" sz="2400" b="0" i="1" smtClean="0">
+                                  <a:latin typeface="Cambria Math" panose="02040503050406030204" pitchFamily="18" charset="0"/>
+                                </a:rPr>
+                                <m:t>𝑓</m:t>
+                              </m:r>
+                              <m:d>
+                                <m:dPr>
+                                  <m:ctrlPr>
+                                    <a:rPr lang="en-US" altLang="ko-KR" sz="2400" b="0" i="1" smtClean="0">
+                                      <a:latin typeface="Cambria Math" panose="02040503050406030204" pitchFamily="18" charset="0"/>
+                                    </a:rPr>
+                                  </m:ctrlPr>
+                                </m:dPr>
+                                <m:e>
+                                  <m:r>
+                                    <a:rPr lang="en-US" altLang="ko-KR" sz="2400" b="0" i="1" smtClean="0">
+                                      <a:latin typeface="Cambria Math" panose="02040503050406030204" pitchFamily="18" charset="0"/>
+                                    </a:rPr>
+                                    <m:t>𝑥</m:t>
+                                  </m:r>
+                                </m:e>
+                              </m:d>
+                              <m:r>
+                                <a:rPr lang="en-US" altLang="ko-KR" sz="2400" b="0" i="1" smtClean="0">
+                                  <a:latin typeface="Cambria Math" panose="02040503050406030204" pitchFamily="18" charset="0"/>
+                                </a:rPr>
+                                <m:t>−</m:t>
+                              </m:r>
+                              <m:r>
+                                <a:rPr lang="en-US" altLang="ko-KR" sz="2400" b="0" i="1" smtClean="0">
+                                  <a:latin typeface="Cambria Math" panose="02040503050406030204" pitchFamily="18" charset="0"/>
+                                </a:rPr>
+                                <m:t>𝑓</m:t>
+                              </m:r>
+                              <m:d>
+                                <m:dPr>
+                                  <m:ctrlPr>
+                                    <a:rPr lang="en-US" altLang="ko-KR" sz="2400" b="0" i="1" smtClean="0">
+                                      <a:latin typeface="Cambria Math" panose="02040503050406030204" pitchFamily="18" charset="0"/>
+                                    </a:rPr>
+                                  </m:ctrlPr>
+                                </m:dPr>
+                                <m:e>
+                                  <m:sSub>
+                                    <m:sSubPr>
+                                      <m:ctrlPr>
+                                        <a:rPr lang="en-US" altLang="ko-KR" sz="2400" b="0" i="1" smtClean="0">
+                                          <a:latin typeface="Cambria Math" panose="02040503050406030204" pitchFamily="18" charset="0"/>
+                                        </a:rPr>
+                                      </m:ctrlPr>
+                                    </m:sSubPr>
+                                    <m:e>
+                                      <m:r>
+                                        <a:rPr lang="en-US" altLang="ko-KR" sz="2400" b="0" i="1" smtClean="0">
+                                          <a:latin typeface="Cambria Math" panose="02040503050406030204" pitchFamily="18" charset="0"/>
+                                        </a:rPr>
+                                        <m:t>𝑥</m:t>
+                                      </m:r>
+                                    </m:e>
+                                    <m:sub>
+                                      <m:r>
+                                        <a:rPr lang="en-US" altLang="ko-KR" sz="2400" b="0" i="1" smtClean="0">
+                                          <a:latin typeface="Cambria Math" panose="02040503050406030204" pitchFamily="18" charset="0"/>
+                                        </a:rPr>
+                                        <m:t>0</m:t>
+                                      </m:r>
+                                    </m:sub>
+                                  </m:sSub>
+                                </m:e>
+                              </m:d>
+                            </m:num>
+                            <m:den>
+                              <m:r>
+                                <a:rPr lang="en-US" altLang="ko-KR" sz="2400" b="0" i="1" smtClean="0">
+                                  <a:latin typeface="Cambria Math" panose="02040503050406030204" pitchFamily="18" charset="0"/>
+                                </a:rPr>
+                                <m:t>𝑥</m:t>
+                              </m:r>
+                              <m:r>
+                                <a:rPr lang="en-US" altLang="ko-KR" sz="2400" b="0" i="1" smtClean="0">
+                                  <a:latin typeface="Cambria Math" panose="02040503050406030204" pitchFamily="18" charset="0"/>
+                                </a:rPr>
+                                <m:t>−</m:t>
+                              </m:r>
+                              <m:sSub>
+                                <m:sSubPr>
+                                  <m:ctrlPr>
+                                    <a:rPr lang="en-US" altLang="ko-KR" sz="2400" b="0" i="1" smtClean="0">
+                                      <a:latin typeface="Cambria Math" panose="02040503050406030204" pitchFamily="18" charset="0"/>
+                                    </a:rPr>
+                                  </m:ctrlPr>
+                                </m:sSubPr>
+                                <m:e>
+                                  <m:r>
+                                    <a:rPr lang="en-US" altLang="ko-KR" sz="2400" b="0" i="1" smtClean="0">
+                                      <a:latin typeface="Cambria Math" panose="02040503050406030204" pitchFamily="18" charset="0"/>
+                                    </a:rPr>
+                                    <m:t>𝑥</m:t>
+                                  </m:r>
+                                </m:e>
+                                <m:sub>
+                                  <m:r>
+                                    <a:rPr lang="en-US" altLang="ko-KR" sz="2400" b="0" i="1" smtClean="0">
+                                      <a:latin typeface="Cambria Math" panose="02040503050406030204" pitchFamily="18" charset="0"/>
+                                    </a:rPr>
+                                    <m:t>0</m:t>
+                                  </m:r>
+                                </m:sub>
+                              </m:sSub>
+                            </m:den>
+                          </m:f>
+                        </m:e>
+                      </m:d>
+                      <m:d>
+                        <m:dPr>
+                          <m:ctrlPr>
+                            <a:rPr lang="en-US" altLang="ko-KR" sz="2400" b="0" i="1" smtClean="0">
+                              <a:latin typeface="Cambria Math" panose="02040503050406030204" pitchFamily="18" charset="0"/>
+                            </a:rPr>
+                          </m:ctrlPr>
+                        </m:dPr>
+                        <m:e>
+                          <m:r>
+                            <a:rPr lang="en-US" altLang="ko-KR" sz="2400" b="0" i="1" smtClean="0">
+                              <a:latin typeface="Cambria Math" panose="02040503050406030204" pitchFamily="18" charset="0"/>
+                            </a:rPr>
+                            <m:t>𝑥</m:t>
+                          </m:r>
+                          <m:r>
+                            <a:rPr lang="en-US" altLang="ko-KR" sz="2400" b="0" i="1" smtClean="0">
+                              <a:latin typeface="Cambria Math" panose="02040503050406030204" pitchFamily="18" charset="0"/>
+                            </a:rPr>
+                            <m:t>−</m:t>
+                          </m:r>
+                          <m:sSub>
+                            <m:sSubPr>
+                              <m:ctrlPr>
+                                <a:rPr lang="en-US" altLang="ko-KR" sz="2400" b="0" i="1" smtClean="0">
+                                  <a:latin typeface="Cambria Math" panose="02040503050406030204" pitchFamily="18" charset="0"/>
+                                </a:rPr>
+                              </m:ctrlPr>
+                            </m:sSubPr>
+                            <m:e>
+                              <m:r>
+                                <a:rPr lang="en-US" altLang="ko-KR" sz="2400" b="0" i="1" smtClean="0">
+                                  <a:latin typeface="Cambria Math" panose="02040503050406030204" pitchFamily="18" charset="0"/>
+                                </a:rPr>
+                                <m:t>𝑥</m:t>
+                              </m:r>
+                            </m:e>
+                            <m:sub>
+                              <m:r>
+                                <a:rPr lang="en-US" altLang="ko-KR" sz="2400" b="0" i="1" smtClean="0">
+                                  <a:latin typeface="Cambria Math" panose="02040503050406030204" pitchFamily="18" charset="0"/>
+                                </a:rPr>
+                                <m:t>0</m:t>
+                              </m:r>
+                            </m:sub>
+                          </m:sSub>
+                        </m:e>
+                      </m:d>
+                      <m:r>
+                        <a:rPr lang="en-US" altLang="ko-KR" sz="2400" b="0" i="1" smtClean="0">
+                          <a:latin typeface="Cambria Math" panose="02040503050406030204" pitchFamily="18" charset="0"/>
+                        </a:rPr>
+                        <m:t>=</m:t>
+                      </m:r>
+                      <m:sSup>
+                        <m:sSupPr>
+                          <m:ctrlPr>
+                            <a:rPr lang="en-US" altLang="ko-KR" sz="2400" b="0" i="1" smtClean="0">
+                              <a:latin typeface="Cambria Math" panose="02040503050406030204" pitchFamily="18" charset="0"/>
+                            </a:rPr>
+                          </m:ctrlPr>
+                        </m:sSupPr>
+                        <m:e>
+                          <m:r>
+                            <a:rPr lang="en-US" altLang="ko-KR" sz="2400" b="0" i="1" smtClean="0">
+                              <a:latin typeface="Cambria Math" panose="02040503050406030204" pitchFamily="18" charset="0"/>
+                            </a:rPr>
+                            <m:t>𝑓</m:t>
+                          </m:r>
+                        </m:e>
+                        <m:sup>
+                          <m:r>
+                            <a:rPr lang="en-US" altLang="ko-KR" sz="2400" b="0" i="1" smtClean="0">
+                              <a:latin typeface="Cambria Math" panose="02040503050406030204" pitchFamily="18" charset="0"/>
+                            </a:rPr>
+                            <m:t>′</m:t>
+                          </m:r>
+                        </m:sup>
+                      </m:sSup>
+                      <m:d>
+                        <m:dPr>
+                          <m:ctrlPr>
+                            <a:rPr lang="en-US" altLang="ko-KR" sz="2400" b="0" i="1" smtClean="0">
+                              <a:latin typeface="Cambria Math" panose="02040503050406030204" pitchFamily="18" charset="0"/>
+                            </a:rPr>
+                          </m:ctrlPr>
+                        </m:dPr>
+                        <m:e>
+                          <m:sSub>
+                            <m:sSubPr>
+                              <m:ctrlPr>
+                                <a:rPr lang="en-US" altLang="ko-KR" sz="2400" b="0" i="1" smtClean="0">
+                                  <a:latin typeface="Cambria Math" panose="02040503050406030204" pitchFamily="18" charset="0"/>
+                                </a:rPr>
+                              </m:ctrlPr>
+                            </m:sSubPr>
+                            <m:e>
+                              <m:r>
+                                <a:rPr lang="en-US" altLang="ko-KR" sz="2400" b="0" i="1" smtClean="0">
+                                  <a:latin typeface="Cambria Math" panose="02040503050406030204" pitchFamily="18" charset="0"/>
+                                </a:rPr>
+                                <m:t>𝑥</m:t>
+                              </m:r>
+                            </m:e>
+                            <m:sub>
+                              <m:r>
+                                <a:rPr lang="en-US" altLang="ko-KR" sz="2400" b="0" i="1" smtClean="0">
+                                  <a:latin typeface="Cambria Math" panose="02040503050406030204" pitchFamily="18" charset="0"/>
+                                </a:rPr>
+                                <m:t>0</m:t>
+                              </m:r>
+                            </m:sub>
+                          </m:sSub>
+                        </m:e>
+                      </m:d>
+                      <m:r>
+                        <a:rPr lang="en-US" altLang="ko-KR" sz="2400" b="0" i="1" smtClean="0">
+                          <a:latin typeface="Cambria Math" panose="02040503050406030204" pitchFamily="18" charset="0"/>
+                          <a:ea typeface="Cambria Math" panose="02040503050406030204" pitchFamily="18" charset="0"/>
+                        </a:rPr>
+                        <m:t>∙0=0</m:t>
+                      </m:r>
+                    </m:oMath>
+                  </m:oMathPara>
+                </a14:m>
+                <a:endParaRPr lang="en-US" altLang="ko-KR" sz="2400" dirty="0"/>
+              </a:p>
+              <a:p>
+                <a:pPr>
+                  <a:lnSpc>
+                    <a:spcPct val="100000"/>
+                  </a:lnSpc>
+                </a:pPr>
+                <a:r>
+                  <a:rPr lang="ko-KR" altLang="en-US" sz="3000" dirty="0"/>
+                  <a:t>주의 </a:t>
+                </a:r>
+                <a:r>
+                  <a:rPr lang="en-US" altLang="ko-KR" sz="3000" dirty="0"/>
+                  <a:t>: </a:t>
+                </a:r>
+                <a:r>
+                  <a:rPr lang="ko-KR" altLang="en-US" sz="3000" dirty="0"/>
+                  <a:t>역은 성립하지 않는다</a:t>
+                </a:r>
+                <a:r>
+                  <a:rPr lang="en-US" altLang="ko-KR" sz="3000" dirty="0"/>
+                  <a:t>.</a:t>
+                </a:r>
+              </a:p>
+              <a:p>
+                <a:pPr lvl="1">
+                  <a:lnSpc>
+                    <a:spcPct val="100000"/>
+                  </a:lnSpc>
+                </a:pPr>
+                <a:r>
+                  <a:rPr lang="ko-KR" altLang="en-US" dirty="0"/>
+                  <a:t>연속하다고 항상 미분 가능하진 않다</a:t>
+                </a:r>
+                <a:r>
+                  <a:rPr lang="en-US" altLang="ko-KR" dirty="0"/>
+                  <a:t>.</a:t>
+                </a:r>
+              </a:p>
+              <a:p>
+                <a:pPr lvl="1">
+                  <a:lnSpc>
+                    <a:spcPct val="100000"/>
+                  </a:lnSpc>
+                </a:pPr>
+                <a:r>
+                  <a:rPr lang="ko-KR" altLang="en-US" dirty="0"/>
+                  <a:t>예 </a:t>
+                </a:r>
+                <a:r>
+                  <a:rPr lang="en-US" altLang="ko-KR" dirty="0"/>
+                  <a:t>: </a:t>
+                </a:r>
+                <a14:m>
+                  <m:oMath xmlns:m="http://schemas.openxmlformats.org/officeDocument/2006/math">
+                    <m:r>
+                      <a:rPr lang="en-US" altLang="ko-KR" b="0" i="1" smtClean="0">
+                        <a:latin typeface="Cambria Math" panose="02040503050406030204" pitchFamily="18" charset="0"/>
+                      </a:rPr>
+                      <m:t>𝑓</m:t>
+                    </m:r>
+                    <m:d>
+                      <m:dPr>
+                        <m:ctrlPr>
+                          <a:rPr lang="en-US" altLang="ko-KR" b="0" i="1" smtClean="0">
+                            <a:latin typeface="Cambria Math" panose="02040503050406030204" pitchFamily="18" charset="0"/>
+                          </a:rPr>
+                        </m:ctrlPr>
+                      </m:dPr>
+                      <m:e>
+                        <m:r>
+                          <a:rPr lang="en-US" altLang="ko-KR" b="0" i="1" smtClean="0">
+                            <a:latin typeface="Cambria Math" panose="02040503050406030204" pitchFamily="18" charset="0"/>
+                          </a:rPr>
+                          <m:t>𝑥</m:t>
+                        </m:r>
+                      </m:e>
+                    </m:d>
+                    <m:r>
+                      <a:rPr lang="en-US" altLang="ko-KR" b="0" i="1" smtClean="0">
+                        <a:latin typeface="Cambria Math" panose="02040503050406030204" pitchFamily="18" charset="0"/>
+                      </a:rPr>
+                      <m:t>=</m:t>
+                    </m:r>
+                    <m:d>
+                      <m:dPr>
+                        <m:begChr m:val="|"/>
+                        <m:endChr m:val="|"/>
+                        <m:ctrlPr>
+                          <a:rPr lang="en-US" altLang="ko-KR" b="0" i="1" smtClean="0">
+                            <a:latin typeface="Cambria Math" panose="02040503050406030204" pitchFamily="18" charset="0"/>
+                          </a:rPr>
+                        </m:ctrlPr>
+                      </m:dPr>
+                      <m:e>
+                        <m:r>
+                          <a:rPr lang="en-US" altLang="ko-KR" b="0" i="1" smtClean="0">
+                            <a:latin typeface="Cambria Math" panose="02040503050406030204" pitchFamily="18" charset="0"/>
+                          </a:rPr>
+                          <m:t>𝑥</m:t>
+                        </m:r>
+                      </m:e>
+                    </m:d>
+                  </m:oMath>
+                </a14:m>
+                <a:endParaRPr lang="en-US" altLang="ko-KR" dirty="0"/>
+              </a:p>
+            </p:txBody>
+          </p:sp>
+        </mc:Choice>
+        <mc:Fallback>
+          <p:sp>
+            <p:nvSpPr>
+              <p:cNvPr id="6" name="Text Placeholder 5"/>
+              <p:cNvSpPr>
+                <a:spLocks noGrp="1" noRot="1" noChangeAspect="1" noMove="1" noResize="1" noEditPoints="1" noAdjustHandles="1" noChangeArrowheads="1" noChangeShapeType="1" noTextEdit="1"/>
+              </p:cNvSpPr>
+              <p:nvPr>
+                <p:ph type="body" sz="quarter" idx="10"/>
+              </p:nvPr>
+            </p:nvSpPr>
+            <p:spPr>
+              <a:xfrm>
+                <a:off x="519248" y="1447801"/>
+                <a:ext cx="11151917" cy="4944532"/>
+              </a:xfrm>
+              <a:blipFill>
+                <a:blip r:embed="rId3"/>
+                <a:stretch>
+                  <a:fillRect l="-1694" t="-2589"/>
+                </a:stretch>
+              </a:blipFill>
+            </p:spPr>
+            <p:txBody>
+              <a:bodyPr/>
+              <a:lstStyle/>
+              <a:p>
+                <a:r>
+                  <a:rPr lang="ko-KR" altLang="en-US">
+                    <a:noFill/>
+                  </a:rPr>
+                  <a:t> </a:t>
+                </a:r>
+              </a:p>
+            </p:txBody>
+          </p:sp>
+        </mc:Fallback>
+      </mc:AlternateContent>
+      <p:sp>
+        <p:nvSpPr>
+          <p:cNvPr id="2" name="Title 1"/>
+          <p:cNvSpPr>
+            <a:spLocks noGrp="1"/>
+          </p:cNvSpPr>
+          <p:nvPr>
+            <p:ph type="title"/>
+          </p:nvPr>
+        </p:nvSpPr>
+        <p:spPr>
+          <a:xfrm>
+            <a:off x="519248" y="543951"/>
+            <a:ext cx="11151917" cy="747897"/>
+          </a:xfrm>
+        </p:spPr>
+        <p:txBody>
+          <a:bodyPr/>
+          <a:lstStyle/>
+          <a:p>
+            <a:r>
+              <a:rPr lang="en-US" dirty="0">
+                <a:ea typeface="맑은 고딕" panose="020B0503020000020004" pitchFamily="50" charset="-127"/>
+              </a:rPr>
+              <a:t>Differentiable implies Continuous</a:t>
+            </a:r>
+          </a:p>
+        </p:txBody>
+      </p:sp>
+      <p:sp>
+        <p:nvSpPr>
+          <p:cNvPr id="4" name="Slide Number Placeholder 3"/>
+          <p:cNvSpPr>
+            <a:spLocks noGrp="1"/>
+          </p:cNvSpPr>
+          <p:nvPr>
+            <p:ph type="sldNum" sz="quarter" idx="4"/>
+          </p:nvPr>
+        </p:nvSpPr>
+        <p:spPr/>
+        <p:txBody>
+          <a:bodyPr/>
+          <a:lstStyle/>
+          <a:p>
+            <a:fld id="{6B5C536E-FA7B-40DC-A296-D7EC18490057}" type="slidenum">
+              <a:rPr lang="ko-KR" altLang="en-US" smtClean="0"/>
+              <a:pPr/>
+              <a:t>14</a:t>
+            </a:fld>
+            <a:endParaRPr lang="ko-KR" altLang="en-US"/>
+          </a:p>
+        </p:txBody>
+      </p:sp>
+    </p:spTree>
+    <p:extLst>
+      <p:ext uri="{BB962C8B-B14F-4D97-AF65-F5344CB8AC3E}">
+        <p14:creationId xmlns:p14="http://schemas.microsoft.com/office/powerpoint/2010/main" val="3051187126"/>
+      </p:ext>
+    </p:extLst>
+  </p:cSld>
+  <p:clrMapOvr>
+    <a:masterClrMapping/>
+  </p:clrMapOvr>
+  <mc:AlternateContent xmlns:mc="http://schemas.openxmlformats.org/markup-compatibility/2006" xmlns:p14="http://schemas.microsoft.com/office/powerpoint/2010/main">
+    <mc:Choice Requires="p14">
+      <p:transition p14:dur="10"/>
+    </mc:Choice>
+    <mc:Fallback xmlns="">
+      <p:transition/>
+    </mc:Fallback>
+  </mc:AlternateContent>
+</p:sld>
+</file>
+
+<file path=ppt/slides/slide15.xml><?xml version="1.0" encoding="utf-8"?>
+<p:sld xmlns:a="http://schemas.openxmlformats.org/drawingml/2006/main" xmlns:r="http://schemas.openxmlformats.org/officeDocument/2006/relationships" xmlns:p="http://schemas.openxmlformats.org/presentationml/2006/main">
+  <p:cSld>
+    <p:spTree>
+      <p:nvGrpSpPr>
+        <p:cNvPr id="1" name=""/>
+        <p:cNvGrpSpPr/>
+        <p:nvPr/>
+      </p:nvGrpSpPr>
+      <p:grpSpPr>
+        <a:xfrm>
+          <a:off x="0" y="0"/>
+          <a:ext cx="0" cy="0"/>
+          <a:chOff x="0" y="0"/>
+          <a:chExt cx="0" cy="0"/>
+        </a:xfrm>
+      </p:grpSpPr>
+      <p:sp>
+        <p:nvSpPr>
+          <p:cNvPr id="4" name="Title 3"/>
+          <p:cNvSpPr>
+            <a:spLocks noGrp="1"/>
+          </p:cNvSpPr>
+          <p:nvPr>
+            <p:ph type="title"/>
+          </p:nvPr>
+        </p:nvSpPr>
+        <p:spPr/>
+        <p:txBody>
+          <a:bodyPr/>
+          <a:lstStyle/>
+          <a:p>
+            <a:r>
+              <a:rPr lang="en-US" altLang="ko-KR" dirty="0"/>
+              <a:t>Lecture 3</a:t>
+            </a:r>
+          </a:p>
+        </p:txBody>
+      </p:sp>
+      <p:sp>
+        <p:nvSpPr>
+          <p:cNvPr id="2" name="Text Placeholder 1"/>
+          <p:cNvSpPr>
+            <a:spLocks noGrp="1"/>
+          </p:cNvSpPr>
+          <p:nvPr>
+            <p:ph type="body" sz="quarter" idx="12"/>
+          </p:nvPr>
+        </p:nvSpPr>
+        <p:spPr/>
+        <p:txBody>
+          <a:bodyPr/>
+          <a:lstStyle/>
+          <a:p>
+            <a:r>
+              <a:rPr lang="en-US" altLang="ko-KR" dirty="0"/>
+              <a:t>Derivatives of Products, Quotients, Sine, and Cosine</a:t>
+            </a:r>
+            <a:endParaRPr lang="ko-KR" altLang="en-US" dirty="0"/>
+          </a:p>
+        </p:txBody>
+      </p:sp>
+    </p:spTree>
+    <p:extLst>
+      <p:ext uri="{BB962C8B-B14F-4D97-AF65-F5344CB8AC3E}">
+        <p14:creationId xmlns:p14="http://schemas.microsoft.com/office/powerpoint/2010/main" val="3928932010"/>
+      </p:ext>
+    </p:extLst>
+  </p:cSld>
+  <p:clrMapOvr>
+    <a:masterClrMapping/>
+  </p:clrMapOvr>
+</p:sld>
+</file>
+
+<file path=ppt/slides/slide16.xml><?xml version="1.0" encoding="utf-8"?>
+<p:sld xmlns:a="http://schemas.openxmlformats.org/drawingml/2006/main" xmlns:r="http://schemas.openxmlformats.org/officeDocument/2006/relationships" xmlns:p="http://schemas.openxmlformats.org/presentationml/2006/main">
+  <p:cSld>
+    <p:spTree>
+      <p:nvGrpSpPr>
+        <p:cNvPr id="1" name=""/>
+        <p:cNvGrpSpPr/>
+        <p:nvPr/>
+      </p:nvGrpSpPr>
+      <p:grpSpPr>
+        <a:xfrm>
+          <a:off x="0" y="0"/>
+          <a:ext cx="0" cy="0"/>
+          <a:chOff x="0" y="0"/>
+          <a:chExt cx="0" cy="0"/>
+        </a:xfrm>
+      </p:grpSpPr>
+      <p:sp>
+        <p:nvSpPr>
+          <p:cNvPr id="2" name="Title 1"/>
+          <p:cNvSpPr>
+            <a:spLocks noGrp="1"/>
+          </p:cNvSpPr>
+          <p:nvPr>
+            <p:ph type="title"/>
+          </p:nvPr>
+        </p:nvSpPr>
+        <p:spPr>
+          <a:xfrm>
+            <a:off x="519248" y="543951"/>
+            <a:ext cx="11151917" cy="747897"/>
+          </a:xfrm>
+        </p:spPr>
+        <p:txBody>
+          <a:bodyPr/>
+          <a:lstStyle/>
+          <a:p>
+            <a:r>
+              <a:rPr lang="en-US" altLang="ko-KR" dirty="0"/>
+              <a:t>Derivative Formulas</a:t>
+            </a:r>
+            <a:endParaRPr lang="en-US" dirty="0">
+              <a:ea typeface="맑은 고딕" panose="020B0503020000020004" pitchFamily="50" charset="-127"/>
+            </a:endParaRPr>
+          </a:p>
+        </p:txBody>
+      </p:sp>
+      <p:sp>
+        <p:nvSpPr>
+          <p:cNvPr id="4" name="Slide Number Placeholder 3"/>
+          <p:cNvSpPr>
+            <a:spLocks noGrp="1"/>
+          </p:cNvSpPr>
+          <p:nvPr>
+            <p:ph type="sldNum" sz="quarter" idx="4"/>
+          </p:nvPr>
+        </p:nvSpPr>
+        <p:spPr/>
+        <p:txBody>
+          <a:bodyPr/>
+          <a:lstStyle/>
+          <a:p>
+            <a:fld id="{6B5C536E-FA7B-40DC-A296-D7EC18490057}" type="slidenum">
+              <a:rPr lang="ko-KR" altLang="en-US" smtClean="0"/>
+              <a:pPr/>
+              <a:t>16</a:t>
+            </a:fld>
+            <a:endParaRPr lang="ko-KR" altLang="en-US"/>
+          </a:p>
+        </p:txBody>
+      </p:sp>
+      <mc:AlternateContent xmlns:mc="http://schemas.openxmlformats.org/markup-compatibility/2006" xmlns:a14="http://schemas.microsoft.com/office/drawing/2010/main">
+        <mc:Choice Requires="a14">
+          <p:sp>
+            <p:nvSpPr>
+              <p:cNvPr id="6" name="Text Placeholder 5"/>
+              <p:cNvSpPr>
+                <a:spLocks noGrp="1"/>
+              </p:cNvSpPr>
+              <p:nvPr>
+                <p:ph type="body" sz="quarter" idx="10"/>
+              </p:nvPr>
+            </p:nvSpPr>
+            <p:spPr>
+              <a:xfrm>
+                <a:off x="519248" y="1447801"/>
+                <a:ext cx="11151917" cy="4944532"/>
+              </a:xfrm>
+            </p:spPr>
+            <p:txBody>
+              <a:bodyPr/>
+              <a:lstStyle/>
+              <a:p>
+                <a:pPr>
+                  <a:lnSpc>
+                    <a:spcPct val="100000"/>
+                  </a:lnSpc>
+                </a:pPr>
+                <a:r>
+                  <a:rPr lang="ko-KR" altLang="en-US" sz="3000" b="0" dirty="0"/>
+                  <a:t>덧셈</a:t>
+                </a:r>
+                <a:r>
+                  <a:rPr lang="en-US" altLang="ko-KR" sz="3000" b="0" dirty="0"/>
+                  <a:t>, </a:t>
+                </a:r>
+                <a:r>
+                  <a:rPr lang="ko-KR" altLang="en-US" sz="3000" b="0" dirty="0"/>
+                  <a:t>뺄셈의 미분</a:t>
+                </a:r>
+                <a:endParaRPr lang="en-US" altLang="ko-KR" sz="3000" b="0" dirty="0"/>
+              </a:p>
+              <a:p>
+                <a:pPr marL="0" indent="0">
+                  <a:lnSpc>
+                    <a:spcPct val="100000"/>
+                  </a:lnSpc>
+                  <a:buNone/>
+                </a:pPr>
+                <a14:m>
+                  <m:oMathPara xmlns:m="http://schemas.openxmlformats.org/officeDocument/2006/math">
+                    <m:oMathParaPr>
+                      <m:jc m:val="centerGroup"/>
+                    </m:oMathParaPr>
+                    <m:oMath xmlns:m="http://schemas.openxmlformats.org/officeDocument/2006/math">
+                      <m:sSup>
+                        <m:sSupPr>
+                          <m:ctrlPr>
+                            <a:rPr lang="en-US" altLang="ko-KR" sz="2400" b="0" i="1" smtClean="0">
+                              <a:latin typeface="Cambria Math" panose="02040503050406030204" pitchFamily="18" charset="0"/>
+                            </a:rPr>
+                          </m:ctrlPr>
+                        </m:sSupPr>
+                        <m:e>
+                          <m:d>
+                            <m:dPr>
+                              <m:ctrlPr>
+                                <a:rPr lang="en-US" altLang="ko-KR" sz="2400" b="0" i="1" smtClean="0">
+                                  <a:latin typeface="Cambria Math" panose="02040503050406030204" pitchFamily="18" charset="0"/>
+                                </a:rPr>
+                              </m:ctrlPr>
+                            </m:dPr>
+                            <m:e>
+                              <m:r>
+                                <a:rPr lang="en-US" altLang="ko-KR" sz="2400" b="0" i="1" smtClean="0">
+                                  <a:latin typeface="Cambria Math" panose="02040503050406030204" pitchFamily="18" charset="0"/>
+                                </a:rPr>
+                                <m:t>𝑢</m:t>
+                              </m:r>
+                              <m:d>
+                                <m:dPr>
+                                  <m:ctrlPr>
+                                    <a:rPr lang="en-US" altLang="ko-KR" sz="2400" b="0" i="1" smtClean="0">
+                                      <a:latin typeface="Cambria Math" panose="02040503050406030204" pitchFamily="18" charset="0"/>
+                                    </a:rPr>
+                                  </m:ctrlPr>
+                                </m:dPr>
+                                <m:e>
+                                  <m:r>
+                                    <a:rPr lang="en-US" altLang="ko-KR" sz="2400" b="0" i="1" smtClean="0">
+                                      <a:latin typeface="Cambria Math" panose="02040503050406030204" pitchFamily="18" charset="0"/>
+                                    </a:rPr>
+                                    <m:t>𝑥</m:t>
+                                  </m:r>
+                                </m:e>
+                              </m:d>
+                              <m:r>
+                                <a:rPr lang="en-US" altLang="ko-KR" sz="2400" b="0" i="1" smtClean="0">
+                                  <a:latin typeface="Cambria Math" panose="02040503050406030204" pitchFamily="18" charset="0"/>
+                                </a:rPr>
+                                <m:t>±</m:t>
+                              </m:r>
+                              <m:r>
+                                <a:rPr lang="en-US" altLang="ko-KR" sz="2400" b="0" i="1" smtClean="0">
+                                  <a:latin typeface="Cambria Math" panose="02040503050406030204" pitchFamily="18" charset="0"/>
+                                </a:rPr>
+                                <m:t>𝑣</m:t>
+                              </m:r>
+                              <m:d>
+                                <m:dPr>
+                                  <m:ctrlPr>
+                                    <a:rPr lang="en-US" altLang="ko-KR" sz="2400" b="0" i="1" smtClean="0">
+                                      <a:latin typeface="Cambria Math" panose="02040503050406030204" pitchFamily="18" charset="0"/>
+                                    </a:rPr>
+                                  </m:ctrlPr>
+                                </m:dPr>
+                                <m:e>
+                                  <m:r>
+                                    <a:rPr lang="en-US" altLang="ko-KR" sz="2400" b="0" i="1" smtClean="0">
+                                      <a:latin typeface="Cambria Math" panose="02040503050406030204" pitchFamily="18" charset="0"/>
+                                    </a:rPr>
+                                    <m:t>𝑥</m:t>
+                                  </m:r>
+                                </m:e>
+                              </m:d>
+                            </m:e>
+                          </m:d>
+                        </m:e>
+                        <m:sup>
+                          <m:r>
+                            <a:rPr lang="en-US" altLang="ko-KR" sz="2400" b="0" i="1" smtClean="0">
+                              <a:latin typeface="Cambria Math" panose="02040503050406030204" pitchFamily="18" charset="0"/>
+                            </a:rPr>
+                            <m:t>′</m:t>
+                          </m:r>
+                        </m:sup>
+                      </m:sSup>
+                      <m:r>
+                        <a:rPr lang="en-US" altLang="ko-KR" sz="2400" b="0" i="1" smtClean="0">
+                          <a:latin typeface="Cambria Math" panose="02040503050406030204" pitchFamily="18" charset="0"/>
+                        </a:rPr>
+                        <m:t>=</m:t>
+                      </m:r>
+                      <m:sSup>
+                        <m:sSupPr>
+                          <m:ctrlPr>
+                            <a:rPr lang="en-US" altLang="ko-KR" sz="2400" b="0" i="1" smtClean="0">
+                              <a:latin typeface="Cambria Math" panose="02040503050406030204" pitchFamily="18" charset="0"/>
+                            </a:rPr>
+                          </m:ctrlPr>
+                        </m:sSupPr>
+                        <m:e>
+                          <m:r>
+                            <a:rPr lang="en-US" altLang="ko-KR" sz="2400" b="0" i="1" smtClean="0">
+                              <a:latin typeface="Cambria Math" panose="02040503050406030204" pitchFamily="18" charset="0"/>
+                            </a:rPr>
+                            <m:t>𝑢</m:t>
+                          </m:r>
+                        </m:e>
+                        <m:sup>
+                          <m:r>
+                            <a:rPr lang="en-US" altLang="ko-KR" sz="2400" b="0" i="1" smtClean="0">
+                              <a:latin typeface="Cambria Math" panose="02040503050406030204" pitchFamily="18" charset="0"/>
+                            </a:rPr>
+                            <m:t>′</m:t>
+                          </m:r>
+                        </m:sup>
+                      </m:sSup>
+                      <m:d>
+                        <m:dPr>
+                          <m:ctrlPr>
+                            <a:rPr lang="en-US" altLang="ko-KR" sz="2400" b="0" i="1" smtClean="0">
+                              <a:latin typeface="Cambria Math" panose="02040503050406030204" pitchFamily="18" charset="0"/>
+                            </a:rPr>
+                          </m:ctrlPr>
+                        </m:dPr>
+                        <m:e>
+                          <m:r>
+                            <a:rPr lang="en-US" altLang="ko-KR" sz="2400" b="0" i="1" smtClean="0">
+                              <a:latin typeface="Cambria Math" panose="02040503050406030204" pitchFamily="18" charset="0"/>
+                            </a:rPr>
+                            <m:t>𝑥</m:t>
+                          </m:r>
+                        </m:e>
+                      </m:d>
+                      <m:r>
+                        <a:rPr lang="en-US" altLang="ko-KR" sz="2400" b="0" i="1" smtClean="0">
+                          <a:latin typeface="Cambria Math" panose="02040503050406030204" pitchFamily="18" charset="0"/>
+                        </a:rPr>
+                        <m:t>±</m:t>
+                      </m:r>
+                      <m:sSup>
+                        <m:sSupPr>
+                          <m:ctrlPr>
+                            <a:rPr lang="en-US" altLang="ko-KR" sz="2400" b="0" i="1" smtClean="0">
+                              <a:latin typeface="Cambria Math" panose="02040503050406030204" pitchFamily="18" charset="0"/>
+                            </a:rPr>
+                          </m:ctrlPr>
+                        </m:sSupPr>
+                        <m:e>
+                          <m:r>
+                            <a:rPr lang="en-US" altLang="ko-KR" sz="2400" b="0" i="1" smtClean="0">
+                              <a:latin typeface="Cambria Math" panose="02040503050406030204" pitchFamily="18" charset="0"/>
+                            </a:rPr>
+                            <m:t>𝑣</m:t>
+                          </m:r>
+                        </m:e>
+                        <m:sup>
+                          <m:r>
+                            <a:rPr lang="en-US" altLang="ko-KR" sz="2400" b="0" i="1" smtClean="0">
+                              <a:latin typeface="Cambria Math" panose="02040503050406030204" pitchFamily="18" charset="0"/>
+                            </a:rPr>
+                            <m:t>′</m:t>
+                          </m:r>
+                        </m:sup>
+                      </m:sSup>
+                      <m:d>
+                        <m:dPr>
+                          <m:ctrlPr>
+                            <a:rPr lang="en-US" altLang="ko-KR" sz="2400" b="0" i="1" smtClean="0">
+                              <a:latin typeface="Cambria Math" panose="02040503050406030204" pitchFamily="18" charset="0"/>
+                            </a:rPr>
+                          </m:ctrlPr>
+                        </m:dPr>
+                        <m:e>
+                          <m:r>
+                            <a:rPr lang="en-US" altLang="ko-KR" sz="2400" b="0" i="1" smtClean="0">
+                              <a:latin typeface="Cambria Math" panose="02040503050406030204" pitchFamily="18" charset="0"/>
+                            </a:rPr>
+                            <m:t>𝑥</m:t>
+                          </m:r>
+                        </m:e>
+                      </m:d>
+                    </m:oMath>
+                  </m:oMathPara>
+                </a14:m>
+                <a:endParaRPr lang="en-US" altLang="ko-KR" sz="2400" b="0" dirty="0"/>
+              </a:p>
+              <a:p>
+                <a:pPr>
+                  <a:lnSpc>
+                    <a:spcPct val="100000"/>
+                  </a:lnSpc>
+                </a:pPr>
+                <a:r>
+                  <a:rPr lang="ko-KR" altLang="en-US" sz="3000" dirty="0"/>
+                  <a:t>곱셈의 미분</a:t>
+                </a:r>
+                <a:endParaRPr lang="en-US" altLang="ko-KR" sz="3000" b="0" dirty="0"/>
+              </a:p>
+              <a:p>
+                <a:pPr marL="0" indent="0">
+                  <a:lnSpc>
+                    <a:spcPct val="100000"/>
+                  </a:lnSpc>
+                  <a:buNone/>
+                </a:pPr>
+                <a14:m>
+                  <m:oMathPara xmlns:m="http://schemas.openxmlformats.org/officeDocument/2006/math">
+                    <m:oMathParaPr>
+                      <m:jc m:val="centerGroup"/>
+                    </m:oMathParaPr>
+                    <m:oMath xmlns:m="http://schemas.openxmlformats.org/officeDocument/2006/math">
+                      <m:sSup>
+                        <m:sSupPr>
+                          <m:ctrlPr>
+                            <a:rPr lang="en-US" altLang="ko-KR" sz="2400" b="0" i="1" smtClean="0">
+                              <a:latin typeface="Cambria Math" panose="02040503050406030204" pitchFamily="18" charset="0"/>
+                            </a:rPr>
+                          </m:ctrlPr>
+                        </m:sSupPr>
+                        <m:e>
+                          <m:d>
+                            <m:dPr>
+                              <m:ctrlPr>
+                                <a:rPr lang="en-US" altLang="ko-KR" sz="2400" b="0" i="1" smtClean="0">
+                                  <a:latin typeface="Cambria Math" panose="02040503050406030204" pitchFamily="18" charset="0"/>
+                                </a:rPr>
+                              </m:ctrlPr>
+                            </m:dPr>
+                            <m:e>
+                              <m:r>
+                                <a:rPr lang="en-US" altLang="ko-KR" sz="2400" i="1">
+                                  <a:latin typeface="Cambria Math" panose="02040503050406030204" pitchFamily="18" charset="0"/>
+                                </a:rPr>
+                                <m:t>𝑢</m:t>
+                              </m:r>
+                              <m:d>
+                                <m:dPr>
+                                  <m:ctrlPr>
+                                    <a:rPr lang="en-US" altLang="ko-KR" sz="2400" i="1">
+                                      <a:latin typeface="Cambria Math" panose="02040503050406030204" pitchFamily="18" charset="0"/>
+                                    </a:rPr>
+                                  </m:ctrlPr>
+                                </m:dPr>
+                                <m:e>
+                                  <m:r>
+                                    <a:rPr lang="en-US" altLang="ko-KR" sz="2400" i="1">
+                                      <a:latin typeface="Cambria Math" panose="02040503050406030204" pitchFamily="18" charset="0"/>
+                                    </a:rPr>
+                                    <m:t>𝑥</m:t>
+                                  </m:r>
+                                </m:e>
+                              </m:d>
+                              <m:r>
+                                <a:rPr lang="en-US" altLang="ko-KR" sz="2400" b="0" i="1" smtClean="0">
+                                  <a:latin typeface="Cambria Math" panose="02040503050406030204" pitchFamily="18" charset="0"/>
+                                </a:rPr>
+                                <m:t>𝑣</m:t>
+                              </m:r>
+                              <m:d>
+                                <m:dPr>
+                                  <m:ctrlPr>
+                                    <a:rPr lang="en-US" altLang="ko-KR" sz="2400" b="0" i="1" smtClean="0">
+                                      <a:latin typeface="Cambria Math" panose="02040503050406030204" pitchFamily="18" charset="0"/>
+                                    </a:rPr>
+                                  </m:ctrlPr>
+                                </m:dPr>
+                                <m:e>
+                                  <m:r>
+                                    <a:rPr lang="en-US" altLang="ko-KR" sz="2400" b="0" i="1" smtClean="0">
+                                      <a:latin typeface="Cambria Math" panose="02040503050406030204" pitchFamily="18" charset="0"/>
+                                    </a:rPr>
+                                    <m:t>𝑥</m:t>
+                                  </m:r>
+                                </m:e>
+                              </m:d>
+                            </m:e>
+                          </m:d>
+                        </m:e>
+                        <m:sup>
+                          <m:r>
+                            <a:rPr lang="en-US" altLang="ko-KR" sz="2400" b="0" i="1" smtClean="0">
+                              <a:latin typeface="Cambria Math" panose="02040503050406030204" pitchFamily="18" charset="0"/>
+                            </a:rPr>
+                            <m:t>′</m:t>
+                          </m:r>
+                        </m:sup>
+                      </m:sSup>
+                      <m:r>
+                        <a:rPr lang="en-US" altLang="ko-KR" sz="2400" b="0" i="1" smtClean="0">
+                          <a:latin typeface="Cambria Math" panose="02040503050406030204" pitchFamily="18" charset="0"/>
+                        </a:rPr>
+                        <m:t>=</m:t>
+                      </m:r>
+                      <m:sSup>
+                        <m:sSupPr>
+                          <m:ctrlPr>
+                            <a:rPr lang="en-US" altLang="ko-KR" sz="2400" b="0" i="1" smtClean="0">
+                              <a:latin typeface="Cambria Math" panose="02040503050406030204" pitchFamily="18" charset="0"/>
+                            </a:rPr>
+                          </m:ctrlPr>
+                        </m:sSupPr>
+                        <m:e>
+                          <m:r>
+                            <a:rPr lang="en-US" altLang="ko-KR" sz="2400" b="0" i="1" smtClean="0">
+                              <a:latin typeface="Cambria Math" panose="02040503050406030204" pitchFamily="18" charset="0"/>
+                            </a:rPr>
+                            <m:t>𝑢</m:t>
+                          </m:r>
+                        </m:e>
+                        <m:sup>
+                          <m:r>
+                            <a:rPr lang="en-US" altLang="ko-KR" sz="2400" b="0" i="1" smtClean="0">
+                              <a:latin typeface="Cambria Math" panose="02040503050406030204" pitchFamily="18" charset="0"/>
+                            </a:rPr>
+                            <m:t>′</m:t>
+                          </m:r>
+                        </m:sup>
+                      </m:sSup>
+                      <m:d>
+                        <m:dPr>
+                          <m:ctrlPr>
+                            <a:rPr lang="en-US" altLang="ko-KR" sz="2400" b="0" i="1" smtClean="0">
+                              <a:latin typeface="Cambria Math" panose="02040503050406030204" pitchFamily="18" charset="0"/>
+                            </a:rPr>
+                          </m:ctrlPr>
+                        </m:dPr>
+                        <m:e>
+                          <m:r>
+                            <a:rPr lang="en-US" altLang="ko-KR" sz="2400" b="0" i="1" smtClean="0">
+                              <a:latin typeface="Cambria Math" panose="02040503050406030204" pitchFamily="18" charset="0"/>
+                            </a:rPr>
+                            <m:t>𝑥</m:t>
+                          </m:r>
+                        </m:e>
+                      </m:d>
+                      <m:r>
+                        <a:rPr lang="en-US" altLang="ko-KR" sz="2400" b="0" i="1" smtClean="0">
+                          <a:latin typeface="Cambria Math" panose="02040503050406030204" pitchFamily="18" charset="0"/>
+                        </a:rPr>
+                        <m:t>𝑣</m:t>
+                      </m:r>
+                      <m:d>
+                        <m:dPr>
+                          <m:ctrlPr>
+                            <a:rPr lang="en-US" altLang="ko-KR" sz="2400" b="0" i="1" smtClean="0">
+                              <a:latin typeface="Cambria Math" panose="02040503050406030204" pitchFamily="18" charset="0"/>
+                            </a:rPr>
+                          </m:ctrlPr>
+                        </m:dPr>
+                        <m:e>
+                          <m:r>
+                            <a:rPr lang="en-US" altLang="ko-KR" sz="2400" b="0" i="1" smtClean="0">
+                              <a:latin typeface="Cambria Math" panose="02040503050406030204" pitchFamily="18" charset="0"/>
+                            </a:rPr>
+                            <m:t>𝑥</m:t>
+                          </m:r>
+                        </m:e>
+                      </m:d>
+                      <m:r>
+                        <a:rPr lang="en-US" altLang="ko-KR" sz="2400" b="0" i="1" smtClean="0">
+                          <a:latin typeface="Cambria Math" panose="02040503050406030204" pitchFamily="18" charset="0"/>
+                        </a:rPr>
+                        <m:t>+</m:t>
+                      </m:r>
+                      <m:r>
+                        <a:rPr lang="en-US" altLang="ko-KR" sz="2400" b="0" i="1" smtClean="0">
+                          <a:latin typeface="Cambria Math" panose="02040503050406030204" pitchFamily="18" charset="0"/>
+                        </a:rPr>
+                        <m:t>𝑢</m:t>
+                      </m:r>
+                      <m:d>
+                        <m:dPr>
+                          <m:ctrlPr>
+                            <a:rPr lang="en-US" altLang="ko-KR" sz="2400" b="0" i="1" smtClean="0">
+                              <a:latin typeface="Cambria Math" panose="02040503050406030204" pitchFamily="18" charset="0"/>
+                            </a:rPr>
+                          </m:ctrlPr>
+                        </m:dPr>
+                        <m:e>
+                          <m:r>
+                            <a:rPr lang="en-US" altLang="ko-KR" sz="2400" b="0" i="1" smtClean="0">
+                              <a:latin typeface="Cambria Math" panose="02040503050406030204" pitchFamily="18" charset="0"/>
+                            </a:rPr>
+                            <m:t>𝑥</m:t>
+                          </m:r>
+                        </m:e>
+                      </m:d>
+                      <m:r>
+                        <a:rPr lang="en-US" altLang="ko-KR" sz="2400" b="0" i="1" smtClean="0">
+                          <a:latin typeface="Cambria Math" panose="02040503050406030204" pitchFamily="18" charset="0"/>
+                        </a:rPr>
+                        <m:t>𝑣</m:t>
+                      </m:r>
+                      <m:r>
+                        <a:rPr lang="en-US" altLang="ko-KR" sz="2400" b="0" i="1" smtClean="0">
+                          <a:latin typeface="Cambria Math" panose="02040503050406030204" pitchFamily="18" charset="0"/>
+                        </a:rPr>
+                        <m:t>′(</m:t>
+                      </m:r>
+                      <m:r>
+                        <a:rPr lang="en-US" altLang="ko-KR" sz="2400" b="0" i="1" smtClean="0">
+                          <a:latin typeface="Cambria Math" panose="02040503050406030204" pitchFamily="18" charset="0"/>
+                        </a:rPr>
+                        <m:t>𝑥</m:t>
+                      </m:r>
+                      <m:r>
+                        <a:rPr lang="en-US" altLang="ko-KR" sz="2400" b="0" i="1" smtClean="0">
+                          <a:latin typeface="Cambria Math" panose="02040503050406030204" pitchFamily="18" charset="0"/>
+                        </a:rPr>
+                        <m:t>)</m:t>
+                      </m:r>
+                    </m:oMath>
+                  </m:oMathPara>
+                </a14:m>
+                <a:endParaRPr lang="en-US" altLang="ko-KR" sz="2400" dirty="0"/>
+              </a:p>
+              <a:p>
+                <a:pPr>
+                  <a:lnSpc>
+                    <a:spcPct val="100000"/>
+                  </a:lnSpc>
+                </a:pPr>
+                <a:r>
+                  <a:rPr lang="ko-KR" altLang="en-US" sz="3000" dirty="0"/>
+                  <a:t>분수의 미분</a:t>
+                </a:r>
+                <a:endParaRPr lang="en-US" altLang="ko-KR" sz="3000" dirty="0"/>
+              </a:p>
+              <a:p>
+                <a:pPr marL="0" indent="0">
+                  <a:lnSpc>
+                    <a:spcPct val="100000"/>
+                  </a:lnSpc>
+                  <a:buNone/>
+                </a:pPr>
+                <a14:m>
+                  <m:oMathPara xmlns:m="http://schemas.openxmlformats.org/officeDocument/2006/math">
+                    <m:oMathParaPr>
+                      <m:jc m:val="centerGroup"/>
+                    </m:oMathParaPr>
+                    <m:oMath xmlns:m="http://schemas.openxmlformats.org/officeDocument/2006/math">
+                      <m:sSup>
+                        <m:sSupPr>
+                          <m:ctrlPr>
+                            <a:rPr lang="en-US" altLang="ko-KR" sz="2400" b="0" i="1" smtClean="0">
+                              <a:latin typeface="Cambria Math" panose="02040503050406030204" pitchFamily="18" charset="0"/>
+                            </a:rPr>
+                          </m:ctrlPr>
+                        </m:sSupPr>
+                        <m:e>
+                          <m:d>
+                            <m:dPr>
+                              <m:ctrlPr>
+                                <a:rPr lang="en-US" altLang="ko-KR" sz="2400" b="0" i="1" smtClean="0">
+                                  <a:latin typeface="Cambria Math" panose="02040503050406030204" pitchFamily="18" charset="0"/>
+                                </a:rPr>
+                              </m:ctrlPr>
+                            </m:dPr>
+                            <m:e>
+                              <m:f>
+                                <m:fPr>
+                                  <m:ctrlPr>
+                                    <a:rPr lang="en-US" altLang="ko-KR" sz="2400" b="0" i="1" smtClean="0">
+                                      <a:latin typeface="Cambria Math" panose="02040503050406030204" pitchFamily="18" charset="0"/>
+                                    </a:rPr>
+                                  </m:ctrlPr>
+                                </m:fPr>
+                                <m:num>
+                                  <m:r>
+                                    <a:rPr lang="en-US" altLang="ko-KR" sz="2400" i="1">
+                                      <a:latin typeface="Cambria Math" panose="02040503050406030204" pitchFamily="18" charset="0"/>
+                                    </a:rPr>
+                                    <m:t>𝑢</m:t>
+                                  </m:r>
+                                  <m:d>
+                                    <m:dPr>
+                                      <m:ctrlPr>
+                                        <a:rPr lang="en-US" altLang="ko-KR" sz="2400" i="1">
+                                          <a:latin typeface="Cambria Math" panose="02040503050406030204" pitchFamily="18" charset="0"/>
+                                        </a:rPr>
+                                      </m:ctrlPr>
+                                    </m:dPr>
+                                    <m:e>
+                                      <m:r>
+                                        <a:rPr lang="en-US" altLang="ko-KR" sz="2400" i="1">
+                                          <a:latin typeface="Cambria Math" panose="02040503050406030204" pitchFamily="18" charset="0"/>
+                                        </a:rPr>
+                                        <m:t>𝑥</m:t>
+                                      </m:r>
+                                    </m:e>
+                                  </m:d>
+                                </m:num>
+                                <m:den>
+                                  <m:r>
+                                    <a:rPr lang="en-US" altLang="ko-KR" sz="2400" b="0" i="1" smtClean="0">
+                                      <a:latin typeface="Cambria Math" panose="02040503050406030204" pitchFamily="18" charset="0"/>
+                                    </a:rPr>
+                                    <m:t>𝑣</m:t>
+                                  </m:r>
+                                  <m:d>
+                                    <m:dPr>
+                                      <m:ctrlPr>
+                                        <a:rPr lang="en-US" altLang="ko-KR" sz="2400" b="0" i="1" smtClean="0">
+                                          <a:latin typeface="Cambria Math" panose="02040503050406030204" pitchFamily="18" charset="0"/>
+                                        </a:rPr>
+                                      </m:ctrlPr>
+                                    </m:dPr>
+                                    <m:e>
+                                      <m:r>
+                                        <a:rPr lang="en-US" altLang="ko-KR" sz="2400" b="0" i="1" smtClean="0">
+                                          <a:latin typeface="Cambria Math" panose="02040503050406030204" pitchFamily="18" charset="0"/>
+                                        </a:rPr>
+                                        <m:t>𝑥</m:t>
+                                      </m:r>
+                                    </m:e>
+                                  </m:d>
+                                </m:den>
+                              </m:f>
+                            </m:e>
+                          </m:d>
+                        </m:e>
+                        <m:sup>
+                          <m:r>
+                            <a:rPr lang="en-US" altLang="ko-KR" sz="2400" b="0" i="1" smtClean="0">
+                              <a:latin typeface="Cambria Math" panose="02040503050406030204" pitchFamily="18" charset="0"/>
+                            </a:rPr>
+                            <m:t>′</m:t>
+                          </m:r>
+                        </m:sup>
+                      </m:sSup>
+                      <m:r>
+                        <a:rPr lang="en-US" altLang="ko-KR" sz="2400" b="0" i="1" smtClean="0">
+                          <a:latin typeface="Cambria Math" panose="02040503050406030204" pitchFamily="18" charset="0"/>
+                        </a:rPr>
+                        <m:t>=</m:t>
+                      </m:r>
+                      <m:f>
+                        <m:fPr>
+                          <m:ctrlPr>
+                            <a:rPr lang="en-US" altLang="ko-KR" sz="2400" b="0" i="1" smtClean="0">
+                              <a:latin typeface="Cambria Math" panose="02040503050406030204" pitchFamily="18" charset="0"/>
+                            </a:rPr>
+                          </m:ctrlPr>
+                        </m:fPr>
+                        <m:num>
+                          <m:sSup>
+                            <m:sSupPr>
+                              <m:ctrlPr>
+                                <a:rPr lang="en-US" altLang="ko-KR" sz="2400" b="0" i="1" smtClean="0">
+                                  <a:latin typeface="Cambria Math" panose="02040503050406030204" pitchFamily="18" charset="0"/>
+                                </a:rPr>
+                              </m:ctrlPr>
+                            </m:sSupPr>
+                            <m:e>
+                              <m:r>
+                                <a:rPr lang="en-US" altLang="ko-KR" sz="2400" b="0" i="1" smtClean="0">
+                                  <a:latin typeface="Cambria Math" panose="02040503050406030204" pitchFamily="18" charset="0"/>
+                                </a:rPr>
+                                <m:t>𝑢</m:t>
+                              </m:r>
+                            </m:e>
+                            <m:sup>
+                              <m:r>
+                                <a:rPr lang="en-US" altLang="ko-KR" sz="2400" b="0" i="1" smtClean="0">
+                                  <a:latin typeface="Cambria Math" panose="02040503050406030204" pitchFamily="18" charset="0"/>
+                                </a:rPr>
+                                <m:t>′</m:t>
+                              </m:r>
+                            </m:sup>
+                          </m:sSup>
+                          <m:d>
+                            <m:dPr>
+                              <m:ctrlPr>
+                                <a:rPr lang="en-US" altLang="ko-KR" sz="2400" b="0" i="1" smtClean="0">
+                                  <a:latin typeface="Cambria Math" panose="02040503050406030204" pitchFamily="18" charset="0"/>
+                                </a:rPr>
+                              </m:ctrlPr>
+                            </m:dPr>
+                            <m:e>
+                              <m:r>
+                                <a:rPr lang="en-US" altLang="ko-KR" sz="2400" b="0" i="1" smtClean="0">
+                                  <a:latin typeface="Cambria Math" panose="02040503050406030204" pitchFamily="18" charset="0"/>
+                                </a:rPr>
+                                <m:t>𝑥</m:t>
+                              </m:r>
+                            </m:e>
+                          </m:d>
+                          <m:r>
+                            <a:rPr lang="en-US" altLang="ko-KR" sz="2400" b="0" i="1" smtClean="0">
+                              <a:latin typeface="Cambria Math" panose="02040503050406030204" pitchFamily="18" charset="0"/>
+                            </a:rPr>
+                            <m:t>𝑣</m:t>
+                          </m:r>
+                          <m:d>
+                            <m:dPr>
+                              <m:ctrlPr>
+                                <a:rPr lang="en-US" altLang="ko-KR" sz="2400" b="0" i="1" smtClean="0">
+                                  <a:latin typeface="Cambria Math" panose="02040503050406030204" pitchFamily="18" charset="0"/>
+                                </a:rPr>
+                              </m:ctrlPr>
+                            </m:dPr>
+                            <m:e>
+                              <m:r>
+                                <a:rPr lang="en-US" altLang="ko-KR" sz="2400" b="0" i="1" smtClean="0">
+                                  <a:latin typeface="Cambria Math" panose="02040503050406030204" pitchFamily="18" charset="0"/>
+                                </a:rPr>
+                                <m:t>𝑥</m:t>
+                              </m:r>
+                            </m:e>
+                          </m:d>
+                          <m:r>
+                            <a:rPr lang="en-US" altLang="ko-KR" sz="2400" b="0" i="1" smtClean="0">
+                              <a:latin typeface="Cambria Math" panose="02040503050406030204" pitchFamily="18" charset="0"/>
+                            </a:rPr>
+                            <m:t>−</m:t>
+                          </m:r>
+                          <m:r>
+                            <a:rPr lang="en-US" altLang="ko-KR" sz="2400" b="0" i="1" smtClean="0">
+                              <a:latin typeface="Cambria Math" panose="02040503050406030204" pitchFamily="18" charset="0"/>
+                            </a:rPr>
+                            <m:t>𝑢</m:t>
+                          </m:r>
+                          <m:d>
+                            <m:dPr>
+                              <m:ctrlPr>
+                                <a:rPr lang="en-US" altLang="ko-KR" sz="2400" b="0" i="1" smtClean="0">
+                                  <a:latin typeface="Cambria Math" panose="02040503050406030204" pitchFamily="18" charset="0"/>
+                                </a:rPr>
+                              </m:ctrlPr>
+                            </m:dPr>
+                            <m:e>
+                              <m:r>
+                                <a:rPr lang="en-US" altLang="ko-KR" sz="2400" b="0" i="1" smtClean="0">
+                                  <a:latin typeface="Cambria Math" panose="02040503050406030204" pitchFamily="18" charset="0"/>
+                                </a:rPr>
+                                <m:t>𝑥</m:t>
+                              </m:r>
+                            </m:e>
+                          </m:d>
+                          <m:sSup>
+                            <m:sSupPr>
+                              <m:ctrlPr>
+                                <a:rPr lang="en-US" altLang="ko-KR" sz="2400" b="0" i="1" smtClean="0">
+                                  <a:latin typeface="Cambria Math" panose="02040503050406030204" pitchFamily="18" charset="0"/>
+                                </a:rPr>
+                              </m:ctrlPr>
+                            </m:sSupPr>
+                            <m:e>
+                              <m:r>
+                                <a:rPr lang="en-US" altLang="ko-KR" sz="2400" b="0" i="1" smtClean="0">
+                                  <a:latin typeface="Cambria Math" panose="02040503050406030204" pitchFamily="18" charset="0"/>
+                                </a:rPr>
+                                <m:t>𝑣</m:t>
+                              </m:r>
+                            </m:e>
+                            <m:sup>
+                              <m:r>
+                                <a:rPr lang="en-US" altLang="ko-KR" sz="2400" b="0" i="1" smtClean="0">
+                                  <a:latin typeface="Cambria Math" panose="02040503050406030204" pitchFamily="18" charset="0"/>
+                                </a:rPr>
+                                <m:t>′</m:t>
+                              </m:r>
+                            </m:sup>
+                          </m:sSup>
+                          <m:d>
+                            <m:dPr>
+                              <m:ctrlPr>
+                                <a:rPr lang="en-US" altLang="ko-KR" sz="2400" b="0" i="1" smtClean="0">
+                                  <a:latin typeface="Cambria Math" panose="02040503050406030204" pitchFamily="18" charset="0"/>
+                                </a:rPr>
+                              </m:ctrlPr>
+                            </m:dPr>
+                            <m:e>
+                              <m:r>
+                                <a:rPr lang="en-US" altLang="ko-KR" sz="2400" b="0" i="1" smtClean="0">
+                                  <a:latin typeface="Cambria Math" panose="02040503050406030204" pitchFamily="18" charset="0"/>
+                                </a:rPr>
+                                <m:t>𝑥</m:t>
+                              </m:r>
+                            </m:e>
+                          </m:d>
+                        </m:num>
+                        <m:den>
+                          <m:sSup>
+                            <m:sSupPr>
+                              <m:ctrlPr>
+                                <a:rPr lang="en-US" altLang="ko-KR" sz="2400" b="0" i="1" smtClean="0">
+                                  <a:latin typeface="Cambria Math" panose="02040503050406030204" pitchFamily="18" charset="0"/>
+                                </a:rPr>
+                              </m:ctrlPr>
+                            </m:sSupPr>
+                            <m:e>
+                              <m:r>
+                                <a:rPr lang="en-US" altLang="ko-KR" sz="2400" b="0" i="1" smtClean="0">
+                                  <a:latin typeface="Cambria Math" panose="02040503050406030204" pitchFamily="18" charset="0"/>
+                                </a:rPr>
+                                <m:t>𝑣</m:t>
+                              </m:r>
+                            </m:e>
+                            <m:sup>
+                              <m:r>
+                                <a:rPr lang="en-US" altLang="ko-KR" sz="2400" b="0" i="1" smtClean="0">
+                                  <a:latin typeface="Cambria Math" panose="02040503050406030204" pitchFamily="18" charset="0"/>
+                                </a:rPr>
+                                <m:t>2</m:t>
+                              </m:r>
+                            </m:sup>
+                          </m:sSup>
+                        </m:den>
+                      </m:f>
+                    </m:oMath>
+                  </m:oMathPara>
+                </a14:m>
+                <a:endParaRPr lang="en-US" altLang="ko-KR" sz="2400" dirty="0"/>
+              </a:p>
+              <a:p>
+                <a:pPr>
+                  <a:lnSpc>
+                    <a:spcPct val="100000"/>
+                  </a:lnSpc>
+                </a:pPr>
+                <a:r>
+                  <a:rPr lang="ko-KR" altLang="en-US" sz="3000" dirty="0"/>
+                  <a:t>사인과 코사인의 미분</a:t>
+                </a:r>
+                <a:endParaRPr lang="en-US" altLang="ko-KR" sz="3000" dirty="0"/>
+              </a:p>
+              <a:p>
+                <a:pPr marL="0" indent="0">
+                  <a:lnSpc>
+                    <a:spcPct val="100000"/>
+                  </a:lnSpc>
+                  <a:buNone/>
+                </a:pPr>
+                <a14:m>
+                  <m:oMathPara xmlns:m="http://schemas.openxmlformats.org/officeDocument/2006/math">
+                    <m:oMathParaPr>
+                      <m:jc m:val="centerGroup"/>
+                    </m:oMathParaPr>
+                    <m:oMath xmlns:m="http://schemas.openxmlformats.org/officeDocument/2006/math">
+                      <m:f>
+                        <m:fPr>
+                          <m:ctrlPr>
+                            <a:rPr lang="en-US" altLang="ko-KR" sz="3000" b="0" i="1" smtClean="0">
+                              <a:latin typeface="Cambria Math" panose="02040503050406030204" pitchFamily="18" charset="0"/>
+                            </a:rPr>
+                          </m:ctrlPr>
+                        </m:fPr>
+                        <m:num>
+                          <m:r>
+                            <a:rPr lang="en-US" altLang="ko-KR" sz="3000" b="0" i="1" smtClean="0">
+                              <a:latin typeface="Cambria Math" panose="02040503050406030204" pitchFamily="18" charset="0"/>
+                            </a:rPr>
+                            <m:t>𝑑</m:t>
+                          </m:r>
+                        </m:num>
+                        <m:den>
+                          <m:r>
+                            <a:rPr lang="en-US" altLang="ko-KR" sz="3000" b="0" i="1" smtClean="0">
+                              <a:latin typeface="Cambria Math" panose="02040503050406030204" pitchFamily="18" charset="0"/>
+                            </a:rPr>
+                            <m:t>𝑑𝑥</m:t>
+                          </m:r>
+                        </m:den>
+                      </m:f>
+                      <m:func>
+                        <m:funcPr>
+                          <m:ctrlPr>
+                            <a:rPr lang="en-US" altLang="ko-KR" sz="3000" b="0" i="1" smtClean="0">
+                              <a:latin typeface="Cambria Math" panose="02040503050406030204" pitchFamily="18" charset="0"/>
+                            </a:rPr>
+                          </m:ctrlPr>
+                        </m:funcPr>
+                        <m:fName>
+                          <m:r>
+                            <m:rPr>
+                              <m:sty m:val="p"/>
+                            </m:rPr>
+                            <a:rPr lang="en-US" altLang="ko-KR" sz="3000" b="0" i="0" smtClean="0">
+                              <a:latin typeface="Cambria Math" panose="02040503050406030204" pitchFamily="18" charset="0"/>
+                            </a:rPr>
+                            <m:t>sin</m:t>
+                          </m:r>
+                        </m:fName>
+                        <m:e>
+                          <m:r>
+                            <a:rPr lang="en-US" altLang="ko-KR" sz="3000" b="0" i="1" smtClean="0">
+                              <a:latin typeface="Cambria Math" panose="02040503050406030204" pitchFamily="18" charset="0"/>
+                            </a:rPr>
+                            <m:t>𝑥</m:t>
+                          </m:r>
+                        </m:e>
+                      </m:func>
+                      <m:r>
+                        <a:rPr lang="en-US" altLang="ko-KR" sz="3000" b="0" i="1" smtClean="0">
+                          <a:latin typeface="Cambria Math" panose="02040503050406030204" pitchFamily="18" charset="0"/>
+                        </a:rPr>
+                        <m:t>=</m:t>
+                      </m:r>
+                      <m:func>
+                        <m:funcPr>
+                          <m:ctrlPr>
+                            <a:rPr lang="en-US" altLang="ko-KR" sz="3000" b="0" i="1" smtClean="0">
+                              <a:latin typeface="Cambria Math" panose="02040503050406030204" pitchFamily="18" charset="0"/>
+                            </a:rPr>
+                          </m:ctrlPr>
+                        </m:funcPr>
+                        <m:fName>
+                          <m:r>
+                            <m:rPr>
+                              <m:sty m:val="p"/>
+                            </m:rPr>
+                            <a:rPr lang="en-US" altLang="ko-KR" sz="3000" b="0" i="0" smtClean="0">
+                              <a:latin typeface="Cambria Math" panose="02040503050406030204" pitchFamily="18" charset="0"/>
+                            </a:rPr>
+                            <m:t>cos</m:t>
+                          </m:r>
+                        </m:fName>
+                        <m:e>
+                          <m:r>
+                            <a:rPr lang="en-US" altLang="ko-KR" sz="3000" b="0" i="1" smtClean="0">
+                              <a:latin typeface="Cambria Math" panose="02040503050406030204" pitchFamily="18" charset="0"/>
+                            </a:rPr>
+                            <m:t>𝑥</m:t>
+                          </m:r>
+                        </m:e>
+                      </m:func>
+                      <m:r>
+                        <a:rPr lang="en-US" altLang="ko-KR" sz="3000" b="0" i="1" smtClean="0">
+                          <a:latin typeface="Cambria Math" panose="02040503050406030204" pitchFamily="18" charset="0"/>
+                        </a:rPr>
+                        <m:t>,</m:t>
+                      </m:r>
+                      <m:f>
+                        <m:fPr>
+                          <m:ctrlPr>
+                            <a:rPr lang="en-US" altLang="ko-KR" sz="3000" b="0" i="1" smtClean="0">
+                              <a:latin typeface="Cambria Math" panose="02040503050406030204" pitchFamily="18" charset="0"/>
+                            </a:rPr>
+                          </m:ctrlPr>
+                        </m:fPr>
+                        <m:num>
+                          <m:r>
+                            <a:rPr lang="en-US" altLang="ko-KR" sz="3000" b="0" i="1" smtClean="0">
+                              <a:latin typeface="Cambria Math" panose="02040503050406030204" pitchFamily="18" charset="0"/>
+                            </a:rPr>
+                            <m:t>𝑑</m:t>
+                          </m:r>
+                        </m:num>
+                        <m:den>
+                          <m:r>
+                            <a:rPr lang="en-US" altLang="ko-KR" sz="3000" b="0" i="1" smtClean="0">
+                              <a:latin typeface="Cambria Math" panose="02040503050406030204" pitchFamily="18" charset="0"/>
+                            </a:rPr>
+                            <m:t>𝑑𝑥</m:t>
+                          </m:r>
+                        </m:den>
+                      </m:f>
+                      <m:func>
+                        <m:funcPr>
+                          <m:ctrlPr>
+                            <a:rPr lang="en-US" altLang="ko-KR" sz="3000" b="0" i="1" smtClean="0">
+                              <a:latin typeface="Cambria Math" panose="02040503050406030204" pitchFamily="18" charset="0"/>
+                            </a:rPr>
+                          </m:ctrlPr>
+                        </m:funcPr>
+                        <m:fName>
+                          <m:r>
+                            <m:rPr>
+                              <m:sty m:val="p"/>
+                            </m:rPr>
+                            <a:rPr lang="en-US" altLang="ko-KR" sz="3000" b="0" i="0" smtClean="0">
+                              <a:latin typeface="Cambria Math" panose="02040503050406030204" pitchFamily="18" charset="0"/>
+                            </a:rPr>
+                            <m:t>cos</m:t>
+                          </m:r>
+                        </m:fName>
+                        <m:e>
+                          <m:r>
+                            <a:rPr lang="en-US" altLang="ko-KR" sz="3000" b="0" i="1" smtClean="0">
+                              <a:latin typeface="Cambria Math" panose="02040503050406030204" pitchFamily="18" charset="0"/>
+                            </a:rPr>
+                            <m:t>𝑥</m:t>
+                          </m:r>
+                        </m:e>
+                      </m:func>
+                      <m:r>
+                        <a:rPr lang="en-US" altLang="ko-KR" sz="3000" b="0" i="1" smtClean="0">
+                          <a:latin typeface="Cambria Math" panose="02040503050406030204" pitchFamily="18" charset="0"/>
+                        </a:rPr>
+                        <m:t>=−</m:t>
+                      </m:r>
+                      <m:func>
+                        <m:funcPr>
+                          <m:ctrlPr>
+                            <a:rPr lang="en-US" altLang="ko-KR" sz="3000" b="0" i="1" smtClean="0">
+                              <a:latin typeface="Cambria Math" panose="02040503050406030204" pitchFamily="18" charset="0"/>
+                            </a:rPr>
+                          </m:ctrlPr>
+                        </m:funcPr>
+                        <m:fName>
+                          <m:r>
+                            <m:rPr>
+                              <m:sty m:val="p"/>
+                            </m:rPr>
+                            <a:rPr lang="en-US" altLang="ko-KR" sz="3000" b="0" i="0" smtClean="0">
+                              <a:latin typeface="Cambria Math" panose="02040503050406030204" pitchFamily="18" charset="0"/>
+                            </a:rPr>
+                            <m:t>sin</m:t>
+                          </m:r>
+                        </m:fName>
+                        <m:e>
+                          <m:r>
+                            <a:rPr lang="en-US" altLang="ko-KR" sz="3000" b="0" i="1" smtClean="0">
+                              <a:latin typeface="Cambria Math" panose="02040503050406030204" pitchFamily="18" charset="0"/>
+                            </a:rPr>
+                            <m:t>𝑥</m:t>
+                          </m:r>
+                        </m:e>
+                      </m:func>
+                    </m:oMath>
+                  </m:oMathPara>
+                </a14:m>
+                <a:endParaRPr lang="en-US" altLang="ko-KR" sz="3000" dirty="0"/>
+              </a:p>
+            </p:txBody>
+          </p:sp>
+        </mc:Choice>
+        <mc:Fallback xmlns="">
+          <p:sp>
+            <p:nvSpPr>
+              <p:cNvPr id="6" name="Text Placeholder 5"/>
+              <p:cNvSpPr>
+                <a:spLocks noGrp="1" noRot="1" noChangeAspect="1" noMove="1" noResize="1" noEditPoints="1" noAdjustHandles="1" noChangeArrowheads="1" noChangeShapeType="1" noTextEdit="1"/>
+              </p:cNvSpPr>
+              <p:nvPr>
+                <p:ph type="body" sz="quarter" idx="10"/>
+              </p:nvPr>
+            </p:nvSpPr>
+            <p:spPr>
+              <a:xfrm>
+                <a:off x="519248" y="1447801"/>
+                <a:ext cx="11151917" cy="4944532"/>
+              </a:xfrm>
+              <a:blipFill>
+                <a:blip r:embed="rId3"/>
+                <a:stretch>
+                  <a:fillRect l="-1694" t="-2589"/>
+                </a:stretch>
+              </a:blipFill>
+            </p:spPr>
+            <p:txBody>
+              <a:bodyPr/>
+              <a:lstStyle/>
+              <a:p>
+                <a:r>
+                  <a:rPr lang="ko-KR" altLang="en-US">
+                    <a:noFill/>
+                  </a:rPr>
+                  <a:t> </a:t>
+                </a:r>
+              </a:p>
+            </p:txBody>
+          </p:sp>
+        </mc:Fallback>
+      </mc:AlternateContent>
+    </p:spTree>
+    <p:extLst>
+      <p:ext uri="{BB962C8B-B14F-4D97-AF65-F5344CB8AC3E}">
+        <p14:creationId xmlns:p14="http://schemas.microsoft.com/office/powerpoint/2010/main" val="3981110683"/>
+      </p:ext>
+    </p:extLst>
+  </p:cSld>
+  <p:clrMapOvr>
+    <a:masterClrMapping/>
+  </p:clrMapOvr>
+  <mc:AlternateContent xmlns:mc="http://schemas.openxmlformats.org/markup-compatibility/2006" xmlns:p14="http://schemas.microsoft.com/office/powerpoint/2010/main">
+    <mc:Choice Requires="p14">
+      <p:transition p14:dur="10"/>
+    </mc:Choice>
+    <mc:Fallback xmlns="">
+      <p:transition/>
+    </mc:Fallback>
+  </mc:AlternateContent>
+</p:sld>
+</file>
+
+<file path=ppt/slides/slide17.xml><?xml version="1.0" encoding="utf-8"?>
+<p:sld xmlns:a="http://schemas.openxmlformats.org/drawingml/2006/main" xmlns:r="http://schemas.openxmlformats.org/officeDocument/2006/relationships" xmlns:p="http://schemas.openxmlformats.org/presentationml/2006/main">
+  <p:cSld>
+    <p:spTree>
+      <p:nvGrpSpPr>
+        <p:cNvPr id="1" name=""/>
+        <p:cNvGrpSpPr/>
+        <p:nvPr/>
+      </p:nvGrpSpPr>
+      <p:grpSpPr>
+        <a:xfrm>
+          <a:off x="0" y="0"/>
+          <a:ext cx="0" cy="0"/>
+          <a:chOff x="0" y="0"/>
+          <a:chExt cx="0" cy="0"/>
+        </a:xfrm>
+      </p:grpSpPr>
       <p:sp>
         <p:nvSpPr>
           <p:cNvPr id="4" name="Title 3"/>
@@ -10180,7 +14595,7 @@
 </p:sld>
 </file>
 
-<file path=ppt/slides/slide11.xml><?xml version="1.0" encoding="utf-8"?>
+<file path=ppt/slides/slide18.xml><?xml version="1.0" encoding="utf-8"?>
 <p:sld xmlns:a="http://schemas.openxmlformats.org/drawingml/2006/main" xmlns:r="http://schemas.openxmlformats.org/officeDocument/2006/relationships" xmlns:p="http://schemas.openxmlformats.org/presentationml/2006/main">
   <p:cSld>
     <p:spTree>
@@ -10245,7 +14660,7 @@
             <a:fld id="{6B5C536E-FA7B-40DC-A296-D7EC18490057}" type="slidenum">
               <a:rPr lang="ko-KR" altLang="en-US" smtClean="0"/>
               <a:pPr/>
-              <a:t>11</a:t>
+              <a:t>18</a:t>
             </a:fld>
             <a:endParaRPr lang="ko-KR" altLang="en-US"/>
           </a:p>
@@ -10768,7 +15183,7 @@
     </p:spTree>
     <p:extLst>
       <p:ext uri="{BB962C8B-B14F-4D97-AF65-F5344CB8AC3E}">
-        <p14:creationId xmlns:p14="http://schemas.microsoft.com/office/powerpoint/2010/main" val="2973056903"/>
+        <p14:creationId xmlns:p14="http://schemas.microsoft.com/office/powerpoint/2010/main" val="794118259"/>
       </p:ext>
     </p:extLst>
   </p:cSld>
@@ -10786,7 +15201,7 @@
 </p:sld>
 </file>
 
-<file path=ppt/slides/slide12.xml><?xml version="1.0" encoding="utf-8"?>
+<file path=ppt/slides/slide19.xml><?xml version="1.0" encoding="utf-8"?>
 <p:sld xmlns:a="http://schemas.openxmlformats.org/drawingml/2006/main" xmlns:r="http://schemas.openxmlformats.org/officeDocument/2006/relationships" xmlns:p="http://schemas.openxmlformats.org/presentationml/2006/main">
   <p:cSld>
     <p:spTree>
@@ -10851,7 +15266,7 @@
             <a:fld id="{6B5C536E-FA7B-40DC-A296-D7EC18490057}" type="slidenum">
               <a:rPr lang="ko-KR" altLang="en-US" smtClean="0"/>
               <a:pPr/>
-              <a:t>12</a:t>
+              <a:t>19</a:t>
             </a:fld>
             <a:endParaRPr lang="ko-KR" altLang="en-US"/>
           </a:p>
@@ -10902,7 +15317,82 @@
 </p:sld>
 </file>
 
-<file path=ppt/slides/slide13.xml><?xml version="1.0" encoding="utf-8"?>
+<file path=ppt/slides/slide2.xml><?xml version="1.0" encoding="utf-8"?>
+<p:sld xmlns:a="http://schemas.openxmlformats.org/drawingml/2006/main" xmlns:r="http://schemas.openxmlformats.org/officeDocument/2006/relationships" xmlns:p="http://schemas.openxmlformats.org/presentationml/2006/main">
+  <p:cSld>
+    <p:spTree>
+      <p:nvGrpSpPr>
+        <p:cNvPr id="1" name=""/>
+        <p:cNvGrpSpPr/>
+        <p:nvPr/>
+      </p:nvGrpSpPr>
+      <p:grpSpPr>
+        <a:xfrm>
+          <a:off x="0" y="0"/>
+          <a:ext cx="0" cy="0"/>
+          <a:chOff x="0" y="0"/>
+          <a:chExt cx="0" cy="0"/>
+        </a:xfrm>
+      </p:grpSpPr>
+      <p:sp>
+        <p:nvSpPr>
+          <p:cNvPr id="4" name="Title 3"/>
+          <p:cNvSpPr>
+            <a:spLocks noGrp="1"/>
+          </p:cNvSpPr>
+          <p:nvPr>
+            <p:ph type="title"/>
+          </p:nvPr>
+        </p:nvSpPr>
+        <p:spPr/>
+        <p:txBody>
+          <a:bodyPr/>
+          <a:lstStyle/>
+          <a:p>
+            <a:r>
+              <a:rPr lang="en-US" altLang="ko-KR" dirty="0"/>
+              <a:t>Lecture 1</a:t>
+            </a:r>
+          </a:p>
+        </p:txBody>
+      </p:sp>
+      <p:sp>
+        <p:nvSpPr>
+          <p:cNvPr id="2" name="Text Placeholder 1"/>
+          <p:cNvSpPr>
+            <a:spLocks noGrp="1"/>
+          </p:cNvSpPr>
+          <p:nvPr>
+            <p:ph type="body" sz="quarter" idx="12"/>
+          </p:nvPr>
+        </p:nvSpPr>
+        <p:spPr/>
+        <p:txBody>
+          <a:bodyPr/>
+          <a:lstStyle/>
+          <a:p>
+            <a:r>
+              <a:rPr lang="en-US" altLang="ko-KR" dirty="0"/>
+              <a:t>Derivatives, Slope, Velocity, and Rate of Change</a:t>
+            </a:r>
+            <a:endParaRPr lang="ko-KR" altLang="en-US" dirty="0"/>
+          </a:p>
+        </p:txBody>
+      </p:sp>
+    </p:spTree>
+    <p:extLst>
+      <p:ext uri="{BB962C8B-B14F-4D97-AF65-F5344CB8AC3E}">
+        <p14:creationId xmlns:p14="http://schemas.microsoft.com/office/powerpoint/2010/main" val="306832507"/>
+      </p:ext>
+    </p:extLst>
+  </p:cSld>
+  <p:clrMapOvr>
+    <a:masterClrMapping/>
+  </p:clrMapOvr>
+</p:sld>
+</file>
+
+<file path=ppt/slides/slide20.xml><?xml version="1.0" encoding="utf-8"?>
 <p:sld xmlns:a="http://schemas.openxmlformats.org/drawingml/2006/main" xmlns:r="http://schemas.openxmlformats.org/officeDocument/2006/relationships" xmlns:p="http://schemas.openxmlformats.org/presentationml/2006/main">
   <p:cSld>
     <p:spTree>
@@ -10982,7 +15472,7 @@
 </p:sld>
 </file>
 
-<file path=ppt/slides/slide14.xml><?xml version="1.0" encoding="utf-8"?>
+<file path=ppt/slides/slide21.xml><?xml version="1.0" encoding="utf-8"?>
 <p:sld xmlns:a="http://schemas.openxmlformats.org/drawingml/2006/main" xmlns:r="http://schemas.openxmlformats.org/officeDocument/2006/relationships" xmlns:p="http://schemas.openxmlformats.org/presentationml/2006/main">
   <p:cSld>
     <p:spTree>
@@ -11050,7 +15540,7 @@
             <a:fld id="{6B5C536E-FA7B-40DC-A296-D7EC18490057}" type="slidenum">
               <a:rPr lang="ko-KR" altLang="en-US" smtClean="0"/>
               <a:pPr/>
-              <a:t>14</a:t>
+              <a:t>21</a:t>
             </a:fld>
             <a:endParaRPr lang="ko-KR" altLang="en-US"/>
           </a:p>
@@ -11433,7 +15923,7 @@
 </p:sld>
 </file>
 
-<file path=ppt/slides/slide15.xml><?xml version="1.0" encoding="utf-8"?>
+<file path=ppt/slides/slide22.xml><?xml version="1.0" encoding="utf-8"?>
 <p:sld xmlns:a="http://schemas.openxmlformats.org/drawingml/2006/main" xmlns:r="http://schemas.openxmlformats.org/officeDocument/2006/relationships" xmlns:p="http://schemas.openxmlformats.org/presentationml/2006/main">
   <p:cSld>
     <p:spTree>
@@ -11498,7 +15988,7 @@
             <a:fld id="{6B5C536E-FA7B-40DC-A296-D7EC18490057}" type="slidenum">
               <a:rPr lang="ko-KR" altLang="en-US" smtClean="0"/>
               <a:pPr/>
-              <a:t>15</a:t>
+              <a:t>22</a:t>
             </a:fld>
             <a:endParaRPr lang="ko-KR" altLang="en-US"/>
           </a:p>
@@ -12185,10 +16675,6 @@
                     </m:r>
                   </m:oMath>
                 </a14:m>
-                <a:r>
-                  <a:rPr lang="en-US" altLang="ko-KR" b="0" dirty="0"/>
-                  <a:t/>
-                </a:r>
                 <a:br>
                   <a:rPr lang="en-US" altLang="ko-KR" b="0" dirty="0"/>
                 </a:br>
@@ -12381,7 +16867,7 @@
 </p:sld>
 </file>
 
-<file path=ppt/slides/slide16.xml><?xml version="1.0" encoding="utf-8"?>
+<file path=ppt/slides/slide23.xml><?xml version="1.0" encoding="utf-8"?>
 <p:sld xmlns:a="http://schemas.openxmlformats.org/drawingml/2006/main" xmlns:r="http://schemas.openxmlformats.org/officeDocument/2006/relationships" xmlns:p="http://schemas.openxmlformats.org/presentationml/2006/main">
   <p:cSld>
     <p:spTree>
@@ -12449,7 +16935,7 @@
             <a:fld id="{6B5C536E-FA7B-40DC-A296-D7EC18490057}" type="slidenum">
               <a:rPr lang="ko-KR" altLang="en-US" smtClean="0"/>
               <a:pPr/>
-              <a:t>16</a:t>
+              <a:t>23</a:t>
             </a:fld>
             <a:endParaRPr lang="ko-KR" altLang="en-US"/>
           </a:p>
@@ -12593,7 +17079,7 @@
 </p:sld>
 </file>
 
-<file path=ppt/slides/slide17.xml><?xml version="1.0" encoding="utf-8"?>
+<file path=ppt/slides/slide24.xml><?xml version="1.0" encoding="utf-8"?>
 <p:sld xmlns:a="http://schemas.openxmlformats.org/drawingml/2006/main" xmlns:r="http://schemas.openxmlformats.org/officeDocument/2006/relationships" xmlns:p="http://schemas.openxmlformats.org/presentationml/2006/main">
   <p:cSld>
     <p:spTree>
@@ -12658,7 +17144,7 @@
             <a:fld id="{6B5C536E-FA7B-40DC-A296-D7EC18490057}" type="slidenum">
               <a:rPr lang="ko-KR" altLang="en-US" smtClean="0"/>
               <a:pPr/>
-              <a:t>17</a:t>
+              <a:t>24</a:t>
             </a:fld>
             <a:endParaRPr lang="ko-KR" altLang="en-US"/>
           </a:p>
@@ -12918,7 +17404,7 @@
 </p:sld>
 </file>
 
-<file path=ppt/slides/slide18.xml><?xml version="1.0" encoding="utf-8"?>
+<file path=ppt/slides/slide25.xml><?xml version="1.0" encoding="utf-8"?>
 <p:sld xmlns:a="http://schemas.openxmlformats.org/drawingml/2006/main" xmlns:r="http://schemas.openxmlformats.org/officeDocument/2006/relationships" xmlns:p="http://schemas.openxmlformats.org/presentationml/2006/main">
   <p:cSld>
     <p:spTree>
@@ -13000,7 +17486,7 @@
 </p:sld>
 </file>
 
-<file path=ppt/slides/slide19.xml><?xml version="1.0" encoding="utf-8"?>
+<file path=ppt/slides/slide26.xml><?xml version="1.0" encoding="utf-8"?>
 <p:sld xmlns:a="http://schemas.openxmlformats.org/drawingml/2006/main" xmlns:r="http://schemas.openxmlformats.org/officeDocument/2006/relationships" xmlns:p="http://schemas.openxmlformats.org/presentationml/2006/main">
   <p:cSld>
     <p:spTree>
@@ -13064,7 +17550,7 @@
             <a:fld id="{6B5C536E-FA7B-40DC-A296-D7EC18490057}" type="slidenum">
               <a:rPr lang="ko-KR" altLang="en-US" smtClean="0"/>
               <a:pPr/>
-              <a:t>19</a:t>
+              <a:t>26</a:t>
             </a:fld>
             <a:endParaRPr lang="ko-KR" altLang="en-US"/>
           </a:p>
@@ -13850,82 +18336,7 @@
 </p:sld>
 </file>
 
-<file path=ppt/slides/slide2.xml><?xml version="1.0" encoding="utf-8"?>
-<p:sld xmlns:a="http://schemas.openxmlformats.org/drawingml/2006/main" xmlns:r="http://schemas.openxmlformats.org/officeDocument/2006/relationships" xmlns:p="http://schemas.openxmlformats.org/presentationml/2006/main">
-  <p:cSld>
-    <p:spTree>
-      <p:nvGrpSpPr>
-        <p:cNvPr id="1" name=""/>
-        <p:cNvGrpSpPr/>
-        <p:nvPr/>
-      </p:nvGrpSpPr>
-      <p:grpSpPr>
-        <a:xfrm>
-          <a:off x="0" y="0"/>
-          <a:ext cx="0" cy="0"/>
-          <a:chOff x="0" y="0"/>
-          <a:chExt cx="0" cy="0"/>
-        </a:xfrm>
-      </p:grpSpPr>
-      <p:sp>
-        <p:nvSpPr>
-          <p:cNvPr id="4" name="Title 3"/>
-          <p:cNvSpPr>
-            <a:spLocks noGrp="1"/>
-          </p:cNvSpPr>
-          <p:nvPr>
-            <p:ph type="title"/>
-          </p:nvPr>
-        </p:nvSpPr>
-        <p:spPr/>
-        <p:txBody>
-          <a:bodyPr/>
-          <a:lstStyle/>
-          <a:p>
-            <a:r>
-              <a:rPr lang="en-US" altLang="ko-KR" dirty="0"/>
-              <a:t>Lecture 1</a:t>
-            </a:r>
-          </a:p>
-        </p:txBody>
-      </p:sp>
-      <p:sp>
-        <p:nvSpPr>
-          <p:cNvPr id="2" name="Text Placeholder 1"/>
-          <p:cNvSpPr>
-            <a:spLocks noGrp="1"/>
-          </p:cNvSpPr>
-          <p:nvPr>
-            <p:ph type="body" sz="quarter" idx="12"/>
-          </p:nvPr>
-        </p:nvSpPr>
-        <p:spPr/>
-        <p:txBody>
-          <a:bodyPr/>
-          <a:lstStyle/>
-          <a:p>
-            <a:r>
-              <a:rPr lang="en-US" altLang="ko-KR" dirty="0"/>
-              <a:t>Derivatives, Slope, Velocity, and Rate of Change</a:t>
-            </a:r>
-            <a:endParaRPr lang="ko-KR" altLang="en-US" dirty="0"/>
-          </a:p>
-        </p:txBody>
-      </p:sp>
-    </p:spTree>
-    <p:extLst>
-      <p:ext uri="{BB962C8B-B14F-4D97-AF65-F5344CB8AC3E}">
-        <p14:creationId xmlns:p14="http://schemas.microsoft.com/office/powerpoint/2010/main" val="306832507"/>
-      </p:ext>
-    </p:extLst>
-  </p:cSld>
-  <p:clrMapOvr>
-    <a:masterClrMapping/>
-  </p:clrMapOvr>
-</p:sld>
-</file>
-
-<file path=ppt/slides/slide20.xml><?xml version="1.0" encoding="utf-8"?>
+<file path=ppt/slides/slide27.xml><?xml version="1.0" encoding="utf-8"?>
 <p:sld xmlns:a="http://schemas.openxmlformats.org/drawingml/2006/main" xmlns:r="http://schemas.openxmlformats.org/officeDocument/2006/relationships" xmlns:p="http://schemas.openxmlformats.org/presentationml/2006/main">
   <p:cSld>
     <p:spTree>
@@ -13989,7 +18400,7 @@
             <a:fld id="{6B5C536E-FA7B-40DC-A296-D7EC18490057}" type="slidenum">
               <a:rPr lang="ko-KR" altLang="en-US" smtClean="0"/>
               <a:pPr/>
-              <a:t>20</a:t>
+              <a:t>27</a:t>
             </a:fld>
             <a:endParaRPr lang="ko-KR" altLang="en-US"/>
           </a:p>
@@ -15181,7 +19592,7 @@
 </p:sld>
 </file>
 
-<file path=ppt/slides/slide21.xml><?xml version="1.0" encoding="utf-8"?>
+<file path=ppt/slides/slide28.xml><?xml version="1.0" encoding="utf-8"?>
 <p:sld xmlns:a="http://schemas.openxmlformats.org/drawingml/2006/main" xmlns:r="http://schemas.openxmlformats.org/officeDocument/2006/relationships" xmlns:p="http://schemas.openxmlformats.org/presentationml/2006/main">
   <p:cSld>
     <p:spTree>
@@ -15245,7 +19656,7 @@
             <a:fld id="{6B5C536E-FA7B-40DC-A296-D7EC18490057}" type="slidenum">
               <a:rPr lang="ko-KR" altLang="en-US" smtClean="0"/>
               <a:pPr/>
-              <a:t>21</a:t>
+              <a:t>28</a:t>
             </a:fld>
             <a:endParaRPr lang="ko-KR" altLang="en-US"/>
           </a:p>
@@ -16043,7 +20454,7 @@
 </p:sld>
 </file>
 
-<file path=ppt/slides/slide22.xml><?xml version="1.0" encoding="utf-8"?>
+<file path=ppt/slides/slide29.xml><?xml version="1.0" encoding="utf-8"?>
 <p:sld xmlns:a="http://schemas.openxmlformats.org/drawingml/2006/main" xmlns:r="http://schemas.openxmlformats.org/officeDocument/2006/relationships" xmlns:p="http://schemas.openxmlformats.org/presentationml/2006/main">
   <p:cSld>
     <p:spTree>
@@ -16107,7 +20518,7 @@
             <a:fld id="{6B5C536E-FA7B-40DC-A296-D7EC18490057}" type="slidenum">
               <a:rPr lang="ko-KR" altLang="en-US" smtClean="0"/>
               <a:pPr/>
-              <a:t>22</a:t>
+              <a:t>29</a:t>
             </a:fld>
             <a:endParaRPr lang="ko-KR" altLang="en-US"/>
           </a:p>
@@ -16530,10 +20941,6 @@
                   <a:rPr lang="en-US" altLang="ko-KR" sz="3000" dirty="0"/>
                   <a:t>?</a:t>
                 </a:r>
-                <a:r>
-                  <a:rPr lang="en-US" altLang="ko-KR" sz="3600" dirty="0"/>
-                  <a:t/>
-                </a:r>
                 <a:br>
                   <a:rPr lang="en-US" altLang="ko-KR" sz="3600" dirty="0"/>
                 </a:br>
@@ -16877,7 +21284,122 @@
 </p:sld>
 </file>
 
-<file path=ppt/slides/slide23.xml><?xml version="1.0" encoding="utf-8"?>
+<file path=ppt/slides/slide3.xml><?xml version="1.0" encoding="utf-8"?>
+<p:sld xmlns:a="http://schemas.openxmlformats.org/drawingml/2006/main" xmlns:r="http://schemas.openxmlformats.org/officeDocument/2006/relationships" xmlns:p="http://schemas.openxmlformats.org/presentationml/2006/main">
+  <p:cSld>
+    <p:spTree>
+      <p:nvGrpSpPr>
+        <p:cNvPr id="1" name=""/>
+        <p:cNvGrpSpPr/>
+        <p:nvPr/>
+      </p:nvGrpSpPr>
+      <p:grpSpPr>
+        <a:xfrm>
+          <a:off x="0" y="0"/>
+          <a:ext cx="0" cy="0"/>
+          <a:chOff x="0" y="0"/>
+          <a:chExt cx="0" cy="0"/>
+        </a:xfrm>
+      </p:grpSpPr>
+      <p:sp>
+        <p:nvSpPr>
+          <p:cNvPr id="2" name="Title 1"/>
+          <p:cNvSpPr>
+            <a:spLocks noGrp="1"/>
+          </p:cNvSpPr>
+          <p:nvPr>
+            <p:ph type="title"/>
+          </p:nvPr>
+        </p:nvSpPr>
+        <p:spPr>
+          <a:xfrm>
+            <a:off x="519248" y="543951"/>
+            <a:ext cx="11151917" cy="747897"/>
+          </a:xfrm>
+        </p:spPr>
+        <p:txBody>
+          <a:bodyPr/>
+          <a:lstStyle/>
+          <a:p>
+            <a:r>
+              <a:rPr lang="en-US" dirty="0">
+                <a:ea typeface="맑은 고딕" panose="020B0503020000020004" pitchFamily="50" charset="-127"/>
+              </a:rPr>
+              <a:t>Geometric Viewpoint of Derivatives</a:t>
+            </a:r>
+          </a:p>
+        </p:txBody>
+      </p:sp>
+      <p:sp>
+        <p:nvSpPr>
+          <p:cNvPr id="4" name="Slide Number Placeholder 3"/>
+          <p:cNvSpPr>
+            <a:spLocks noGrp="1"/>
+          </p:cNvSpPr>
+          <p:nvPr>
+            <p:ph type="sldNum" sz="quarter" idx="4"/>
+          </p:nvPr>
+        </p:nvSpPr>
+        <p:spPr/>
+        <p:txBody>
+          <a:bodyPr/>
+          <a:lstStyle/>
+          <a:p>
+            <a:fld id="{6B5C536E-FA7B-40DC-A296-D7EC18490057}" type="slidenum">
+              <a:rPr lang="ko-KR" altLang="en-US" smtClean="0"/>
+              <a:pPr/>
+              <a:t>3</a:t>
+            </a:fld>
+            <a:endParaRPr lang="ko-KR" altLang="en-US"/>
+          </a:p>
+        </p:txBody>
+      </p:sp>
+      <p:pic>
+        <p:nvPicPr>
+          <p:cNvPr id="3" name="Picture 2"/>
+          <p:cNvPicPr>
+            <a:picLocks noChangeAspect="1"/>
+          </p:cNvPicPr>
+          <p:nvPr/>
+        </p:nvPicPr>
+        <p:blipFill>
+          <a:blip r:embed="rId3"/>
+          <a:stretch>
+            <a:fillRect/>
+          </a:stretch>
+        </p:blipFill>
+        <p:spPr>
+          <a:xfrm>
+            <a:off x="3099869" y="1652931"/>
+            <a:ext cx="5924550" cy="4562475"/>
+          </a:xfrm>
+          <a:prstGeom prst="rect">
+            <a:avLst/>
+          </a:prstGeom>
+        </p:spPr>
+      </p:pic>
+    </p:spTree>
+    <p:extLst>
+      <p:ext uri="{BB962C8B-B14F-4D97-AF65-F5344CB8AC3E}">
+        <p14:creationId xmlns:p14="http://schemas.microsoft.com/office/powerpoint/2010/main" val="1875208866"/>
+      </p:ext>
+    </p:extLst>
+  </p:cSld>
+  <p:clrMapOvr>
+    <a:masterClrMapping/>
+  </p:clrMapOvr>
+  <mc:AlternateContent xmlns:mc="http://schemas.openxmlformats.org/markup-compatibility/2006" xmlns:p14="http://schemas.microsoft.com/office/powerpoint/2010/main">
+    <mc:Choice Requires="p14">
+      <p:transition p14:dur="10"/>
+    </mc:Choice>
+    <mc:Fallback xmlns="">
+      <p:transition/>
+    </mc:Fallback>
+  </mc:AlternateContent>
+</p:sld>
+</file>
+
+<file path=ppt/slides/slide30.xml><?xml version="1.0" encoding="utf-8"?>
 <p:sld xmlns:a="http://schemas.openxmlformats.org/drawingml/2006/main" xmlns:r="http://schemas.openxmlformats.org/officeDocument/2006/relationships" xmlns:p="http://schemas.openxmlformats.org/presentationml/2006/main">
   <p:cSld>
     <p:spTree>
@@ -17020,7 +21542,7 @@
             <a:fld id="{6B5C536E-FA7B-40DC-A296-D7EC18490057}" type="slidenum">
               <a:rPr lang="ko-KR" altLang="en-US" smtClean="0"/>
               <a:pPr/>
-              <a:t>23</a:t>
+              <a:t>30</a:t>
             </a:fld>
             <a:endParaRPr lang="ko-KR" altLang="en-US"/>
           </a:p>
@@ -18048,7 +22570,7 @@
 </p:sld>
 </file>
 
-<file path=ppt/slides/slide24.xml><?xml version="1.0" encoding="utf-8"?>
+<file path=ppt/slides/slide31.xml><?xml version="1.0" encoding="utf-8"?>
 <p:sld xmlns:a="http://schemas.openxmlformats.org/drawingml/2006/main" xmlns:r="http://schemas.openxmlformats.org/officeDocument/2006/relationships" xmlns:p="http://schemas.openxmlformats.org/presentationml/2006/main">
   <p:cSld>
     <p:spTree>
@@ -18191,7 +22713,7 @@
             <a:fld id="{6B5C536E-FA7B-40DC-A296-D7EC18490057}" type="slidenum">
               <a:rPr lang="ko-KR" altLang="en-US" smtClean="0"/>
               <a:pPr/>
-              <a:t>24</a:t>
+              <a:t>31</a:t>
             </a:fld>
             <a:endParaRPr lang="ko-KR" altLang="en-US"/>
           </a:p>
@@ -18992,7 +23514,7 @@
 </p:sld>
 </file>
 
-<file path=ppt/slides/slide25.xml><?xml version="1.0" encoding="utf-8"?>
+<file path=ppt/slides/slide32.xml><?xml version="1.0" encoding="utf-8"?>
 <p:sld xmlns:a="http://schemas.openxmlformats.org/drawingml/2006/main" xmlns:r="http://schemas.openxmlformats.org/officeDocument/2006/relationships" xmlns:p="http://schemas.openxmlformats.org/presentationml/2006/main">
   <p:cSld>
     <p:spTree>
@@ -19056,7 +23578,7 @@
             <a:fld id="{6B5C536E-FA7B-40DC-A296-D7EC18490057}" type="slidenum">
               <a:rPr lang="ko-KR" altLang="en-US" smtClean="0"/>
               <a:pPr/>
-              <a:t>25</a:t>
+              <a:t>32</a:t>
             </a:fld>
             <a:endParaRPr lang="ko-KR" altLang="en-US"/>
           </a:p>
@@ -19198,10 +23720,6 @@
                   <a:rPr lang="ko-KR" altLang="en-US" sz="3000" dirty="0"/>
                   <a:t>를 밑으로 사용하고</a:t>
                 </a:r>
-                <a:r>
-                  <a:rPr lang="en-US" altLang="ko-KR" sz="3000" dirty="0"/>
-                  <a:t/>
-                </a:r>
                 <a:br>
                   <a:rPr lang="en-US" altLang="ko-KR" sz="3000" dirty="0"/>
                 </a:br>
@@ -19216,10 +23734,6 @@
                 <a:r>
                   <a:rPr lang="ko-KR" altLang="en-US" sz="3000" dirty="0"/>
                   <a:t>연쇄 법칙을 사용해 구하는 방법</a:t>
-                </a:r>
-                <a:r>
-                  <a:rPr lang="en-US" altLang="ko-KR" dirty="0"/>
-                  <a:t/>
                 </a:r>
                 <a:br>
                   <a:rPr lang="en-US" altLang="ko-KR" dirty="0"/>
@@ -19419,10 +23933,6 @@
                     </m:sSup>
                   </m:oMath>
                 </a14:m>
-                <a:r>
-                  <a:rPr lang="en-US" altLang="ko-KR" sz="2400" dirty="0"/>
-                  <a:t/>
-                </a:r>
                 <a:br>
                   <a:rPr lang="en-US" altLang="ko-KR" sz="2400" dirty="0"/>
                 </a:br>
@@ -19628,10 +24138,6 @@
                     </m:sSup>
                   </m:oMath>
                 </a14:m>
-                <a:r>
-                  <a:rPr lang="en-US" altLang="ko-KR" sz="2400" b="0" dirty="0"/>
-                  <a:t/>
-                </a:r>
                 <a:br>
                   <a:rPr lang="en-US" altLang="ko-KR" sz="2400" b="0" dirty="0"/>
                 </a:br>
@@ -20063,7 +24569,7 @@
 </p:sld>
 </file>
 
-<file path=ppt/slides/slide26.xml><?xml version="1.0" encoding="utf-8"?>
+<file path=ppt/slides/slide33.xml><?xml version="1.0" encoding="utf-8"?>
 <p:sld xmlns:a="http://schemas.openxmlformats.org/drawingml/2006/main" xmlns:r="http://schemas.openxmlformats.org/officeDocument/2006/relationships" xmlns:p="http://schemas.openxmlformats.org/presentationml/2006/main">
   <p:cSld>
     <p:spTree>
@@ -20127,7 +24633,7 @@
             <a:fld id="{6B5C536E-FA7B-40DC-A296-D7EC18490057}" type="slidenum">
               <a:rPr lang="ko-KR" altLang="en-US" smtClean="0"/>
               <a:pPr/>
-              <a:t>26</a:t>
+              <a:t>33</a:t>
             </a:fld>
             <a:endParaRPr lang="ko-KR" altLang="en-US"/>
           </a:p>
@@ -21961,7 +26467,7 @@
 </p:sld>
 </file>
 
-<file path=ppt/slides/slide27.xml><?xml version="1.0" encoding="utf-8"?>
+<file path=ppt/slides/slide34.xml><?xml version="1.0" encoding="utf-8"?>
 <p:sld xmlns:a="http://schemas.openxmlformats.org/drawingml/2006/main" xmlns:r="http://schemas.openxmlformats.org/officeDocument/2006/relationships" xmlns:p="http://schemas.openxmlformats.org/presentationml/2006/main">
   <p:cSld>
     <p:spTree>
@@ -22029,7 +26535,7 @@
             <a:fld id="{6B5C536E-FA7B-40DC-A296-D7EC18490057}" type="slidenum">
               <a:rPr lang="ko-KR" altLang="en-US" smtClean="0"/>
               <a:pPr/>
-              <a:t>27</a:t>
+              <a:t>34</a:t>
             </a:fld>
             <a:endParaRPr lang="ko-KR" altLang="en-US"/>
           </a:p>
@@ -22357,7 +26863,7 @@
 </p:sld>
 </file>
 
-<file path=ppt/slides/slide28.xml><?xml version="1.0" encoding="utf-8"?>
+<file path=ppt/slides/slide35.xml><?xml version="1.0" encoding="utf-8"?>
 <p:sld xmlns:a="http://schemas.openxmlformats.org/drawingml/2006/main" xmlns:r="http://schemas.openxmlformats.org/officeDocument/2006/relationships" xmlns:p="http://schemas.openxmlformats.org/presentationml/2006/main">
   <p:cSld>
     <p:spTree>
@@ -22421,7 +26927,7 @@
             <a:fld id="{6B5C536E-FA7B-40DC-A296-D7EC18490057}" type="slidenum">
               <a:rPr lang="ko-KR" altLang="en-US" smtClean="0"/>
               <a:pPr/>
-              <a:t>28</a:t>
+              <a:t>35</a:t>
             </a:fld>
             <a:endParaRPr lang="ko-KR" altLang="en-US"/>
           </a:p>
@@ -23507,7 +28013,7 @@
 </p:sld>
 </file>
 
-<file path=ppt/slides/slide29.xml><?xml version="1.0" encoding="utf-8"?>
+<file path=ppt/slides/slide36.xml><?xml version="1.0" encoding="utf-8"?>
 <p:sld xmlns:a="http://schemas.openxmlformats.org/drawingml/2006/main" xmlns:r="http://schemas.openxmlformats.org/officeDocument/2006/relationships" xmlns:p="http://schemas.openxmlformats.org/presentationml/2006/main">
   <p:cSld>
     <p:spTree>
@@ -23571,7 +28077,7 @@
             <a:fld id="{6B5C536E-FA7B-40DC-A296-D7EC18490057}" type="slidenum">
               <a:rPr lang="ko-KR" altLang="en-US" smtClean="0"/>
               <a:pPr/>
-              <a:t>29</a:t>
+              <a:t>36</a:t>
             </a:fld>
             <a:endParaRPr lang="ko-KR" altLang="en-US"/>
           </a:p>
@@ -24553,148 +29059,7 @@
 </p:sld>
 </file>
 
-<file path=ppt/slides/slide3.xml><?xml version="1.0" encoding="utf-8"?>
-<p:sld xmlns:a="http://schemas.openxmlformats.org/drawingml/2006/main" xmlns:r="http://schemas.openxmlformats.org/officeDocument/2006/relationships" xmlns:p="http://schemas.openxmlformats.org/presentationml/2006/main">
-  <p:cSld>
-    <p:spTree>
-      <p:nvGrpSpPr>
-        <p:cNvPr id="1" name=""/>
-        <p:cNvGrpSpPr/>
-        <p:nvPr/>
-      </p:nvGrpSpPr>
-      <p:grpSpPr>
-        <a:xfrm>
-          <a:off x="0" y="0"/>
-          <a:ext cx="0" cy="0"/>
-          <a:chOff x="0" y="0"/>
-          <a:chExt cx="0" cy="0"/>
-        </a:xfrm>
-      </p:grpSpPr>
-      <p:sp>
-        <p:nvSpPr>
-          <p:cNvPr id="2" name="Title 1"/>
-          <p:cNvSpPr>
-            <a:spLocks noGrp="1"/>
-          </p:cNvSpPr>
-          <p:nvPr>
-            <p:ph type="title"/>
-          </p:nvPr>
-        </p:nvSpPr>
-        <p:spPr>
-          <a:xfrm>
-            <a:off x="519248" y="543951"/>
-            <a:ext cx="11151917" cy="747897"/>
-          </a:xfrm>
-        </p:spPr>
-        <p:txBody>
-          <a:bodyPr/>
-          <a:lstStyle/>
-          <a:p>
-            <a:r>
-              <a:rPr lang="en-US" dirty="0">
-                <a:ea typeface="맑은 고딕" panose="020B0503020000020004" pitchFamily="50" charset="-127"/>
-              </a:rPr>
-              <a:t>Geometric Viewpoint of Derivatives</a:t>
-            </a:r>
-          </a:p>
-        </p:txBody>
-      </p:sp>
-      <p:sp>
-        <p:nvSpPr>
-          <p:cNvPr id="4" name="Slide Number Placeholder 3"/>
-          <p:cNvSpPr>
-            <a:spLocks noGrp="1"/>
-          </p:cNvSpPr>
-          <p:nvPr>
-            <p:ph type="sldNum" sz="quarter" idx="4"/>
-          </p:nvPr>
-        </p:nvSpPr>
-        <p:spPr/>
-        <p:txBody>
-          <a:bodyPr/>
-          <a:lstStyle/>
-          <a:p>
-            <a:fld id="{6B5C536E-FA7B-40DC-A296-D7EC18490057}" type="slidenum">
-              <a:rPr lang="ko-KR" altLang="en-US" smtClean="0"/>
-              <a:pPr/>
-              <a:t>3</a:t>
-            </a:fld>
-            <a:endParaRPr lang="ko-KR" altLang="en-US"/>
-          </a:p>
-        </p:txBody>
-      </p:sp>
-      <p:sp>
-        <p:nvSpPr>
-          <p:cNvPr id="6" name="Text Placeholder 5"/>
-          <p:cNvSpPr>
-            <a:spLocks noGrp="1"/>
-          </p:cNvSpPr>
-          <p:nvPr>
-            <p:ph type="body" sz="quarter" idx="10"/>
-          </p:nvPr>
-        </p:nvSpPr>
-        <p:spPr/>
-        <p:txBody>
-          <a:bodyPr/>
-          <a:lstStyle/>
-          <a:p>
-            <a:endParaRPr lang="ko-KR" altLang="en-US" dirty="0"/>
-          </a:p>
-        </p:txBody>
-      </p:sp>
-      <p:pic>
-        <p:nvPicPr>
-          <p:cNvPr id="7" name="Picture 6"/>
-          <p:cNvPicPr>
-            <a:picLocks noChangeAspect="1"/>
-          </p:cNvPicPr>
-          <p:nvPr/>
-        </p:nvPicPr>
-        <p:blipFill>
-          <a:blip r:embed="rId3"/>
-          <a:stretch>
-            <a:fillRect/>
-          </a:stretch>
-        </p:blipFill>
-        <p:spPr>
-          <a:xfrm>
-            <a:off x="8118340" y="2586567"/>
-            <a:ext cx="3552825" cy="2667000"/>
-          </a:xfrm>
-          <a:prstGeom prst="rect">
-            <a:avLst/>
-          </a:prstGeom>
-        </p:spPr>
-      </p:pic>
-    </p:spTree>
-    <p:extLst>
-      <p:ext uri="{BB962C8B-B14F-4D97-AF65-F5344CB8AC3E}">
-        <p14:creationId xmlns:p14="http://schemas.microsoft.com/office/powerpoint/2010/main" val="1875208866"/>
-      </p:ext>
-    </p:extLst>
-  </p:cSld>
-  <p:clrMapOvr>
-    <a:masterClrMapping/>
-  </p:clrMapOvr>
-  <mc:AlternateContent xmlns:mc="http://schemas.openxmlformats.org/markup-compatibility/2006" xmlns:p14="http://schemas.microsoft.com/office/powerpoint/2010/main">
-    <mc:Choice Requires="p14">
-      <p:transition p14:dur="10"/>
-    </mc:Choice>
-    <mc:Fallback xmlns="">
-      <p:transition/>
-    </mc:Fallback>
-  </mc:AlternateContent>
-  <p:timing>
-    <p:tnLst>
-      <p:par>
-        <p:cTn id="1" dur="indefinite" restart="never" nodeType="tmRoot"/>
-      </p:par>
-    </p:tnLst>
-  </p:timing>
-</p:sld>
-</file>
-
-<file path=ppt/slides/slide30.xml><?xml version="1.0" encoding="utf-8"?>
+<file path=ppt/slides/slide37.xml><?xml version="1.0" encoding="utf-8"?>
 <p:sld xmlns:a="http://schemas.openxmlformats.org/drawingml/2006/main" xmlns:r="http://schemas.openxmlformats.org/officeDocument/2006/relationships" xmlns:p="http://schemas.openxmlformats.org/presentationml/2006/main">
   <p:cSld>
     <p:spTree>
@@ -24758,7 +29123,7 @@
             <a:fld id="{6B5C536E-FA7B-40DC-A296-D7EC18490057}" type="slidenum">
               <a:rPr lang="ko-KR" altLang="en-US" smtClean="0"/>
               <a:pPr/>
-              <a:t>30</a:t>
+              <a:t>37</a:t>
             </a:fld>
             <a:endParaRPr lang="ko-KR" altLang="en-US"/>
           </a:p>
@@ -25321,7 +29686,7 @@
       </p:grpSpPr>
       <p:sp>
         <p:nvSpPr>
-          <p:cNvPr id="4" name="Title 3"/>
+          <p:cNvPr id="2" name="Title 1"/>
           <p:cNvSpPr>
             <a:spLocks noGrp="1"/>
           </p:cNvSpPr>
@@ -25329,26 +29694,33 @@
             <p:ph type="title"/>
           </p:nvPr>
         </p:nvSpPr>
-        <p:spPr/>
+        <p:spPr>
+          <a:xfrm>
+            <a:off x="519248" y="543951"/>
+            <a:ext cx="11151917" cy="747897"/>
+          </a:xfrm>
+        </p:spPr>
         <p:txBody>
           <a:bodyPr/>
           <a:lstStyle/>
           <a:p>
             <a:r>
-              <a:rPr lang="en-US" altLang="ko-KR" dirty="0"/>
-              <a:t>Lecture 2</a:t>
+              <a:rPr lang="en-US" dirty="0">
+                <a:ea typeface="맑은 고딕" panose="020B0503020000020004" pitchFamily="50" charset="-127"/>
+              </a:rPr>
+              <a:t>Geometric Definition of The Derivative</a:t>
             </a:r>
           </a:p>
         </p:txBody>
       </p:sp>
       <p:sp>
         <p:nvSpPr>
-          <p:cNvPr id="2" name="Text Placeholder 1"/>
+          <p:cNvPr id="4" name="Slide Number Placeholder 3"/>
           <p:cNvSpPr>
             <a:spLocks noGrp="1"/>
           </p:cNvSpPr>
           <p:nvPr>
-            <p:ph type="body" sz="quarter" idx="12"/>
+            <p:ph type="sldNum" sz="quarter" idx="4"/>
           </p:nvPr>
         </p:nvSpPr>
         <p:spPr/>
@@ -25356,31 +29728,617 @@
           <a:bodyPr/>
           <a:lstStyle/>
           <a:p>
-            <a:r>
-              <a:rPr lang="en-US" altLang="ko-KR" dirty="0"/>
-              <a:t>Limits, Continuity, and Trigonometric Limits</a:t>
-            </a:r>
-            <a:endParaRPr lang="ko-KR" altLang="en-US" dirty="0"/>
+            <a:fld id="{6B5C536E-FA7B-40DC-A296-D7EC18490057}" type="slidenum">
+              <a:rPr lang="ko-KR" altLang="en-US" smtClean="0"/>
+              <a:pPr/>
+              <a:t>4</a:t>
+            </a:fld>
+            <a:endParaRPr lang="ko-KR" altLang="en-US"/>
           </a:p>
         </p:txBody>
       </p:sp>
+      <mc:AlternateContent xmlns:mc="http://schemas.openxmlformats.org/markup-compatibility/2006">
+        <mc:Choice xmlns:a14="http://schemas.microsoft.com/office/drawing/2010/main" Requires="a14">
+          <p:sp>
+            <p:nvSpPr>
+              <p:cNvPr id="6" name="Text Placeholder 5"/>
+              <p:cNvSpPr>
+                <a:spLocks noGrp="1"/>
+              </p:cNvSpPr>
+              <p:nvPr>
+                <p:ph type="body" sz="quarter" idx="10"/>
+              </p:nvPr>
+            </p:nvSpPr>
+            <p:spPr>
+              <a:xfrm>
+                <a:off x="519248" y="1447801"/>
+                <a:ext cx="11151917" cy="4944532"/>
+              </a:xfrm>
+            </p:spPr>
+            <p:txBody>
+              <a:bodyPr/>
+              <a:lstStyle/>
+              <a:p>
+                <a:pPr>
+                  <a:lnSpc>
+                    <a:spcPct val="100000"/>
+                  </a:lnSpc>
+                </a:pPr>
+                <a14:m>
+                  <m:oMath xmlns:m="http://schemas.openxmlformats.org/officeDocument/2006/math">
+                    <m:r>
+                      <a:rPr lang="en-US" altLang="ko-KR" sz="3000" i="1" smtClean="0">
+                        <a:latin typeface="Cambria Math" panose="02040503050406030204" pitchFamily="18" charset="0"/>
+                      </a:rPr>
+                      <m:t>𝑄</m:t>
+                    </m:r>
+                    <m:r>
+                      <a:rPr lang="en-US" altLang="ko-KR" sz="3000" b="0" i="1" smtClean="0">
+                        <a:latin typeface="Cambria Math" panose="02040503050406030204" pitchFamily="18" charset="0"/>
+                      </a:rPr>
+                      <m:t>→</m:t>
+                    </m:r>
+                    <m:r>
+                      <a:rPr lang="en-US" altLang="ko-KR" sz="3000" b="0" i="1" smtClean="0">
+                        <a:latin typeface="Cambria Math" panose="02040503050406030204" pitchFamily="18" charset="0"/>
+                      </a:rPr>
+                      <m:t>𝑃</m:t>
+                    </m:r>
+                  </m:oMath>
+                </a14:m>
+                <a:r>
+                  <a:rPr lang="ko-KR" altLang="en-US" sz="3000" dirty="0"/>
+                  <a:t>일 때</a:t>
+                </a:r>
+                <a:r>
+                  <a:rPr lang="en-US" altLang="ko-KR" sz="3000" dirty="0"/>
+                  <a:t> </a:t>
+                </a:r>
+                <a:r>
+                  <a:rPr lang="ko-KR" altLang="en-US" sz="3000" dirty="0"/>
+                  <a:t>구분선</a:t>
+                </a:r>
+                <a:r>
+                  <a:rPr lang="en-US" altLang="ko-KR" sz="3000" dirty="0"/>
+                  <a:t>(Secant Line) </a:t>
+                </a:r>
+                <a14:m>
+                  <m:oMath xmlns:m="http://schemas.openxmlformats.org/officeDocument/2006/math">
+                    <m:acc>
+                      <m:accPr>
+                        <m:chr m:val="̅"/>
+                        <m:ctrlPr>
+                          <a:rPr lang="en-US" altLang="ko-KR" sz="3000" b="0" i="1" smtClean="0">
+                            <a:latin typeface="Cambria Math" panose="02040503050406030204" pitchFamily="18" charset="0"/>
+                          </a:rPr>
+                        </m:ctrlPr>
+                      </m:accPr>
+                      <m:e>
+                        <m:r>
+                          <a:rPr lang="en-US" altLang="ko-KR" sz="3000" i="1">
+                            <a:latin typeface="Cambria Math" panose="02040503050406030204" pitchFamily="18" charset="0"/>
+                          </a:rPr>
+                          <m:t>𝑃𝑄</m:t>
+                        </m:r>
+                      </m:e>
+                    </m:acc>
+                  </m:oMath>
+                </a14:m>
+                <a:r>
+                  <a:rPr lang="ko-KR" altLang="en-US" sz="3000" dirty="0"/>
+                  <a:t>의 기울기의 극한</a:t>
+                </a:r>
+                <a:endParaRPr lang="en-US" altLang="ko-KR" sz="3000" dirty="0"/>
+              </a:p>
+              <a:p>
+                <a:pPr>
+                  <a:lnSpc>
+                    <a:spcPct val="100000"/>
+                  </a:lnSpc>
+                </a:pPr>
+                <a:endParaRPr lang="en-US" altLang="ko-KR" sz="3000" dirty="0"/>
+              </a:p>
+              <a:p>
+                <a:pPr>
+                  <a:lnSpc>
+                    <a:spcPct val="100000"/>
+                  </a:lnSpc>
+                </a:pPr>
+                <a:endParaRPr lang="en-US" altLang="ko-KR" sz="3000" dirty="0"/>
+              </a:p>
+              <a:p>
+                <a:pPr>
+                  <a:lnSpc>
+                    <a:spcPct val="100000"/>
+                  </a:lnSpc>
+                </a:pPr>
+                <a:endParaRPr lang="en-US" altLang="ko-KR" sz="3000" dirty="0"/>
+              </a:p>
+              <a:p>
+                <a:pPr>
+                  <a:lnSpc>
+                    <a:spcPct val="100000"/>
+                  </a:lnSpc>
+                </a:pPr>
+                <a:endParaRPr lang="en-US" altLang="ko-KR" sz="3000" dirty="0"/>
+              </a:p>
+              <a:p>
+                <a:pPr>
+                  <a:lnSpc>
+                    <a:spcPct val="100000"/>
+                  </a:lnSpc>
+                </a:pPr>
+                <a:endParaRPr lang="en-US" altLang="ko-KR" sz="3000" dirty="0"/>
+              </a:p>
+              <a:p>
+                <a:pPr>
+                  <a:lnSpc>
+                    <a:spcPct val="100000"/>
+                  </a:lnSpc>
+                </a:pPr>
+                <a:endParaRPr lang="en-US" altLang="ko-KR" sz="3000" dirty="0"/>
+              </a:p>
+              <a:p>
+                <a:pPr marL="0" indent="0">
+                  <a:lnSpc>
+                    <a:spcPct val="100000"/>
+                  </a:lnSpc>
+                  <a:buNone/>
+                </a:pPr>
+                <a14:m>
+                  <m:oMathPara xmlns:m="http://schemas.openxmlformats.org/officeDocument/2006/math">
+                    <m:oMathParaPr>
+                      <m:jc m:val="centerGroup"/>
+                    </m:oMathParaPr>
+                    <m:oMath xmlns:m="http://schemas.openxmlformats.org/officeDocument/2006/math">
+                      <m:func>
+                        <m:funcPr>
+                          <m:ctrlPr>
+                            <a:rPr lang="en-US" altLang="ko-KR" sz="3000" i="1" smtClean="0">
+                              <a:latin typeface="Cambria Math" panose="02040503050406030204" pitchFamily="18" charset="0"/>
+                            </a:rPr>
+                          </m:ctrlPr>
+                        </m:funcPr>
+                        <m:fName>
+                          <m:limLow>
+                            <m:limLowPr>
+                              <m:ctrlPr>
+                                <a:rPr lang="en-US" altLang="ko-KR" sz="3000" i="1" smtClean="0">
+                                  <a:latin typeface="Cambria Math" panose="02040503050406030204" pitchFamily="18" charset="0"/>
+                                </a:rPr>
+                              </m:ctrlPr>
+                            </m:limLowPr>
+                            <m:e>
+                              <m:r>
+                                <m:rPr>
+                                  <m:sty m:val="p"/>
+                                </m:rPr>
+                                <a:rPr lang="en-US" altLang="ko-KR" sz="3000" i="0" smtClean="0">
+                                  <a:latin typeface="Cambria Math" panose="02040503050406030204" pitchFamily="18" charset="0"/>
+                                </a:rPr>
+                                <m:t>lim</m:t>
+                              </m:r>
+                            </m:e>
+                            <m:lim>
+                              <m:r>
+                                <a:rPr lang="en-US" altLang="ko-KR" sz="3000" i="1" smtClean="0">
+                                  <a:latin typeface="Cambria Math" panose="02040503050406030204" pitchFamily="18" charset="0"/>
+                                  <a:ea typeface="Cambria Math" panose="02040503050406030204" pitchFamily="18" charset="0"/>
+                                </a:rPr>
+                                <m:t>∆</m:t>
+                              </m:r>
+                              <m:r>
+                                <a:rPr lang="en-US" altLang="ko-KR" sz="3000" b="0" i="1" smtClean="0">
+                                  <a:latin typeface="Cambria Math" panose="02040503050406030204" pitchFamily="18" charset="0"/>
+                                  <a:ea typeface="Cambria Math" panose="02040503050406030204" pitchFamily="18" charset="0"/>
+                                </a:rPr>
+                                <m:t>𝑥</m:t>
+                              </m:r>
+                              <m:r>
+                                <a:rPr lang="en-US" altLang="ko-KR" sz="3000" b="0" i="1" smtClean="0">
+                                  <a:latin typeface="Cambria Math" panose="02040503050406030204" pitchFamily="18" charset="0"/>
+                                  <a:ea typeface="Cambria Math" panose="02040503050406030204" pitchFamily="18" charset="0"/>
+                                </a:rPr>
+                                <m:t>→0</m:t>
+                              </m:r>
+                            </m:lim>
+                          </m:limLow>
+                        </m:fName>
+                        <m:e>
+                          <m:f>
+                            <m:fPr>
+                              <m:ctrlPr>
+                                <a:rPr lang="en-US" altLang="ko-KR" sz="3000" i="1" smtClean="0">
+                                  <a:latin typeface="Cambria Math" panose="02040503050406030204" pitchFamily="18" charset="0"/>
+                                </a:rPr>
+                              </m:ctrlPr>
+                            </m:fPr>
+                            <m:num>
+                              <m:r>
+                                <a:rPr lang="en-US" altLang="ko-KR" sz="3000" i="1" smtClean="0">
+                                  <a:latin typeface="Cambria Math" panose="02040503050406030204" pitchFamily="18" charset="0"/>
+                                  <a:ea typeface="Cambria Math" panose="02040503050406030204" pitchFamily="18" charset="0"/>
+                                </a:rPr>
+                                <m:t>∆</m:t>
+                              </m:r>
+                              <m:r>
+                                <a:rPr lang="en-US" altLang="ko-KR" sz="3000" b="0" i="1" smtClean="0">
+                                  <a:latin typeface="Cambria Math" panose="02040503050406030204" pitchFamily="18" charset="0"/>
+                                  <a:ea typeface="Cambria Math" panose="02040503050406030204" pitchFamily="18" charset="0"/>
+                                </a:rPr>
+                                <m:t>𝑓</m:t>
+                              </m:r>
+                            </m:num>
+                            <m:den>
+                              <m:r>
+                                <a:rPr lang="en-US" altLang="ko-KR" sz="3000" i="1">
+                                  <a:latin typeface="Cambria Math" panose="02040503050406030204" pitchFamily="18" charset="0"/>
+                                  <a:ea typeface="Cambria Math" panose="02040503050406030204" pitchFamily="18" charset="0"/>
+                                </a:rPr>
+                                <m:t>∆</m:t>
+                              </m:r>
+                              <m:r>
+                                <a:rPr lang="en-US" altLang="ko-KR" sz="3000" b="0" i="1" smtClean="0">
+                                  <a:latin typeface="Cambria Math" panose="02040503050406030204" pitchFamily="18" charset="0"/>
+                                  <a:ea typeface="Cambria Math" panose="02040503050406030204" pitchFamily="18" charset="0"/>
+                                </a:rPr>
+                                <m:t>𝑥</m:t>
+                              </m:r>
+                            </m:den>
+                          </m:f>
+                        </m:e>
+                      </m:func>
+                      <m:r>
+                        <a:rPr lang="en-US" altLang="ko-KR" sz="3000" b="0" i="1" smtClean="0">
+                          <a:latin typeface="Cambria Math" panose="02040503050406030204" pitchFamily="18" charset="0"/>
+                        </a:rPr>
+                        <m:t>=</m:t>
+                      </m:r>
+                      <m:func>
+                        <m:funcPr>
+                          <m:ctrlPr>
+                            <a:rPr lang="en-US" altLang="ko-KR" sz="3000" i="1">
+                              <a:latin typeface="Cambria Math" panose="02040503050406030204" pitchFamily="18" charset="0"/>
+                            </a:rPr>
+                          </m:ctrlPr>
+                        </m:funcPr>
+                        <m:fName>
+                          <m:limLow>
+                            <m:limLowPr>
+                              <m:ctrlPr>
+                                <a:rPr lang="en-US" altLang="ko-KR" sz="3000" i="1">
+                                  <a:latin typeface="Cambria Math" panose="02040503050406030204" pitchFamily="18" charset="0"/>
+                                </a:rPr>
+                              </m:ctrlPr>
+                            </m:limLowPr>
+                            <m:e>
+                              <m:r>
+                                <m:rPr>
+                                  <m:sty m:val="p"/>
+                                </m:rPr>
+                                <a:rPr lang="en-US" altLang="ko-KR" sz="3000">
+                                  <a:latin typeface="Cambria Math" panose="02040503050406030204" pitchFamily="18" charset="0"/>
+                                </a:rPr>
+                                <m:t>lim</m:t>
+                              </m:r>
+                            </m:e>
+                            <m:lim>
+                              <m:r>
+                                <a:rPr lang="en-US" altLang="ko-KR" sz="3000" i="1">
+                                  <a:latin typeface="Cambria Math" panose="02040503050406030204" pitchFamily="18" charset="0"/>
+                                  <a:ea typeface="Cambria Math" panose="02040503050406030204" pitchFamily="18" charset="0"/>
+                                </a:rPr>
+                                <m:t>∆</m:t>
+                              </m:r>
+                              <m:r>
+                                <a:rPr lang="en-US" altLang="ko-KR" sz="3000" i="1">
+                                  <a:latin typeface="Cambria Math" panose="02040503050406030204" pitchFamily="18" charset="0"/>
+                                  <a:ea typeface="Cambria Math" panose="02040503050406030204" pitchFamily="18" charset="0"/>
+                                </a:rPr>
+                                <m:t>𝑥</m:t>
+                              </m:r>
+                              <m:r>
+                                <a:rPr lang="en-US" altLang="ko-KR" sz="3000" i="1">
+                                  <a:latin typeface="Cambria Math" panose="02040503050406030204" pitchFamily="18" charset="0"/>
+                                  <a:ea typeface="Cambria Math" panose="02040503050406030204" pitchFamily="18" charset="0"/>
+                                </a:rPr>
+                                <m:t>→0</m:t>
+                              </m:r>
+                            </m:lim>
+                          </m:limLow>
+                        </m:fName>
+                        <m:e>
+                          <m:f>
+                            <m:fPr>
+                              <m:ctrlPr>
+                                <a:rPr lang="en-US" altLang="ko-KR" sz="3000" i="1">
+                                  <a:latin typeface="Cambria Math" panose="02040503050406030204" pitchFamily="18" charset="0"/>
+                                </a:rPr>
+                              </m:ctrlPr>
+                            </m:fPr>
+                            <m:num>
+                              <m:r>
+                                <a:rPr lang="en-US" altLang="ko-KR" sz="3000" b="0" i="1" smtClean="0">
+                                  <a:latin typeface="Cambria Math" panose="02040503050406030204" pitchFamily="18" charset="0"/>
+                                </a:rPr>
+                                <m:t>𝑓</m:t>
+                              </m:r>
+                              <m:d>
+                                <m:dPr>
+                                  <m:ctrlPr>
+                                    <a:rPr lang="en-US" altLang="ko-KR" sz="3000" b="0" i="1" smtClean="0">
+                                      <a:latin typeface="Cambria Math" panose="02040503050406030204" pitchFamily="18" charset="0"/>
+                                    </a:rPr>
+                                  </m:ctrlPr>
+                                </m:dPr>
+                                <m:e>
+                                  <m:sSub>
+                                    <m:sSubPr>
+                                      <m:ctrlPr>
+                                        <a:rPr lang="en-US" altLang="ko-KR" sz="3000" b="0" i="1" smtClean="0">
+                                          <a:latin typeface="Cambria Math" panose="02040503050406030204" pitchFamily="18" charset="0"/>
+                                        </a:rPr>
+                                      </m:ctrlPr>
+                                    </m:sSubPr>
+                                    <m:e>
+                                      <m:r>
+                                        <a:rPr lang="en-US" altLang="ko-KR" sz="3000" b="0" i="1" smtClean="0">
+                                          <a:latin typeface="Cambria Math" panose="02040503050406030204" pitchFamily="18" charset="0"/>
+                                        </a:rPr>
+                                        <m:t>𝑥</m:t>
+                                      </m:r>
+                                    </m:e>
+                                    <m:sub>
+                                      <m:r>
+                                        <a:rPr lang="en-US" altLang="ko-KR" sz="3000" b="0" i="1" smtClean="0">
+                                          <a:latin typeface="Cambria Math" panose="02040503050406030204" pitchFamily="18" charset="0"/>
+                                        </a:rPr>
+                                        <m:t>0</m:t>
+                                      </m:r>
+                                    </m:sub>
+                                  </m:sSub>
+                                  <m:r>
+                                    <a:rPr lang="en-US" altLang="ko-KR" sz="3000" b="0" i="1" smtClean="0">
+                                      <a:latin typeface="Cambria Math" panose="02040503050406030204" pitchFamily="18" charset="0"/>
+                                    </a:rPr>
+                                    <m:t>+</m:t>
+                                  </m:r>
+                                  <m:r>
+                                    <a:rPr lang="en-US" altLang="ko-KR" sz="3000" i="1">
+                                      <a:latin typeface="Cambria Math" panose="02040503050406030204" pitchFamily="18" charset="0"/>
+                                      <a:ea typeface="Cambria Math" panose="02040503050406030204" pitchFamily="18" charset="0"/>
+                                    </a:rPr>
+                                    <m:t>∆</m:t>
+                                  </m:r>
+                                  <m:r>
+                                    <a:rPr lang="en-US" altLang="ko-KR" sz="3000" i="1">
+                                      <a:latin typeface="Cambria Math" panose="02040503050406030204" pitchFamily="18" charset="0"/>
+                                      <a:ea typeface="Cambria Math" panose="02040503050406030204" pitchFamily="18" charset="0"/>
+                                    </a:rPr>
+                                    <m:t>𝑥</m:t>
+                                  </m:r>
+                                </m:e>
+                              </m:d>
+                              <m:r>
+                                <a:rPr lang="en-US" altLang="ko-KR" sz="3000" b="0" i="1" smtClean="0">
+                                  <a:latin typeface="Cambria Math" panose="02040503050406030204" pitchFamily="18" charset="0"/>
+                                  <a:ea typeface="Cambria Math" panose="02040503050406030204" pitchFamily="18" charset="0"/>
+                                </a:rPr>
+                                <m:t>−</m:t>
+                              </m:r>
+                              <m:r>
+                                <a:rPr lang="en-US" altLang="ko-KR" sz="3000" b="0" i="1" smtClean="0">
+                                  <a:latin typeface="Cambria Math" panose="02040503050406030204" pitchFamily="18" charset="0"/>
+                                  <a:ea typeface="Cambria Math" panose="02040503050406030204" pitchFamily="18" charset="0"/>
+                                </a:rPr>
+                                <m:t>𝑓</m:t>
+                              </m:r>
+                              <m:r>
+                                <a:rPr lang="en-US" altLang="ko-KR" sz="3000" b="0" i="1" smtClean="0">
+                                  <a:latin typeface="Cambria Math" panose="02040503050406030204" pitchFamily="18" charset="0"/>
+                                  <a:ea typeface="Cambria Math" panose="02040503050406030204" pitchFamily="18" charset="0"/>
+                                </a:rPr>
+                                <m:t>(</m:t>
+                              </m:r>
+                              <m:sSub>
+                                <m:sSubPr>
+                                  <m:ctrlPr>
+                                    <a:rPr lang="en-US" altLang="ko-KR" sz="3000" b="0" i="1" smtClean="0">
+                                      <a:latin typeface="Cambria Math" panose="02040503050406030204" pitchFamily="18" charset="0"/>
+                                      <a:ea typeface="Cambria Math" panose="02040503050406030204" pitchFamily="18" charset="0"/>
+                                    </a:rPr>
+                                  </m:ctrlPr>
+                                </m:sSubPr>
+                                <m:e>
+                                  <m:r>
+                                    <a:rPr lang="en-US" altLang="ko-KR" sz="3000" b="0" i="1" smtClean="0">
+                                      <a:latin typeface="Cambria Math" panose="02040503050406030204" pitchFamily="18" charset="0"/>
+                                      <a:ea typeface="Cambria Math" panose="02040503050406030204" pitchFamily="18" charset="0"/>
+                                    </a:rPr>
+                                    <m:t>𝑥</m:t>
+                                  </m:r>
+                                </m:e>
+                                <m:sub>
+                                  <m:r>
+                                    <a:rPr lang="en-US" altLang="ko-KR" sz="3000" b="0" i="1" smtClean="0">
+                                      <a:latin typeface="Cambria Math" panose="02040503050406030204" pitchFamily="18" charset="0"/>
+                                      <a:ea typeface="Cambria Math" panose="02040503050406030204" pitchFamily="18" charset="0"/>
+                                    </a:rPr>
+                                    <m:t>0</m:t>
+                                  </m:r>
+                                </m:sub>
+                              </m:sSub>
+                              <m:r>
+                                <a:rPr lang="en-US" altLang="ko-KR" sz="3000" b="0" i="1" smtClean="0">
+                                  <a:latin typeface="Cambria Math" panose="02040503050406030204" pitchFamily="18" charset="0"/>
+                                  <a:ea typeface="Cambria Math" panose="02040503050406030204" pitchFamily="18" charset="0"/>
+                                </a:rPr>
+                                <m:t>)</m:t>
+                              </m:r>
+                            </m:num>
+                            <m:den>
+                              <m:r>
+                                <a:rPr lang="en-US" altLang="ko-KR" sz="3000" i="1">
+                                  <a:latin typeface="Cambria Math" panose="02040503050406030204" pitchFamily="18" charset="0"/>
+                                  <a:ea typeface="Cambria Math" panose="02040503050406030204" pitchFamily="18" charset="0"/>
+                                </a:rPr>
+                                <m:t>∆</m:t>
+                              </m:r>
+                              <m:r>
+                                <a:rPr lang="en-US" altLang="ko-KR" sz="3000" i="1">
+                                  <a:latin typeface="Cambria Math" panose="02040503050406030204" pitchFamily="18" charset="0"/>
+                                  <a:ea typeface="Cambria Math" panose="02040503050406030204" pitchFamily="18" charset="0"/>
+                                </a:rPr>
+                                <m:t>𝑥</m:t>
+                              </m:r>
+                            </m:den>
+                          </m:f>
+                        </m:e>
+                      </m:func>
+                      <m:r>
+                        <a:rPr lang="en-US" altLang="ko-KR" sz="3000" b="0" i="1" smtClean="0">
+                          <a:latin typeface="Cambria Math" panose="02040503050406030204" pitchFamily="18" charset="0"/>
+                          <a:ea typeface="Cambria Math" panose="02040503050406030204" pitchFamily="18" charset="0"/>
+                        </a:rPr>
+                        <m:t>=</m:t>
+                      </m:r>
+                      <m:r>
+                        <a:rPr lang="en-US" altLang="ko-KR" sz="3000" b="0" i="1" smtClean="0">
+                          <a:latin typeface="Cambria Math" panose="02040503050406030204" pitchFamily="18" charset="0"/>
+                          <a:ea typeface="Cambria Math" panose="02040503050406030204" pitchFamily="18" charset="0"/>
+                        </a:rPr>
+                        <m:t>𝑓</m:t>
+                      </m:r>
+                      <m:r>
+                        <a:rPr lang="en-US" altLang="ko-KR" sz="3000" b="0" i="1" smtClean="0">
+                          <a:latin typeface="Cambria Math" panose="02040503050406030204" pitchFamily="18" charset="0"/>
+                          <a:ea typeface="Cambria Math" panose="02040503050406030204" pitchFamily="18" charset="0"/>
+                        </a:rPr>
+                        <m:t>′(</m:t>
+                      </m:r>
+                      <m:sSub>
+                        <m:sSubPr>
+                          <m:ctrlPr>
+                            <a:rPr lang="en-US" altLang="ko-KR" sz="3000" b="0" i="1" smtClean="0">
+                              <a:latin typeface="Cambria Math" panose="02040503050406030204" pitchFamily="18" charset="0"/>
+                              <a:ea typeface="Cambria Math" panose="02040503050406030204" pitchFamily="18" charset="0"/>
+                            </a:rPr>
+                          </m:ctrlPr>
+                        </m:sSubPr>
+                        <m:e>
+                          <m:r>
+                            <a:rPr lang="en-US" altLang="ko-KR" sz="3000" b="0" i="1" smtClean="0">
+                              <a:latin typeface="Cambria Math" panose="02040503050406030204" pitchFamily="18" charset="0"/>
+                              <a:ea typeface="Cambria Math" panose="02040503050406030204" pitchFamily="18" charset="0"/>
+                            </a:rPr>
+                            <m:t>𝑥</m:t>
+                          </m:r>
+                        </m:e>
+                        <m:sub>
+                          <m:r>
+                            <a:rPr lang="en-US" altLang="ko-KR" sz="3000" b="0" i="1" smtClean="0">
+                              <a:latin typeface="Cambria Math" panose="02040503050406030204" pitchFamily="18" charset="0"/>
+                              <a:ea typeface="Cambria Math" panose="02040503050406030204" pitchFamily="18" charset="0"/>
+                            </a:rPr>
+                            <m:t>0</m:t>
+                          </m:r>
+                        </m:sub>
+                      </m:sSub>
+                      <m:r>
+                        <a:rPr lang="en-US" altLang="ko-KR" sz="3000" b="0" i="1" smtClean="0">
+                          <a:latin typeface="Cambria Math" panose="02040503050406030204" pitchFamily="18" charset="0"/>
+                          <a:ea typeface="Cambria Math" panose="02040503050406030204" pitchFamily="18" charset="0"/>
+                        </a:rPr>
+                        <m:t>)</m:t>
+                      </m:r>
+                    </m:oMath>
+                  </m:oMathPara>
+                </a14:m>
+                <a:endParaRPr lang="en-US" altLang="ko-KR" sz="3000" dirty="0"/>
+              </a:p>
+            </p:txBody>
+          </p:sp>
+        </mc:Choice>
+        <mc:Fallback>
+          <p:sp>
+            <p:nvSpPr>
+              <p:cNvPr id="6" name="Text Placeholder 5"/>
+              <p:cNvSpPr>
+                <a:spLocks noGrp="1" noRot="1" noChangeAspect="1" noMove="1" noResize="1" noEditPoints="1" noAdjustHandles="1" noChangeArrowheads="1" noChangeShapeType="1" noTextEdit="1"/>
+              </p:cNvSpPr>
+              <p:nvPr>
+                <p:ph type="body" sz="quarter" idx="10"/>
+              </p:nvPr>
+            </p:nvSpPr>
+            <p:spPr>
+              <a:xfrm>
+                <a:off x="519248" y="1447801"/>
+                <a:ext cx="11151917" cy="4944532"/>
+              </a:xfrm>
+              <a:blipFill>
+                <a:blip r:embed="rId3"/>
+                <a:stretch>
+                  <a:fillRect t="-2589"/>
+                </a:stretch>
+              </a:blipFill>
+            </p:spPr>
+            <p:txBody>
+              <a:bodyPr/>
+              <a:lstStyle/>
+              <a:p>
+                <a:r>
+                  <a:rPr lang="ko-KR" altLang="en-US">
+                    <a:noFill/>
+                  </a:rPr>
+                  <a:t> </a:t>
+                </a:r>
+              </a:p>
+            </p:txBody>
+          </p:sp>
+        </mc:Fallback>
+      </mc:AlternateContent>
+      <p:pic>
+        <p:nvPicPr>
+          <p:cNvPr id="3" name="Picture 2"/>
+          <p:cNvPicPr>
+            <a:picLocks noChangeAspect="1"/>
+          </p:cNvPicPr>
+          <p:nvPr/>
+        </p:nvPicPr>
+        <p:blipFill>
+          <a:blip r:embed="rId4"/>
+          <a:stretch>
+            <a:fillRect/>
+          </a:stretch>
+        </p:blipFill>
+        <p:spPr>
+          <a:xfrm>
+            <a:off x="3945364" y="1964474"/>
+            <a:ext cx="4233559" cy="3102044"/>
+          </a:xfrm>
+          <a:prstGeom prst="rect">
+            <a:avLst/>
+          </a:prstGeom>
+        </p:spPr>
+      </p:pic>
     </p:spTree>
     <p:extLst>
       <p:ext uri="{BB962C8B-B14F-4D97-AF65-F5344CB8AC3E}">
-        <p14:creationId xmlns:p14="http://schemas.microsoft.com/office/powerpoint/2010/main" val="2118864755"/>
+        <p14:creationId xmlns:p14="http://schemas.microsoft.com/office/powerpoint/2010/main" val="129985368"/>
       </p:ext>
     </p:extLst>
   </p:cSld>
   <p:clrMapOvr>
     <a:masterClrMapping/>
   </p:clrMapOvr>
-  <p:timing>
-    <p:tnLst>
-      <p:par>
-        <p:cTn id="1" dur="indefinite" restart="never" nodeType="tmRoot"/>
-      </p:par>
-    </p:tnLst>
-  </p:timing>
+  <mc:AlternateContent xmlns:mc="http://schemas.openxmlformats.org/markup-compatibility/2006" xmlns:p14="http://schemas.microsoft.com/office/powerpoint/2010/main">
+    <mc:Choice Requires="p14">
+      <p:transition p14:dur="10"/>
+    </mc:Choice>
+    <mc:Fallback xmlns="">
+      <p:transition/>
+    </mc:Fallback>
+  </mc:AlternateContent>
 </p:sld>
 </file>
 
@@ -25422,14 +30380,11 @@
           <a:lstStyle/>
           <a:p>
             <a:r>
-              <a:rPr lang="en-US" dirty="0" smtClean="0">
+              <a:rPr lang="en-US" dirty="0">
                 <a:ea typeface="맑은 고딕" panose="020B0503020000020004" pitchFamily="50" charset="-127"/>
               </a:rPr>
-              <a:t>Easy Limits</a:t>
+              <a:t>Notations</a:t>
             </a:r>
-            <a:endParaRPr lang="en-US" dirty="0">
-              <a:ea typeface="맑은 고딕" panose="020B0503020000020004" pitchFamily="50" charset="-127"/>
-            </a:endParaRPr>
           </a:p>
         </p:txBody>
       </p:sp>
@@ -25485,11 +30440,1023 @@
                   </a:lnSpc>
                 </a:pPr>
                 <a:r>
-                  <a:rPr lang="ko-KR" altLang="en-US" sz="3000" dirty="0" smtClean="0"/>
+                  <a:rPr lang="ko-KR" altLang="en-US" sz="3000" dirty="0"/>
+                  <a:t>라이프니츠의 표기법</a:t>
+                </a:r>
+                <a:r>
+                  <a:rPr lang="en-US" altLang="ko-KR" sz="3000" dirty="0"/>
+                  <a:t>(Leibniz` Notation)</a:t>
+                </a:r>
+              </a:p>
+              <a:p>
+                <a:pPr marL="0" indent="0">
+                  <a:lnSpc>
+                    <a:spcPct val="100000"/>
+                  </a:lnSpc>
+                  <a:buNone/>
+                </a:pPr>
+                <a14:m>
+                  <m:oMathPara xmlns:m="http://schemas.openxmlformats.org/officeDocument/2006/math">
+                    <m:oMathParaPr>
+                      <m:jc m:val="centerGroup"/>
+                    </m:oMathParaPr>
+                    <m:oMath xmlns:m="http://schemas.openxmlformats.org/officeDocument/2006/math">
+                      <m:func>
+                        <m:funcPr>
+                          <m:ctrlPr>
+                            <a:rPr lang="en-US" altLang="ko-KR" sz="3000" i="1">
+                              <a:latin typeface="Cambria Math" panose="02040503050406030204" pitchFamily="18" charset="0"/>
+                            </a:rPr>
+                          </m:ctrlPr>
+                        </m:funcPr>
+                        <m:fName>
+                          <m:limLow>
+                            <m:limLowPr>
+                              <m:ctrlPr>
+                                <a:rPr lang="en-US" altLang="ko-KR" sz="3000" i="1">
+                                  <a:latin typeface="Cambria Math" panose="02040503050406030204" pitchFamily="18" charset="0"/>
+                                </a:rPr>
+                              </m:ctrlPr>
+                            </m:limLowPr>
+                            <m:e>
+                              <m:r>
+                                <m:rPr>
+                                  <m:sty m:val="p"/>
+                                </m:rPr>
+                                <a:rPr lang="en-US" altLang="ko-KR" sz="3000">
+                                  <a:latin typeface="Cambria Math" panose="02040503050406030204" pitchFamily="18" charset="0"/>
+                                </a:rPr>
+                                <m:t>lim</m:t>
+                              </m:r>
+                            </m:e>
+                            <m:lim>
+                              <m:r>
+                                <a:rPr lang="en-US" altLang="ko-KR" sz="3000" i="1">
+                                  <a:latin typeface="Cambria Math" panose="02040503050406030204" pitchFamily="18" charset="0"/>
+                                  <a:ea typeface="Cambria Math" panose="02040503050406030204" pitchFamily="18" charset="0"/>
+                                </a:rPr>
+                                <m:t>∆</m:t>
+                              </m:r>
+                              <m:r>
+                                <a:rPr lang="en-US" altLang="ko-KR" sz="3000" i="1">
+                                  <a:latin typeface="Cambria Math" panose="02040503050406030204" pitchFamily="18" charset="0"/>
+                                  <a:ea typeface="Cambria Math" panose="02040503050406030204" pitchFamily="18" charset="0"/>
+                                </a:rPr>
+                                <m:t>𝑥</m:t>
+                              </m:r>
+                              <m:r>
+                                <a:rPr lang="en-US" altLang="ko-KR" sz="3000" i="1">
+                                  <a:latin typeface="Cambria Math" panose="02040503050406030204" pitchFamily="18" charset="0"/>
+                                  <a:ea typeface="Cambria Math" panose="02040503050406030204" pitchFamily="18" charset="0"/>
+                                </a:rPr>
+                                <m:t>→0</m:t>
+                              </m:r>
+                            </m:lim>
+                          </m:limLow>
+                        </m:fName>
+                        <m:e>
+                          <m:f>
+                            <m:fPr>
+                              <m:ctrlPr>
+                                <a:rPr lang="en-US" altLang="ko-KR" sz="3000" i="1">
+                                  <a:latin typeface="Cambria Math" panose="02040503050406030204" pitchFamily="18" charset="0"/>
+                                </a:rPr>
+                              </m:ctrlPr>
+                            </m:fPr>
+                            <m:num>
+                              <m:r>
+                                <a:rPr lang="en-US" altLang="ko-KR" sz="3000" i="1">
+                                  <a:latin typeface="Cambria Math" panose="02040503050406030204" pitchFamily="18" charset="0"/>
+                                  <a:ea typeface="Cambria Math" panose="02040503050406030204" pitchFamily="18" charset="0"/>
+                                </a:rPr>
+                                <m:t>∆</m:t>
+                              </m:r>
+                              <m:r>
+                                <a:rPr lang="en-US" altLang="ko-KR" sz="3000" b="0" i="1" smtClean="0">
+                                  <a:latin typeface="Cambria Math" panose="02040503050406030204" pitchFamily="18" charset="0"/>
+                                  <a:ea typeface="Cambria Math" panose="02040503050406030204" pitchFamily="18" charset="0"/>
+                                </a:rPr>
+                                <m:t>𝑦</m:t>
+                              </m:r>
+                            </m:num>
+                            <m:den>
+                              <m:r>
+                                <a:rPr lang="en-US" altLang="ko-KR" sz="3000" i="1">
+                                  <a:latin typeface="Cambria Math" panose="02040503050406030204" pitchFamily="18" charset="0"/>
+                                  <a:ea typeface="Cambria Math" panose="02040503050406030204" pitchFamily="18" charset="0"/>
+                                </a:rPr>
+                                <m:t>∆</m:t>
+                              </m:r>
+                              <m:r>
+                                <a:rPr lang="en-US" altLang="ko-KR" sz="3000" i="1">
+                                  <a:latin typeface="Cambria Math" panose="02040503050406030204" pitchFamily="18" charset="0"/>
+                                  <a:ea typeface="Cambria Math" panose="02040503050406030204" pitchFamily="18" charset="0"/>
+                                </a:rPr>
+                                <m:t>𝑥</m:t>
+                              </m:r>
+                            </m:den>
+                          </m:f>
+                        </m:e>
+                      </m:func>
+                      <m:r>
+                        <a:rPr lang="en-US" altLang="ko-KR" sz="3000" b="0" i="1" smtClean="0">
+                          <a:latin typeface="Cambria Math" panose="02040503050406030204" pitchFamily="18" charset="0"/>
+                          <a:ea typeface="Cambria Math" panose="02040503050406030204" pitchFamily="18" charset="0"/>
+                        </a:rPr>
+                        <m:t>→</m:t>
+                      </m:r>
+                      <m:f>
+                        <m:fPr>
+                          <m:ctrlPr>
+                            <a:rPr lang="en-US" altLang="ko-KR" sz="3000" b="0" i="1" smtClean="0">
+                              <a:latin typeface="Cambria Math" panose="02040503050406030204" pitchFamily="18" charset="0"/>
+                              <a:ea typeface="Cambria Math" panose="02040503050406030204" pitchFamily="18" charset="0"/>
+                            </a:rPr>
+                          </m:ctrlPr>
+                        </m:fPr>
+                        <m:num>
+                          <m:r>
+                            <a:rPr lang="en-US" altLang="ko-KR" sz="3000" b="0" i="1" smtClean="0">
+                              <a:latin typeface="Cambria Math" panose="02040503050406030204" pitchFamily="18" charset="0"/>
+                              <a:ea typeface="Cambria Math" panose="02040503050406030204" pitchFamily="18" charset="0"/>
+                            </a:rPr>
+                            <m:t>𝑑𝑦</m:t>
+                          </m:r>
+                        </m:num>
+                        <m:den>
+                          <m:r>
+                            <a:rPr lang="en-US" altLang="ko-KR" sz="3000" b="0" i="1" smtClean="0">
+                              <a:latin typeface="Cambria Math" panose="02040503050406030204" pitchFamily="18" charset="0"/>
+                              <a:ea typeface="Cambria Math" panose="02040503050406030204" pitchFamily="18" charset="0"/>
+                            </a:rPr>
+                            <m:t>𝑑𝑥</m:t>
+                          </m:r>
+                        </m:den>
+                      </m:f>
+                    </m:oMath>
+                  </m:oMathPara>
+                </a14:m>
+                <a:endParaRPr lang="en-US" altLang="ko-KR" sz="3000" dirty="0"/>
+              </a:p>
+              <a:p>
+                <a:pPr>
+                  <a:lnSpc>
+                    <a:spcPct val="100000"/>
+                  </a:lnSpc>
+                </a:pPr>
+                <a:r>
+                  <a:rPr lang="ko-KR" altLang="en-US" sz="3000" dirty="0"/>
+                  <a:t>뉴턴의 표기법</a:t>
+                </a:r>
+                <a:r>
+                  <a:rPr lang="en-US" altLang="ko-KR" sz="3000" dirty="0"/>
+                  <a:t>(Newton’s</a:t>
+                </a:r>
+                <a:r>
+                  <a:rPr lang="ko-KR" altLang="en-US" sz="3000" dirty="0"/>
+                  <a:t> </a:t>
+                </a:r>
+                <a:r>
+                  <a:rPr lang="en-US" altLang="ko-KR" sz="3000" dirty="0"/>
+                  <a:t>Notation)</a:t>
+                </a:r>
+              </a:p>
+              <a:p>
+                <a:pPr marL="0" indent="0">
+                  <a:lnSpc>
+                    <a:spcPct val="100000"/>
+                  </a:lnSpc>
+                  <a:buNone/>
+                </a:pPr>
+                <a14:m>
+                  <m:oMathPara xmlns:m="http://schemas.openxmlformats.org/officeDocument/2006/math">
+                    <m:oMathParaPr>
+                      <m:jc m:val="centerGroup"/>
+                    </m:oMathParaPr>
+                    <m:oMath xmlns:m="http://schemas.openxmlformats.org/officeDocument/2006/math">
+                      <m:func>
+                        <m:funcPr>
+                          <m:ctrlPr>
+                            <a:rPr lang="en-US" altLang="ko-KR" sz="3000" i="1">
+                              <a:latin typeface="Cambria Math" panose="02040503050406030204" pitchFamily="18" charset="0"/>
+                            </a:rPr>
+                          </m:ctrlPr>
+                        </m:funcPr>
+                        <m:fName>
+                          <m:limLow>
+                            <m:limLowPr>
+                              <m:ctrlPr>
+                                <a:rPr lang="en-US" altLang="ko-KR" sz="3000" i="1">
+                                  <a:latin typeface="Cambria Math" panose="02040503050406030204" pitchFamily="18" charset="0"/>
+                                </a:rPr>
+                              </m:ctrlPr>
+                            </m:limLowPr>
+                            <m:e>
+                              <m:r>
+                                <m:rPr>
+                                  <m:sty m:val="p"/>
+                                </m:rPr>
+                                <a:rPr lang="en-US" altLang="ko-KR" sz="3000">
+                                  <a:latin typeface="Cambria Math" panose="02040503050406030204" pitchFamily="18" charset="0"/>
+                                </a:rPr>
+                                <m:t>lim</m:t>
+                              </m:r>
+                            </m:e>
+                            <m:lim>
+                              <m:r>
+                                <a:rPr lang="en-US" altLang="ko-KR" sz="3000" i="1">
+                                  <a:latin typeface="Cambria Math" panose="02040503050406030204" pitchFamily="18" charset="0"/>
+                                  <a:ea typeface="Cambria Math" panose="02040503050406030204" pitchFamily="18" charset="0"/>
+                                </a:rPr>
+                                <m:t>∆</m:t>
+                              </m:r>
+                              <m:r>
+                                <a:rPr lang="en-US" altLang="ko-KR" sz="3000" i="1">
+                                  <a:latin typeface="Cambria Math" panose="02040503050406030204" pitchFamily="18" charset="0"/>
+                                  <a:ea typeface="Cambria Math" panose="02040503050406030204" pitchFamily="18" charset="0"/>
+                                </a:rPr>
+                                <m:t>𝑥</m:t>
+                              </m:r>
+                              <m:r>
+                                <a:rPr lang="en-US" altLang="ko-KR" sz="3000" i="1">
+                                  <a:latin typeface="Cambria Math" panose="02040503050406030204" pitchFamily="18" charset="0"/>
+                                  <a:ea typeface="Cambria Math" panose="02040503050406030204" pitchFamily="18" charset="0"/>
+                                </a:rPr>
+                                <m:t>→0</m:t>
+                              </m:r>
+                            </m:lim>
+                          </m:limLow>
+                        </m:fName>
+                        <m:e>
+                          <m:f>
+                            <m:fPr>
+                              <m:ctrlPr>
+                                <a:rPr lang="en-US" altLang="ko-KR" sz="3000" i="1">
+                                  <a:latin typeface="Cambria Math" panose="02040503050406030204" pitchFamily="18" charset="0"/>
+                                </a:rPr>
+                              </m:ctrlPr>
+                            </m:fPr>
+                            <m:num>
+                              <m:r>
+                                <a:rPr lang="en-US" altLang="ko-KR" sz="3000" i="1">
+                                  <a:latin typeface="Cambria Math" panose="02040503050406030204" pitchFamily="18" charset="0"/>
+                                  <a:ea typeface="Cambria Math" panose="02040503050406030204" pitchFamily="18" charset="0"/>
+                                </a:rPr>
+                                <m:t>∆</m:t>
+                              </m:r>
+                              <m:r>
+                                <a:rPr lang="en-US" altLang="ko-KR" sz="3000" i="1">
+                                  <a:latin typeface="Cambria Math" panose="02040503050406030204" pitchFamily="18" charset="0"/>
+                                  <a:ea typeface="Cambria Math" panose="02040503050406030204" pitchFamily="18" charset="0"/>
+                                </a:rPr>
+                                <m:t>𝑓</m:t>
+                              </m:r>
+                            </m:num>
+                            <m:den>
+                              <m:r>
+                                <a:rPr lang="en-US" altLang="ko-KR" sz="3000" i="1">
+                                  <a:latin typeface="Cambria Math" panose="02040503050406030204" pitchFamily="18" charset="0"/>
+                                  <a:ea typeface="Cambria Math" panose="02040503050406030204" pitchFamily="18" charset="0"/>
+                                </a:rPr>
+                                <m:t>∆</m:t>
+                              </m:r>
+                              <m:r>
+                                <a:rPr lang="en-US" altLang="ko-KR" sz="3000" i="1">
+                                  <a:latin typeface="Cambria Math" panose="02040503050406030204" pitchFamily="18" charset="0"/>
+                                  <a:ea typeface="Cambria Math" panose="02040503050406030204" pitchFamily="18" charset="0"/>
+                                </a:rPr>
+                                <m:t>𝑥</m:t>
+                              </m:r>
+                            </m:den>
+                          </m:f>
+                        </m:e>
+                      </m:func>
+                      <m:r>
+                        <a:rPr lang="en-US" altLang="ko-KR" sz="3000" b="0" i="1" smtClean="0">
+                          <a:latin typeface="Cambria Math" panose="02040503050406030204" pitchFamily="18" charset="0"/>
+                          <a:ea typeface="Cambria Math" panose="02040503050406030204" pitchFamily="18" charset="0"/>
+                        </a:rPr>
+                        <m:t>→</m:t>
+                      </m:r>
+                      <m:r>
+                        <a:rPr lang="en-US" altLang="ko-KR" sz="3000" b="0" i="1" smtClean="0">
+                          <a:latin typeface="Cambria Math" panose="02040503050406030204" pitchFamily="18" charset="0"/>
+                          <a:ea typeface="Cambria Math" panose="02040503050406030204" pitchFamily="18" charset="0"/>
+                        </a:rPr>
+                        <m:t>𝑓</m:t>
+                      </m:r>
+                      <m:r>
+                        <a:rPr lang="en-US" altLang="ko-KR" sz="3000" b="0" i="1" smtClean="0">
+                          <a:latin typeface="Cambria Math" panose="02040503050406030204" pitchFamily="18" charset="0"/>
+                          <a:ea typeface="Cambria Math" panose="02040503050406030204" pitchFamily="18" charset="0"/>
+                        </a:rPr>
+                        <m:t>′(</m:t>
+                      </m:r>
+                      <m:sSub>
+                        <m:sSubPr>
+                          <m:ctrlPr>
+                            <a:rPr lang="en-US" altLang="ko-KR" sz="3000" b="0" i="1" smtClean="0">
+                              <a:latin typeface="Cambria Math" panose="02040503050406030204" pitchFamily="18" charset="0"/>
+                              <a:ea typeface="Cambria Math" panose="02040503050406030204" pitchFamily="18" charset="0"/>
+                            </a:rPr>
+                          </m:ctrlPr>
+                        </m:sSubPr>
+                        <m:e>
+                          <m:r>
+                            <a:rPr lang="en-US" altLang="ko-KR" sz="3000" b="0" i="1" smtClean="0">
+                              <a:latin typeface="Cambria Math" panose="02040503050406030204" pitchFamily="18" charset="0"/>
+                              <a:ea typeface="Cambria Math" panose="02040503050406030204" pitchFamily="18" charset="0"/>
+                            </a:rPr>
+                            <m:t>𝑥</m:t>
+                          </m:r>
+                        </m:e>
+                        <m:sub>
+                          <m:r>
+                            <a:rPr lang="en-US" altLang="ko-KR" sz="3000" b="0" i="1" smtClean="0">
+                              <a:latin typeface="Cambria Math" panose="02040503050406030204" pitchFamily="18" charset="0"/>
+                              <a:ea typeface="Cambria Math" panose="02040503050406030204" pitchFamily="18" charset="0"/>
+                            </a:rPr>
+                            <m:t>0</m:t>
+                          </m:r>
+                        </m:sub>
+                      </m:sSub>
+                      <m:r>
+                        <a:rPr lang="en-US" altLang="ko-KR" sz="3000" b="0" i="1" smtClean="0">
+                          <a:latin typeface="Cambria Math" panose="02040503050406030204" pitchFamily="18" charset="0"/>
+                          <a:ea typeface="Cambria Math" panose="02040503050406030204" pitchFamily="18" charset="0"/>
+                        </a:rPr>
+                        <m:t>)</m:t>
+                      </m:r>
+                    </m:oMath>
+                  </m:oMathPara>
+                </a14:m>
+                <a:endParaRPr lang="en-US" altLang="ko-KR" sz="3000" dirty="0"/>
+              </a:p>
+              <a:p>
+                <a:pPr>
+                  <a:lnSpc>
+                    <a:spcPct val="100000"/>
+                  </a:lnSpc>
+                </a:pPr>
+                <a:r>
+                  <a:rPr lang="ko-KR" altLang="en-US" sz="3000" dirty="0"/>
+                  <a:t>다른 표기법</a:t>
+                </a:r>
+                <a:endParaRPr lang="en-US" altLang="ko-KR" sz="3000" dirty="0"/>
+              </a:p>
+              <a:p>
+                <a:pPr marL="0" indent="0">
+                  <a:lnSpc>
+                    <a:spcPct val="100000"/>
+                  </a:lnSpc>
+                  <a:buNone/>
+                </a:pPr>
+                <a14:m>
+                  <m:oMathPara xmlns:m="http://schemas.openxmlformats.org/officeDocument/2006/math">
+                    <m:oMathParaPr>
+                      <m:jc m:val="centerGroup"/>
+                    </m:oMathParaPr>
+                    <m:oMath xmlns:m="http://schemas.openxmlformats.org/officeDocument/2006/math">
+                      <m:f>
+                        <m:fPr>
+                          <m:ctrlPr>
+                            <a:rPr lang="en-US" altLang="ko-KR" sz="3000" b="0" i="1" dirty="0" smtClean="0">
+                              <a:latin typeface="Cambria Math" panose="02040503050406030204" pitchFamily="18" charset="0"/>
+                            </a:rPr>
+                          </m:ctrlPr>
+                        </m:fPr>
+                        <m:num>
+                          <m:r>
+                            <a:rPr lang="en-US" altLang="ko-KR" sz="3000" b="0" i="1" dirty="0" smtClean="0">
+                              <a:latin typeface="Cambria Math" panose="02040503050406030204" pitchFamily="18" charset="0"/>
+                            </a:rPr>
+                            <m:t>𝑑𝑓</m:t>
+                          </m:r>
+                        </m:num>
+                        <m:den>
+                          <m:r>
+                            <a:rPr lang="en-US" altLang="ko-KR" sz="3000" b="0" i="1" dirty="0" smtClean="0">
+                              <a:latin typeface="Cambria Math" panose="02040503050406030204" pitchFamily="18" charset="0"/>
+                            </a:rPr>
+                            <m:t>𝑑𝑥</m:t>
+                          </m:r>
+                        </m:den>
+                      </m:f>
+                      <m:r>
+                        <a:rPr lang="en-US" altLang="ko-KR" sz="3000" b="0" i="1" dirty="0" smtClean="0">
+                          <a:latin typeface="Cambria Math" panose="02040503050406030204" pitchFamily="18" charset="0"/>
+                        </a:rPr>
+                        <m:t>, </m:t>
+                      </m:r>
+                      <m:sSup>
+                        <m:sSupPr>
+                          <m:ctrlPr>
+                            <a:rPr lang="en-US" altLang="ko-KR" sz="3000" b="0" i="1" dirty="0" smtClean="0">
+                              <a:latin typeface="Cambria Math" panose="02040503050406030204" pitchFamily="18" charset="0"/>
+                            </a:rPr>
+                          </m:ctrlPr>
+                        </m:sSupPr>
+                        <m:e>
+                          <m:r>
+                            <a:rPr lang="en-US" altLang="ko-KR" sz="3000" b="0" i="1" dirty="0" smtClean="0">
+                              <a:latin typeface="Cambria Math" panose="02040503050406030204" pitchFamily="18" charset="0"/>
+                            </a:rPr>
+                            <m:t>𝑓</m:t>
+                          </m:r>
+                        </m:e>
+                        <m:sup>
+                          <m:r>
+                            <a:rPr lang="en-US" altLang="ko-KR" sz="3000" b="0" i="1" dirty="0" smtClean="0">
+                              <a:latin typeface="Cambria Math" panose="02040503050406030204" pitchFamily="18" charset="0"/>
+                            </a:rPr>
+                            <m:t>′</m:t>
+                          </m:r>
+                        </m:sup>
+                      </m:sSup>
+                      <m:r>
+                        <a:rPr lang="en-US" altLang="ko-KR" sz="3000" b="0" i="1" dirty="0" smtClean="0">
+                          <a:latin typeface="Cambria Math" panose="02040503050406030204" pitchFamily="18" charset="0"/>
+                        </a:rPr>
+                        <m:t>, </m:t>
+                      </m:r>
+                      <m:r>
+                        <a:rPr lang="en-US" altLang="ko-KR" sz="3000" b="0" i="1" dirty="0" smtClean="0">
+                          <a:latin typeface="Cambria Math" panose="02040503050406030204" pitchFamily="18" charset="0"/>
+                        </a:rPr>
+                        <m:t>𝐷𝑓</m:t>
+                      </m:r>
+                    </m:oMath>
+                  </m:oMathPara>
+                </a14:m>
+                <a:endParaRPr lang="en-US" altLang="ko-KR" sz="3000" dirty="0"/>
+              </a:p>
+            </p:txBody>
+          </p:sp>
+        </mc:Choice>
+        <mc:Fallback>
+          <p:sp>
+            <p:nvSpPr>
+              <p:cNvPr id="6" name="Text Placeholder 5"/>
+              <p:cNvSpPr>
+                <a:spLocks noGrp="1" noRot="1" noChangeAspect="1" noMove="1" noResize="1" noEditPoints="1" noAdjustHandles="1" noChangeArrowheads="1" noChangeShapeType="1" noTextEdit="1"/>
+              </p:cNvSpPr>
+              <p:nvPr>
+                <p:ph type="body" sz="quarter" idx="10"/>
+              </p:nvPr>
+            </p:nvSpPr>
+            <p:spPr>
+              <a:xfrm>
+                <a:off x="519248" y="1447801"/>
+                <a:ext cx="11151917" cy="4944532"/>
+              </a:xfrm>
+              <a:blipFill>
+                <a:blip r:embed="rId3"/>
+                <a:stretch>
+                  <a:fillRect l="-1694" t="-2589"/>
+                </a:stretch>
+              </a:blipFill>
+            </p:spPr>
+            <p:txBody>
+              <a:bodyPr/>
+              <a:lstStyle/>
+              <a:p>
+                <a:r>
+                  <a:rPr lang="ko-KR" altLang="en-US">
+                    <a:noFill/>
+                  </a:rPr>
+                  <a:t> </a:t>
+                </a:r>
+              </a:p>
+            </p:txBody>
+          </p:sp>
+        </mc:Fallback>
+      </mc:AlternateContent>
+    </p:spTree>
+    <p:extLst>
+      <p:ext uri="{BB962C8B-B14F-4D97-AF65-F5344CB8AC3E}">
+        <p14:creationId xmlns:p14="http://schemas.microsoft.com/office/powerpoint/2010/main" val="2355209848"/>
+      </p:ext>
+    </p:extLst>
+  </p:cSld>
+  <p:clrMapOvr>
+    <a:masterClrMapping/>
+  </p:clrMapOvr>
+  <mc:AlternateContent xmlns:mc="http://schemas.openxmlformats.org/markup-compatibility/2006" xmlns:p14="http://schemas.microsoft.com/office/powerpoint/2010/main">
+    <mc:Choice Requires="p14">
+      <p:transition p14:dur="10"/>
+    </mc:Choice>
+    <mc:Fallback xmlns="">
+      <p:transition/>
+    </mc:Fallback>
+  </mc:AlternateContent>
+</p:sld>
+</file>
+
+<file path=ppt/slides/slide6.xml><?xml version="1.0" encoding="utf-8"?>
+<p:sld xmlns:a="http://schemas.openxmlformats.org/drawingml/2006/main" xmlns:r="http://schemas.openxmlformats.org/officeDocument/2006/relationships" xmlns:p="http://schemas.openxmlformats.org/presentationml/2006/main">
+  <p:cSld>
+    <p:spTree>
+      <p:nvGrpSpPr>
+        <p:cNvPr id="1" name=""/>
+        <p:cNvGrpSpPr/>
+        <p:nvPr/>
+      </p:nvGrpSpPr>
+      <p:grpSpPr>
+        <a:xfrm>
+          <a:off x="0" y="0"/>
+          <a:ext cx="0" cy="0"/>
+          <a:chOff x="0" y="0"/>
+          <a:chExt cx="0" cy="0"/>
+        </a:xfrm>
+      </p:grpSpPr>
+      <p:sp>
+        <p:nvSpPr>
+          <p:cNvPr id="2" name="Title 1"/>
+          <p:cNvSpPr>
+            <a:spLocks noGrp="1"/>
+          </p:cNvSpPr>
+          <p:nvPr>
+            <p:ph type="title"/>
+          </p:nvPr>
+        </p:nvSpPr>
+        <p:spPr>
+          <a:xfrm>
+            <a:off x="519248" y="543951"/>
+            <a:ext cx="11151917" cy="747897"/>
+          </a:xfrm>
+        </p:spPr>
+        <p:txBody>
+          <a:bodyPr/>
+          <a:lstStyle/>
+          <a:p>
+            <a:r>
+              <a:rPr lang="en-US" altLang="ko-KR" dirty="0"/>
+              <a:t>Derivatives: Examples</a:t>
+            </a:r>
+            <a:endParaRPr lang="en-US" dirty="0">
+              <a:ea typeface="맑은 고딕" panose="020B0503020000020004" pitchFamily="50" charset="-127"/>
+            </a:endParaRPr>
+          </a:p>
+        </p:txBody>
+      </p:sp>
+      <p:sp>
+        <p:nvSpPr>
+          <p:cNvPr id="4" name="Slide Number Placeholder 3"/>
+          <p:cNvSpPr>
+            <a:spLocks noGrp="1"/>
+          </p:cNvSpPr>
+          <p:nvPr>
+            <p:ph type="sldNum" sz="quarter" idx="4"/>
+          </p:nvPr>
+        </p:nvSpPr>
+        <p:spPr/>
+        <p:txBody>
+          <a:bodyPr/>
+          <a:lstStyle/>
+          <a:p>
+            <a:fld id="{6B5C536E-FA7B-40DC-A296-D7EC18490057}" type="slidenum">
+              <a:rPr lang="ko-KR" altLang="en-US" smtClean="0"/>
+              <a:pPr/>
+              <a:t>6</a:t>
+            </a:fld>
+            <a:endParaRPr lang="ko-KR" altLang="en-US"/>
+          </a:p>
+        </p:txBody>
+      </p:sp>
+      <mc:AlternateContent xmlns:mc="http://schemas.openxmlformats.org/markup-compatibility/2006">
+        <mc:Choice xmlns:a14="http://schemas.microsoft.com/office/drawing/2010/main" Requires="a14">
+          <p:sp>
+            <p:nvSpPr>
+              <p:cNvPr id="6" name="Text Placeholder 5"/>
+              <p:cNvSpPr>
+                <a:spLocks noGrp="1"/>
+              </p:cNvSpPr>
+              <p:nvPr>
+                <p:ph type="body" sz="quarter" idx="10"/>
+              </p:nvPr>
+            </p:nvSpPr>
+            <p:spPr>
+              <a:xfrm>
+                <a:off x="519248" y="1447801"/>
+                <a:ext cx="11151917" cy="4944532"/>
+              </a:xfrm>
+            </p:spPr>
+            <p:txBody>
+              <a:bodyPr/>
+              <a:lstStyle/>
+              <a:p>
+                <a:pPr>
+                  <a:lnSpc>
+                    <a:spcPct val="100000"/>
+                  </a:lnSpc>
+                </a:pPr>
+                <a:r>
+                  <a:rPr lang="en-US" altLang="ko-KR" sz="3000" dirty="0"/>
+                  <a:t>Example 1. </a:t>
+                </a:r>
+                <a14:m>
+                  <m:oMath xmlns:m="http://schemas.openxmlformats.org/officeDocument/2006/math">
+                    <m:r>
+                      <a:rPr lang="en-US" altLang="ko-KR" sz="3000" b="0" i="1" smtClean="0">
+                        <a:latin typeface="Cambria Math" panose="02040503050406030204" pitchFamily="18" charset="0"/>
+                      </a:rPr>
+                      <m:t>𝑓</m:t>
+                    </m:r>
+                    <m:d>
+                      <m:dPr>
+                        <m:ctrlPr>
+                          <a:rPr lang="en-US" altLang="ko-KR" sz="3000" b="0" i="1" smtClean="0">
+                            <a:latin typeface="Cambria Math" panose="02040503050406030204" pitchFamily="18" charset="0"/>
+                          </a:rPr>
+                        </m:ctrlPr>
+                      </m:dPr>
+                      <m:e>
+                        <m:r>
+                          <a:rPr lang="en-US" altLang="ko-KR" sz="3000" b="0" i="1" smtClean="0">
+                            <a:latin typeface="Cambria Math" panose="02040503050406030204" pitchFamily="18" charset="0"/>
+                          </a:rPr>
+                          <m:t>𝑥</m:t>
+                        </m:r>
+                      </m:e>
+                    </m:d>
+                    <m:r>
+                      <a:rPr lang="en-US" altLang="ko-KR" sz="3000" b="0" i="1" smtClean="0">
+                        <a:latin typeface="Cambria Math" panose="02040503050406030204" pitchFamily="18" charset="0"/>
+                      </a:rPr>
+                      <m:t>=</m:t>
+                    </m:r>
+                    <m:f>
+                      <m:fPr>
+                        <m:ctrlPr>
+                          <a:rPr lang="en-US" altLang="ko-KR" sz="3000" b="0" i="1" smtClean="0">
+                            <a:latin typeface="Cambria Math" panose="02040503050406030204" pitchFamily="18" charset="0"/>
+                          </a:rPr>
+                        </m:ctrlPr>
+                      </m:fPr>
+                      <m:num>
+                        <m:r>
+                          <a:rPr lang="en-US" altLang="ko-KR" sz="3000" b="0" i="1" smtClean="0">
+                            <a:latin typeface="Cambria Math" panose="02040503050406030204" pitchFamily="18" charset="0"/>
+                          </a:rPr>
+                          <m:t>1</m:t>
+                        </m:r>
+                      </m:num>
+                      <m:den>
+                        <m:r>
+                          <a:rPr lang="en-US" altLang="ko-KR" sz="3000" b="0" i="1" smtClean="0">
+                            <a:latin typeface="Cambria Math" panose="02040503050406030204" pitchFamily="18" charset="0"/>
+                          </a:rPr>
+                          <m:t>𝑥</m:t>
+                        </m:r>
+                      </m:den>
+                    </m:f>
+                  </m:oMath>
+                </a14:m>
+                <a:endParaRPr lang="en-US" altLang="ko-KR" sz="3000" dirty="0"/>
+              </a:p>
+              <a:p>
+                <a:pPr>
+                  <a:lnSpc>
+                    <a:spcPct val="100000"/>
+                  </a:lnSpc>
+                </a:pPr>
+                <a:r>
+                  <a:rPr lang="en-US" altLang="ko-KR" sz="3000" dirty="0"/>
+                  <a:t>Example 2. </a:t>
+                </a:r>
+                <a14:m>
+                  <m:oMath xmlns:m="http://schemas.openxmlformats.org/officeDocument/2006/math">
+                    <m:r>
+                      <a:rPr lang="en-US" altLang="ko-KR" sz="3000" i="1">
+                        <a:latin typeface="Cambria Math" panose="02040503050406030204" pitchFamily="18" charset="0"/>
+                      </a:rPr>
+                      <m:t>𝑓</m:t>
+                    </m:r>
+                    <m:d>
+                      <m:dPr>
+                        <m:ctrlPr>
+                          <a:rPr lang="en-US" altLang="ko-KR" sz="3000" i="1">
+                            <a:latin typeface="Cambria Math" panose="02040503050406030204" pitchFamily="18" charset="0"/>
+                          </a:rPr>
+                        </m:ctrlPr>
+                      </m:dPr>
+                      <m:e>
+                        <m:r>
+                          <a:rPr lang="en-US" altLang="ko-KR" sz="3000" i="1">
+                            <a:latin typeface="Cambria Math" panose="02040503050406030204" pitchFamily="18" charset="0"/>
+                          </a:rPr>
+                          <m:t>𝑥</m:t>
+                        </m:r>
+                      </m:e>
+                    </m:d>
+                    <m:r>
+                      <a:rPr lang="en-US" altLang="ko-KR" sz="3000" b="0" i="1" smtClean="0">
+                        <a:latin typeface="Cambria Math" panose="02040503050406030204" pitchFamily="18" charset="0"/>
+                      </a:rPr>
+                      <m:t>=</m:t>
+                    </m:r>
+                    <m:sSup>
+                      <m:sSupPr>
+                        <m:ctrlPr>
+                          <a:rPr lang="en-US" altLang="ko-KR" sz="3000" b="0" i="1" smtClean="0">
+                            <a:latin typeface="Cambria Math" panose="02040503050406030204" pitchFamily="18" charset="0"/>
+                          </a:rPr>
+                        </m:ctrlPr>
+                      </m:sSupPr>
+                      <m:e>
+                        <m:r>
+                          <a:rPr lang="en-US" altLang="ko-KR" sz="3000" b="0" i="1" smtClean="0">
+                            <a:latin typeface="Cambria Math" panose="02040503050406030204" pitchFamily="18" charset="0"/>
+                          </a:rPr>
+                          <m:t>𝑥</m:t>
+                        </m:r>
+                      </m:e>
+                      <m:sup>
+                        <m:r>
+                          <a:rPr lang="en-US" altLang="ko-KR" sz="3000" b="0" i="1" smtClean="0">
+                            <a:latin typeface="Cambria Math" panose="02040503050406030204" pitchFamily="18" charset="0"/>
+                          </a:rPr>
+                          <m:t>𝑛</m:t>
+                        </m:r>
+                      </m:sup>
+                    </m:sSup>
+                    <m:r>
+                      <a:rPr lang="en-US" altLang="ko-KR" sz="3000" b="0" i="1" smtClean="0">
+                        <a:latin typeface="Cambria Math" panose="02040503050406030204" pitchFamily="18" charset="0"/>
+                      </a:rPr>
+                      <m:t> (</m:t>
+                    </m:r>
+                    <m:r>
+                      <m:rPr>
+                        <m:sty m:val="p"/>
+                      </m:rPr>
+                      <a:rPr lang="en-US" altLang="ko-KR" sz="3000" b="0" i="0" smtClean="0">
+                        <a:latin typeface="Cambria Math" panose="02040503050406030204" pitchFamily="18" charset="0"/>
+                      </a:rPr>
+                      <m:t>where</m:t>
+                    </m:r>
+                    <m:r>
+                      <a:rPr lang="en-US" altLang="ko-KR" sz="3000" b="0" i="0" smtClean="0">
+                        <a:latin typeface="Cambria Math" panose="02040503050406030204" pitchFamily="18" charset="0"/>
+                      </a:rPr>
+                      <m:t> </m:t>
+                    </m:r>
+                    <m:r>
+                      <a:rPr lang="en-US" altLang="ko-KR" sz="3000" b="0" i="1" smtClean="0">
+                        <a:latin typeface="Cambria Math" panose="02040503050406030204" pitchFamily="18" charset="0"/>
+                      </a:rPr>
+                      <m:t>𝑛</m:t>
+                    </m:r>
+                    <m:r>
+                      <a:rPr lang="en-US" altLang="ko-KR" sz="3000" b="0" i="1" smtClean="0">
+                        <a:latin typeface="Cambria Math" panose="02040503050406030204" pitchFamily="18" charset="0"/>
+                      </a:rPr>
+                      <m:t>=1, 2, 3,…)</m:t>
+                    </m:r>
+                  </m:oMath>
+                </a14:m>
+                <a:endParaRPr lang="en-US" altLang="ko-KR" sz="3000" dirty="0"/>
+              </a:p>
+            </p:txBody>
+          </p:sp>
+        </mc:Choice>
+        <mc:Fallback>
+          <p:sp>
+            <p:nvSpPr>
+              <p:cNvPr id="6" name="Text Placeholder 5"/>
+              <p:cNvSpPr>
+                <a:spLocks noGrp="1" noRot="1" noChangeAspect="1" noMove="1" noResize="1" noEditPoints="1" noAdjustHandles="1" noChangeArrowheads="1" noChangeShapeType="1" noTextEdit="1"/>
+              </p:cNvSpPr>
+              <p:nvPr>
+                <p:ph type="body" sz="quarter" idx="10"/>
+              </p:nvPr>
+            </p:nvSpPr>
+            <p:spPr>
+              <a:xfrm>
+                <a:off x="519248" y="1447801"/>
+                <a:ext cx="11151917" cy="4944532"/>
+              </a:xfrm>
+              <a:blipFill>
+                <a:blip r:embed="rId3"/>
+                <a:stretch>
+                  <a:fillRect l="-1694" t="-986"/>
+                </a:stretch>
+              </a:blipFill>
+            </p:spPr>
+            <p:txBody>
+              <a:bodyPr/>
+              <a:lstStyle/>
+              <a:p>
+                <a:r>
+                  <a:rPr lang="ko-KR" altLang="en-US">
+                    <a:noFill/>
+                  </a:rPr>
+                  <a:t> </a:t>
+                </a:r>
+              </a:p>
+            </p:txBody>
+          </p:sp>
+        </mc:Fallback>
+      </mc:AlternateContent>
+    </p:spTree>
+    <p:extLst>
+      <p:ext uri="{BB962C8B-B14F-4D97-AF65-F5344CB8AC3E}">
+        <p14:creationId xmlns:p14="http://schemas.microsoft.com/office/powerpoint/2010/main" val="2973056903"/>
+      </p:ext>
+    </p:extLst>
+  </p:cSld>
+  <p:clrMapOvr>
+    <a:masterClrMapping/>
+  </p:clrMapOvr>
+  <mc:AlternateContent xmlns:mc="http://schemas.openxmlformats.org/markup-compatibility/2006" xmlns:p14="http://schemas.microsoft.com/office/powerpoint/2010/main">
+    <mc:Choice Requires="p14">
+      <p:transition p14:dur="10"/>
+    </mc:Choice>
+    <mc:Fallback xmlns="">
+      <p:transition/>
+    </mc:Fallback>
+  </mc:AlternateContent>
+</p:sld>
+</file>
+
+<file path=ppt/slides/slide7.xml><?xml version="1.0" encoding="utf-8"?>
+<p:sld xmlns:a="http://schemas.openxmlformats.org/drawingml/2006/main" xmlns:r="http://schemas.openxmlformats.org/officeDocument/2006/relationships" xmlns:p="http://schemas.openxmlformats.org/presentationml/2006/main">
+  <p:cSld>
+    <p:spTree>
+      <p:nvGrpSpPr>
+        <p:cNvPr id="1" name=""/>
+        <p:cNvGrpSpPr/>
+        <p:nvPr/>
+      </p:nvGrpSpPr>
+      <p:grpSpPr>
+        <a:xfrm>
+          <a:off x="0" y="0"/>
+          <a:ext cx="0" cy="0"/>
+          <a:chOff x="0" y="0"/>
+          <a:chExt cx="0" cy="0"/>
+        </a:xfrm>
+      </p:grpSpPr>
+      <p:sp>
+        <p:nvSpPr>
+          <p:cNvPr id="4" name="Title 3"/>
+          <p:cNvSpPr>
+            <a:spLocks noGrp="1"/>
+          </p:cNvSpPr>
+          <p:nvPr>
+            <p:ph type="title"/>
+          </p:nvPr>
+        </p:nvSpPr>
+        <p:spPr/>
+        <p:txBody>
+          <a:bodyPr/>
+          <a:lstStyle/>
+          <a:p>
+            <a:r>
+              <a:rPr lang="en-US" altLang="ko-KR" dirty="0"/>
+              <a:t>Lecture 2</a:t>
+            </a:r>
+          </a:p>
+        </p:txBody>
+      </p:sp>
+      <p:sp>
+        <p:nvSpPr>
+          <p:cNvPr id="2" name="Text Placeholder 1"/>
+          <p:cNvSpPr>
+            <a:spLocks noGrp="1"/>
+          </p:cNvSpPr>
+          <p:nvPr>
+            <p:ph type="body" sz="quarter" idx="12"/>
+          </p:nvPr>
+        </p:nvSpPr>
+        <p:spPr/>
+        <p:txBody>
+          <a:bodyPr/>
+          <a:lstStyle/>
+          <a:p>
+            <a:r>
+              <a:rPr lang="en-US" altLang="ko-KR" dirty="0"/>
+              <a:t>Limits, Continuity, and Trigonometric Limits</a:t>
+            </a:r>
+            <a:endParaRPr lang="ko-KR" altLang="en-US" dirty="0"/>
+          </a:p>
+        </p:txBody>
+      </p:sp>
+    </p:spTree>
+    <p:extLst>
+      <p:ext uri="{BB962C8B-B14F-4D97-AF65-F5344CB8AC3E}">
+        <p14:creationId xmlns:p14="http://schemas.microsoft.com/office/powerpoint/2010/main" val="2118864755"/>
+      </p:ext>
+    </p:extLst>
+  </p:cSld>
+  <p:clrMapOvr>
+    <a:masterClrMapping/>
+  </p:clrMapOvr>
+</p:sld>
+</file>
+
+<file path=ppt/slides/slide8.xml><?xml version="1.0" encoding="utf-8"?>
+<p:sld xmlns:a="http://schemas.openxmlformats.org/drawingml/2006/main" xmlns:r="http://schemas.openxmlformats.org/officeDocument/2006/relationships" xmlns:p="http://schemas.openxmlformats.org/presentationml/2006/main">
+  <p:cSld>
+    <p:spTree>
+      <p:nvGrpSpPr>
+        <p:cNvPr id="1" name=""/>
+        <p:cNvGrpSpPr/>
+        <p:nvPr/>
+      </p:nvGrpSpPr>
+      <p:grpSpPr>
+        <a:xfrm>
+          <a:off x="0" y="0"/>
+          <a:ext cx="0" cy="0"/>
+          <a:chOff x="0" y="0"/>
+          <a:chExt cx="0" cy="0"/>
+        </a:xfrm>
+      </p:grpSpPr>
+      <p:sp>
+        <p:nvSpPr>
+          <p:cNvPr id="2" name="Title 1"/>
+          <p:cNvSpPr>
+            <a:spLocks noGrp="1"/>
+          </p:cNvSpPr>
+          <p:nvPr>
+            <p:ph type="title"/>
+          </p:nvPr>
+        </p:nvSpPr>
+        <p:spPr>
+          <a:xfrm>
+            <a:off x="519248" y="543951"/>
+            <a:ext cx="11151917" cy="747897"/>
+          </a:xfrm>
+        </p:spPr>
+        <p:txBody>
+          <a:bodyPr/>
+          <a:lstStyle/>
+          <a:p>
+            <a:r>
+              <a:rPr lang="en-US" dirty="0">
+                <a:ea typeface="맑은 고딕" panose="020B0503020000020004" pitchFamily="50" charset="-127"/>
+              </a:rPr>
+              <a:t>Easy Limits</a:t>
+            </a:r>
+          </a:p>
+        </p:txBody>
+      </p:sp>
+      <p:sp>
+        <p:nvSpPr>
+          <p:cNvPr id="4" name="Slide Number Placeholder 3"/>
+          <p:cNvSpPr>
+            <a:spLocks noGrp="1"/>
+          </p:cNvSpPr>
+          <p:nvPr>
+            <p:ph type="sldNum" sz="quarter" idx="4"/>
+          </p:nvPr>
+        </p:nvSpPr>
+        <p:spPr/>
+        <p:txBody>
+          <a:bodyPr/>
+          <a:lstStyle/>
+          <a:p>
+            <a:fld id="{6B5C536E-FA7B-40DC-A296-D7EC18490057}" type="slidenum">
+              <a:rPr lang="ko-KR" altLang="en-US" smtClean="0"/>
+              <a:pPr/>
+              <a:t>8</a:t>
+            </a:fld>
+            <a:endParaRPr lang="ko-KR" altLang="en-US"/>
+          </a:p>
+        </p:txBody>
+      </p:sp>
+      <mc:AlternateContent xmlns:mc="http://schemas.openxmlformats.org/markup-compatibility/2006" xmlns:a14="http://schemas.microsoft.com/office/drawing/2010/main">
+        <mc:Choice Requires="a14">
+          <p:sp>
+            <p:nvSpPr>
+              <p:cNvPr id="6" name="Text Placeholder 5"/>
+              <p:cNvSpPr>
+                <a:spLocks noGrp="1"/>
+              </p:cNvSpPr>
+              <p:nvPr>
+                <p:ph type="body" sz="quarter" idx="10"/>
+              </p:nvPr>
+            </p:nvSpPr>
+            <p:spPr>
+              <a:xfrm>
+                <a:off x="519248" y="1447801"/>
+                <a:ext cx="11151917" cy="4944532"/>
+              </a:xfrm>
+            </p:spPr>
+            <p:txBody>
+              <a:bodyPr/>
+              <a:lstStyle/>
+              <a:p>
+                <a:pPr>
+                  <a:lnSpc>
+                    <a:spcPct val="100000"/>
+                  </a:lnSpc>
+                </a:pPr>
+                <a:r>
+                  <a:rPr lang="ko-KR" altLang="en-US" sz="3000" dirty="0"/>
                   <a:t>쉬운 극한</a:t>
                 </a:r>
                 <a:r>
-                  <a:rPr lang="en-US" altLang="ko-KR" sz="3000" dirty="0" smtClean="0"/>
+                  <a:rPr lang="en-US" altLang="ko-KR" sz="3000" dirty="0"/>
                   <a:t>(?)</a:t>
                 </a:r>
               </a:p>
@@ -25711,7 +31678,7 @@
                     </m:oMath>
                   </m:oMathPara>
                 </a14:m>
-                <a:endParaRPr lang="en-US" altLang="ko-KR" sz="2400" dirty="0" smtClean="0"/>
+                <a:endParaRPr lang="en-US" altLang="ko-KR" sz="2400" dirty="0"/>
               </a:p>
               <a:p>
                 <a:pPr lvl="1">
@@ -25730,19 +31697,19 @@
                   </m:oMath>
                 </a14:m>
                 <a:r>
-                  <a:rPr lang="ko-KR" altLang="en-US" smtClean="0"/>
+                  <a:rPr lang="ko-KR" altLang="en-US"/>
                   <a:t>에 </a:t>
                 </a:r>
                 <a:r>
-                  <a:rPr lang="en-US" altLang="ko-KR" dirty="0" smtClean="0"/>
+                  <a:rPr lang="en-US" altLang="ko-KR" dirty="0"/>
                   <a:t>3</a:t>
                 </a:r>
                 <a:r>
-                  <a:rPr lang="ko-KR" altLang="en-US" smtClean="0"/>
+                  <a:rPr lang="ko-KR" altLang="en-US"/>
                   <a:t>을 넣으면 극한값을 쉽게 구할 수 있다</a:t>
                 </a:r>
                 <a:r>
-                  <a:rPr lang="en-US" altLang="ko-KR" dirty="0" smtClean="0"/>
+                  <a:rPr lang="en-US" altLang="ko-KR" dirty="0"/>
                   <a:t>.</a:t>
                 </a:r>
               </a:p>
@@ -25753,11 +31720,11 @@
                   </a:lnSpc>
                 </a:pPr>
                 <a:r>
-                  <a:rPr lang="ko-KR" altLang="en-US" sz="3000" dirty="0" smtClean="0"/>
+                  <a:rPr lang="ko-KR" altLang="en-US" sz="3000" dirty="0"/>
                   <a:t>쉽지 않은 극한</a:t>
                 </a:r>
                 <a:r>
-                  <a:rPr lang="en-US" altLang="ko-KR" sz="3000" dirty="0" smtClean="0"/>
+                  <a:rPr lang="en-US" altLang="ko-KR" sz="3000" dirty="0"/>
                   <a:t>(?)</a:t>
                 </a:r>
               </a:p>
@@ -26113,7 +32080,7 @@
                     </m:oMath>
                   </m:oMathPara>
                 </a14:m>
-                <a:endParaRPr lang="en-US" altLang="ko-KR" sz="2400" dirty="0" smtClean="0"/>
+                <a:endParaRPr lang="en-US" altLang="ko-KR" sz="2400" dirty="0"/>
               </a:p>
               <a:p>
                 <a:pPr lvl="1">
@@ -26122,7 +32089,7 @@
                   </a:lnSpc>
                 </a:pPr>
                 <a:r>
-                  <a:rPr lang="ko-KR" altLang="en-US" dirty="0" smtClean="0"/>
+                  <a:rPr lang="ko-KR" altLang="en-US" dirty="0"/>
                   <a:t>극한이 </a:t>
                 </a:r>
                 <a14:m>
@@ -26167,7 +32134,7 @@
                   </m:oMath>
                 </a14:m>
                 <a:r>
-                  <a:rPr lang="ko-KR" altLang="en-US" dirty="0" smtClean="0"/>
+                  <a:rPr lang="ko-KR" altLang="en-US" dirty="0"/>
                   <a:t>라는 것은 </a:t>
                 </a:r>
                 <a14:m>
@@ -26216,27 +32183,18 @@
                   </m:oMath>
                 </a14:m>
                 <a:r>
-                  <a:rPr lang="ko-KR" altLang="en-US" smtClean="0"/>
-                  <a:t>라는 </a:t>
+                  <a:rPr lang="ko-KR" altLang="en-US"/>
+                  <a:t>라는 묵시적 가정을 기반으로 한다</a:t>
                 </a:r>
                 <a:r>
-                  <a:rPr lang="ko-KR" altLang="en-US" smtClean="0"/>
-                  <a:t>묵시적 </a:t>
-                </a:r>
-                <a:r>
-                  <a:rPr lang="ko-KR" altLang="en-US" smtClean="0"/>
-                  <a:t>가정을 기반으로 한다</a:t>
-                </a:r>
-                <a:r>
-                  <a:rPr lang="en-US" altLang="ko-KR" dirty="0" smtClean="0"/>
+                  <a:rPr lang="en-US" altLang="ko-KR" dirty="0"/>
                   <a:t>.</a:t>
                 </a:r>
-                <a:endParaRPr lang="en-US" altLang="ko-KR" dirty="0"/>
               </a:p>
             </p:txBody>
           </p:sp>
         </mc:Choice>
-        <mc:Fallback>
+        <mc:Fallback xmlns="">
           <p:sp>
             <p:nvSpPr>
               <p:cNvPr id="6" name="Text Placeholder 5"/>
@@ -26277,7 +32235,7 @@
     </p:spTree>
     <p:extLst>
       <p:ext uri="{BB962C8B-B14F-4D97-AF65-F5344CB8AC3E}">
-        <p14:creationId xmlns:p14="http://schemas.microsoft.com/office/powerpoint/2010/main" val="129985368"/>
+        <p14:creationId xmlns:p14="http://schemas.microsoft.com/office/powerpoint/2010/main" val="590806204"/>
       </p:ext>
     </p:extLst>
   </p:cSld>
@@ -26292,17 +32250,10 @@
       <p:transition/>
     </mc:Fallback>
   </mc:AlternateContent>
-  <p:timing>
-    <p:tnLst>
-      <p:par>
-        <p:cTn id="1" dur="indefinite" restart="never" nodeType="tmRoot"/>
-      </p:par>
-    </p:tnLst>
-  </p:timing>
 </p:sld>
 </file>
 
-<file path=ppt/slides/slide6.xml><?xml version="1.0" encoding="utf-8"?>
+<file path=ppt/slides/slide9.xml><?xml version="1.0" encoding="utf-8"?>
 <p:sld xmlns:a="http://schemas.openxmlformats.org/drawingml/2006/main" xmlns:r="http://schemas.openxmlformats.org/officeDocument/2006/relationships" xmlns:p="http://schemas.openxmlformats.org/presentationml/2006/main">
   <p:cSld>
     <p:spTree>
@@ -26340,14 +32291,11 @@
           <a:lstStyle/>
           <a:p>
             <a:r>
-              <a:rPr lang="en-US" dirty="0" smtClean="0">
+              <a:rPr lang="en-US" dirty="0">
                 <a:ea typeface="맑은 고딕" panose="020B0503020000020004" pitchFamily="50" charset="-127"/>
               </a:rPr>
               <a:t>Continuity</a:t>
             </a:r>
-            <a:endParaRPr lang="en-US" dirty="0">
-              <a:ea typeface="맑은 고딕" panose="020B0503020000020004" pitchFamily="50" charset="-127"/>
-            </a:endParaRPr>
           </a:p>
         </p:txBody>
       </p:sp>
@@ -26369,14 +32317,14 @@
             <a:fld id="{6B5C536E-FA7B-40DC-A296-D7EC18490057}" type="slidenum">
               <a:rPr lang="ko-KR" altLang="en-US" smtClean="0"/>
               <a:pPr/>
-              <a:t>6</a:t>
+              <a:t>9</a:t>
             </a:fld>
             <a:endParaRPr lang="ko-KR" altLang="en-US"/>
           </a:p>
         </p:txBody>
       </p:sp>
-      <mc:AlternateContent xmlns:mc="http://schemas.openxmlformats.org/markup-compatibility/2006">
-        <mc:Choice xmlns:a14="http://schemas.microsoft.com/office/drawing/2010/main" Requires="a14">
+      <mc:AlternateContent xmlns:mc="http://schemas.openxmlformats.org/markup-compatibility/2006" xmlns:a14="http://schemas.microsoft.com/office/drawing/2010/main">
+        <mc:Choice Requires="a14">
           <p:sp>
             <p:nvSpPr>
               <p:cNvPr id="6" name="Text Placeholder 5"/>
@@ -26403,7 +32351,7 @@
                   </a:lnSpc>
                 </a:pPr>
                 <a:r>
-                  <a:rPr lang="ko-KR" altLang="en-US" sz="3000" dirty="0" smtClean="0"/>
+                  <a:rPr lang="ko-KR" altLang="en-US" sz="3000" dirty="0"/>
                   <a:t>함수 </a:t>
                 </a:r>
                 <a14:m>
@@ -26435,7 +32383,7 @@
                   </m:oMath>
                 </a14:m>
                 <a:r>
-                  <a:rPr lang="ko-KR" altLang="en-US" sz="3000" smtClean="0"/>
+                  <a:rPr lang="ko-KR" altLang="en-US" sz="3000"/>
                   <a:t>가 </a:t>
                 </a:r>
                 <a14:m>
@@ -26455,23 +32403,19 @@
                   </m:oMath>
                 </a14:m>
                 <a:r>
-                  <a:rPr lang="ko-KR" altLang="en-US" sz="3000" smtClean="0"/>
+                  <a:rPr lang="ko-KR" altLang="en-US" sz="3000"/>
                   <a:t>에서 연속</a:t>
                 </a:r>
                 <a:r>
-                  <a:rPr lang="en-US" altLang="ko-KR" sz="3000" dirty="0" smtClean="0"/>
+                  <a:rPr lang="en-US" altLang="ko-KR" sz="3000" dirty="0"/>
                   <a:t>(Continuous)</a:t>
                 </a:r>
                 <a:r>
-                  <a:rPr lang="ko-KR" altLang="en-US" sz="3000" smtClean="0"/>
+                  <a:rPr lang="ko-KR" altLang="en-US" sz="3000"/>
                   <a:t>일 조건</a:t>
                 </a:r>
-                <a:r>
-                  <a:rPr lang="en-US" altLang="ko-KR" sz="3000" dirty="0" smtClean="0"/>
-                  <a:t/>
-                </a:r>
                 <a:br>
-                  <a:rPr lang="en-US" altLang="ko-KR" sz="3000" dirty="0" smtClean="0"/>
+                  <a:rPr lang="en-US" altLang="ko-KR" sz="3000" dirty="0"/>
                 </a:br>
                 <a14:m>
                   <m:oMath xmlns:m="http://schemas.openxmlformats.org/officeDocument/2006/math">
@@ -26622,7 +32566,7 @@
                     </m:r>
                   </m:oMath>
                 </a14:m>
-                <a:endParaRPr lang="en-US" altLang="ko-KR" sz="2400" dirty="0" smtClean="0"/>
+                <a:endParaRPr lang="en-US" altLang="ko-KR" sz="2400" dirty="0"/>
               </a:p>
               <a:p>
                 <a:pPr>
@@ -26753,13 +32697,7 @@
                               <a:rPr lang="en-US" altLang="ko-KR" sz="3000" i="1" smtClean="0">
                                 <a:latin typeface="Cambria Math" panose="02040503050406030204" pitchFamily="18" charset="0"/>
                               </a:rPr>
-                              <m:t>,      </m:t>
-                            </m:r>
-                            <m:r>
-                              <a:rPr lang="en-US" altLang="ko-KR" sz="3000" b="0" i="1" smtClean="0">
-                                <a:latin typeface="Cambria Math" panose="02040503050406030204" pitchFamily="18" charset="0"/>
-                              </a:rPr>
-                              <m:t> </m:t>
+                              <m:t>,       </m:t>
                             </m:r>
                             <m:r>
                               <a:rPr lang="en-US" altLang="ko-KR" sz="3000" i="1" smtClean="0">
@@ -26785,7 +32723,7 @@
                     </m:d>
                   </m:oMath>
                 </a14:m>
-                <a:endParaRPr lang="en-US" altLang="ko-KR" sz="3000" dirty="0" smtClean="0"/>
+                <a:endParaRPr lang="en-US" altLang="ko-KR" sz="3000" dirty="0"/>
               </a:p>
               <a:p>
                 <a:pPr lvl="1">
@@ -26794,23 +32732,19 @@
                   </a:lnSpc>
                 </a:pPr>
                 <a:r>
-                  <a:rPr lang="ko-KR" altLang="en-US" dirty="0" smtClean="0"/>
-                  <a:t>위 함수는 </a:t>
+                  <a:rPr lang="ko-KR" altLang="en-US" dirty="0"/>
+                  <a:t>위 함수는 불연속</a:t>
                 </a:r>
                 <a:r>
-                  <a:rPr lang="ko-KR" altLang="en-US" dirty="0" smtClean="0"/>
-                  <a:t>불연속</a:t>
-                </a:r>
-                <a:r>
-                  <a:rPr lang="en-US" altLang="ko-KR" dirty="0" smtClean="0"/>
+                  <a:rPr lang="en-US" altLang="ko-KR" dirty="0"/>
                   <a:t>(Discontinuous) </a:t>
                 </a:r>
                 <a:r>
-                  <a:rPr lang="ko-KR" altLang="en-US" smtClean="0"/>
+                  <a:rPr lang="ko-KR" altLang="en-US"/>
                   <a:t>함수다</a:t>
                 </a:r>
                 <a:r>
-                  <a:rPr lang="en-US" altLang="ko-KR" dirty="0" smtClean="0"/>
+                  <a:rPr lang="en-US" altLang="ko-KR" dirty="0"/>
                   <a:t>.</a:t>
                 </a:r>
               </a:p>
@@ -26837,11 +32771,11 @@
                   </m:oMath>
                 </a14:m>
                 <a:r>
-                  <a:rPr lang="ko-KR" altLang="en-US" smtClean="0"/>
+                  <a:rPr lang="ko-KR" altLang="en-US"/>
                   <a:t>일 때</a:t>
                 </a:r>
                 <a:r>
-                  <a:rPr lang="en-US" altLang="ko-KR" dirty="0" smtClean="0"/>
+                  <a:rPr lang="en-US" altLang="ko-KR" dirty="0"/>
                   <a:t>, </a:t>
                 </a:r>
                 <a14:m>
@@ -26926,7 +32860,7 @@
                   </m:oMath>
                 </a14:m>
                 <a:r>
-                  <a:rPr lang="ko-KR" altLang="en-US" dirty="0" smtClean="0"/>
+                  <a:rPr lang="ko-KR" altLang="en-US" dirty="0"/>
                   <a:t>이지만</a:t>
                 </a:r>
                 <a:r>
@@ -26967,42 +32901,41 @@
                   </m:oMath>
                 </a14:m>
                 <a:r>
-                  <a:rPr lang="ko-KR" altLang="en-US" smtClean="0"/>
+                  <a:rPr lang="ko-KR" altLang="en-US"/>
                   <a:t>이다</a:t>
                 </a:r>
                 <a:r>
-                  <a:rPr lang="en-US" altLang="ko-KR" dirty="0" smtClean="0"/>
+                  <a:rPr lang="en-US" altLang="ko-KR" dirty="0"/>
                   <a:t>.</a:t>
                 </a:r>
                 <a:br>
-                  <a:rPr lang="en-US" altLang="ko-KR" dirty="0" smtClean="0"/>
+                  <a:rPr lang="en-US" altLang="ko-KR" dirty="0"/>
                 </a:br>
                 <a:r>
-                  <a:rPr lang="en-US" altLang="ko-KR" dirty="0" smtClean="0"/>
+                  <a:rPr lang="en-US" altLang="ko-KR" dirty="0"/>
                   <a:t>(0</a:t>
                 </a:r>
                 <a:r>
-                  <a:rPr lang="ko-KR" altLang="en-US" smtClean="0"/>
+                  <a:rPr lang="ko-KR" altLang="en-US"/>
                   <a:t>의 왼쪽에서는 연속이지만</a:t>
                 </a:r>
                 <a:r>
-                  <a:rPr lang="en-US" altLang="ko-KR" dirty="0" smtClean="0"/>
+                  <a:rPr lang="en-US" altLang="ko-KR" dirty="0"/>
                   <a:t>, </a:t>
                 </a:r>
                 <a:r>
-                  <a:rPr lang="ko-KR" altLang="en-US" smtClean="0"/>
+                  <a:rPr lang="ko-KR" altLang="en-US"/>
                   <a:t>오른쪽에서는 아니다</a:t>
                 </a:r>
                 <a:r>
-                  <a:rPr lang="en-US" altLang="ko-KR" dirty="0" smtClean="0"/>
+                  <a:rPr lang="en-US" altLang="ko-KR" dirty="0"/>
                   <a:t>.)</a:t>
                 </a:r>
-                <a:endParaRPr lang="en-US" altLang="ko-KR" dirty="0"/>
               </a:p>
             </p:txBody>
           </p:sp>
         </mc:Choice>
-        <mc:Fallback>
+        <mc:Fallback xmlns="">
           <p:sp>
             <p:nvSpPr>
               <p:cNvPr id="6" name="Text Placeholder 5"/>
@@ -27068,1334 +33001,6 @@
     <p:extLst>
       <p:ext uri="{BB962C8B-B14F-4D97-AF65-F5344CB8AC3E}">
         <p14:creationId xmlns:p14="http://schemas.microsoft.com/office/powerpoint/2010/main" val="2209993832"/>
-      </p:ext>
-    </p:extLst>
-  </p:cSld>
-  <p:clrMapOvr>
-    <a:masterClrMapping/>
-  </p:clrMapOvr>
-  <mc:AlternateContent xmlns:mc="http://schemas.openxmlformats.org/markup-compatibility/2006" xmlns:p14="http://schemas.microsoft.com/office/powerpoint/2010/main">
-    <mc:Choice Requires="p14">
-      <p:transition p14:dur="10"/>
-    </mc:Choice>
-    <mc:Fallback xmlns="">
-      <p:transition/>
-    </mc:Fallback>
-  </mc:AlternateContent>
-  <p:timing>
-    <p:tnLst>
-      <p:par>
-        <p:cTn id="1" dur="indefinite" restart="never" nodeType="tmRoot"/>
-      </p:par>
-    </p:tnLst>
-  </p:timing>
-</p:sld>
-</file>
-
-<file path=ppt/slides/slide7.xml><?xml version="1.0" encoding="utf-8"?>
-<p:sld xmlns:a="http://schemas.openxmlformats.org/drawingml/2006/main" xmlns:r="http://schemas.openxmlformats.org/officeDocument/2006/relationships" xmlns:p="http://schemas.openxmlformats.org/presentationml/2006/main">
-  <p:cSld>
-    <p:spTree>
-      <p:nvGrpSpPr>
-        <p:cNvPr id="1" name=""/>
-        <p:cNvGrpSpPr/>
-        <p:nvPr/>
-      </p:nvGrpSpPr>
-      <p:grpSpPr>
-        <a:xfrm>
-          <a:off x="0" y="0"/>
-          <a:ext cx="0" cy="0"/>
-          <a:chOff x="0" y="0"/>
-          <a:chExt cx="0" cy="0"/>
-        </a:xfrm>
-      </p:grpSpPr>
-      <p:sp>
-        <p:nvSpPr>
-          <p:cNvPr id="2" name="Title 1"/>
-          <p:cNvSpPr>
-            <a:spLocks noGrp="1"/>
-          </p:cNvSpPr>
-          <p:nvPr>
-            <p:ph type="title"/>
-          </p:nvPr>
-        </p:nvSpPr>
-        <p:spPr>
-          <a:xfrm>
-            <a:off x="519248" y="543951"/>
-            <a:ext cx="11151917" cy="747897"/>
-          </a:xfrm>
-        </p:spPr>
-        <p:txBody>
-          <a:bodyPr/>
-          <a:lstStyle/>
-          <a:p>
-            <a:r>
-              <a:rPr lang="en-US" dirty="0" smtClean="0">
-                <a:ea typeface="맑은 고딕" panose="020B0503020000020004" pitchFamily="50" charset="-127"/>
-              </a:rPr>
-              <a:t>Continuity: Removable Discontinuity</a:t>
-            </a:r>
-            <a:endParaRPr lang="en-US" dirty="0">
-              <a:ea typeface="맑은 고딕" panose="020B0503020000020004" pitchFamily="50" charset="-127"/>
-            </a:endParaRPr>
-          </a:p>
-        </p:txBody>
-      </p:sp>
-      <p:sp>
-        <p:nvSpPr>
-          <p:cNvPr id="4" name="Slide Number Placeholder 3"/>
-          <p:cNvSpPr>
-            <a:spLocks noGrp="1"/>
-          </p:cNvSpPr>
-          <p:nvPr>
-            <p:ph type="sldNum" sz="quarter" idx="4"/>
-          </p:nvPr>
-        </p:nvSpPr>
-        <p:spPr/>
-        <p:txBody>
-          <a:bodyPr/>
-          <a:lstStyle/>
-          <a:p>
-            <a:fld id="{6B5C536E-FA7B-40DC-A296-D7EC18490057}" type="slidenum">
-              <a:rPr lang="ko-KR" altLang="en-US" smtClean="0"/>
-              <a:pPr/>
-              <a:t>7</a:t>
-            </a:fld>
-            <a:endParaRPr lang="ko-KR" altLang="en-US"/>
-          </a:p>
-        </p:txBody>
-      </p:sp>
-      <p:sp>
-        <p:nvSpPr>
-          <p:cNvPr id="6" name="Text Placeholder 5"/>
-          <p:cNvSpPr>
-            <a:spLocks noGrp="1"/>
-          </p:cNvSpPr>
-          <p:nvPr>
-            <p:ph type="body" sz="quarter" idx="10"/>
-          </p:nvPr>
-        </p:nvSpPr>
-        <p:spPr>
-          <a:xfrm>
-            <a:off x="519248" y="1447801"/>
-            <a:ext cx="11151917" cy="4944532"/>
-          </a:xfrm>
-        </p:spPr>
-        <p:txBody>
-          <a:bodyPr/>
-          <a:lstStyle/>
-          <a:p>
-            <a:pPr>
-              <a:lnSpc>
-                <a:spcPct val="100000"/>
-              </a:lnSpc>
-            </a:pPr>
-            <a:endParaRPr lang="en-US" altLang="ko-KR" dirty="0"/>
-          </a:p>
-        </p:txBody>
-      </p:sp>
-    </p:spTree>
-    <p:extLst>
-      <p:ext uri="{BB962C8B-B14F-4D97-AF65-F5344CB8AC3E}">
-        <p14:creationId xmlns:p14="http://schemas.microsoft.com/office/powerpoint/2010/main" val="1615320615"/>
-      </p:ext>
-    </p:extLst>
-  </p:cSld>
-  <p:clrMapOvr>
-    <a:masterClrMapping/>
-  </p:clrMapOvr>
-  <mc:AlternateContent xmlns:mc="http://schemas.openxmlformats.org/markup-compatibility/2006" xmlns:p14="http://schemas.microsoft.com/office/powerpoint/2010/main">
-    <mc:Choice Requires="p14">
-      <p:transition p14:dur="10"/>
-    </mc:Choice>
-    <mc:Fallback xmlns="">
-      <p:transition/>
-    </mc:Fallback>
-  </mc:AlternateContent>
-  <p:timing>
-    <p:tnLst>
-      <p:par>
-        <p:cTn id="1" dur="indefinite" restart="never" nodeType="tmRoot"/>
-      </p:par>
-    </p:tnLst>
-  </p:timing>
-</p:sld>
-</file>
-
-<file path=ppt/slides/slide8.xml><?xml version="1.0" encoding="utf-8"?>
-<p:sld xmlns:a="http://schemas.openxmlformats.org/drawingml/2006/main" xmlns:r="http://schemas.openxmlformats.org/officeDocument/2006/relationships" xmlns:p="http://schemas.openxmlformats.org/presentationml/2006/main">
-  <p:cSld>
-    <p:spTree>
-      <p:nvGrpSpPr>
-        <p:cNvPr id="1" name=""/>
-        <p:cNvGrpSpPr/>
-        <p:nvPr/>
-      </p:nvGrpSpPr>
-      <p:grpSpPr>
-        <a:xfrm>
-          <a:off x="0" y="0"/>
-          <a:ext cx="0" cy="0"/>
-          <a:chOff x="0" y="0"/>
-          <a:chExt cx="0" cy="0"/>
-        </a:xfrm>
-      </p:grpSpPr>
-      <p:sp>
-        <p:nvSpPr>
-          <p:cNvPr id="4" name="Title 3"/>
-          <p:cNvSpPr>
-            <a:spLocks noGrp="1"/>
-          </p:cNvSpPr>
-          <p:nvPr>
-            <p:ph type="title"/>
-          </p:nvPr>
-        </p:nvSpPr>
-        <p:spPr/>
-        <p:txBody>
-          <a:bodyPr/>
-          <a:lstStyle/>
-          <a:p>
-            <a:r>
-              <a:rPr lang="en-US" altLang="ko-KR" dirty="0"/>
-              <a:t>Lecture 3</a:t>
-            </a:r>
-          </a:p>
-        </p:txBody>
-      </p:sp>
-      <p:sp>
-        <p:nvSpPr>
-          <p:cNvPr id="2" name="Text Placeholder 1"/>
-          <p:cNvSpPr>
-            <a:spLocks noGrp="1"/>
-          </p:cNvSpPr>
-          <p:nvPr>
-            <p:ph type="body" sz="quarter" idx="12"/>
-          </p:nvPr>
-        </p:nvSpPr>
-        <p:spPr/>
-        <p:txBody>
-          <a:bodyPr/>
-          <a:lstStyle/>
-          <a:p>
-            <a:r>
-              <a:rPr lang="en-US" altLang="ko-KR" dirty="0"/>
-              <a:t>Derivatives of Products, Quotients, Sine, and Cosine</a:t>
-            </a:r>
-            <a:endParaRPr lang="ko-KR" altLang="en-US" dirty="0"/>
-          </a:p>
-        </p:txBody>
-      </p:sp>
-    </p:spTree>
-    <p:extLst>
-      <p:ext uri="{BB962C8B-B14F-4D97-AF65-F5344CB8AC3E}">
-        <p14:creationId xmlns:p14="http://schemas.microsoft.com/office/powerpoint/2010/main" val="3928932010"/>
-      </p:ext>
-    </p:extLst>
-  </p:cSld>
-  <p:clrMapOvr>
-    <a:masterClrMapping/>
-  </p:clrMapOvr>
-  <p:timing>
-    <p:tnLst>
-      <p:par>
-        <p:cTn id="1" dur="indefinite" restart="never" nodeType="tmRoot"/>
-      </p:par>
-    </p:tnLst>
-  </p:timing>
-</p:sld>
-</file>
-
-<file path=ppt/slides/slide9.xml><?xml version="1.0" encoding="utf-8"?>
-<p:sld xmlns:a="http://schemas.openxmlformats.org/drawingml/2006/main" xmlns:r="http://schemas.openxmlformats.org/officeDocument/2006/relationships" xmlns:p="http://schemas.openxmlformats.org/presentationml/2006/main">
-  <p:cSld>
-    <p:spTree>
-      <p:nvGrpSpPr>
-        <p:cNvPr id="1" name=""/>
-        <p:cNvGrpSpPr/>
-        <p:nvPr/>
-      </p:nvGrpSpPr>
-      <p:grpSpPr>
-        <a:xfrm>
-          <a:off x="0" y="0"/>
-          <a:ext cx="0" cy="0"/>
-          <a:chOff x="0" y="0"/>
-          <a:chExt cx="0" cy="0"/>
-        </a:xfrm>
-      </p:grpSpPr>
-      <p:sp>
-        <p:nvSpPr>
-          <p:cNvPr id="2" name="Title 1"/>
-          <p:cNvSpPr>
-            <a:spLocks noGrp="1"/>
-          </p:cNvSpPr>
-          <p:nvPr>
-            <p:ph type="title"/>
-          </p:nvPr>
-        </p:nvSpPr>
-        <p:spPr>
-          <a:xfrm>
-            <a:off x="519248" y="543951"/>
-            <a:ext cx="11151917" cy="747897"/>
-          </a:xfrm>
-        </p:spPr>
-        <p:txBody>
-          <a:bodyPr/>
-          <a:lstStyle/>
-          <a:p>
-            <a:r>
-              <a:rPr lang="en-US" altLang="ko-KR" dirty="0"/>
-              <a:t>Derivative Formulas</a:t>
-            </a:r>
-            <a:endParaRPr lang="en-US" dirty="0">
-              <a:ea typeface="맑은 고딕" panose="020B0503020000020004" pitchFamily="50" charset="-127"/>
-            </a:endParaRPr>
-          </a:p>
-        </p:txBody>
-      </p:sp>
-      <p:sp>
-        <p:nvSpPr>
-          <p:cNvPr id="4" name="Slide Number Placeholder 3"/>
-          <p:cNvSpPr>
-            <a:spLocks noGrp="1"/>
-          </p:cNvSpPr>
-          <p:nvPr>
-            <p:ph type="sldNum" sz="quarter" idx="4"/>
-          </p:nvPr>
-        </p:nvSpPr>
-        <p:spPr/>
-        <p:txBody>
-          <a:bodyPr/>
-          <a:lstStyle/>
-          <a:p>
-            <a:fld id="{6B5C536E-FA7B-40DC-A296-D7EC18490057}" type="slidenum">
-              <a:rPr lang="ko-KR" altLang="en-US" smtClean="0"/>
-              <a:pPr/>
-              <a:t>9</a:t>
-            </a:fld>
-            <a:endParaRPr lang="ko-KR" altLang="en-US"/>
-          </a:p>
-        </p:txBody>
-      </p:sp>
-      <mc:AlternateContent xmlns:mc="http://schemas.openxmlformats.org/markup-compatibility/2006" xmlns:a14="http://schemas.microsoft.com/office/drawing/2010/main">
-        <mc:Choice Requires="a14">
-          <p:sp>
-            <p:nvSpPr>
-              <p:cNvPr id="6" name="Text Placeholder 5"/>
-              <p:cNvSpPr>
-                <a:spLocks noGrp="1"/>
-              </p:cNvSpPr>
-              <p:nvPr>
-                <p:ph type="body" sz="quarter" idx="10"/>
-              </p:nvPr>
-            </p:nvSpPr>
-            <p:spPr>
-              <a:xfrm>
-                <a:off x="519248" y="1447801"/>
-                <a:ext cx="11151917" cy="4944532"/>
-              </a:xfrm>
-            </p:spPr>
-            <p:txBody>
-              <a:bodyPr/>
-              <a:lstStyle/>
-              <a:p>
-                <a:pPr>
-                  <a:lnSpc>
-                    <a:spcPct val="100000"/>
-                  </a:lnSpc>
-                </a:pPr>
-                <a:r>
-                  <a:rPr lang="ko-KR" altLang="en-US" sz="3000" b="0" dirty="0"/>
-                  <a:t>덧셈</a:t>
-                </a:r>
-                <a:r>
-                  <a:rPr lang="en-US" altLang="ko-KR" sz="3000" b="0" dirty="0"/>
-                  <a:t>, </a:t>
-                </a:r>
-                <a:r>
-                  <a:rPr lang="ko-KR" altLang="en-US" sz="3000" b="0" dirty="0"/>
-                  <a:t>뺄셈의 미분</a:t>
-                </a:r>
-                <a:endParaRPr lang="en-US" altLang="ko-KR" sz="3000" b="0" dirty="0"/>
-              </a:p>
-              <a:p>
-                <a:pPr marL="0" indent="0">
-                  <a:lnSpc>
-                    <a:spcPct val="100000"/>
-                  </a:lnSpc>
-                  <a:buNone/>
-                </a:pPr>
-                <a14:m>
-                  <m:oMathPara xmlns:m="http://schemas.openxmlformats.org/officeDocument/2006/math">
-                    <m:oMathParaPr>
-                      <m:jc m:val="centerGroup"/>
-                    </m:oMathParaPr>
-                    <m:oMath xmlns:m="http://schemas.openxmlformats.org/officeDocument/2006/math">
-                      <m:sSup>
-                        <m:sSupPr>
-                          <m:ctrlPr>
-                            <a:rPr lang="en-US" altLang="ko-KR" sz="2400" b="0" i="1" smtClean="0">
-                              <a:latin typeface="Cambria Math" panose="02040503050406030204" pitchFamily="18" charset="0"/>
-                            </a:rPr>
-                          </m:ctrlPr>
-                        </m:sSupPr>
-                        <m:e>
-                          <m:d>
-                            <m:dPr>
-                              <m:ctrlPr>
-                                <a:rPr lang="en-US" altLang="ko-KR" sz="2400" b="0" i="1" smtClean="0">
-                                  <a:latin typeface="Cambria Math" panose="02040503050406030204" pitchFamily="18" charset="0"/>
-                                </a:rPr>
-                              </m:ctrlPr>
-                            </m:dPr>
-                            <m:e>
-                              <m:r>
-                                <a:rPr lang="en-US" altLang="ko-KR" sz="2400" b="0" i="1" smtClean="0">
-                                  <a:latin typeface="Cambria Math" panose="02040503050406030204" pitchFamily="18" charset="0"/>
-                                </a:rPr>
-                                <m:t>𝑢</m:t>
-                              </m:r>
-                              <m:d>
-                                <m:dPr>
-                                  <m:ctrlPr>
-                                    <a:rPr lang="en-US" altLang="ko-KR" sz="2400" b="0" i="1" smtClean="0">
-                                      <a:latin typeface="Cambria Math" panose="02040503050406030204" pitchFamily="18" charset="0"/>
-                                    </a:rPr>
-                                  </m:ctrlPr>
-                                </m:dPr>
-                                <m:e>
-                                  <m:r>
-                                    <a:rPr lang="en-US" altLang="ko-KR" sz="2400" b="0" i="1" smtClean="0">
-                                      <a:latin typeface="Cambria Math" panose="02040503050406030204" pitchFamily="18" charset="0"/>
-                                    </a:rPr>
-                                    <m:t>𝑥</m:t>
-                                  </m:r>
-                                </m:e>
-                              </m:d>
-                              <m:r>
-                                <a:rPr lang="en-US" altLang="ko-KR" sz="2400" b="0" i="1" smtClean="0">
-                                  <a:latin typeface="Cambria Math" panose="02040503050406030204" pitchFamily="18" charset="0"/>
-                                </a:rPr>
-                                <m:t>±</m:t>
-                              </m:r>
-                              <m:r>
-                                <a:rPr lang="en-US" altLang="ko-KR" sz="2400" b="0" i="1" smtClean="0">
-                                  <a:latin typeface="Cambria Math" panose="02040503050406030204" pitchFamily="18" charset="0"/>
-                                </a:rPr>
-                                <m:t>𝑣</m:t>
-                              </m:r>
-                              <m:d>
-                                <m:dPr>
-                                  <m:ctrlPr>
-                                    <a:rPr lang="en-US" altLang="ko-KR" sz="2400" b="0" i="1" smtClean="0">
-                                      <a:latin typeface="Cambria Math" panose="02040503050406030204" pitchFamily="18" charset="0"/>
-                                    </a:rPr>
-                                  </m:ctrlPr>
-                                </m:dPr>
-                                <m:e>
-                                  <m:r>
-                                    <a:rPr lang="en-US" altLang="ko-KR" sz="2400" b="0" i="1" smtClean="0">
-                                      <a:latin typeface="Cambria Math" panose="02040503050406030204" pitchFamily="18" charset="0"/>
-                                    </a:rPr>
-                                    <m:t>𝑥</m:t>
-                                  </m:r>
-                                </m:e>
-                              </m:d>
-                            </m:e>
-                          </m:d>
-                        </m:e>
-                        <m:sup>
-                          <m:r>
-                            <a:rPr lang="en-US" altLang="ko-KR" sz="2400" b="0" i="1" smtClean="0">
-                              <a:latin typeface="Cambria Math" panose="02040503050406030204" pitchFamily="18" charset="0"/>
-                            </a:rPr>
-                            <m:t>′</m:t>
-                          </m:r>
-                        </m:sup>
-                      </m:sSup>
-                      <m:r>
-                        <a:rPr lang="en-US" altLang="ko-KR" sz="2400" b="0" i="1" smtClean="0">
-                          <a:latin typeface="Cambria Math" panose="02040503050406030204" pitchFamily="18" charset="0"/>
-                        </a:rPr>
-                        <m:t>=</m:t>
-                      </m:r>
-                      <m:sSup>
-                        <m:sSupPr>
-                          <m:ctrlPr>
-                            <a:rPr lang="en-US" altLang="ko-KR" sz="2400" b="0" i="1" smtClean="0">
-                              <a:latin typeface="Cambria Math" panose="02040503050406030204" pitchFamily="18" charset="0"/>
-                            </a:rPr>
-                          </m:ctrlPr>
-                        </m:sSupPr>
-                        <m:e>
-                          <m:r>
-                            <a:rPr lang="en-US" altLang="ko-KR" sz="2400" b="0" i="1" smtClean="0">
-                              <a:latin typeface="Cambria Math" panose="02040503050406030204" pitchFamily="18" charset="0"/>
-                            </a:rPr>
-                            <m:t>𝑢</m:t>
-                          </m:r>
-                        </m:e>
-                        <m:sup>
-                          <m:r>
-                            <a:rPr lang="en-US" altLang="ko-KR" sz="2400" b="0" i="1" smtClean="0">
-                              <a:latin typeface="Cambria Math" panose="02040503050406030204" pitchFamily="18" charset="0"/>
-                            </a:rPr>
-                            <m:t>′</m:t>
-                          </m:r>
-                        </m:sup>
-                      </m:sSup>
-                      <m:d>
-                        <m:dPr>
-                          <m:ctrlPr>
-                            <a:rPr lang="en-US" altLang="ko-KR" sz="2400" b="0" i="1" smtClean="0">
-                              <a:latin typeface="Cambria Math" panose="02040503050406030204" pitchFamily="18" charset="0"/>
-                            </a:rPr>
-                          </m:ctrlPr>
-                        </m:dPr>
-                        <m:e>
-                          <m:r>
-                            <a:rPr lang="en-US" altLang="ko-KR" sz="2400" b="0" i="1" smtClean="0">
-                              <a:latin typeface="Cambria Math" panose="02040503050406030204" pitchFamily="18" charset="0"/>
-                            </a:rPr>
-                            <m:t>𝑥</m:t>
-                          </m:r>
-                        </m:e>
-                      </m:d>
-                      <m:r>
-                        <a:rPr lang="en-US" altLang="ko-KR" sz="2400" b="0" i="1" smtClean="0">
-                          <a:latin typeface="Cambria Math" panose="02040503050406030204" pitchFamily="18" charset="0"/>
-                        </a:rPr>
-                        <m:t>±</m:t>
-                      </m:r>
-                      <m:sSup>
-                        <m:sSupPr>
-                          <m:ctrlPr>
-                            <a:rPr lang="en-US" altLang="ko-KR" sz="2400" b="0" i="1" smtClean="0">
-                              <a:latin typeface="Cambria Math" panose="02040503050406030204" pitchFamily="18" charset="0"/>
-                            </a:rPr>
-                          </m:ctrlPr>
-                        </m:sSupPr>
-                        <m:e>
-                          <m:r>
-                            <a:rPr lang="en-US" altLang="ko-KR" sz="2400" b="0" i="1" smtClean="0">
-                              <a:latin typeface="Cambria Math" panose="02040503050406030204" pitchFamily="18" charset="0"/>
-                            </a:rPr>
-                            <m:t>𝑣</m:t>
-                          </m:r>
-                        </m:e>
-                        <m:sup>
-                          <m:r>
-                            <a:rPr lang="en-US" altLang="ko-KR" sz="2400" b="0" i="1" smtClean="0">
-                              <a:latin typeface="Cambria Math" panose="02040503050406030204" pitchFamily="18" charset="0"/>
-                            </a:rPr>
-                            <m:t>′</m:t>
-                          </m:r>
-                        </m:sup>
-                      </m:sSup>
-                      <m:d>
-                        <m:dPr>
-                          <m:ctrlPr>
-                            <a:rPr lang="en-US" altLang="ko-KR" sz="2400" b="0" i="1" smtClean="0">
-                              <a:latin typeface="Cambria Math" panose="02040503050406030204" pitchFamily="18" charset="0"/>
-                            </a:rPr>
-                          </m:ctrlPr>
-                        </m:dPr>
-                        <m:e>
-                          <m:r>
-                            <a:rPr lang="en-US" altLang="ko-KR" sz="2400" b="0" i="1" smtClean="0">
-                              <a:latin typeface="Cambria Math" panose="02040503050406030204" pitchFamily="18" charset="0"/>
-                            </a:rPr>
-                            <m:t>𝑥</m:t>
-                          </m:r>
-                        </m:e>
-                      </m:d>
-                    </m:oMath>
-                  </m:oMathPara>
-                </a14:m>
-                <a:endParaRPr lang="en-US" altLang="ko-KR" sz="2400" b="0" dirty="0"/>
-              </a:p>
-              <a:p>
-                <a:pPr>
-                  <a:lnSpc>
-                    <a:spcPct val="100000"/>
-                  </a:lnSpc>
-                </a:pPr>
-                <a:r>
-                  <a:rPr lang="ko-KR" altLang="en-US" sz="3000" dirty="0"/>
-                  <a:t>곱셈의 미분</a:t>
-                </a:r>
-                <a:endParaRPr lang="en-US" altLang="ko-KR" sz="3000" b="0" dirty="0"/>
-              </a:p>
-              <a:p>
-                <a:pPr marL="0" indent="0">
-                  <a:lnSpc>
-                    <a:spcPct val="100000"/>
-                  </a:lnSpc>
-                  <a:buNone/>
-                </a:pPr>
-                <a14:m>
-                  <m:oMathPara xmlns:m="http://schemas.openxmlformats.org/officeDocument/2006/math">
-                    <m:oMathParaPr>
-                      <m:jc m:val="centerGroup"/>
-                    </m:oMathParaPr>
-                    <m:oMath xmlns:m="http://schemas.openxmlformats.org/officeDocument/2006/math">
-                      <m:sSup>
-                        <m:sSupPr>
-                          <m:ctrlPr>
-                            <a:rPr lang="en-US" altLang="ko-KR" sz="2400" b="0" i="1" smtClean="0">
-                              <a:latin typeface="Cambria Math" panose="02040503050406030204" pitchFamily="18" charset="0"/>
-                            </a:rPr>
-                          </m:ctrlPr>
-                        </m:sSupPr>
-                        <m:e>
-                          <m:d>
-                            <m:dPr>
-                              <m:ctrlPr>
-                                <a:rPr lang="en-US" altLang="ko-KR" sz="2400" b="0" i="1" smtClean="0">
-                                  <a:latin typeface="Cambria Math" panose="02040503050406030204" pitchFamily="18" charset="0"/>
-                                </a:rPr>
-                              </m:ctrlPr>
-                            </m:dPr>
-                            <m:e>
-                              <m:r>
-                                <a:rPr lang="en-US" altLang="ko-KR" sz="2400" i="1">
-                                  <a:latin typeface="Cambria Math" panose="02040503050406030204" pitchFamily="18" charset="0"/>
-                                </a:rPr>
-                                <m:t>𝑢</m:t>
-                              </m:r>
-                              <m:d>
-                                <m:dPr>
-                                  <m:ctrlPr>
-                                    <a:rPr lang="en-US" altLang="ko-KR" sz="2400" i="1">
-                                      <a:latin typeface="Cambria Math" panose="02040503050406030204" pitchFamily="18" charset="0"/>
-                                    </a:rPr>
-                                  </m:ctrlPr>
-                                </m:dPr>
-                                <m:e>
-                                  <m:r>
-                                    <a:rPr lang="en-US" altLang="ko-KR" sz="2400" i="1">
-                                      <a:latin typeface="Cambria Math" panose="02040503050406030204" pitchFamily="18" charset="0"/>
-                                    </a:rPr>
-                                    <m:t>𝑥</m:t>
-                                  </m:r>
-                                </m:e>
-                              </m:d>
-                              <m:r>
-                                <a:rPr lang="en-US" altLang="ko-KR" sz="2400" b="0" i="1" smtClean="0">
-                                  <a:latin typeface="Cambria Math" panose="02040503050406030204" pitchFamily="18" charset="0"/>
-                                </a:rPr>
-                                <m:t>𝑣</m:t>
-                              </m:r>
-                              <m:d>
-                                <m:dPr>
-                                  <m:ctrlPr>
-                                    <a:rPr lang="en-US" altLang="ko-KR" sz="2400" b="0" i="1" smtClean="0">
-                                      <a:latin typeface="Cambria Math" panose="02040503050406030204" pitchFamily="18" charset="0"/>
-                                    </a:rPr>
-                                  </m:ctrlPr>
-                                </m:dPr>
-                                <m:e>
-                                  <m:r>
-                                    <a:rPr lang="en-US" altLang="ko-KR" sz="2400" b="0" i="1" smtClean="0">
-                                      <a:latin typeface="Cambria Math" panose="02040503050406030204" pitchFamily="18" charset="0"/>
-                                    </a:rPr>
-                                    <m:t>𝑥</m:t>
-                                  </m:r>
-                                </m:e>
-                              </m:d>
-                            </m:e>
-                          </m:d>
-                        </m:e>
-                        <m:sup>
-                          <m:r>
-                            <a:rPr lang="en-US" altLang="ko-KR" sz="2400" b="0" i="1" smtClean="0">
-                              <a:latin typeface="Cambria Math" panose="02040503050406030204" pitchFamily="18" charset="0"/>
-                            </a:rPr>
-                            <m:t>′</m:t>
-                          </m:r>
-                        </m:sup>
-                      </m:sSup>
-                      <m:r>
-                        <a:rPr lang="en-US" altLang="ko-KR" sz="2400" b="0" i="1" smtClean="0">
-                          <a:latin typeface="Cambria Math" panose="02040503050406030204" pitchFamily="18" charset="0"/>
-                        </a:rPr>
-                        <m:t>=</m:t>
-                      </m:r>
-                      <m:sSup>
-                        <m:sSupPr>
-                          <m:ctrlPr>
-                            <a:rPr lang="en-US" altLang="ko-KR" sz="2400" b="0" i="1" smtClean="0">
-                              <a:latin typeface="Cambria Math" panose="02040503050406030204" pitchFamily="18" charset="0"/>
-                            </a:rPr>
-                          </m:ctrlPr>
-                        </m:sSupPr>
-                        <m:e>
-                          <m:r>
-                            <a:rPr lang="en-US" altLang="ko-KR" sz="2400" b="0" i="1" smtClean="0">
-                              <a:latin typeface="Cambria Math" panose="02040503050406030204" pitchFamily="18" charset="0"/>
-                            </a:rPr>
-                            <m:t>𝑢</m:t>
-                          </m:r>
-                        </m:e>
-                        <m:sup>
-                          <m:r>
-                            <a:rPr lang="en-US" altLang="ko-KR" sz="2400" b="0" i="1" smtClean="0">
-                              <a:latin typeface="Cambria Math" panose="02040503050406030204" pitchFamily="18" charset="0"/>
-                            </a:rPr>
-                            <m:t>′</m:t>
-                          </m:r>
-                        </m:sup>
-                      </m:sSup>
-                      <m:d>
-                        <m:dPr>
-                          <m:ctrlPr>
-                            <a:rPr lang="en-US" altLang="ko-KR" sz="2400" b="0" i="1" smtClean="0">
-                              <a:latin typeface="Cambria Math" panose="02040503050406030204" pitchFamily="18" charset="0"/>
-                            </a:rPr>
-                          </m:ctrlPr>
-                        </m:dPr>
-                        <m:e>
-                          <m:r>
-                            <a:rPr lang="en-US" altLang="ko-KR" sz="2400" b="0" i="1" smtClean="0">
-                              <a:latin typeface="Cambria Math" panose="02040503050406030204" pitchFamily="18" charset="0"/>
-                            </a:rPr>
-                            <m:t>𝑥</m:t>
-                          </m:r>
-                        </m:e>
-                      </m:d>
-                      <m:r>
-                        <a:rPr lang="en-US" altLang="ko-KR" sz="2400" b="0" i="1" smtClean="0">
-                          <a:latin typeface="Cambria Math" panose="02040503050406030204" pitchFamily="18" charset="0"/>
-                        </a:rPr>
-                        <m:t>𝑣</m:t>
-                      </m:r>
-                      <m:d>
-                        <m:dPr>
-                          <m:ctrlPr>
-                            <a:rPr lang="en-US" altLang="ko-KR" sz="2400" b="0" i="1" smtClean="0">
-                              <a:latin typeface="Cambria Math" panose="02040503050406030204" pitchFamily="18" charset="0"/>
-                            </a:rPr>
-                          </m:ctrlPr>
-                        </m:dPr>
-                        <m:e>
-                          <m:r>
-                            <a:rPr lang="en-US" altLang="ko-KR" sz="2400" b="0" i="1" smtClean="0">
-                              <a:latin typeface="Cambria Math" panose="02040503050406030204" pitchFamily="18" charset="0"/>
-                            </a:rPr>
-                            <m:t>𝑥</m:t>
-                          </m:r>
-                        </m:e>
-                      </m:d>
-                      <m:r>
-                        <a:rPr lang="en-US" altLang="ko-KR" sz="2400" b="0" i="1" smtClean="0">
-                          <a:latin typeface="Cambria Math" panose="02040503050406030204" pitchFamily="18" charset="0"/>
-                        </a:rPr>
-                        <m:t>+</m:t>
-                      </m:r>
-                      <m:r>
-                        <a:rPr lang="en-US" altLang="ko-KR" sz="2400" b="0" i="1" smtClean="0">
-                          <a:latin typeface="Cambria Math" panose="02040503050406030204" pitchFamily="18" charset="0"/>
-                        </a:rPr>
-                        <m:t>𝑢</m:t>
-                      </m:r>
-                      <m:d>
-                        <m:dPr>
-                          <m:ctrlPr>
-                            <a:rPr lang="en-US" altLang="ko-KR" sz="2400" b="0" i="1" smtClean="0">
-                              <a:latin typeface="Cambria Math" panose="02040503050406030204" pitchFamily="18" charset="0"/>
-                            </a:rPr>
-                          </m:ctrlPr>
-                        </m:dPr>
-                        <m:e>
-                          <m:r>
-                            <a:rPr lang="en-US" altLang="ko-KR" sz="2400" b="0" i="1" smtClean="0">
-                              <a:latin typeface="Cambria Math" panose="02040503050406030204" pitchFamily="18" charset="0"/>
-                            </a:rPr>
-                            <m:t>𝑥</m:t>
-                          </m:r>
-                        </m:e>
-                      </m:d>
-                      <m:r>
-                        <a:rPr lang="en-US" altLang="ko-KR" sz="2400" b="0" i="1" smtClean="0">
-                          <a:latin typeface="Cambria Math" panose="02040503050406030204" pitchFamily="18" charset="0"/>
-                        </a:rPr>
-                        <m:t>𝑣</m:t>
-                      </m:r>
-                      <m:r>
-                        <a:rPr lang="en-US" altLang="ko-KR" sz="2400" b="0" i="1" smtClean="0">
-                          <a:latin typeface="Cambria Math" panose="02040503050406030204" pitchFamily="18" charset="0"/>
-                        </a:rPr>
-                        <m:t>′(</m:t>
-                      </m:r>
-                      <m:r>
-                        <a:rPr lang="en-US" altLang="ko-KR" sz="2400" b="0" i="1" smtClean="0">
-                          <a:latin typeface="Cambria Math" panose="02040503050406030204" pitchFamily="18" charset="0"/>
-                        </a:rPr>
-                        <m:t>𝑥</m:t>
-                      </m:r>
-                      <m:r>
-                        <a:rPr lang="en-US" altLang="ko-KR" sz="2400" b="0" i="1" smtClean="0">
-                          <a:latin typeface="Cambria Math" panose="02040503050406030204" pitchFamily="18" charset="0"/>
-                        </a:rPr>
-                        <m:t>)</m:t>
-                      </m:r>
-                    </m:oMath>
-                  </m:oMathPara>
-                </a14:m>
-                <a:endParaRPr lang="en-US" altLang="ko-KR" sz="2400" dirty="0"/>
-              </a:p>
-              <a:p>
-                <a:pPr>
-                  <a:lnSpc>
-                    <a:spcPct val="100000"/>
-                  </a:lnSpc>
-                </a:pPr>
-                <a:r>
-                  <a:rPr lang="ko-KR" altLang="en-US" sz="3000" dirty="0"/>
-                  <a:t>분수의 미분</a:t>
-                </a:r>
-                <a:endParaRPr lang="en-US" altLang="ko-KR" sz="3000" dirty="0"/>
-              </a:p>
-              <a:p>
-                <a:pPr marL="0" indent="0">
-                  <a:lnSpc>
-                    <a:spcPct val="100000"/>
-                  </a:lnSpc>
-                  <a:buNone/>
-                </a:pPr>
-                <a14:m>
-                  <m:oMathPara xmlns:m="http://schemas.openxmlformats.org/officeDocument/2006/math">
-                    <m:oMathParaPr>
-                      <m:jc m:val="centerGroup"/>
-                    </m:oMathParaPr>
-                    <m:oMath xmlns:m="http://schemas.openxmlformats.org/officeDocument/2006/math">
-                      <m:sSup>
-                        <m:sSupPr>
-                          <m:ctrlPr>
-                            <a:rPr lang="en-US" altLang="ko-KR" sz="2400" b="0" i="1" smtClean="0">
-                              <a:latin typeface="Cambria Math" panose="02040503050406030204" pitchFamily="18" charset="0"/>
-                            </a:rPr>
-                          </m:ctrlPr>
-                        </m:sSupPr>
-                        <m:e>
-                          <m:d>
-                            <m:dPr>
-                              <m:ctrlPr>
-                                <a:rPr lang="en-US" altLang="ko-KR" sz="2400" b="0" i="1" smtClean="0">
-                                  <a:latin typeface="Cambria Math" panose="02040503050406030204" pitchFamily="18" charset="0"/>
-                                </a:rPr>
-                              </m:ctrlPr>
-                            </m:dPr>
-                            <m:e>
-                              <m:f>
-                                <m:fPr>
-                                  <m:ctrlPr>
-                                    <a:rPr lang="en-US" altLang="ko-KR" sz="2400" b="0" i="1" smtClean="0">
-                                      <a:latin typeface="Cambria Math" panose="02040503050406030204" pitchFamily="18" charset="0"/>
-                                    </a:rPr>
-                                  </m:ctrlPr>
-                                </m:fPr>
-                                <m:num>
-                                  <m:r>
-                                    <a:rPr lang="en-US" altLang="ko-KR" sz="2400" i="1">
-                                      <a:latin typeface="Cambria Math" panose="02040503050406030204" pitchFamily="18" charset="0"/>
-                                    </a:rPr>
-                                    <m:t>𝑢</m:t>
-                                  </m:r>
-                                  <m:d>
-                                    <m:dPr>
-                                      <m:ctrlPr>
-                                        <a:rPr lang="en-US" altLang="ko-KR" sz="2400" i="1">
-                                          <a:latin typeface="Cambria Math" panose="02040503050406030204" pitchFamily="18" charset="0"/>
-                                        </a:rPr>
-                                      </m:ctrlPr>
-                                    </m:dPr>
-                                    <m:e>
-                                      <m:r>
-                                        <a:rPr lang="en-US" altLang="ko-KR" sz="2400" i="1">
-                                          <a:latin typeface="Cambria Math" panose="02040503050406030204" pitchFamily="18" charset="0"/>
-                                        </a:rPr>
-                                        <m:t>𝑥</m:t>
-                                      </m:r>
-                                    </m:e>
-                                  </m:d>
-                                </m:num>
-                                <m:den>
-                                  <m:r>
-                                    <a:rPr lang="en-US" altLang="ko-KR" sz="2400" b="0" i="1" smtClean="0">
-                                      <a:latin typeface="Cambria Math" panose="02040503050406030204" pitchFamily="18" charset="0"/>
-                                    </a:rPr>
-                                    <m:t>𝑣</m:t>
-                                  </m:r>
-                                  <m:d>
-                                    <m:dPr>
-                                      <m:ctrlPr>
-                                        <a:rPr lang="en-US" altLang="ko-KR" sz="2400" b="0" i="1" smtClean="0">
-                                          <a:latin typeface="Cambria Math" panose="02040503050406030204" pitchFamily="18" charset="0"/>
-                                        </a:rPr>
-                                      </m:ctrlPr>
-                                    </m:dPr>
-                                    <m:e>
-                                      <m:r>
-                                        <a:rPr lang="en-US" altLang="ko-KR" sz="2400" b="0" i="1" smtClean="0">
-                                          <a:latin typeface="Cambria Math" panose="02040503050406030204" pitchFamily="18" charset="0"/>
-                                        </a:rPr>
-                                        <m:t>𝑥</m:t>
-                                      </m:r>
-                                    </m:e>
-                                  </m:d>
-                                </m:den>
-                              </m:f>
-                            </m:e>
-                          </m:d>
-                        </m:e>
-                        <m:sup>
-                          <m:r>
-                            <a:rPr lang="en-US" altLang="ko-KR" sz="2400" b="0" i="1" smtClean="0">
-                              <a:latin typeface="Cambria Math" panose="02040503050406030204" pitchFamily="18" charset="0"/>
-                            </a:rPr>
-                            <m:t>′</m:t>
-                          </m:r>
-                        </m:sup>
-                      </m:sSup>
-                      <m:r>
-                        <a:rPr lang="en-US" altLang="ko-KR" sz="2400" b="0" i="1" smtClean="0">
-                          <a:latin typeface="Cambria Math" panose="02040503050406030204" pitchFamily="18" charset="0"/>
-                        </a:rPr>
-                        <m:t>=</m:t>
-                      </m:r>
-                      <m:f>
-                        <m:fPr>
-                          <m:ctrlPr>
-                            <a:rPr lang="en-US" altLang="ko-KR" sz="2400" b="0" i="1" smtClean="0">
-                              <a:latin typeface="Cambria Math" panose="02040503050406030204" pitchFamily="18" charset="0"/>
-                            </a:rPr>
-                          </m:ctrlPr>
-                        </m:fPr>
-                        <m:num>
-                          <m:sSup>
-                            <m:sSupPr>
-                              <m:ctrlPr>
-                                <a:rPr lang="en-US" altLang="ko-KR" sz="2400" b="0" i="1" smtClean="0">
-                                  <a:latin typeface="Cambria Math" panose="02040503050406030204" pitchFamily="18" charset="0"/>
-                                </a:rPr>
-                              </m:ctrlPr>
-                            </m:sSupPr>
-                            <m:e>
-                              <m:r>
-                                <a:rPr lang="en-US" altLang="ko-KR" sz="2400" b="0" i="1" smtClean="0">
-                                  <a:latin typeface="Cambria Math" panose="02040503050406030204" pitchFamily="18" charset="0"/>
-                                </a:rPr>
-                                <m:t>𝑢</m:t>
-                              </m:r>
-                            </m:e>
-                            <m:sup>
-                              <m:r>
-                                <a:rPr lang="en-US" altLang="ko-KR" sz="2400" b="0" i="1" smtClean="0">
-                                  <a:latin typeface="Cambria Math" panose="02040503050406030204" pitchFamily="18" charset="0"/>
-                                </a:rPr>
-                                <m:t>′</m:t>
-                              </m:r>
-                            </m:sup>
-                          </m:sSup>
-                          <m:d>
-                            <m:dPr>
-                              <m:ctrlPr>
-                                <a:rPr lang="en-US" altLang="ko-KR" sz="2400" b="0" i="1" smtClean="0">
-                                  <a:latin typeface="Cambria Math" panose="02040503050406030204" pitchFamily="18" charset="0"/>
-                                </a:rPr>
-                              </m:ctrlPr>
-                            </m:dPr>
-                            <m:e>
-                              <m:r>
-                                <a:rPr lang="en-US" altLang="ko-KR" sz="2400" b="0" i="1" smtClean="0">
-                                  <a:latin typeface="Cambria Math" panose="02040503050406030204" pitchFamily="18" charset="0"/>
-                                </a:rPr>
-                                <m:t>𝑥</m:t>
-                              </m:r>
-                            </m:e>
-                          </m:d>
-                          <m:r>
-                            <a:rPr lang="en-US" altLang="ko-KR" sz="2400" b="0" i="1" smtClean="0">
-                              <a:latin typeface="Cambria Math" panose="02040503050406030204" pitchFamily="18" charset="0"/>
-                            </a:rPr>
-                            <m:t>𝑣</m:t>
-                          </m:r>
-                          <m:d>
-                            <m:dPr>
-                              <m:ctrlPr>
-                                <a:rPr lang="en-US" altLang="ko-KR" sz="2400" b="0" i="1" smtClean="0">
-                                  <a:latin typeface="Cambria Math" panose="02040503050406030204" pitchFamily="18" charset="0"/>
-                                </a:rPr>
-                              </m:ctrlPr>
-                            </m:dPr>
-                            <m:e>
-                              <m:r>
-                                <a:rPr lang="en-US" altLang="ko-KR" sz="2400" b="0" i="1" smtClean="0">
-                                  <a:latin typeface="Cambria Math" panose="02040503050406030204" pitchFamily="18" charset="0"/>
-                                </a:rPr>
-                                <m:t>𝑥</m:t>
-                              </m:r>
-                            </m:e>
-                          </m:d>
-                          <m:r>
-                            <a:rPr lang="en-US" altLang="ko-KR" sz="2400" b="0" i="1" smtClean="0">
-                              <a:latin typeface="Cambria Math" panose="02040503050406030204" pitchFamily="18" charset="0"/>
-                            </a:rPr>
-                            <m:t>−</m:t>
-                          </m:r>
-                          <m:r>
-                            <a:rPr lang="en-US" altLang="ko-KR" sz="2400" b="0" i="1" smtClean="0">
-                              <a:latin typeface="Cambria Math" panose="02040503050406030204" pitchFamily="18" charset="0"/>
-                            </a:rPr>
-                            <m:t>𝑢</m:t>
-                          </m:r>
-                          <m:d>
-                            <m:dPr>
-                              <m:ctrlPr>
-                                <a:rPr lang="en-US" altLang="ko-KR" sz="2400" b="0" i="1" smtClean="0">
-                                  <a:latin typeface="Cambria Math" panose="02040503050406030204" pitchFamily="18" charset="0"/>
-                                </a:rPr>
-                              </m:ctrlPr>
-                            </m:dPr>
-                            <m:e>
-                              <m:r>
-                                <a:rPr lang="en-US" altLang="ko-KR" sz="2400" b="0" i="1" smtClean="0">
-                                  <a:latin typeface="Cambria Math" panose="02040503050406030204" pitchFamily="18" charset="0"/>
-                                </a:rPr>
-                                <m:t>𝑥</m:t>
-                              </m:r>
-                            </m:e>
-                          </m:d>
-                          <m:sSup>
-                            <m:sSupPr>
-                              <m:ctrlPr>
-                                <a:rPr lang="en-US" altLang="ko-KR" sz="2400" b="0" i="1" smtClean="0">
-                                  <a:latin typeface="Cambria Math" panose="02040503050406030204" pitchFamily="18" charset="0"/>
-                                </a:rPr>
-                              </m:ctrlPr>
-                            </m:sSupPr>
-                            <m:e>
-                              <m:r>
-                                <a:rPr lang="en-US" altLang="ko-KR" sz="2400" b="0" i="1" smtClean="0">
-                                  <a:latin typeface="Cambria Math" panose="02040503050406030204" pitchFamily="18" charset="0"/>
-                                </a:rPr>
-                                <m:t>𝑣</m:t>
-                              </m:r>
-                            </m:e>
-                            <m:sup>
-                              <m:r>
-                                <a:rPr lang="en-US" altLang="ko-KR" sz="2400" b="0" i="1" smtClean="0">
-                                  <a:latin typeface="Cambria Math" panose="02040503050406030204" pitchFamily="18" charset="0"/>
-                                </a:rPr>
-                                <m:t>′</m:t>
-                              </m:r>
-                            </m:sup>
-                          </m:sSup>
-                          <m:d>
-                            <m:dPr>
-                              <m:ctrlPr>
-                                <a:rPr lang="en-US" altLang="ko-KR" sz="2400" b="0" i="1" smtClean="0">
-                                  <a:latin typeface="Cambria Math" panose="02040503050406030204" pitchFamily="18" charset="0"/>
-                                </a:rPr>
-                              </m:ctrlPr>
-                            </m:dPr>
-                            <m:e>
-                              <m:r>
-                                <a:rPr lang="en-US" altLang="ko-KR" sz="2400" b="0" i="1" smtClean="0">
-                                  <a:latin typeface="Cambria Math" panose="02040503050406030204" pitchFamily="18" charset="0"/>
-                                </a:rPr>
-                                <m:t>𝑥</m:t>
-                              </m:r>
-                            </m:e>
-                          </m:d>
-                        </m:num>
-                        <m:den>
-                          <m:sSup>
-                            <m:sSupPr>
-                              <m:ctrlPr>
-                                <a:rPr lang="en-US" altLang="ko-KR" sz="2400" b="0" i="1" smtClean="0">
-                                  <a:latin typeface="Cambria Math" panose="02040503050406030204" pitchFamily="18" charset="0"/>
-                                </a:rPr>
-                              </m:ctrlPr>
-                            </m:sSupPr>
-                            <m:e>
-                              <m:r>
-                                <a:rPr lang="en-US" altLang="ko-KR" sz="2400" b="0" i="1" smtClean="0">
-                                  <a:latin typeface="Cambria Math" panose="02040503050406030204" pitchFamily="18" charset="0"/>
-                                </a:rPr>
-                                <m:t>𝑣</m:t>
-                              </m:r>
-                            </m:e>
-                            <m:sup>
-                              <m:r>
-                                <a:rPr lang="en-US" altLang="ko-KR" sz="2400" b="0" i="1" smtClean="0">
-                                  <a:latin typeface="Cambria Math" panose="02040503050406030204" pitchFamily="18" charset="0"/>
-                                </a:rPr>
-                                <m:t>2</m:t>
-                              </m:r>
-                            </m:sup>
-                          </m:sSup>
-                        </m:den>
-                      </m:f>
-                    </m:oMath>
-                  </m:oMathPara>
-                </a14:m>
-                <a:endParaRPr lang="en-US" altLang="ko-KR" sz="2400" dirty="0"/>
-              </a:p>
-              <a:p>
-                <a:pPr>
-                  <a:lnSpc>
-                    <a:spcPct val="100000"/>
-                  </a:lnSpc>
-                </a:pPr>
-                <a:r>
-                  <a:rPr lang="ko-KR" altLang="en-US" sz="3000" dirty="0"/>
-                  <a:t>사인과 코사인의 미분</a:t>
-                </a:r>
-                <a:endParaRPr lang="en-US" altLang="ko-KR" sz="3000" dirty="0"/>
-              </a:p>
-              <a:p>
-                <a:pPr marL="0" indent="0">
-                  <a:lnSpc>
-                    <a:spcPct val="100000"/>
-                  </a:lnSpc>
-                  <a:buNone/>
-                </a:pPr>
-                <a14:m>
-                  <m:oMathPara xmlns:m="http://schemas.openxmlformats.org/officeDocument/2006/math">
-                    <m:oMathParaPr>
-                      <m:jc m:val="centerGroup"/>
-                    </m:oMathParaPr>
-                    <m:oMath xmlns:m="http://schemas.openxmlformats.org/officeDocument/2006/math">
-                      <m:f>
-                        <m:fPr>
-                          <m:ctrlPr>
-                            <a:rPr lang="en-US" altLang="ko-KR" sz="3000" b="0" i="1" smtClean="0">
-                              <a:latin typeface="Cambria Math" panose="02040503050406030204" pitchFamily="18" charset="0"/>
-                            </a:rPr>
-                          </m:ctrlPr>
-                        </m:fPr>
-                        <m:num>
-                          <m:r>
-                            <a:rPr lang="en-US" altLang="ko-KR" sz="3000" b="0" i="1" smtClean="0">
-                              <a:latin typeface="Cambria Math" panose="02040503050406030204" pitchFamily="18" charset="0"/>
-                            </a:rPr>
-                            <m:t>𝑑</m:t>
-                          </m:r>
-                        </m:num>
-                        <m:den>
-                          <m:r>
-                            <a:rPr lang="en-US" altLang="ko-KR" sz="3000" b="0" i="1" smtClean="0">
-                              <a:latin typeface="Cambria Math" panose="02040503050406030204" pitchFamily="18" charset="0"/>
-                            </a:rPr>
-                            <m:t>𝑑𝑥</m:t>
-                          </m:r>
-                        </m:den>
-                      </m:f>
-                      <m:func>
-                        <m:funcPr>
-                          <m:ctrlPr>
-                            <a:rPr lang="en-US" altLang="ko-KR" sz="3000" b="0" i="1" smtClean="0">
-                              <a:latin typeface="Cambria Math" panose="02040503050406030204" pitchFamily="18" charset="0"/>
-                            </a:rPr>
-                          </m:ctrlPr>
-                        </m:funcPr>
-                        <m:fName>
-                          <m:r>
-                            <m:rPr>
-                              <m:sty m:val="p"/>
-                            </m:rPr>
-                            <a:rPr lang="en-US" altLang="ko-KR" sz="3000" b="0" i="0" smtClean="0">
-                              <a:latin typeface="Cambria Math" panose="02040503050406030204" pitchFamily="18" charset="0"/>
-                            </a:rPr>
-                            <m:t>sin</m:t>
-                          </m:r>
-                        </m:fName>
-                        <m:e>
-                          <m:r>
-                            <a:rPr lang="en-US" altLang="ko-KR" sz="3000" b="0" i="1" smtClean="0">
-                              <a:latin typeface="Cambria Math" panose="02040503050406030204" pitchFamily="18" charset="0"/>
-                            </a:rPr>
-                            <m:t>𝑥</m:t>
-                          </m:r>
-                        </m:e>
-                      </m:func>
-                      <m:r>
-                        <a:rPr lang="en-US" altLang="ko-KR" sz="3000" b="0" i="1" smtClean="0">
-                          <a:latin typeface="Cambria Math" panose="02040503050406030204" pitchFamily="18" charset="0"/>
-                        </a:rPr>
-                        <m:t>=</m:t>
-                      </m:r>
-                      <m:func>
-                        <m:funcPr>
-                          <m:ctrlPr>
-                            <a:rPr lang="en-US" altLang="ko-KR" sz="3000" b="0" i="1" smtClean="0">
-                              <a:latin typeface="Cambria Math" panose="02040503050406030204" pitchFamily="18" charset="0"/>
-                            </a:rPr>
-                          </m:ctrlPr>
-                        </m:funcPr>
-                        <m:fName>
-                          <m:r>
-                            <m:rPr>
-                              <m:sty m:val="p"/>
-                            </m:rPr>
-                            <a:rPr lang="en-US" altLang="ko-KR" sz="3000" b="0" i="0" smtClean="0">
-                              <a:latin typeface="Cambria Math" panose="02040503050406030204" pitchFamily="18" charset="0"/>
-                            </a:rPr>
-                            <m:t>cos</m:t>
-                          </m:r>
-                        </m:fName>
-                        <m:e>
-                          <m:r>
-                            <a:rPr lang="en-US" altLang="ko-KR" sz="3000" b="0" i="1" smtClean="0">
-                              <a:latin typeface="Cambria Math" panose="02040503050406030204" pitchFamily="18" charset="0"/>
-                            </a:rPr>
-                            <m:t>𝑥</m:t>
-                          </m:r>
-                        </m:e>
-                      </m:func>
-                      <m:r>
-                        <a:rPr lang="en-US" altLang="ko-KR" sz="3000" b="0" i="1" smtClean="0">
-                          <a:latin typeface="Cambria Math" panose="02040503050406030204" pitchFamily="18" charset="0"/>
-                        </a:rPr>
-                        <m:t>,</m:t>
-                      </m:r>
-                      <m:f>
-                        <m:fPr>
-                          <m:ctrlPr>
-                            <a:rPr lang="en-US" altLang="ko-KR" sz="3000" b="0" i="1" smtClean="0">
-                              <a:latin typeface="Cambria Math" panose="02040503050406030204" pitchFamily="18" charset="0"/>
-                            </a:rPr>
-                          </m:ctrlPr>
-                        </m:fPr>
-                        <m:num>
-                          <m:r>
-                            <a:rPr lang="en-US" altLang="ko-KR" sz="3000" b="0" i="1" smtClean="0">
-                              <a:latin typeface="Cambria Math" panose="02040503050406030204" pitchFamily="18" charset="0"/>
-                            </a:rPr>
-                            <m:t>𝑑</m:t>
-                          </m:r>
-                        </m:num>
-                        <m:den>
-                          <m:r>
-                            <a:rPr lang="en-US" altLang="ko-KR" sz="3000" b="0" i="1" smtClean="0">
-                              <a:latin typeface="Cambria Math" panose="02040503050406030204" pitchFamily="18" charset="0"/>
-                            </a:rPr>
-                            <m:t>𝑑𝑥</m:t>
-                          </m:r>
-                        </m:den>
-                      </m:f>
-                      <m:func>
-                        <m:funcPr>
-                          <m:ctrlPr>
-                            <a:rPr lang="en-US" altLang="ko-KR" sz="3000" b="0" i="1" smtClean="0">
-                              <a:latin typeface="Cambria Math" panose="02040503050406030204" pitchFamily="18" charset="0"/>
-                            </a:rPr>
-                          </m:ctrlPr>
-                        </m:funcPr>
-                        <m:fName>
-                          <m:r>
-                            <m:rPr>
-                              <m:sty m:val="p"/>
-                            </m:rPr>
-                            <a:rPr lang="en-US" altLang="ko-KR" sz="3000" b="0" i="0" smtClean="0">
-                              <a:latin typeface="Cambria Math" panose="02040503050406030204" pitchFamily="18" charset="0"/>
-                            </a:rPr>
-                            <m:t>cos</m:t>
-                          </m:r>
-                        </m:fName>
-                        <m:e>
-                          <m:r>
-                            <a:rPr lang="en-US" altLang="ko-KR" sz="3000" b="0" i="1" smtClean="0">
-                              <a:latin typeface="Cambria Math" panose="02040503050406030204" pitchFamily="18" charset="0"/>
-                            </a:rPr>
-                            <m:t>𝑥</m:t>
-                          </m:r>
-                        </m:e>
-                      </m:func>
-                      <m:r>
-                        <a:rPr lang="en-US" altLang="ko-KR" sz="3000" b="0" i="1" smtClean="0">
-                          <a:latin typeface="Cambria Math" panose="02040503050406030204" pitchFamily="18" charset="0"/>
-                        </a:rPr>
-                        <m:t>=−</m:t>
-                      </m:r>
-                      <m:func>
-                        <m:funcPr>
-                          <m:ctrlPr>
-                            <a:rPr lang="en-US" altLang="ko-KR" sz="3000" b="0" i="1" smtClean="0">
-                              <a:latin typeface="Cambria Math" panose="02040503050406030204" pitchFamily="18" charset="0"/>
-                            </a:rPr>
-                          </m:ctrlPr>
-                        </m:funcPr>
-                        <m:fName>
-                          <m:r>
-                            <m:rPr>
-                              <m:sty m:val="p"/>
-                            </m:rPr>
-                            <a:rPr lang="en-US" altLang="ko-KR" sz="3000" b="0" i="0" smtClean="0">
-                              <a:latin typeface="Cambria Math" panose="02040503050406030204" pitchFamily="18" charset="0"/>
-                            </a:rPr>
-                            <m:t>sin</m:t>
-                          </m:r>
-                        </m:fName>
-                        <m:e>
-                          <m:r>
-                            <a:rPr lang="en-US" altLang="ko-KR" sz="3000" b="0" i="1" smtClean="0">
-                              <a:latin typeface="Cambria Math" panose="02040503050406030204" pitchFamily="18" charset="0"/>
-                            </a:rPr>
-                            <m:t>𝑥</m:t>
-                          </m:r>
-                        </m:e>
-                      </m:func>
-                    </m:oMath>
-                  </m:oMathPara>
-                </a14:m>
-                <a:endParaRPr lang="en-US" altLang="ko-KR" sz="3000" dirty="0"/>
-              </a:p>
-            </p:txBody>
-          </p:sp>
-        </mc:Choice>
-        <mc:Fallback xmlns="">
-          <p:sp>
-            <p:nvSpPr>
-              <p:cNvPr id="6" name="Text Placeholder 5"/>
-              <p:cNvSpPr>
-                <a:spLocks noGrp="1" noRot="1" noChangeAspect="1" noMove="1" noResize="1" noEditPoints="1" noAdjustHandles="1" noChangeArrowheads="1" noChangeShapeType="1" noTextEdit="1"/>
-              </p:cNvSpPr>
-              <p:nvPr>
-                <p:ph type="body" sz="quarter" idx="10"/>
-              </p:nvPr>
-            </p:nvSpPr>
-            <p:spPr>
-              <a:xfrm>
-                <a:off x="519248" y="1447801"/>
-                <a:ext cx="11151917" cy="4944532"/>
-              </a:xfrm>
-              <a:blipFill>
-                <a:blip r:embed="rId3"/>
-                <a:stretch>
-                  <a:fillRect l="-1694" t="-2589"/>
-                </a:stretch>
-              </a:blipFill>
-            </p:spPr>
-            <p:txBody>
-              <a:bodyPr/>
-              <a:lstStyle/>
-              <a:p>
-                <a:r>
-                  <a:rPr lang="ko-KR" altLang="en-US">
-                    <a:noFill/>
-                  </a:rPr>
-                  <a:t> </a:t>
-                </a:r>
-              </a:p>
-            </p:txBody>
-          </p:sp>
-        </mc:Fallback>
-      </mc:AlternateContent>
-    </p:spTree>
-    <p:extLst>
-      <p:ext uri="{BB962C8B-B14F-4D97-AF65-F5344CB8AC3E}">
-        <p14:creationId xmlns:p14="http://schemas.microsoft.com/office/powerpoint/2010/main" val="3981110683"/>
       </p:ext>
     </p:extLst>
   </p:cSld>
